--- a/Improgress/PM-3.pptx
+++ b/Improgress/PM-3.pptx
@@ -5,10 +5,10 @@
     <p:sldMasterId id="2147483648" r:id="rId1"/>
   </p:sldMasterIdLst>
   <p:notesMasterIdLst>
-    <p:notesMasterId r:id="rId27"/>
+    <p:notesMasterId r:id="rId26"/>
   </p:notesMasterIdLst>
   <p:handoutMasterIdLst>
-    <p:handoutMasterId r:id="rId28"/>
+    <p:handoutMasterId r:id="rId27"/>
   </p:handoutMasterIdLst>
   <p:sldIdLst>
     <p:sldId id="256" r:id="rId2"/>
@@ -21,21 +21,20 @@
     <p:sldId id="284" r:id="rId9"/>
     <p:sldId id="285" r:id="rId10"/>
     <p:sldId id="275" r:id="rId11"/>
-    <p:sldId id="290" r:id="rId12"/>
-    <p:sldId id="286" r:id="rId13"/>
-    <p:sldId id="287" r:id="rId14"/>
-    <p:sldId id="288" r:id="rId15"/>
-    <p:sldId id="289" r:id="rId16"/>
-    <p:sldId id="335" r:id="rId17"/>
-    <p:sldId id="277" r:id="rId18"/>
-    <p:sldId id="295" r:id="rId19"/>
-    <p:sldId id="291" r:id="rId20"/>
-    <p:sldId id="296" r:id="rId21"/>
-    <p:sldId id="278" r:id="rId22"/>
-    <p:sldId id="297" r:id="rId23"/>
-    <p:sldId id="279" r:id="rId24"/>
-    <p:sldId id="334" r:id="rId25"/>
-    <p:sldId id="333" r:id="rId26"/>
+    <p:sldId id="286" r:id="rId12"/>
+    <p:sldId id="287" r:id="rId13"/>
+    <p:sldId id="288" r:id="rId14"/>
+    <p:sldId id="289" r:id="rId15"/>
+    <p:sldId id="335" r:id="rId16"/>
+    <p:sldId id="277" r:id="rId17"/>
+    <p:sldId id="295" r:id="rId18"/>
+    <p:sldId id="291" r:id="rId19"/>
+    <p:sldId id="296" r:id="rId20"/>
+    <p:sldId id="278" r:id="rId21"/>
+    <p:sldId id="297" r:id="rId22"/>
+    <p:sldId id="279" r:id="rId23"/>
+    <p:sldId id="334" r:id="rId24"/>
+    <p:sldId id="333" r:id="rId25"/>
   </p:sldIdLst>
   <p:sldSz cx="12192000" cy="6858000"/>
   <p:notesSz cx="6858000" cy="9144000"/>
@@ -835,7 +834,7 @@
     </p:spTree>
     <p:extLst>
       <p:ext uri="{BB962C8B-B14F-4D97-AF65-F5344CB8AC3E}">
-        <p14:creationId xmlns:p14="http://schemas.microsoft.com/office/powerpoint/2010/main" val="400796730"/>
+        <p14:creationId xmlns:p14="http://schemas.microsoft.com/office/powerpoint/2010/main" val="648946131"/>
       </p:ext>
     </p:extLst>
   </p:cSld>
@@ -910,91 +909,7 @@
           <a:p>
             <a:fld id="{E65D64CF-40D3-8A4B-A22E-736EA1880BEB}" type="slidenum">
               <a:rPr lang="en-US" smtClean="0"/>
-              <a:t>20</a:t>
-            </a:fld>
-            <a:endParaRPr lang="en-US"/>
-          </a:p>
-        </p:txBody>
-      </p:sp>
-    </p:spTree>
-    <p:extLst>
-      <p:ext uri="{BB962C8B-B14F-4D97-AF65-F5344CB8AC3E}">
-        <p14:creationId xmlns:p14="http://schemas.microsoft.com/office/powerpoint/2010/main" val="648946131"/>
-      </p:ext>
-    </p:extLst>
-  </p:cSld>
-  <p:clrMapOvr>
-    <a:masterClrMapping/>
-  </p:clrMapOvr>
-</p:notes>
-</file>
-
-<file path=ppt/notesSlides/notesSlide12.xml><?xml version="1.0" encoding="utf-8"?>
-<p:notes xmlns:a="http://schemas.openxmlformats.org/drawingml/2006/main" xmlns:r="http://schemas.openxmlformats.org/officeDocument/2006/relationships" xmlns:p="http://schemas.openxmlformats.org/presentationml/2006/main">
-  <p:cSld>
-    <p:spTree>
-      <p:nvGrpSpPr>
-        <p:cNvPr id="1" name=""/>
-        <p:cNvGrpSpPr/>
-        <p:nvPr/>
-      </p:nvGrpSpPr>
-      <p:grpSpPr>
-        <a:xfrm>
-          <a:off x="0" y="0"/>
-          <a:ext cx="0" cy="0"/>
-          <a:chOff x="0" y="0"/>
-          <a:chExt cx="0" cy="0"/>
-        </a:xfrm>
-      </p:grpSpPr>
-      <p:sp>
-        <p:nvSpPr>
-          <p:cNvPr id="2" name="Slide Image Placeholder 1"/>
-          <p:cNvSpPr>
-            <a:spLocks noGrp="1" noRot="1" noChangeAspect="1"/>
-          </p:cNvSpPr>
-          <p:nvPr>
-            <p:ph type="sldImg"/>
-          </p:nvPr>
-        </p:nvSpPr>
-        <p:spPr/>
-      </p:sp>
-      <p:sp>
-        <p:nvSpPr>
-          <p:cNvPr id="3" name="Notes Placeholder 2"/>
-          <p:cNvSpPr>
-            <a:spLocks noGrp="1"/>
-          </p:cNvSpPr>
-          <p:nvPr>
-            <p:ph type="body" idx="1"/>
-          </p:nvPr>
-        </p:nvSpPr>
-        <p:spPr/>
-        <p:txBody>
-          <a:bodyPr/>
-          <a:lstStyle/>
-          <a:p>
-            <a:endParaRPr lang="en-US" dirty="0"/>
-          </a:p>
-        </p:txBody>
-      </p:sp>
-      <p:sp>
-        <p:nvSpPr>
-          <p:cNvPr id="4" name="Slide Number Placeholder 3"/>
-          <p:cNvSpPr>
-            <a:spLocks noGrp="1"/>
-          </p:cNvSpPr>
-          <p:nvPr>
-            <p:ph type="sldNum" sz="quarter" idx="5"/>
-          </p:nvPr>
-        </p:nvSpPr>
-        <p:spPr/>
-        <p:txBody>
-          <a:bodyPr/>
-          <a:lstStyle/>
-          <a:p>
-            <a:fld id="{E65D64CF-40D3-8A4B-A22E-736EA1880BEB}" type="slidenum">
-              <a:rPr lang="en-US" smtClean="0"/>
-              <a:t>25</a:t>
+              <a:t>24</a:t>
             </a:fld>
             <a:endParaRPr lang="en-US"/>
           </a:p>
@@ -1171,7 +1086,7 @@
     </p:spTree>
     <p:extLst>
       <p:ext uri="{BB962C8B-B14F-4D97-AF65-F5344CB8AC3E}">
-        <p14:creationId xmlns:p14="http://schemas.microsoft.com/office/powerpoint/2010/main" val="113450299"/>
+        <p14:creationId xmlns:p14="http://schemas.microsoft.com/office/powerpoint/2010/main" val="4086595374"/>
       </p:ext>
     </p:extLst>
   </p:cSld>
@@ -1255,7 +1170,7 @@
     </p:spTree>
     <p:extLst>
       <p:ext uri="{BB962C8B-B14F-4D97-AF65-F5344CB8AC3E}">
-        <p14:creationId xmlns:p14="http://schemas.microsoft.com/office/powerpoint/2010/main" val="4086595374"/>
+        <p14:creationId xmlns:p14="http://schemas.microsoft.com/office/powerpoint/2010/main" val="1795179585"/>
       </p:ext>
     </p:extLst>
   </p:cSld>
@@ -1339,7 +1254,7 @@
     </p:spTree>
     <p:extLst>
       <p:ext uri="{BB962C8B-B14F-4D97-AF65-F5344CB8AC3E}">
-        <p14:creationId xmlns:p14="http://schemas.microsoft.com/office/powerpoint/2010/main" val="1795179585"/>
+        <p14:creationId xmlns:p14="http://schemas.microsoft.com/office/powerpoint/2010/main" val="2970569390"/>
       </p:ext>
     </p:extLst>
   </p:cSld>
@@ -1423,7 +1338,7 @@
     </p:spTree>
     <p:extLst>
       <p:ext uri="{BB962C8B-B14F-4D97-AF65-F5344CB8AC3E}">
-        <p14:creationId xmlns:p14="http://schemas.microsoft.com/office/powerpoint/2010/main" val="2970569390"/>
+        <p14:creationId xmlns:p14="http://schemas.microsoft.com/office/powerpoint/2010/main" val="1988835414"/>
       </p:ext>
     </p:extLst>
   </p:cSld>
@@ -1507,7 +1422,7 @@
     </p:spTree>
     <p:extLst>
       <p:ext uri="{BB962C8B-B14F-4D97-AF65-F5344CB8AC3E}">
-        <p14:creationId xmlns:p14="http://schemas.microsoft.com/office/powerpoint/2010/main" val="1988835414"/>
+        <p14:creationId xmlns:p14="http://schemas.microsoft.com/office/powerpoint/2010/main" val="3876933750"/>
       </p:ext>
     </p:extLst>
   </p:cSld>
@@ -1582,7 +1497,7 @@
           <a:p>
             <a:fld id="{E65D64CF-40D3-8A4B-A22E-736EA1880BEB}" type="slidenum">
               <a:rPr lang="en-US" smtClean="0"/>
-              <a:t>16</a:t>
+              <a:t>17</a:t>
             </a:fld>
             <a:endParaRPr lang="en-US"/>
           </a:p>
@@ -1591,7 +1506,7 @@
     </p:spTree>
     <p:extLst>
       <p:ext uri="{BB962C8B-B14F-4D97-AF65-F5344CB8AC3E}">
-        <p14:creationId xmlns:p14="http://schemas.microsoft.com/office/powerpoint/2010/main" val="3876933750"/>
+        <p14:creationId xmlns:p14="http://schemas.microsoft.com/office/powerpoint/2010/main" val="2045446763"/>
       </p:ext>
     </p:extLst>
   </p:cSld>
@@ -1675,7 +1590,7 @@
     </p:spTree>
     <p:extLst>
       <p:ext uri="{BB962C8B-B14F-4D97-AF65-F5344CB8AC3E}">
-        <p14:creationId xmlns:p14="http://schemas.microsoft.com/office/powerpoint/2010/main" val="2045446763"/>
+        <p14:creationId xmlns:p14="http://schemas.microsoft.com/office/powerpoint/2010/main" val="400796730"/>
       </p:ext>
     </p:extLst>
   </p:cSld>
@@ -6166,10 +6081,14 @@
   </p:clrMapOvr>
   <mc:AlternateContent xmlns:mc="http://schemas.openxmlformats.org/markup-compatibility/2006">
     <mc:Choice xmlns:p14="http://schemas.microsoft.com/office/powerpoint/2010/main" Requires="p14">
-      <p:transition spd="slow" p14:dur="2000" advTm="2712"/>
+      <p:transition spd="med" p14:dur="700" advTm="2712">
+        <p:fade/>
+      </p:transition>
     </mc:Choice>
     <mc:Fallback>
-      <p:transition spd="slow" advTm="2712"/>
+      <p:transition spd="med" advTm="2712">
+        <p:fade/>
+      </p:transition>
     </mc:Fallback>
   </mc:AlternateContent>
 </p:sld>
@@ -6392,7 +6311,7 @@
           <p:nvPr>
             <p:extLst>
               <p:ext uri="{D42A27DB-BD31-4B8C-83A1-F6EECF244321}">
-                <p14:modId xmlns:p14="http://schemas.microsoft.com/office/powerpoint/2010/main" val="329530193"/>
+                <p14:modId xmlns:p14="http://schemas.microsoft.com/office/powerpoint/2010/main" val="2500483671"/>
               </p:ext>
             </p:extLst>
           </p:nvPr>
@@ -6447,44 +6366,8 @@
                         <a:defRPr/>
                       </a:pPr>
                       <a:r>
-                        <a:rPr lang="en-US" dirty="0" err="1"/>
-                        <a:t>Tổng</a:t>
-                      </a:r>
-                      <a:r>
                         <a:rPr lang="en-US" dirty="0"/>
-                        <a:t> </a:t>
-                      </a:r>
-                      <a:r>
-                        <a:rPr lang="en-US" dirty="0" err="1"/>
-                        <a:t>số</a:t>
-                      </a:r>
-                      <a:r>
-                        <a:rPr lang="en-US" dirty="0"/>
-                        <a:t> </a:t>
-                      </a:r>
-                      <a:r>
-                        <a:rPr lang="en-US" dirty="0" err="1"/>
-                        <a:t>công</a:t>
-                      </a:r>
-                      <a:r>
-                        <a:rPr lang="en-US" dirty="0"/>
-                        <a:t> </a:t>
-                      </a:r>
-                      <a:r>
-                        <a:rPr lang="en-US" dirty="0" err="1"/>
-                        <a:t>việc</a:t>
-                      </a:r>
-                      <a:r>
-                        <a:rPr lang="en-US" dirty="0"/>
-                        <a:t> </a:t>
-                      </a:r>
-                      <a:r>
-                        <a:rPr lang="en-US" dirty="0" err="1"/>
-                        <a:t>cho</a:t>
-                      </a:r>
-                      <a:r>
-                        <a:rPr lang="en-US" dirty="0"/>
-                        <a:t> module 1</a:t>
+                        <a:t>Total work for module 1</a:t>
                       </a:r>
                       <a:endParaRPr lang="en-US" dirty="0">
                         <a:latin typeface="Arial" panose="020B0604020202020204" pitchFamily="34" charset="0"/>
@@ -6538,44 +6421,8 @@
                         <a:defRPr/>
                       </a:pPr>
                       <a:r>
-                        <a:rPr lang="en-US" dirty="0" err="1"/>
-                        <a:t>Tổng</a:t>
-                      </a:r>
-                      <a:r>
                         <a:rPr lang="en-US" dirty="0"/>
-                        <a:t> </a:t>
-                      </a:r>
-                      <a:r>
-                        <a:rPr lang="en-US" dirty="0" err="1"/>
-                        <a:t>số</a:t>
-                      </a:r>
-                      <a:r>
-                        <a:rPr lang="en-US" dirty="0"/>
-                        <a:t> </a:t>
-                      </a:r>
-                      <a:r>
-                        <a:rPr lang="en-US" dirty="0" err="1"/>
-                        <a:t>công</a:t>
-                      </a:r>
-                      <a:r>
-                        <a:rPr lang="en-US" dirty="0"/>
-                        <a:t> </a:t>
-                      </a:r>
-                      <a:r>
-                        <a:rPr lang="en-US" dirty="0" err="1"/>
-                        <a:t>việc</a:t>
-                      </a:r>
-                      <a:r>
-                        <a:rPr lang="en-US" dirty="0"/>
-                        <a:t> </a:t>
-                      </a:r>
-                      <a:r>
-                        <a:rPr lang="en-US" dirty="0" err="1"/>
-                        <a:t>cho</a:t>
-                      </a:r>
-                      <a:r>
-                        <a:rPr lang="en-US" dirty="0"/>
-                        <a:t> module 2</a:t>
+                        <a:t>Total work for module 2</a:t>
                       </a:r>
                       <a:endParaRPr lang="en-US" dirty="0">
                         <a:latin typeface="Arial" panose="020B0604020202020204" pitchFamily="34" charset="0"/>
@@ -6629,44 +6476,8 @@
                         <a:defRPr/>
                       </a:pPr>
                       <a:r>
-                        <a:rPr lang="en-US" dirty="0" err="1"/>
-                        <a:t>Tổng</a:t>
-                      </a:r>
-                      <a:r>
                         <a:rPr lang="en-US" dirty="0"/>
-                        <a:t> </a:t>
-                      </a:r>
-                      <a:r>
-                        <a:rPr lang="en-US" dirty="0" err="1"/>
-                        <a:t>số</a:t>
-                      </a:r>
-                      <a:r>
-                        <a:rPr lang="en-US" dirty="0"/>
-                        <a:t> </a:t>
-                      </a:r>
-                      <a:r>
-                        <a:rPr lang="en-US" dirty="0" err="1"/>
-                        <a:t>công</a:t>
-                      </a:r>
-                      <a:r>
-                        <a:rPr lang="en-US" dirty="0"/>
-                        <a:t> </a:t>
-                      </a:r>
-                      <a:r>
-                        <a:rPr lang="en-US" dirty="0" err="1"/>
-                        <a:t>việc</a:t>
-                      </a:r>
-                      <a:r>
-                        <a:rPr lang="en-US" dirty="0"/>
-                        <a:t> </a:t>
-                      </a:r>
-                      <a:r>
-                        <a:rPr lang="en-US" dirty="0" err="1"/>
-                        <a:t>cho</a:t>
-                      </a:r>
-                      <a:r>
-                        <a:rPr lang="en-US" dirty="0"/>
-                        <a:t> module 3</a:t>
+                        <a:t>Total work for module 3</a:t>
                       </a:r>
                       <a:endParaRPr lang="en-US" dirty="0">
                         <a:latin typeface="Arial" panose="020B0604020202020204" pitchFamily="34" charset="0"/>
@@ -6738,6 +6549,18 @@
   <p:clrMapOvr>
     <a:masterClrMapping/>
   </p:clrMapOvr>
+  <mc:AlternateContent xmlns:mc="http://schemas.openxmlformats.org/markup-compatibility/2006">
+    <mc:Choice xmlns:p14="http://schemas.microsoft.com/office/powerpoint/2010/main" Requires="p14">
+      <p:transition spd="med" p14:dur="700">
+        <p:fade/>
+      </p:transition>
+    </mc:Choice>
+    <mc:Fallback>
+      <p:transition spd="med">
+        <p:fade/>
+      </p:transition>
+    </mc:Fallback>
+  </mc:AlternateContent>
 </p:sld>
 </file>
 
@@ -6775,7 +6598,7 @@
           <a:p>
             <a:r>
               <a:rPr lang="en-US" altLang="ko-KR" b="1" dirty="0"/>
-              <a:t>Actual chart (TT) (days)</a:t>
+              <a:t>Actual chart (TT) (hours)</a:t>
             </a:r>
             <a:endParaRPr lang="en-US" b="1" dirty="0">
               <a:latin typeface="Arial" pitchFamily="34" charset="0"/>
@@ -6949,907 +6772,10 @@
           <p:cNvGraphicFramePr>
             <a:graphicFrameLocks/>
           </p:cNvGraphicFramePr>
-          <p:nvPr/>
-        </p:nvGraphicFramePr>
-        <p:xfrm>
-          <a:off x="6379863" y="2452482"/>
-          <a:ext cx="5078712" cy="3692628"/>
-        </p:xfrm>
-        <a:graphic>
-          <a:graphicData uri="http://schemas.openxmlformats.org/drawingml/2006/table">
-            <a:tbl>
-              <a:tblPr firstCol="1" bandRow="1">
-                <a:tableStyleId>{F5AB1C69-6EDB-4FF4-983F-18BD219EF322}</a:tableStyleId>
-              </a:tblPr>
-              <a:tblGrid>
-                <a:gridCol w="3649962">
-                  <a:extLst>
-                    <a:ext uri="{9D8B030D-6E8A-4147-A177-3AD203B41FA5}">
-                      <a16:colId xmlns:a16="http://schemas.microsoft.com/office/drawing/2014/main" val="4063729469"/>
-                    </a:ext>
-                  </a:extLst>
-                </a:gridCol>
-                <a:gridCol w="1428750">
-                  <a:extLst>
-                    <a:ext uri="{9D8B030D-6E8A-4147-A177-3AD203B41FA5}">
-                      <a16:colId xmlns:a16="http://schemas.microsoft.com/office/drawing/2014/main" val="2222757179"/>
-                    </a:ext>
-                  </a:extLst>
-                </a:gridCol>
-              </a:tblGrid>
-              <a:tr h="923157">
-                <a:tc>
-                  <a:txBody>
-                    <a:bodyPr/>
-                    <a:lstStyle/>
-                    <a:p>
-                      <a:pPr algn="ctr"/>
-                      <a:r>
-                        <a:rPr lang="en-US" dirty="0" err="1">
-                          <a:solidFill>
-                            <a:schemeClr val="bg1"/>
-                          </a:solidFill>
-                        </a:rPr>
-                        <a:t>Tổng</a:t>
-                      </a:r>
-                      <a:r>
-                        <a:rPr lang="en-US" dirty="0">
-                          <a:solidFill>
-                            <a:schemeClr val="bg1"/>
-                          </a:solidFill>
-                        </a:rPr>
-                        <a:t> </a:t>
-                      </a:r>
-                      <a:r>
-                        <a:rPr lang="en-US" dirty="0" err="1">
-                          <a:solidFill>
-                            <a:schemeClr val="bg1"/>
-                          </a:solidFill>
-                        </a:rPr>
-                        <a:t>thời</a:t>
-                      </a:r>
-                      <a:r>
-                        <a:rPr lang="en-US" dirty="0">
-                          <a:solidFill>
-                            <a:schemeClr val="bg1"/>
-                          </a:solidFill>
-                        </a:rPr>
-                        <a:t> </a:t>
-                      </a:r>
-                      <a:r>
-                        <a:rPr lang="en-US" dirty="0" err="1">
-                          <a:solidFill>
-                            <a:schemeClr val="bg1"/>
-                          </a:solidFill>
-                        </a:rPr>
-                        <a:t>gian</a:t>
-                      </a:r>
-                      <a:r>
-                        <a:rPr lang="en-US" dirty="0">
-                          <a:solidFill>
-                            <a:schemeClr val="bg1"/>
-                          </a:solidFill>
-                        </a:rPr>
-                        <a:t> </a:t>
-                      </a:r>
-                      <a:r>
-                        <a:rPr lang="en-US" dirty="0" err="1">
-                          <a:solidFill>
-                            <a:schemeClr val="bg1"/>
-                          </a:solidFill>
-                        </a:rPr>
-                        <a:t>thực</a:t>
-                      </a:r>
-                      <a:r>
-                        <a:rPr lang="en-US" dirty="0">
-                          <a:solidFill>
-                            <a:schemeClr val="bg1"/>
-                          </a:solidFill>
-                        </a:rPr>
-                        <a:t> </a:t>
-                      </a:r>
-                      <a:r>
-                        <a:rPr lang="en-US" dirty="0" err="1">
-                          <a:solidFill>
-                            <a:schemeClr val="bg1"/>
-                          </a:solidFill>
-                        </a:rPr>
-                        <a:t>tế</a:t>
-                      </a:r>
-                      <a:r>
-                        <a:rPr lang="en-US" dirty="0">
-                          <a:solidFill>
-                            <a:schemeClr val="bg1"/>
-                          </a:solidFill>
-                        </a:rPr>
-                        <a:t> </a:t>
-                      </a:r>
-                      <a:r>
-                        <a:rPr lang="en-US" dirty="0" err="1">
-                          <a:solidFill>
-                            <a:schemeClr val="bg1"/>
-                          </a:solidFill>
-                        </a:rPr>
-                        <a:t>hoàn</a:t>
-                      </a:r>
-                      <a:r>
-                        <a:rPr lang="en-US" dirty="0">
-                          <a:solidFill>
-                            <a:schemeClr val="bg1"/>
-                          </a:solidFill>
-                        </a:rPr>
-                        <a:t> </a:t>
-                      </a:r>
-                      <a:r>
-                        <a:rPr lang="en-US" dirty="0" err="1">
-                          <a:solidFill>
-                            <a:schemeClr val="bg1"/>
-                          </a:solidFill>
-                        </a:rPr>
-                        <a:t>thành</a:t>
-                      </a:r>
-                      <a:r>
-                        <a:rPr lang="en-US" dirty="0">
-                          <a:solidFill>
-                            <a:schemeClr val="bg1"/>
-                          </a:solidFill>
-                        </a:rPr>
-                        <a:t> module 1</a:t>
-                      </a:r>
-                    </a:p>
-                  </a:txBody>
-                  <a:tcPr anchor="ctr"/>
-                </a:tc>
-                <a:tc>
-                  <a:txBody>
-                    <a:bodyPr/>
-                    <a:lstStyle/>
-                    <a:p>
-                      <a:pPr algn="ctr"/>
-                      <a:r>
-                        <a:rPr lang="en-US" dirty="0"/>
-                        <a:t>43 day</a:t>
-                      </a:r>
-                    </a:p>
-                  </a:txBody>
-                  <a:tcPr anchor="ctr"/>
-                </a:tc>
-                <a:extLst>
-                  <a:ext uri="{0D108BD9-81ED-4DB2-BD59-A6C34878D82A}">
-                    <a16:rowId xmlns:a16="http://schemas.microsoft.com/office/drawing/2014/main" val="2434405490"/>
-                  </a:ext>
-                </a:extLst>
-              </a:tr>
-              <a:tr h="923157">
-                <a:tc>
-                  <a:txBody>
-                    <a:bodyPr/>
-                    <a:lstStyle/>
-                    <a:p>
-                      <a:pPr algn="ctr"/>
-                      <a:r>
-                        <a:rPr lang="en-US" dirty="0" err="1">
-                          <a:solidFill>
-                            <a:schemeClr val="bg1"/>
-                          </a:solidFill>
-                        </a:rPr>
-                        <a:t>Tổng</a:t>
-                      </a:r>
-                      <a:r>
-                        <a:rPr lang="en-US" dirty="0">
-                          <a:solidFill>
-                            <a:schemeClr val="bg1"/>
-                          </a:solidFill>
-                        </a:rPr>
-                        <a:t> </a:t>
-                      </a:r>
-                      <a:r>
-                        <a:rPr lang="en-US" dirty="0" err="1">
-                          <a:solidFill>
-                            <a:schemeClr val="bg1"/>
-                          </a:solidFill>
-                        </a:rPr>
-                        <a:t>thời</a:t>
-                      </a:r>
-                      <a:r>
-                        <a:rPr lang="en-US" dirty="0">
-                          <a:solidFill>
-                            <a:schemeClr val="bg1"/>
-                          </a:solidFill>
-                        </a:rPr>
-                        <a:t> </a:t>
-                      </a:r>
-                      <a:r>
-                        <a:rPr lang="en-US" dirty="0" err="1">
-                          <a:solidFill>
-                            <a:schemeClr val="bg1"/>
-                          </a:solidFill>
-                        </a:rPr>
-                        <a:t>gian</a:t>
-                      </a:r>
-                      <a:r>
-                        <a:rPr lang="en-US" dirty="0">
-                          <a:solidFill>
-                            <a:schemeClr val="bg1"/>
-                          </a:solidFill>
-                        </a:rPr>
-                        <a:t> </a:t>
-                      </a:r>
-                      <a:r>
-                        <a:rPr lang="en-US" dirty="0" err="1">
-                          <a:solidFill>
-                            <a:schemeClr val="bg1"/>
-                          </a:solidFill>
-                        </a:rPr>
-                        <a:t>thực</a:t>
-                      </a:r>
-                      <a:r>
-                        <a:rPr lang="en-US" dirty="0">
-                          <a:solidFill>
-                            <a:schemeClr val="bg1"/>
-                          </a:solidFill>
-                        </a:rPr>
-                        <a:t> </a:t>
-                      </a:r>
-                      <a:r>
-                        <a:rPr lang="en-US" dirty="0" err="1">
-                          <a:solidFill>
-                            <a:schemeClr val="bg1"/>
-                          </a:solidFill>
-                        </a:rPr>
-                        <a:t>tế</a:t>
-                      </a:r>
-                      <a:r>
-                        <a:rPr lang="en-US" dirty="0">
-                          <a:solidFill>
-                            <a:schemeClr val="bg1"/>
-                          </a:solidFill>
-                        </a:rPr>
-                        <a:t> </a:t>
-                      </a:r>
-                      <a:r>
-                        <a:rPr lang="en-US" dirty="0" err="1">
-                          <a:solidFill>
-                            <a:schemeClr val="bg1"/>
-                          </a:solidFill>
-                        </a:rPr>
-                        <a:t>hoàn</a:t>
-                      </a:r>
-                      <a:r>
-                        <a:rPr lang="en-US" dirty="0">
-                          <a:solidFill>
-                            <a:schemeClr val="bg1"/>
-                          </a:solidFill>
-                        </a:rPr>
-                        <a:t> </a:t>
-                      </a:r>
-                      <a:r>
-                        <a:rPr lang="en-US" dirty="0" err="1">
-                          <a:solidFill>
-                            <a:schemeClr val="bg1"/>
-                          </a:solidFill>
-                        </a:rPr>
-                        <a:t>thành</a:t>
-                      </a:r>
-                      <a:r>
-                        <a:rPr lang="en-US" dirty="0">
-                          <a:solidFill>
-                            <a:schemeClr val="bg1"/>
-                          </a:solidFill>
-                        </a:rPr>
-                        <a:t> module 2</a:t>
-                      </a:r>
-                    </a:p>
-                  </a:txBody>
-                  <a:tcPr anchor="ctr"/>
-                </a:tc>
-                <a:tc>
-                  <a:txBody>
-                    <a:bodyPr/>
-                    <a:lstStyle/>
-                    <a:p>
-                      <a:pPr algn="ctr"/>
-                      <a:r>
-                        <a:rPr lang="en-US" dirty="0"/>
-                        <a:t>20 day</a:t>
-                      </a:r>
-                    </a:p>
-                  </a:txBody>
-                  <a:tcPr anchor="ctr"/>
-                </a:tc>
-                <a:extLst>
-                  <a:ext uri="{0D108BD9-81ED-4DB2-BD59-A6C34878D82A}">
-                    <a16:rowId xmlns:a16="http://schemas.microsoft.com/office/drawing/2014/main" val="1417234166"/>
-                  </a:ext>
-                </a:extLst>
-              </a:tr>
-              <a:tr h="923157">
-                <a:tc>
-                  <a:txBody>
-                    <a:bodyPr/>
-                    <a:lstStyle/>
-                    <a:p>
-                      <a:pPr algn="ctr"/>
-                      <a:r>
-                        <a:rPr lang="en-US" dirty="0" err="1">
-                          <a:solidFill>
-                            <a:schemeClr val="bg1"/>
-                          </a:solidFill>
-                        </a:rPr>
-                        <a:t>Tổng</a:t>
-                      </a:r>
-                      <a:r>
-                        <a:rPr lang="en-US" dirty="0">
-                          <a:solidFill>
-                            <a:schemeClr val="bg1"/>
-                          </a:solidFill>
-                        </a:rPr>
-                        <a:t> </a:t>
-                      </a:r>
-                      <a:r>
-                        <a:rPr lang="en-US" dirty="0" err="1">
-                          <a:solidFill>
-                            <a:schemeClr val="bg1"/>
-                          </a:solidFill>
-                        </a:rPr>
-                        <a:t>thời</a:t>
-                      </a:r>
-                      <a:r>
-                        <a:rPr lang="en-US" dirty="0">
-                          <a:solidFill>
-                            <a:schemeClr val="bg1"/>
-                          </a:solidFill>
-                        </a:rPr>
-                        <a:t> </a:t>
-                      </a:r>
-                      <a:r>
-                        <a:rPr lang="en-US" dirty="0" err="1">
-                          <a:solidFill>
-                            <a:schemeClr val="bg1"/>
-                          </a:solidFill>
-                        </a:rPr>
-                        <a:t>gian</a:t>
-                      </a:r>
-                      <a:r>
-                        <a:rPr lang="en-US" dirty="0">
-                          <a:solidFill>
-                            <a:schemeClr val="bg1"/>
-                          </a:solidFill>
-                        </a:rPr>
-                        <a:t> </a:t>
-                      </a:r>
-                      <a:r>
-                        <a:rPr lang="en-US" dirty="0" err="1">
-                          <a:solidFill>
-                            <a:schemeClr val="bg1"/>
-                          </a:solidFill>
-                        </a:rPr>
-                        <a:t>thực</a:t>
-                      </a:r>
-                      <a:r>
-                        <a:rPr lang="en-US" dirty="0">
-                          <a:solidFill>
-                            <a:schemeClr val="bg1"/>
-                          </a:solidFill>
-                        </a:rPr>
-                        <a:t> </a:t>
-                      </a:r>
-                      <a:r>
-                        <a:rPr lang="en-US" dirty="0" err="1">
-                          <a:solidFill>
-                            <a:schemeClr val="bg1"/>
-                          </a:solidFill>
-                        </a:rPr>
-                        <a:t>tế</a:t>
-                      </a:r>
-                      <a:r>
-                        <a:rPr lang="en-US" dirty="0">
-                          <a:solidFill>
-                            <a:schemeClr val="bg1"/>
-                          </a:solidFill>
-                        </a:rPr>
-                        <a:t> </a:t>
-                      </a:r>
-                      <a:r>
-                        <a:rPr lang="en-US" dirty="0" err="1">
-                          <a:solidFill>
-                            <a:schemeClr val="bg1"/>
-                          </a:solidFill>
-                        </a:rPr>
-                        <a:t>hoàn</a:t>
-                      </a:r>
-                      <a:r>
-                        <a:rPr lang="en-US" dirty="0">
-                          <a:solidFill>
-                            <a:schemeClr val="bg1"/>
-                          </a:solidFill>
-                        </a:rPr>
-                        <a:t> </a:t>
-                      </a:r>
-                      <a:r>
-                        <a:rPr lang="en-US" dirty="0" err="1">
-                          <a:solidFill>
-                            <a:schemeClr val="bg1"/>
-                          </a:solidFill>
-                        </a:rPr>
-                        <a:t>thành</a:t>
-                      </a:r>
-                      <a:r>
-                        <a:rPr lang="en-US" dirty="0">
-                          <a:solidFill>
-                            <a:schemeClr val="bg1"/>
-                          </a:solidFill>
-                        </a:rPr>
-                        <a:t> module 3</a:t>
-                      </a:r>
-                    </a:p>
-                  </a:txBody>
-                  <a:tcPr anchor="ctr"/>
-                </a:tc>
-                <a:tc>
-                  <a:txBody>
-                    <a:bodyPr/>
-                    <a:lstStyle/>
-                    <a:p>
-                      <a:pPr algn="ctr"/>
-                      <a:r>
-                        <a:rPr lang="en-US" dirty="0"/>
-                        <a:t>65 day</a:t>
-                      </a:r>
-                    </a:p>
-                  </a:txBody>
-                  <a:tcPr anchor="ctr"/>
-                </a:tc>
-                <a:extLst>
-                  <a:ext uri="{0D108BD9-81ED-4DB2-BD59-A6C34878D82A}">
-                    <a16:rowId xmlns:a16="http://schemas.microsoft.com/office/drawing/2014/main" val="2511634183"/>
-                  </a:ext>
-                </a:extLst>
-              </a:tr>
-              <a:tr h="923157">
-                <a:tc gridSpan="2">
-                  <a:txBody>
-                    <a:bodyPr/>
-                    <a:lstStyle/>
-                    <a:p>
-                      <a:pPr marL="0" marR="0" lvl="0" indent="0" algn="ctr" defTabSz="914400" rtl="0" eaLnBrk="1" fontAlgn="auto" latinLnBrk="0" hangingPunct="1">
-                        <a:lnSpc>
-                          <a:spcPct val="100000"/>
-                        </a:lnSpc>
-                        <a:spcBef>
-                          <a:spcPts val="0"/>
-                        </a:spcBef>
-                        <a:spcAft>
-                          <a:spcPts val="0"/>
-                        </a:spcAft>
-                        <a:buClrTx/>
-                        <a:buSzTx/>
-                        <a:buFontTx/>
-                        <a:buNone/>
-                        <a:tabLst/>
-                        <a:defRPr/>
-                      </a:pPr>
-                      <a:r>
-                        <a:rPr lang="en-US" dirty="0" err="1">
-                          <a:solidFill>
-                            <a:schemeClr val="bg1"/>
-                          </a:solidFill>
-                        </a:rPr>
-                        <a:t>Đã</a:t>
-                      </a:r>
-                      <a:r>
-                        <a:rPr lang="en-US" dirty="0">
-                          <a:solidFill>
-                            <a:schemeClr val="bg1"/>
-                          </a:solidFill>
-                        </a:rPr>
-                        <a:t> </a:t>
-                      </a:r>
-                      <a:r>
-                        <a:rPr lang="en-US" dirty="0" err="1">
-                          <a:solidFill>
-                            <a:schemeClr val="bg1"/>
-                          </a:solidFill>
-                        </a:rPr>
-                        <a:t>trừ</a:t>
-                      </a:r>
-                      <a:r>
-                        <a:rPr lang="en-US" dirty="0">
-                          <a:solidFill>
-                            <a:schemeClr val="bg1"/>
-                          </a:solidFill>
-                        </a:rPr>
-                        <a:t> 3 </a:t>
-                      </a:r>
-                      <a:r>
-                        <a:rPr lang="en-US" dirty="0" err="1">
-                          <a:solidFill>
-                            <a:schemeClr val="bg1"/>
-                          </a:solidFill>
-                        </a:rPr>
-                        <a:t>tuần</a:t>
-                      </a:r>
-                      <a:r>
-                        <a:rPr lang="en-US" dirty="0">
-                          <a:solidFill>
-                            <a:schemeClr val="bg1"/>
-                          </a:solidFill>
-                        </a:rPr>
-                        <a:t> </a:t>
-                      </a:r>
-                      <a:r>
-                        <a:rPr lang="en-US" dirty="0" err="1">
-                          <a:solidFill>
-                            <a:schemeClr val="bg1"/>
-                          </a:solidFill>
-                        </a:rPr>
-                        <a:t>nghỉ</a:t>
-                      </a:r>
-                      <a:r>
-                        <a:rPr lang="en-US" dirty="0">
-                          <a:solidFill>
-                            <a:schemeClr val="bg1"/>
-                          </a:solidFill>
-                        </a:rPr>
-                        <a:t> </a:t>
-                      </a:r>
-                      <a:r>
-                        <a:rPr lang="en-US" dirty="0" err="1">
-                          <a:solidFill>
-                            <a:schemeClr val="bg1"/>
-                          </a:solidFill>
-                        </a:rPr>
-                        <a:t>tết</a:t>
-                      </a:r>
-                      <a:r>
-                        <a:rPr lang="en-US" dirty="0">
-                          <a:solidFill>
-                            <a:schemeClr val="bg1"/>
-                          </a:solidFill>
-                        </a:rPr>
-                        <a:t> </a:t>
-                      </a:r>
-                      <a:r>
-                        <a:rPr lang="en-US" dirty="0" err="1">
-                          <a:solidFill>
-                            <a:schemeClr val="bg1"/>
-                          </a:solidFill>
-                        </a:rPr>
-                        <a:t>và</a:t>
-                      </a:r>
-                      <a:r>
-                        <a:rPr lang="en-US" dirty="0">
-                          <a:solidFill>
-                            <a:schemeClr val="bg1"/>
-                          </a:solidFill>
-                        </a:rPr>
-                        <a:t> 2 </a:t>
-                      </a:r>
-                      <a:r>
-                        <a:rPr lang="en-US" dirty="0" err="1">
-                          <a:solidFill>
-                            <a:schemeClr val="bg1"/>
-                          </a:solidFill>
-                        </a:rPr>
-                        <a:t>tuần</a:t>
-                      </a:r>
-                      <a:r>
-                        <a:rPr lang="en-US" dirty="0">
-                          <a:solidFill>
-                            <a:schemeClr val="bg1"/>
-                          </a:solidFill>
-                        </a:rPr>
-                        <a:t> </a:t>
-                      </a:r>
-                      <a:r>
-                        <a:rPr lang="en-US" dirty="0" err="1">
-                          <a:solidFill>
-                            <a:schemeClr val="bg1"/>
-                          </a:solidFill>
-                        </a:rPr>
-                        <a:t>nghỉ</a:t>
-                      </a:r>
-                      <a:r>
-                        <a:rPr lang="en-US" dirty="0">
-                          <a:solidFill>
-                            <a:schemeClr val="bg1"/>
-                          </a:solidFill>
-                        </a:rPr>
-                        <a:t> </a:t>
-                      </a:r>
-                      <a:r>
-                        <a:rPr lang="en-US" dirty="0" err="1">
-                          <a:solidFill>
-                            <a:schemeClr val="bg1"/>
-                          </a:solidFill>
-                        </a:rPr>
-                        <a:t>dịch</a:t>
-                      </a:r>
-                      <a:endParaRPr lang="en-US" dirty="0">
-                        <a:solidFill>
-                          <a:schemeClr val="bg1"/>
-                        </a:solidFill>
-                      </a:endParaRPr>
-                    </a:p>
-                  </a:txBody>
-                  <a:tcPr anchor="ctr"/>
-                </a:tc>
-                <a:tc hMerge="1">
-                  <a:txBody>
-                    <a:bodyPr/>
-                    <a:lstStyle/>
-                    <a:p>
-                      <a:pPr algn="ctr"/>
-                      <a:endParaRPr lang="en-US" dirty="0"/>
-                    </a:p>
-                  </a:txBody>
-                  <a:tcPr anchor="ctr"/>
-                </a:tc>
-                <a:extLst>
-                  <a:ext uri="{0D108BD9-81ED-4DB2-BD59-A6C34878D82A}">
-                    <a16:rowId xmlns:a16="http://schemas.microsoft.com/office/drawing/2014/main" val="1857297125"/>
-                  </a:ext>
-                </a:extLst>
-              </a:tr>
-            </a:tbl>
-          </a:graphicData>
-        </a:graphic>
-      </p:graphicFrame>
-      <p:pic>
-        <p:nvPicPr>
-          <p:cNvPr id="8" name="Hình ảnh 2">
-            <a:extLst>
-              <a:ext uri="{FF2B5EF4-FFF2-40B4-BE49-F238E27FC236}">
-                <a16:creationId xmlns:a16="http://schemas.microsoft.com/office/drawing/2014/main" id="{E4AB088F-DDE5-B743-8713-D39EE65E8A97}"/>
-              </a:ext>
-            </a:extLst>
-          </p:cNvPr>
-          <p:cNvPicPr>
-            <a:picLocks noChangeAspect="1"/>
-          </p:cNvPicPr>
-          <p:nvPr/>
-        </p:nvPicPr>
-        <p:blipFill>
-          <a:blip r:embed="rId3"/>
-          <a:stretch>
-            <a:fillRect/>
-          </a:stretch>
-        </p:blipFill>
-        <p:spPr>
-          <a:xfrm>
-            <a:off x="733426" y="2452482"/>
-            <a:ext cx="5078712" cy="3692628"/>
-          </a:xfrm>
-          <a:prstGeom prst="rect">
-            <a:avLst/>
-          </a:prstGeom>
-        </p:spPr>
-      </p:pic>
-    </p:spTree>
-    <p:extLst>
-      <p:ext uri="{BB962C8B-B14F-4D97-AF65-F5344CB8AC3E}">
-        <p14:creationId xmlns:p14="http://schemas.microsoft.com/office/powerpoint/2010/main" val="64710327"/>
-      </p:ext>
-    </p:extLst>
-  </p:cSld>
-  <p:clrMapOvr>
-    <a:masterClrMapping/>
-  </p:clrMapOvr>
-</p:sld>
-</file>
-
-<file path=ppt/slides/slide12.xml><?xml version="1.0" encoding="utf-8"?>
-<p:sld xmlns:a="http://schemas.openxmlformats.org/drawingml/2006/main" xmlns:r="http://schemas.openxmlformats.org/officeDocument/2006/relationships" xmlns:p="http://schemas.openxmlformats.org/presentationml/2006/main">
-  <p:cSld>
-    <p:spTree>
-      <p:nvGrpSpPr>
-        <p:cNvPr id="1" name=""/>
-        <p:cNvGrpSpPr/>
-        <p:nvPr/>
-      </p:nvGrpSpPr>
-      <p:grpSpPr>
-        <a:xfrm>
-          <a:off x="0" y="0"/>
-          <a:ext cx="0" cy="0"/>
-          <a:chOff x="0" y="0"/>
-          <a:chExt cx="0" cy="0"/>
-        </a:xfrm>
-      </p:grpSpPr>
-      <p:sp>
-        <p:nvSpPr>
-          <p:cNvPr id="2" name="Content Placeholder 1"/>
-          <p:cNvSpPr>
-            <a:spLocks noGrp="1"/>
-          </p:cNvSpPr>
-          <p:nvPr>
-            <p:ph idx="1"/>
-          </p:nvPr>
-        </p:nvSpPr>
-        <p:spPr/>
-        <p:txBody>
-          <a:bodyPr/>
-          <a:lstStyle/>
-          <a:p>
-            <a:r>
-              <a:rPr lang="en-US" altLang="ko-KR" b="1" dirty="0"/>
-              <a:t>Actual chart (TT) (hours)</a:t>
-            </a:r>
-            <a:endParaRPr lang="en-US" b="1" dirty="0">
-              <a:latin typeface="Arial" pitchFamily="34" charset="0"/>
-              <a:cs typeface="Arial" pitchFamily="34" charset="0"/>
-            </a:endParaRPr>
-          </a:p>
-        </p:txBody>
-      </p:sp>
-      <p:sp>
-        <p:nvSpPr>
-          <p:cNvPr id="3" name="Title 2"/>
-          <p:cNvSpPr>
-            <a:spLocks noGrp="1"/>
-          </p:cNvSpPr>
-          <p:nvPr>
-            <p:ph type="title"/>
-          </p:nvPr>
-        </p:nvSpPr>
-        <p:spPr/>
-        <p:txBody>
-          <a:bodyPr/>
-          <a:lstStyle/>
-          <a:p>
-            <a:r>
-              <a:rPr lang="en-US" altLang="ko-KR" b="1" dirty="0"/>
-              <a:t>3. Monitoring &amp; control</a:t>
-            </a:r>
-            <a:endParaRPr lang="ko-KR" altLang="en-US" b="1" dirty="0"/>
-          </a:p>
-        </p:txBody>
-      </p:sp>
-      <p:sp>
-        <p:nvSpPr>
-          <p:cNvPr id="6" name="Slide Number Placeholder 3">
-            <a:extLst>
-              <a:ext uri="{FF2B5EF4-FFF2-40B4-BE49-F238E27FC236}">
-                <a16:creationId xmlns:a16="http://schemas.microsoft.com/office/drawing/2014/main" id="{FF9DDFD0-EB1F-3C43-95CC-461CBFD9C865}"/>
-              </a:ext>
-            </a:extLst>
-          </p:cNvPr>
-          <p:cNvSpPr txBox="1">
-            <a:spLocks/>
-          </p:cNvSpPr>
-          <p:nvPr/>
-        </p:nvSpPr>
-        <p:spPr>
-          <a:xfrm>
-            <a:off x="11198390" y="6405331"/>
-            <a:ext cx="452437" cy="365125"/>
-          </a:xfrm>
-          <a:prstGeom prst="rect">
-            <a:avLst/>
-          </a:prstGeom>
-        </p:spPr>
-        <p:txBody>
-          <a:bodyPr/>
-          <a:lstStyle>
-            <a:defPPr>
-              <a:defRPr lang="en-US"/>
-            </a:defPPr>
-            <a:lvl1pPr marL="0" algn="l" defTabSz="914400" rtl="0" eaLnBrk="1" latinLnBrk="0" hangingPunct="1">
-              <a:defRPr sz="1800" kern="1200">
-                <a:solidFill>
-                  <a:schemeClr val="tx1"/>
-                </a:solidFill>
-                <a:latin typeface="+mn-lt"/>
-                <a:ea typeface="+mn-ea"/>
-                <a:cs typeface="+mn-cs"/>
-              </a:defRPr>
-            </a:lvl1pPr>
-            <a:lvl2pPr marL="457200" algn="l" defTabSz="914400" rtl="0" eaLnBrk="1" latinLnBrk="0" hangingPunct="1">
-              <a:defRPr sz="1800" kern="1200">
-                <a:solidFill>
-                  <a:schemeClr val="tx1"/>
-                </a:solidFill>
-                <a:latin typeface="+mn-lt"/>
-                <a:ea typeface="+mn-ea"/>
-                <a:cs typeface="+mn-cs"/>
-              </a:defRPr>
-            </a:lvl2pPr>
-            <a:lvl3pPr marL="914400" algn="l" defTabSz="914400" rtl="0" eaLnBrk="1" latinLnBrk="0" hangingPunct="1">
-              <a:defRPr sz="1800" kern="1200">
-                <a:solidFill>
-                  <a:schemeClr val="tx1"/>
-                </a:solidFill>
-                <a:latin typeface="+mn-lt"/>
-                <a:ea typeface="+mn-ea"/>
-                <a:cs typeface="+mn-cs"/>
-              </a:defRPr>
-            </a:lvl3pPr>
-            <a:lvl4pPr marL="1371600" algn="l" defTabSz="914400" rtl="0" eaLnBrk="1" latinLnBrk="0" hangingPunct="1">
-              <a:defRPr sz="1800" kern="1200">
-                <a:solidFill>
-                  <a:schemeClr val="tx1"/>
-                </a:solidFill>
-                <a:latin typeface="+mn-lt"/>
-                <a:ea typeface="+mn-ea"/>
-                <a:cs typeface="+mn-cs"/>
-              </a:defRPr>
-            </a:lvl4pPr>
-            <a:lvl5pPr marL="1828800" algn="l" defTabSz="914400" rtl="0" eaLnBrk="1" latinLnBrk="0" hangingPunct="1">
-              <a:defRPr sz="1800" kern="1200">
-                <a:solidFill>
-                  <a:schemeClr val="tx1"/>
-                </a:solidFill>
-                <a:latin typeface="+mn-lt"/>
-                <a:ea typeface="+mn-ea"/>
-                <a:cs typeface="+mn-cs"/>
-              </a:defRPr>
-            </a:lvl5pPr>
-            <a:lvl6pPr marL="2286000" algn="l" defTabSz="914400" rtl="0" eaLnBrk="1" latinLnBrk="0" hangingPunct="1">
-              <a:defRPr sz="1800" kern="1200">
-                <a:solidFill>
-                  <a:schemeClr val="tx1"/>
-                </a:solidFill>
-                <a:latin typeface="+mn-lt"/>
-                <a:ea typeface="+mn-ea"/>
-                <a:cs typeface="+mn-cs"/>
-              </a:defRPr>
-            </a:lvl6pPr>
-            <a:lvl7pPr marL="2743200" algn="l" defTabSz="914400" rtl="0" eaLnBrk="1" latinLnBrk="0" hangingPunct="1">
-              <a:defRPr sz="1800" kern="1200">
-                <a:solidFill>
-                  <a:schemeClr val="tx1"/>
-                </a:solidFill>
-                <a:latin typeface="+mn-lt"/>
-                <a:ea typeface="+mn-ea"/>
-                <a:cs typeface="+mn-cs"/>
-              </a:defRPr>
-            </a:lvl7pPr>
-            <a:lvl8pPr marL="3200400" algn="l" defTabSz="914400" rtl="0" eaLnBrk="1" latinLnBrk="0" hangingPunct="1">
-              <a:defRPr sz="1800" kern="1200">
-                <a:solidFill>
-                  <a:schemeClr val="tx1"/>
-                </a:solidFill>
-                <a:latin typeface="+mn-lt"/>
-                <a:ea typeface="+mn-ea"/>
-                <a:cs typeface="+mn-cs"/>
-              </a:defRPr>
-            </a:lvl8pPr>
-            <a:lvl9pPr marL="3657600" algn="l" defTabSz="914400" rtl="0" eaLnBrk="1" latinLnBrk="0" hangingPunct="1">
-              <a:defRPr sz="1800" kern="1200">
-                <a:solidFill>
-                  <a:schemeClr val="tx1"/>
-                </a:solidFill>
-                <a:latin typeface="+mn-lt"/>
-                <a:ea typeface="+mn-ea"/>
-                <a:cs typeface="+mn-cs"/>
-              </a:defRPr>
-            </a:lvl9pPr>
-          </a:lstStyle>
-          <a:p>
-            <a:fld id="{301E5F09-0F4C-0243-9596-FED7D03FE3DA}" type="slidenum">
-              <a:rPr lang="en-US" smtClean="0"/>
-              <a:pPr/>
-              <a:t>12</a:t>
-            </a:fld>
-            <a:endParaRPr lang="en-US" dirty="0"/>
-          </a:p>
-        </p:txBody>
-      </p:sp>
-      <p:graphicFrame>
-        <p:nvGraphicFramePr>
-          <p:cNvPr id="10" name="Content Placeholder 7">
-            <a:extLst>
-              <a:ext uri="{FF2B5EF4-FFF2-40B4-BE49-F238E27FC236}">
-                <a16:creationId xmlns:a16="http://schemas.microsoft.com/office/drawing/2014/main" id="{5211A43B-A6E4-994A-8A4C-B19BA04D61CC}"/>
-              </a:ext>
-            </a:extLst>
-          </p:cNvPr>
-          <p:cNvGraphicFramePr>
-            <a:graphicFrameLocks/>
-          </p:cNvGraphicFramePr>
           <p:nvPr>
             <p:extLst>
               <p:ext uri="{D42A27DB-BD31-4B8C-83A1-F6EECF244321}">
-                <p14:modId xmlns:p14="http://schemas.microsoft.com/office/powerpoint/2010/main" val="1220531845"/>
+                <p14:modId xmlns:p14="http://schemas.microsoft.com/office/powerpoint/2010/main" val="4053513099"/>
               </p:ext>
             </p:extLst>
           </p:nvPr>
@@ -7888,116 +6814,12 @@
                     <a:p>
                       <a:pPr algn="ctr"/>
                       <a:r>
-                        <a:rPr lang="en-US" dirty="0" err="1">
-                          <a:solidFill>
-                            <a:schemeClr val="bg1"/>
-                          </a:solidFill>
-                        </a:rPr>
-                        <a:t>Tổng</a:t>
-                      </a:r>
-                      <a:r>
                         <a:rPr lang="en-US" dirty="0">
                           <a:solidFill>
                             <a:schemeClr val="bg1"/>
                           </a:solidFill>
                         </a:rPr>
-                        <a:t> </a:t>
-                      </a:r>
-                      <a:r>
-                        <a:rPr lang="en-US" dirty="0" err="1">
-                          <a:solidFill>
-                            <a:schemeClr val="bg1"/>
-                          </a:solidFill>
-                        </a:rPr>
-                        <a:t>thời</a:t>
-                      </a:r>
-                      <a:r>
-                        <a:rPr lang="en-US" dirty="0">
-                          <a:solidFill>
-                            <a:schemeClr val="bg1"/>
-                          </a:solidFill>
-                        </a:rPr>
-                        <a:t> </a:t>
-                      </a:r>
-                      <a:r>
-                        <a:rPr lang="en-US" dirty="0" err="1">
-                          <a:solidFill>
-                            <a:schemeClr val="bg1"/>
-                          </a:solidFill>
-                        </a:rPr>
-                        <a:t>gian</a:t>
-                      </a:r>
-                      <a:r>
-                        <a:rPr lang="en-US" dirty="0">
-                          <a:solidFill>
-                            <a:schemeClr val="bg1"/>
-                          </a:solidFill>
-                        </a:rPr>
-                        <a:t> </a:t>
-                      </a:r>
-                      <a:r>
-                        <a:rPr lang="en-US" dirty="0" err="1">
-                          <a:solidFill>
-                            <a:schemeClr val="bg1"/>
-                          </a:solidFill>
-                        </a:rPr>
-                        <a:t>thực</a:t>
-                      </a:r>
-                      <a:r>
-                        <a:rPr lang="en-US" dirty="0">
-                          <a:solidFill>
-                            <a:schemeClr val="bg1"/>
-                          </a:solidFill>
-                        </a:rPr>
-                        <a:t> </a:t>
-                      </a:r>
-                      <a:r>
-                        <a:rPr lang="en-US" dirty="0" err="1">
-                          <a:solidFill>
-                            <a:schemeClr val="bg1"/>
-                          </a:solidFill>
-                        </a:rPr>
-                        <a:t>tế</a:t>
-                      </a:r>
-                      <a:r>
-                        <a:rPr lang="en-US" dirty="0">
-                          <a:solidFill>
-                            <a:schemeClr val="bg1"/>
-                          </a:solidFill>
-                        </a:rPr>
-                        <a:t> </a:t>
-                      </a:r>
-                      <a:r>
-                        <a:rPr lang="en-US" dirty="0" err="1">
-                          <a:solidFill>
-                            <a:schemeClr val="bg1"/>
-                          </a:solidFill>
-                        </a:rPr>
-                        <a:t>hoàn</a:t>
-                      </a:r>
-                      <a:r>
-                        <a:rPr lang="en-US" dirty="0">
-                          <a:solidFill>
-                            <a:schemeClr val="bg1"/>
-                          </a:solidFill>
-                        </a:rPr>
-                        <a:t> </a:t>
-                      </a:r>
-                      <a:r>
-                        <a:rPr lang="en-US" dirty="0" err="1">
-                          <a:solidFill>
-                            <a:schemeClr val="bg1"/>
-                          </a:solidFill>
-                        </a:rPr>
-                        <a:t>thành</a:t>
-                      </a:r>
-                      <a:r>
-                        <a:rPr lang="en-US" dirty="0">
-                          <a:solidFill>
-                            <a:schemeClr val="bg1"/>
-                          </a:solidFill>
-                        </a:rPr>
-                        <a:t> module 1</a:t>
+                        <a:t>Total actual time of module completion 1</a:t>
                       </a:r>
                     </a:p>
                   </a:txBody>
@@ -8031,116 +6853,12 @@
                     <a:p>
                       <a:pPr algn="ctr"/>
                       <a:r>
-                        <a:rPr lang="en-US" dirty="0" err="1">
-                          <a:solidFill>
-                            <a:schemeClr val="bg1"/>
-                          </a:solidFill>
-                        </a:rPr>
-                        <a:t>Tổng</a:t>
-                      </a:r>
-                      <a:r>
                         <a:rPr lang="en-US" dirty="0">
                           <a:solidFill>
                             <a:schemeClr val="bg1"/>
                           </a:solidFill>
                         </a:rPr>
-                        <a:t> </a:t>
-                      </a:r>
-                      <a:r>
-                        <a:rPr lang="en-US" dirty="0" err="1">
-                          <a:solidFill>
-                            <a:schemeClr val="bg1"/>
-                          </a:solidFill>
-                        </a:rPr>
-                        <a:t>thời</a:t>
-                      </a:r>
-                      <a:r>
-                        <a:rPr lang="en-US" dirty="0">
-                          <a:solidFill>
-                            <a:schemeClr val="bg1"/>
-                          </a:solidFill>
-                        </a:rPr>
-                        <a:t> </a:t>
-                      </a:r>
-                      <a:r>
-                        <a:rPr lang="en-US" dirty="0" err="1">
-                          <a:solidFill>
-                            <a:schemeClr val="bg1"/>
-                          </a:solidFill>
-                        </a:rPr>
-                        <a:t>gian</a:t>
-                      </a:r>
-                      <a:r>
-                        <a:rPr lang="en-US" dirty="0">
-                          <a:solidFill>
-                            <a:schemeClr val="bg1"/>
-                          </a:solidFill>
-                        </a:rPr>
-                        <a:t> </a:t>
-                      </a:r>
-                      <a:r>
-                        <a:rPr lang="en-US" dirty="0" err="1">
-                          <a:solidFill>
-                            <a:schemeClr val="bg1"/>
-                          </a:solidFill>
-                        </a:rPr>
-                        <a:t>thực</a:t>
-                      </a:r>
-                      <a:r>
-                        <a:rPr lang="en-US" dirty="0">
-                          <a:solidFill>
-                            <a:schemeClr val="bg1"/>
-                          </a:solidFill>
-                        </a:rPr>
-                        <a:t> </a:t>
-                      </a:r>
-                      <a:r>
-                        <a:rPr lang="en-US" dirty="0" err="1">
-                          <a:solidFill>
-                            <a:schemeClr val="bg1"/>
-                          </a:solidFill>
-                        </a:rPr>
-                        <a:t>tế</a:t>
-                      </a:r>
-                      <a:r>
-                        <a:rPr lang="en-US" dirty="0">
-                          <a:solidFill>
-                            <a:schemeClr val="bg1"/>
-                          </a:solidFill>
-                        </a:rPr>
-                        <a:t> </a:t>
-                      </a:r>
-                      <a:r>
-                        <a:rPr lang="en-US" dirty="0" err="1">
-                          <a:solidFill>
-                            <a:schemeClr val="bg1"/>
-                          </a:solidFill>
-                        </a:rPr>
-                        <a:t>hoàn</a:t>
-                      </a:r>
-                      <a:r>
-                        <a:rPr lang="en-US" dirty="0">
-                          <a:solidFill>
-                            <a:schemeClr val="bg1"/>
-                          </a:solidFill>
-                        </a:rPr>
-                        <a:t> </a:t>
-                      </a:r>
-                      <a:r>
-                        <a:rPr lang="en-US" dirty="0" err="1">
-                          <a:solidFill>
-                            <a:schemeClr val="bg1"/>
-                          </a:solidFill>
-                        </a:rPr>
-                        <a:t>thành</a:t>
-                      </a:r>
-                      <a:r>
-                        <a:rPr lang="en-US" dirty="0">
-                          <a:solidFill>
-                            <a:schemeClr val="bg1"/>
-                          </a:solidFill>
-                        </a:rPr>
-                        <a:t> module 2</a:t>
+                        <a:t>Total actual time of module completion 2</a:t>
                       </a:r>
                     </a:p>
                   </a:txBody>
@@ -8174,116 +6892,12 @@
                     <a:p>
                       <a:pPr algn="ctr"/>
                       <a:r>
-                        <a:rPr lang="en-US" dirty="0" err="1">
-                          <a:solidFill>
-                            <a:schemeClr val="bg1"/>
-                          </a:solidFill>
-                        </a:rPr>
-                        <a:t>Tổng</a:t>
-                      </a:r>
-                      <a:r>
                         <a:rPr lang="en-US" dirty="0">
                           <a:solidFill>
                             <a:schemeClr val="bg1"/>
                           </a:solidFill>
                         </a:rPr>
-                        <a:t> </a:t>
-                      </a:r>
-                      <a:r>
-                        <a:rPr lang="en-US" dirty="0" err="1">
-                          <a:solidFill>
-                            <a:schemeClr val="bg1"/>
-                          </a:solidFill>
-                        </a:rPr>
-                        <a:t>thời</a:t>
-                      </a:r>
-                      <a:r>
-                        <a:rPr lang="en-US" dirty="0">
-                          <a:solidFill>
-                            <a:schemeClr val="bg1"/>
-                          </a:solidFill>
-                        </a:rPr>
-                        <a:t> </a:t>
-                      </a:r>
-                      <a:r>
-                        <a:rPr lang="en-US" dirty="0" err="1">
-                          <a:solidFill>
-                            <a:schemeClr val="bg1"/>
-                          </a:solidFill>
-                        </a:rPr>
-                        <a:t>gian</a:t>
-                      </a:r>
-                      <a:r>
-                        <a:rPr lang="en-US" dirty="0">
-                          <a:solidFill>
-                            <a:schemeClr val="bg1"/>
-                          </a:solidFill>
-                        </a:rPr>
-                        <a:t> </a:t>
-                      </a:r>
-                      <a:r>
-                        <a:rPr lang="en-US" dirty="0" err="1">
-                          <a:solidFill>
-                            <a:schemeClr val="bg1"/>
-                          </a:solidFill>
-                        </a:rPr>
-                        <a:t>thực</a:t>
-                      </a:r>
-                      <a:r>
-                        <a:rPr lang="en-US" dirty="0">
-                          <a:solidFill>
-                            <a:schemeClr val="bg1"/>
-                          </a:solidFill>
-                        </a:rPr>
-                        <a:t> </a:t>
-                      </a:r>
-                      <a:r>
-                        <a:rPr lang="en-US" dirty="0" err="1">
-                          <a:solidFill>
-                            <a:schemeClr val="bg1"/>
-                          </a:solidFill>
-                        </a:rPr>
-                        <a:t>tế</a:t>
-                      </a:r>
-                      <a:r>
-                        <a:rPr lang="en-US" dirty="0">
-                          <a:solidFill>
-                            <a:schemeClr val="bg1"/>
-                          </a:solidFill>
-                        </a:rPr>
-                        <a:t> </a:t>
-                      </a:r>
-                      <a:r>
-                        <a:rPr lang="en-US" dirty="0" err="1">
-                          <a:solidFill>
-                            <a:schemeClr val="bg1"/>
-                          </a:solidFill>
-                        </a:rPr>
-                        <a:t>hoàn</a:t>
-                      </a:r>
-                      <a:r>
-                        <a:rPr lang="en-US" dirty="0">
-                          <a:solidFill>
-                            <a:schemeClr val="bg1"/>
-                          </a:solidFill>
-                        </a:rPr>
-                        <a:t> </a:t>
-                      </a:r>
-                      <a:r>
-                        <a:rPr lang="en-US" dirty="0" err="1">
-                          <a:solidFill>
-                            <a:schemeClr val="bg1"/>
-                          </a:solidFill>
-                        </a:rPr>
-                        <a:t>thành</a:t>
-                      </a:r>
-                      <a:r>
-                        <a:rPr lang="en-US" dirty="0">
-                          <a:solidFill>
-                            <a:schemeClr val="bg1"/>
-                          </a:solidFill>
-                        </a:rPr>
-                        <a:t> module 3</a:t>
+                        <a:t>Total actual time of module completion 3</a:t>
                       </a:r>
                     </a:p>
                   </a:txBody>
@@ -8353,10 +6967,22 @@
   <p:clrMapOvr>
     <a:masterClrMapping/>
   </p:clrMapOvr>
+  <mc:AlternateContent xmlns:mc="http://schemas.openxmlformats.org/markup-compatibility/2006">
+    <mc:Choice xmlns:p14="http://schemas.microsoft.com/office/powerpoint/2010/main" Requires="p14">
+      <p:transition spd="med" p14:dur="700">
+        <p:fade/>
+      </p:transition>
+    </mc:Choice>
+    <mc:Fallback>
+      <p:transition spd="med">
+        <p:fade/>
+      </p:transition>
+    </mc:Fallback>
+  </mc:AlternateContent>
 </p:sld>
 </file>
 
-<file path=ppt/slides/slide13.xml><?xml version="1.0" encoding="utf-8"?>
+<file path=ppt/slides/slide12.xml><?xml version="1.0" encoding="utf-8"?>
 <p:sld xmlns:a="http://schemas.openxmlformats.org/drawingml/2006/main" xmlns:r="http://schemas.openxmlformats.org/officeDocument/2006/relationships" xmlns:p="http://schemas.openxmlformats.org/presentationml/2006/main">
   <p:cSld>
     <p:spTree>
@@ -8545,7 +7171,7 @@
             <a:fld id="{301E5F09-0F4C-0243-9596-FED7D03FE3DA}" type="slidenum">
               <a:rPr lang="en-US" smtClean="0"/>
               <a:pPr/>
-              <a:t>13</a:t>
+              <a:t>12</a:t>
             </a:fld>
             <a:endParaRPr lang="en-US" dirty="0"/>
           </a:p>
@@ -8566,7 +7192,7 @@
           <p:nvPr>
             <p:extLst>
               <p:ext uri="{D42A27DB-BD31-4B8C-83A1-F6EECF244321}">
-                <p14:modId xmlns:p14="http://schemas.microsoft.com/office/powerpoint/2010/main" val="4096007104"/>
+                <p14:modId xmlns:p14="http://schemas.microsoft.com/office/powerpoint/2010/main" val="3950109126"/>
               </p:ext>
             </p:extLst>
           </p:nvPr>
@@ -8605,116 +7231,12 @@
                     <a:p>
                       <a:pPr algn="ctr"/>
                       <a:r>
-                        <a:rPr lang="en-US" dirty="0" err="1">
-                          <a:solidFill>
-                            <a:schemeClr val="bg1"/>
-                          </a:solidFill>
-                        </a:rPr>
-                        <a:t>Tổng</a:t>
-                      </a:r>
-                      <a:r>
                         <a:rPr lang="en-US" dirty="0">
                           <a:solidFill>
                             <a:schemeClr val="bg1"/>
                           </a:solidFill>
                         </a:rPr>
-                        <a:t> </a:t>
-                      </a:r>
-                      <a:r>
-                        <a:rPr lang="en-US" dirty="0" err="1">
-                          <a:solidFill>
-                            <a:schemeClr val="bg1"/>
-                          </a:solidFill>
-                        </a:rPr>
-                        <a:t>thời</a:t>
-                      </a:r>
-                      <a:r>
-                        <a:rPr lang="en-US" dirty="0">
-                          <a:solidFill>
-                            <a:schemeClr val="bg1"/>
-                          </a:solidFill>
-                        </a:rPr>
-                        <a:t> </a:t>
-                      </a:r>
-                      <a:r>
-                        <a:rPr lang="en-US" dirty="0" err="1">
-                          <a:solidFill>
-                            <a:schemeClr val="bg1"/>
-                          </a:solidFill>
-                        </a:rPr>
-                        <a:t>gian</a:t>
-                      </a:r>
-                      <a:r>
-                        <a:rPr lang="en-US" dirty="0">
-                          <a:solidFill>
-                            <a:schemeClr val="bg1"/>
-                          </a:solidFill>
-                        </a:rPr>
-                        <a:t> </a:t>
-                      </a:r>
-                      <a:r>
-                        <a:rPr lang="en-US" dirty="0" err="1">
-                          <a:solidFill>
-                            <a:schemeClr val="bg1"/>
-                          </a:solidFill>
-                        </a:rPr>
-                        <a:t>thực</a:t>
-                      </a:r>
-                      <a:r>
-                        <a:rPr lang="en-US" dirty="0">
-                          <a:solidFill>
-                            <a:schemeClr val="bg1"/>
-                          </a:solidFill>
-                        </a:rPr>
-                        <a:t> </a:t>
-                      </a:r>
-                      <a:r>
-                        <a:rPr lang="en-US" dirty="0" err="1">
-                          <a:solidFill>
-                            <a:schemeClr val="bg1"/>
-                          </a:solidFill>
-                        </a:rPr>
-                        <a:t>tế</a:t>
-                      </a:r>
-                      <a:r>
-                        <a:rPr lang="en-US" dirty="0">
-                          <a:solidFill>
-                            <a:schemeClr val="bg1"/>
-                          </a:solidFill>
-                        </a:rPr>
-                        <a:t> </a:t>
-                      </a:r>
-                      <a:r>
-                        <a:rPr lang="en-US" dirty="0" err="1">
-                          <a:solidFill>
-                            <a:schemeClr val="bg1"/>
-                          </a:solidFill>
-                        </a:rPr>
-                        <a:t>hoàn</a:t>
-                      </a:r>
-                      <a:r>
-                        <a:rPr lang="en-US" dirty="0">
-                          <a:solidFill>
-                            <a:schemeClr val="bg1"/>
-                          </a:solidFill>
-                        </a:rPr>
-                        <a:t> </a:t>
-                      </a:r>
-                      <a:r>
-                        <a:rPr lang="en-US" dirty="0" err="1">
-                          <a:solidFill>
-                            <a:schemeClr val="bg1"/>
-                          </a:solidFill>
-                        </a:rPr>
-                        <a:t>thành</a:t>
-                      </a:r>
-                      <a:r>
-                        <a:rPr lang="en-US" dirty="0">
-                          <a:solidFill>
-                            <a:schemeClr val="bg1"/>
-                          </a:solidFill>
-                        </a:rPr>
-                        <a:t> module 1</a:t>
+                        <a:t>Total actual time of module completion 1</a:t>
                       </a:r>
                     </a:p>
                   </a:txBody>
@@ -8728,13 +7250,8 @@
                       <a:pPr algn="ctr"/>
                       <a:r>
                         <a:rPr lang="en-US" dirty="0"/>
-                        <a:t>985 </a:t>
-                      </a:r>
-                      <a:r>
-                        <a:rPr lang="en-US" dirty="0" err="1"/>
-                        <a:t>giờ</a:t>
-                      </a:r>
-                      <a:endParaRPr lang="en-US" dirty="0"/>
+                        <a:t>985 hours</a:t>
+                      </a:r>
                     </a:p>
                   </a:txBody>
                   <a:tcPr anchor="ctr"/>
@@ -8753,116 +7270,12 @@
                     <a:p>
                       <a:pPr algn="ctr"/>
                       <a:r>
-                        <a:rPr lang="en-US" dirty="0" err="1">
-                          <a:solidFill>
-                            <a:schemeClr val="bg1"/>
-                          </a:solidFill>
-                        </a:rPr>
-                        <a:t>Tổng</a:t>
-                      </a:r>
-                      <a:r>
                         <a:rPr lang="en-US" dirty="0">
                           <a:solidFill>
                             <a:schemeClr val="bg1"/>
                           </a:solidFill>
                         </a:rPr>
-                        <a:t> </a:t>
-                      </a:r>
-                      <a:r>
-                        <a:rPr lang="en-US" dirty="0" err="1">
-                          <a:solidFill>
-                            <a:schemeClr val="bg1"/>
-                          </a:solidFill>
-                        </a:rPr>
-                        <a:t>thời</a:t>
-                      </a:r>
-                      <a:r>
-                        <a:rPr lang="en-US" dirty="0">
-                          <a:solidFill>
-                            <a:schemeClr val="bg1"/>
-                          </a:solidFill>
-                        </a:rPr>
-                        <a:t> </a:t>
-                      </a:r>
-                      <a:r>
-                        <a:rPr lang="en-US" dirty="0" err="1">
-                          <a:solidFill>
-                            <a:schemeClr val="bg1"/>
-                          </a:solidFill>
-                        </a:rPr>
-                        <a:t>gian</a:t>
-                      </a:r>
-                      <a:r>
-                        <a:rPr lang="en-US" dirty="0">
-                          <a:solidFill>
-                            <a:schemeClr val="bg1"/>
-                          </a:solidFill>
-                        </a:rPr>
-                        <a:t> </a:t>
-                      </a:r>
-                      <a:r>
-                        <a:rPr lang="en-US" dirty="0" err="1">
-                          <a:solidFill>
-                            <a:schemeClr val="bg1"/>
-                          </a:solidFill>
-                        </a:rPr>
-                        <a:t>thực</a:t>
-                      </a:r>
-                      <a:r>
-                        <a:rPr lang="en-US" dirty="0">
-                          <a:solidFill>
-                            <a:schemeClr val="bg1"/>
-                          </a:solidFill>
-                        </a:rPr>
-                        <a:t> </a:t>
-                      </a:r>
-                      <a:r>
-                        <a:rPr lang="en-US" dirty="0" err="1">
-                          <a:solidFill>
-                            <a:schemeClr val="bg1"/>
-                          </a:solidFill>
-                        </a:rPr>
-                        <a:t>tế</a:t>
-                      </a:r>
-                      <a:r>
-                        <a:rPr lang="en-US" dirty="0">
-                          <a:solidFill>
-                            <a:schemeClr val="bg1"/>
-                          </a:solidFill>
-                        </a:rPr>
-                        <a:t> </a:t>
-                      </a:r>
-                      <a:r>
-                        <a:rPr lang="en-US" dirty="0" err="1">
-                          <a:solidFill>
-                            <a:schemeClr val="bg1"/>
-                          </a:solidFill>
-                        </a:rPr>
-                        <a:t>hoàn</a:t>
-                      </a:r>
-                      <a:r>
-                        <a:rPr lang="en-US" dirty="0">
-                          <a:solidFill>
-                            <a:schemeClr val="bg1"/>
-                          </a:solidFill>
-                        </a:rPr>
-                        <a:t> </a:t>
-                      </a:r>
-                      <a:r>
-                        <a:rPr lang="en-US" dirty="0" err="1">
-                          <a:solidFill>
-                            <a:schemeClr val="bg1"/>
-                          </a:solidFill>
-                        </a:rPr>
-                        <a:t>thành</a:t>
-                      </a:r>
-                      <a:r>
-                        <a:rPr lang="en-US" dirty="0">
-                          <a:solidFill>
-                            <a:schemeClr val="bg1"/>
-                          </a:solidFill>
-                        </a:rPr>
-                        <a:t> module 2</a:t>
+                        <a:t>Total actual time of module completion 2</a:t>
                       </a:r>
                     </a:p>
                   </a:txBody>
@@ -8876,13 +7289,8 @@
                       <a:pPr algn="ctr"/>
                       <a:r>
                         <a:rPr lang="en-US" dirty="0"/>
-                        <a:t>744 </a:t>
-                      </a:r>
-                      <a:r>
-                        <a:rPr lang="en-US" dirty="0" err="1"/>
-                        <a:t>giờ</a:t>
-                      </a:r>
-                      <a:endParaRPr lang="en-US" dirty="0"/>
+                        <a:t>744 hours</a:t>
+                      </a:r>
                     </a:p>
                   </a:txBody>
                   <a:tcPr anchor="ctr"/>
@@ -8901,116 +7309,12 @@
                     <a:p>
                       <a:pPr algn="ctr"/>
                       <a:r>
-                        <a:rPr lang="en-US" dirty="0" err="1">
-                          <a:solidFill>
-                            <a:schemeClr val="bg1"/>
-                          </a:solidFill>
-                        </a:rPr>
-                        <a:t>Tổng</a:t>
-                      </a:r>
-                      <a:r>
                         <a:rPr lang="en-US" dirty="0">
                           <a:solidFill>
                             <a:schemeClr val="bg1"/>
                           </a:solidFill>
                         </a:rPr>
-                        <a:t> </a:t>
-                      </a:r>
-                      <a:r>
-                        <a:rPr lang="en-US" dirty="0" err="1">
-                          <a:solidFill>
-                            <a:schemeClr val="bg1"/>
-                          </a:solidFill>
-                        </a:rPr>
-                        <a:t>thời</a:t>
-                      </a:r>
-                      <a:r>
-                        <a:rPr lang="en-US" dirty="0">
-                          <a:solidFill>
-                            <a:schemeClr val="bg1"/>
-                          </a:solidFill>
-                        </a:rPr>
-                        <a:t> </a:t>
-                      </a:r>
-                      <a:r>
-                        <a:rPr lang="en-US" dirty="0" err="1">
-                          <a:solidFill>
-                            <a:schemeClr val="bg1"/>
-                          </a:solidFill>
-                        </a:rPr>
-                        <a:t>gian</a:t>
-                      </a:r>
-                      <a:r>
-                        <a:rPr lang="en-US" dirty="0">
-                          <a:solidFill>
-                            <a:schemeClr val="bg1"/>
-                          </a:solidFill>
-                        </a:rPr>
-                        <a:t> </a:t>
-                      </a:r>
-                      <a:r>
-                        <a:rPr lang="en-US" dirty="0" err="1">
-                          <a:solidFill>
-                            <a:schemeClr val="bg1"/>
-                          </a:solidFill>
-                        </a:rPr>
-                        <a:t>thực</a:t>
-                      </a:r>
-                      <a:r>
-                        <a:rPr lang="en-US" dirty="0">
-                          <a:solidFill>
-                            <a:schemeClr val="bg1"/>
-                          </a:solidFill>
-                        </a:rPr>
-                        <a:t> </a:t>
-                      </a:r>
-                      <a:r>
-                        <a:rPr lang="en-US" dirty="0" err="1">
-                          <a:solidFill>
-                            <a:schemeClr val="bg1"/>
-                          </a:solidFill>
-                        </a:rPr>
-                        <a:t>tế</a:t>
-                      </a:r>
-                      <a:r>
-                        <a:rPr lang="en-US" dirty="0">
-                          <a:solidFill>
-                            <a:schemeClr val="bg1"/>
-                          </a:solidFill>
-                        </a:rPr>
-                        <a:t> </a:t>
-                      </a:r>
-                      <a:r>
-                        <a:rPr lang="en-US" dirty="0" err="1">
-                          <a:solidFill>
-                            <a:schemeClr val="bg1"/>
-                          </a:solidFill>
-                        </a:rPr>
-                        <a:t>hoàn</a:t>
-                      </a:r>
-                      <a:r>
-                        <a:rPr lang="en-US" dirty="0">
-                          <a:solidFill>
-                            <a:schemeClr val="bg1"/>
-                          </a:solidFill>
-                        </a:rPr>
-                        <a:t> </a:t>
-                      </a:r>
-                      <a:r>
-                        <a:rPr lang="en-US" dirty="0" err="1">
-                          <a:solidFill>
-                            <a:schemeClr val="bg1"/>
-                          </a:solidFill>
-                        </a:rPr>
-                        <a:t>thành</a:t>
-                      </a:r>
-                      <a:r>
-                        <a:rPr lang="en-US" dirty="0">
-                          <a:solidFill>
-                            <a:schemeClr val="bg1"/>
-                          </a:solidFill>
-                        </a:rPr>
-                        <a:t> module 3</a:t>
+                        <a:t>Total actual time of module completion 3</a:t>
                       </a:r>
                     </a:p>
                   </a:txBody>
@@ -9024,13 +7328,8 @@
                       <a:pPr algn="ctr"/>
                       <a:r>
                         <a:rPr lang="en-US" dirty="0"/>
-                        <a:t>2047 </a:t>
-                      </a:r>
-                      <a:r>
-                        <a:rPr lang="en-US" dirty="0" err="1"/>
-                        <a:t>giờ</a:t>
-                      </a:r>
-                      <a:endParaRPr lang="en-US" dirty="0"/>
+                        <a:t>2047 hours</a:t>
+                      </a:r>
                     </a:p>
                   </a:txBody>
                   <a:tcPr anchor="ctr"/>
@@ -9085,10 +7384,22 @@
   <p:clrMapOvr>
     <a:masterClrMapping/>
   </p:clrMapOvr>
+  <mc:AlternateContent xmlns:mc="http://schemas.openxmlformats.org/markup-compatibility/2006">
+    <mc:Choice xmlns:p14="http://schemas.microsoft.com/office/powerpoint/2010/main" Requires="p14">
+      <p:transition spd="med" p14:dur="700">
+        <p:fade/>
+      </p:transition>
+    </mc:Choice>
+    <mc:Fallback>
+      <p:transition spd="med">
+        <p:fade/>
+      </p:transition>
+    </mc:Fallback>
+  </mc:AlternateContent>
 </p:sld>
 </file>
 
-<file path=ppt/slides/slide14.xml><?xml version="1.0" encoding="utf-8"?>
+<file path=ppt/slides/slide13.xml><?xml version="1.0" encoding="utf-8"?>
 <p:sld xmlns:a="http://schemas.openxmlformats.org/drawingml/2006/main" xmlns:r="http://schemas.openxmlformats.org/officeDocument/2006/relationships" xmlns:p="http://schemas.openxmlformats.org/presentationml/2006/main">
   <p:cSld>
     <p:spTree>
@@ -9277,7 +7588,7 @@
             <a:fld id="{301E5F09-0F4C-0243-9596-FED7D03FE3DA}" type="slidenum">
               <a:rPr lang="en-US" smtClean="0"/>
               <a:pPr/>
-              <a:t>14</a:t>
+              <a:t>13</a:t>
             </a:fld>
             <a:endParaRPr lang="en-US" dirty="0"/>
           </a:p>
@@ -9298,7 +7609,7 @@
           <p:nvPr>
             <p:extLst>
               <p:ext uri="{D42A27DB-BD31-4B8C-83A1-F6EECF244321}">
-                <p14:modId xmlns:p14="http://schemas.microsoft.com/office/powerpoint/2010/main" val="4091215759"/>
+                <p14:modId xmlns:p14="http://schemas.microsoft.com/office/powerpoint/2010/main" val="1649386325"/>
               </p:ext>
             </p:extLst>
           </p:nvPr>
@@ -9337,116 +7648,12 @@
                     <a:p>
                       <a:pPr algn="ctr"/>
                       <a:r>
-                        <a:rPr lang="en-US" dirty="0" err="1">
-                          <a:solidFill>
-                            <a:schemeClr val="bg1"/>
-                          </a:solidFill>
-                        </a:rPr>
-                        <a:t>Tổng</a:t>
-                      </a:r>
-                      <a:r>
                         <a:rPr lang="en-US" dirty="0">
                           <a:solidFill>
                             <a:schemeClr val="bg1"/>
                           </a:solidFill>
                         </a:rPr>
-                        <a:t> </a:t>
-                      </a:r>
-                      <a:r>
-                        <a:rPr lang="en-US" dirty="0" err="1">
-                          <a:solidFill>
-                            <a:schemeClr val="bg1"/>
-                          </a:solidFill>
-                        </a:rPr>
-                        <a:t>thời</a:t>
-                      </a:r>
-                      <a:r>
-                        <a:rPr lang="en-US" dirty="0">
-                          <a:solidFill>
-                            <a:schemeClr val="bg1"/>
-                          </a:solidFill>
-                        </a:rPr>
-                        <a:t> </a:t>
-                      </a:r>
-                      <a:r>
-                        <a:rPr lang="en-US" dirty="0" err="1">
-                          <a:solidFill>
-                            <a:schemeClr val="bg1"/>
-                          </a:solidFill>
-                        </a:rPr>
-                        <a:t>gian</a:t>
-                      </a:r>
-                      <a:r>
-                        <a:rPr lang="en-US" dirty="0">
-                          <a:solidFill>
-                            <a:schemeClr val="bg1"/>
-                          </a:solidFill>
-                        </a:rPr>
-                        <a:t> </a:t>
-                      </a:r>
-                      <a:r>
-                        <a:rPr lang="en-US" dirty="0" err="1">
-                          <a:solidFill>
-                            <a:schemeClr val="bg1"/>
-                          </a:solidFill>
-                        </a:rPr>
-                        <a:t>thực</a:t>
-                      </a:r>
-                      <a:r>
-                        <a:rPr lang="en-US" dirty="0">
-                          <a:solidFill>
-                            <a:schemeClr val="bg1"/>
-                          </a:solidFill>
-                        </a:rPr>
-                        <a:t> </a:t>
-                      </a:r>
-                      <a:r>
-                        <a:rPr lang="en-US" dirty="0" err="1">
-                          <a:solidFill>
-                            <a:schemeClr val="bg1"/>
-                          </a:solidFill>
-                        </a:rPr>
-                        <a:t>tế</a:t>
-                      </a:r>
-                      <a:r>
-                        <a:rPr lang="en-US" dirty="0">
-                          <a:solidFill>
-                            <a:schemeClr val="bg1"/>
-                          </a:solidFill>
-                        </a:rPr>
-                        <a:t> </a:t>
-                      </a:r>
-                      <a:r>
-                        <a:rPr lang="en-US" dirty="0" err="1">
-                          <a:solidFill>
-                            <a:schemeClr val="bg1"/>
-                          </a:solidFill>
-                        </a:rPr>
-                        <a:t>hoàn</a:t>
-                      </a:r>
-                      <a:r>
-                        <a:rPr lang="en-US" dirty="0">
-                          <a:solidFill>
-                            <a:schemeClr val="bg1"/>
-                          </a:solidFill>
-                        </a:rPr>
-                        <a:t> </a:t>
-                      </a:r>
-                      <a:r>
-                        <a:rPr lang="en-US" dirty="0" err="1">
-                          <a:solidFill>
-                            <a:schemeClr val="bg1"/>
-                          </a:solidFill>
-                        </a:rPr>
-                        <a:t>thành</a:t>
-                      </a:r>
-                      <a:r>
-                        <a:rPr lang="en-US" dirty="0">
-                          <a:solidFill>
-                            <a:schemeClr val="bg1"/>
-                          </a:solidFill>
-                        </a:rPr>
-                        <a:t> module 1</a:t>
+                        <a:t>Total actual time of module completion 1</a:t>
                       </a:r>
                     </a:p>
                   </a:txBody>
@@ -9480,116 +7687,12 @@
                     <a:p>
                       <a:pPr algn="ctr"/>
                       <a:r>
-                        <a:rPr lang="en-US" dirty="0" err="1">
-                          <a:solidFill>
-                            <a:schemeClr val="bg1"/>
-                          </a:solidFill>
-                        </a:rPr>
-                        <a:t>Tổng</a:t>
-                      </a:r>
-                      <a:r>
                         <a:rPr lang="en-US" dirty="0">
                           <a:solidFill>
                             <a:schemeClr val="bg1"/>
                           </a:solidFill>
                         </a:rPr>
-                        <a:t> </a:t>
-                      </a:r>
-                      <a:r>
-                        <a:rPr lang="en-US" dirty="0" err="1">
-                          <a:solidFill>
-                            <a:schemeClr val="bg1"/>
-                          </a:solidFill>
-                        </a:rPr>
-                        <a:t>thời</a:t>
-                      </a:r>
-                      <a:r>
-                        <a:rPr lang="en-US" dirty="0">
-                          <a:solidFill>
-                            <a:schemeClr val="bg1"/>
-                          </a:solidFill>
-                        </a:rPr>
-                        <a:t> </a:t>
-                      </a:r>
-                      <a:r>
-                        <a:rPr lang="en-US" dirty="0" err="1">
-                          <a:solidFill>
-                            <a:schemeClr val="bg1"/>
-                          </a:solidFill>
-                        </a:rPr>
-                        <a:t>gian</a:t>
-                      </a:r>
-                      <a:r>
-                        <a:rPr lang="en-US" dirty="0">
-                          <a:solidFill>
-                            <a:schemeClr val="bg1"/>
-                          </a:solidFill>
-                        </a:rPr>
-                        <a:t> </a:t>
-                      </a:r>
-                      <a:r>
-                        <a:rPr lang="en-US" dirty="0" err="1">
-                          <a:solidFill>
-                            <a:schemeClr val="bg1"/>
-                          </a:solidFill>
-                        </a:rPr>
-                        <a:t>thực</a:t>
-                      </a:r>
-                      <a:r>
-                        <a:rPr lang="en-US" dirty="0">
-                          <a:solidFill>
-                            <a:schemeClr val="bg1"/>
-                          </a:solidFill>
-                        </a:rPr>
-                        <a:t> </a:t>
-                      </a:r>
-                      <a:r>
-                        <a:rPr lang="en-US" dirty="0" err="1">
-                          <a:solidFill>
-                            <a:schemeClr val="bg1"/>
-                          </a:solidFill>
-                        </a:rPr>
-                        <a:t>tế</a:t>
-                      </a:r>
-                      <a:r>
-                        <a:rPr lang="en-US" dirty="0">
-                          <a:solidFill>
-                            <a:schemeClr val="bg1"/>
-                          </a:solidFill>
-                        </a:rPr>
-                        <a:t> </a:t>
-                      </a:r>
-                      <a:r>
-                        <a:rPr lang="en-US" dirty="0" err="1">
-                          <a:solidFill>
-                            <a:schemeClr val="bg1"/>
-                          </a:solidFill>
-                        </a:rPr>
-                        <a:t>hoàn</a:t>
-                      </a:r>
-                      <a:r>
-                        <a:rPr lang="en-US" dirty="0">
-                          <a:solidFill>
-                            <a:schemeClr val="bg1"/>
-                          </a:solidFill>
-                        </a:rPr>
-                        <a:t> </a:t>
-                      </a:r>
-                      <a:r>
-                        <a:rPr lang="en-US" dirty="0" err="1">
-                          <a:solidFill>
-                            <a:schemeClr val="bg1"/>
-                          </a:solidFill>
-                        </a:rPr>
-                        <a:t>thành</a:t>
-                      </a:r>
-                      <a:r>
-                        <a:rPr lang="en-US" dirty="0">
-                          <a:solidFill>
-                            <a:schemeClr val="bg1"/>
-                          </a:solidFill>
-                        </a:rPr>
-                        <a:t> module 2</a:t>
+                        <a:t>Total actual time of module completion 2</a:t>
                       </a:r>
                     </a:p>
                   </a:txBody>
@@ -9623,116 +7726,12 @@
                     <a:p>
                       <a:pPr algn="ctr"/>
                       <a:r>
-                        <a:rPr lang="en-US" dirty="0" err="1">
-                          <a:solidFill>
-                            <a:schemeClr val="bg1"/>
-                          </a:solidFill>
-                        </a:rPr>
-                        <a:t>Tổng</a:t>
-                      </a:r>
-                      <a:r>
                         <a:rPr lang="en-US" dirty="0">
                           <a:solidFill>
                             <a:schemeClr val="bg1"/>
                           </a:solidFill>
                         </a:rPr>
-                        <a:t> </a:t>
-                      </a:r>
-                      <a:r>
-                        <a:rPr lang="en-US" dirty="0" err="1">
-                          <a:solidFill>
-                            <a:schemeClr val="bg1"/>
-                          </a:solidFill>
-                        </a:rPr>
-                        <a:t>thời</a:t>
-                      </a:r>
-                      <a:r>
-                        <a:rPr lang="en-US" dirty="0">
-                          <a:solidFill>
-                            <a:schemeClr val="bg1"/>
-                          </a:solidFill>
-                        </a:rPr>
-                        <a:t> </a:t>
-                      </a:r>
-                      <a:r>
-                        <a:rPr lang="en-US" dirty="0" err="1">
-                          <a:solidFill>
-                            <a:schemeClr val="bg1"/>
-                          </a:solidFill>
-                        </a:rPr>
-                        <a:t>gian</a:t>
-                      </a:r>
-                      <a:r>
-                        <a:rPr lang="en-US" dirty="0">
-                          <a:solidFill>
-                            <a:schemeClr val="bg1"/>
-                          </a:solidFill>
-                        </a:rPr>
-                        <a:t> </a:t>
-                      </a:r>
-                      <a:r>
-                        <a:rPr lang="en-US" dirty="0" err="1">
-                          <a:solidFill>
-                            <a:schemeClr val="bg1"/>
-                          </a:solidFill>
-                        </a:rPr>
-                        <a:t>thực</a:t>
-                      </a:r>
-                      <a:r>
-                        <a:rPr lang="en-US" dirty="0">
-                          <a:solidFill>
-                            <a:schemeClr val="bg1"/>
-                          </a:solidFill>
-                        </a:rPr>
-                        <a:t> </a:t>
-                      </a:r>
-                      <a:r>
-                        <a:rPr lang="en-US" dirty="0" err="1">
-                          <a:solidFill>
-                            <a:schemeClr val="bg1"/>
-                          </a:solidFill>
-                        </a:rPr>
-                        <a:t>tế</a:t>
-                      </a:r>
-                      <a:r>
-                        <a:rPr lang="en-US" dirty="0">
-                          <a:solidFill>
-                            <a:schemeClr val="bg1"/>
-                          </a:solidFill>
-                        </a:rPr>
-                        <a:t> </a:t>
-                      </a:r>
-                      <a:r>
-                        <a:rPr lang="en-US" dirty="0" err="1">
-                          <a:solidFill>
-                            <a:schemeClr val="bg1"/>
-                          </a:solidFill>
-                        </a:rPr>
-                        <a:t>hoàn</a:t>
-                      </a:r>
-                      <a:r>
-                        <a:rPr lang="en-US" dirty="0">
-                          <a:solidFill>
-                            <a:schemeClr val="bg1"/>
-                          </a:solidFill>
-                        </a:rPr>
-                        <a:t> </a:t>
-                      </a:r>
-                      <a:r>
-                        <a:rPr lang="en-US" dirty="0" err="1">
-                          <a:solidFill>
-                            <a:schemeClr val="bg1"/>
-                          </a:solidFill>
-                        </a:rPr>
-                        <a:t>thành</a:t>
-                      </a:r>
-                      <a:r>
-                        <a:rPr lang="en-US" dirty="0">
-                          <a:solidFill>
-                            <a:schemeClr val="bg1"/>
-                          </a:solidFill>
-                        </a:rPr>
-                        <a:t> module 3</a:t>
+                        <a:t>Total actual time of module completion 3</a:t>
                       </a:r>
                     </a:p>
                   </a:txBody>
@@ -9782,146 +7781,13 @@
                         <a:defRPr/>
                       </a:pPr>
                       <a:r>
-                        <a:rPr lang="en-US" dirty="0" err="1">
-                          <a:solidFill>
-                            <a:schemeClr val="bg1"/>
-                          </a:solidFill>
-                        </a:rPr>
-                        <a:t>Đã</a:t>
-                      </a:r>
-                      <a:r>
                         <a:rPr lang="en-US" dirty="0">
                           <a:solidFill>
                             <a:schemeClr val="bg1"/>
                           </a:solidFill>
                         </a:rPr>
-                        <a:t> </a:t>
-                      </a:r>
-                      <a:r>
-                        <a:rPr lang="en-US" dirty="0" err="1">
-                          <a:solidFill>
-                            <a:schemeClr val="bg1"/>
-                          </a:solidFill>
-                        </a:rPr>
-                        <a:t>trừ</a:t>
-                      </a:r>
-                      <a:r>
-                        <a:rPr lang="en-US" dirty="0">
-                          <a:solidFill>
-                            <a:schemeClr val="bg1"/>
-                          </a:solidFill>
-                        </a:rPr>
-                        <a:t> 3 </a:t>
-                      </a:r>
-                      <a:r>
-                        <a:rPr lang="en-US" dirty="0" err="1">
-                          <a:solidFill>
-                            <a:schemeClr val="bg1"/>
-                          </a:solidFill>
-                        </a:rPr>
-                        <a:t>tuần</a:t>
-                      </a:r>
-                      <a:r>
-                        <a:rPr lang="en-US" dirty="0">
-                          <a:solidFill>
-                            <a:schemeClr val="bg1"/>
-                          </a:solidFill>
-                        </a:rPr>
-                        <a:t> </a:t>
-                      </a:r>
-                      <a:r>
-                        <a:rPr lang="en-US" dirty="0" err="1">
-                          <a:solidFill>
-                            <a:schemeClr val="bg1"/>
-                          </a:solidFill>
-                        </a:rPr>
-                        <a:t>nghỉ</a:t>
-                      </a:r>
-                      <a:r>
-                        <a:rPr lang="en-US" dirty="0">
-                          <a:solidFill>
-                            <a:schemeClr val="bg1"/>
-                          </a:solidFill>
-                        </a:rPr>
-                        <a:t> </a:t>
-                      </a:r>
-                      <a:r>
-                        <a:rPr lang="en-US" dirty="0" err="1">
-                          <a:solidFill>
-                            <a:schemeClr val="bg1"/>
-                          </a:solidFill>
-                        </a:rPr>
-                        <a:t>tết</a:t>
-                      </a:r>
-                      <a:r>
-                        <a:rPr lang="en-US" dirty="0">
-                          <a:solidFill>
-                            <a:schemeClr val="bg1"/>
-                          </a:solidFill>
-                        </a:rPr>
-                        <a:t> </a:t>
-                      </a:r>
-                      <a:r>
-                        <a:rPr lang="en-US" dirty="0" err="1">
-                          <a:solidFill>
-                            <a:schemeClr val="bg1"/>
-                          </a:solidFill>
-                        </a:rPr>
-                        <a:t>và</a:t>
-                      </a:r>
-                      <a:r>
-                        <a:rPr lang="en-US" dirty="0">
-                          <a:solidFill>
-                            <a:schemeClr val="bg1"/>
-                          </a:solidFill>
-                        </a:rPr>
-                        <a:t> 2 </a:t>
-                      </a:r>
-                      <a:r>
-                        <a:rPr lang="en-US" dirty="0" err="1">
-                          <a:solidFill>
-                            <a:schemeClr val="bg1"/>
-                          </a:solidFill>
-                        </a:rPr>
-                        <a:t>tuần</a:t>
-                      </a:r>
-                      <a:r>
-                        <a:rPr lang="en-US" dirty="0">
-                          <a:solidFill>
-                            <a:schemeClr val="bg1"/>
-                          </a:solidFill>
-                        </a:rPr>
-                        <a:t> </a:t>
-                      </a:r>
-                      <a:r>
-                        <a:rPr lang="en-US" dirty="0" err="1">
-                          <a:solidFill>
-                            <a:schemeClr val="bg1"/>
-                          </a:solidFill>
-                        </a:rPr>
-                        <a:t>nghỉ</a:t>
-                      </a:r>
-                      <a:r>
-                        <a:rPr lang="en-US" dirty="0">
-                          <a:solidFill>
-                            <a:schemeClr val="bg1"/>
-                          </a:solidFill>
-                        </a:rPr>
-                        <a:t> </a:t>
-                      </a:r>
-                      <a:r>
-                        <a:rPr lang="en-US" dirty="0" err="1">
-                          <a:solidFill>
-                            <a:schemeClr val="bg1"/>
-                          </a:solidFill>
-                        </a:rPr>
-                        <a:t>dịch</a:t>
-                      </a:r>
-                      <a:endParaRPr lang="en-US" dirty="0">
-                        <a:solidFill>
-                          <a:schemeClr val="bg1"/>
-                        </a:solidFill>
-                      </a:endParaRPr>
+                        <a:t>Deducted 3 weeks for Tet holidays and 2 weeks for epidemic breaks</a:t>
+                      </a:r>
                     </a:p>
                   </a:txBody>
                   <a:tcPr anchor="ctr"/>
@@ -9987,10 +7853,22 @@
   <p:clrMapOvr>
     <a:masterClrMapping/>
   </p:clrMapOvr>
+  <mc:AlternateContent xmlns:mc="http://schemas.openxmlformats.org/markup-compatibility/2006">
+    <mc:Choice xmlns:p14="http://schemas.microsoft.com/office/powerpoint/2010/main" Requires="p14">
+      <p:transition spd="med" p14:dur="700">
+        <p:fade/>
+      </p:transition>
+    </mc:Choice>
+    <mc:Fallback>
+      <p:transition spd="med">
+        <p:fade/>
+      </p:transition>
+    </mc:Fallback>
+  </mc:AlternateContent>
 </p:sld>
 </file>
 
-<file path=ppt/slides/slide15.xml><?xml version="1.0" encoding="utf-8"?>
+<file path=ppt/slides/slide14.xml><?xml version="1.0" encoding="utf-8"?>
 <p:sld xmlns:a="http://schemas.openxmlformats.org/drawingml/2006/main" xmlns:r="http://schemas.openxmlformats.org/officeDocument/2006/relationships" xmlns:p="http://schemas.openxmlformats.org/presentationml/2006/main">
   <p:cSld>
     <p:spTree>
@@ -10180,7 +8058,7 @@
             <a:fld id="{301E5F09-0F4C-0243-9596-FED7D03FE3DA}" type="slidenum">
               <a:rPr lang="en-US" smtClean="0"/>
               <a:pPr/>
-              <a:t>15</a:t>
+              <a:t>14</a:t>
             </a:fld>
             <a:endParaRPr lang="en-US" dirty="0"/>
           </a:p>
@@ -10232,7 +8110,7 @@
             <p:ph idx="10"/>
             <p:extLst>
               <p:ext uri="{D42A27DB-BD31-4B8C-83A1-F6EECF244321}">
-                <p14:modId xmlns:p14="http://schemas.microsoft.com/office/powerpoint/2010/main" val="798731314"/>
+                <p14:modId xmlns:p14="http://schemas.microsoft.com/office/powerpoint/2010/main" val="300184961"/>
               </p:ext>
             </p:extLst>
           </p:nvPr>
@@ -10280,74 +8158,10 @@
                         <a:defRPr/>
                       </a:pPr>
                       <a:r>
-                        <a:rPr lang="en-US" dirty="0" err="1"/>
-                        <a:t>Tổng</a:t>
-                      </a:r>
-                      <a:r>
-                        <a:rPr lang="en-US" dirty="0"/>
-                        <a:t> </a:t>
-                      </a:r>
-                      <a:r>
-                        <a:rPr lang="en-US" dirty="0" err="1"/>
-                        <a:t>thời</a:t>
-                      </a:r>
-                      <a:r>
-                        <a:rPr lang="en-US" dirty="0"/>
-                        <a:t> </a:t>
-                      </a:r>
-                      <a:r>
-                        <a:rPr lang="en-US" dirty="0" err="1"/>
-                        <a:t>gian</a:t>
-                      </a:r>
-                      <a:r>
-                        <a:rPr lang="en-US" dirty="0"/>
-                        <a:t> </a:t>
-                      </a:r>
-                      <a:r>
-                        <a:rPr lang="en-US" dirty="0" err="1"/>
-                        <a:t>từng</a:t>
-                      </a:r>
-                      <a:r>
-                        <a:rPr lang="en-US" dirty="0"/>
-                        <a:t> </a:t>
-                      </a:r>
-                      <a:r>
-                        <a:rPr lang="en-US" dirty="0" err="1"/>
-                        <a:t>thành</a:t>
-                      </a:r>
-                      <a:r>
-                        <a:rPr lang="en-US" dirty="0"/>
-                        <a:t> </a:t>
-                      </a:r>
-                      <a:r>
-                        <a:rPr lang="en-US" dirty="0" err="1"/>
-                        <a:t>viên</a:t>
-                      </a:r>
-                      <a:r>
-                        <a:rPr lang="en-US" dirty="0"/>
-                        <a:t> </a:t>
-                      </a:r>
-                      <a:r>
-                        <a:rPr lang="en-US" dirty="0" err="1"/>
-                        <a:t>làm</a:t>
-                      </a:r>
-                      <a:r>
-                        <a:rPr lang="en-US" dirty="0"/>
-                        <a:t> </a:t>
-                      </a:r>
-                      <a:r>
-                        <a:rPr lang="en-US" dirty="0" err="1"/>
-                        <a:t>trong</a:t>
-                      </a:r>
-                      <a:r>
-                        <a:rPr lang="en-US" dirty="0"/>
-                        <a:t> 32 </a:t>
-                      </a:r>
-                      <a:r>
-                        <a:rPr lang="en-US" dirty="0" err="1"/>
-                        <a:t>tuần</a:t>
-                      </a:r>
-                      <a:endParaRPr lang="en-US" dirty="0">
+                        <a:rPr lang="en-US" sz="2000" dirty="0"/>
+                        <a:t>Total time each member worked in 32 weeks</a:t>
+                      </a:r>
+                      <a:endParaRPr lang="en-US" sz="2000" dirty="0">
                         <a:solidFill>
                           <a:schemeClr val="bg1"/>
                         </a:solidFill>
@@ -10376,10 +8190,22 @@
   <p:clrMapOvr>
     <a:masterClrMapping/>
   </p:clrMapOvr>
+  <mc:AlternateContent xmlns:mc="http://schemas.openxmlformats.org/markup-compatibility/2006">
+    <mc:Choice xmlns:p14="http://schemas.microsoft.com/office/powerpoint/2010/main" Requires="p14">
+      <p:transition spd="med" p14:dur="700">
+        <p:fade/>
+      </p:transition>
+    </mc:Choice>
+    <mc:Fallback>
+      <p:transition spd="med">
+        <p:fade/>
+      </p:transition>
+    </mc:Fallback>
+  </mc:AlternateContent>
 </p:sld>
 </file>
 
-<file path=ppt/slides/slide16.xml><?xml version="1.0" encoding="utf-8"?>
+<file path=ppt/slides/slide15.xml><?xml version="1.0" encoding="utf-8"?>
 <p:sld xmlns:a="http://schemas.openxmlformats.org/drawingml/2006/main" xmlns:r="http://schemas.openxmlformats.org/officeDocument/2006/relationships" xmlns:p="http://schemas.openxmlformats.org/presentationml/2006/main">
   <p:cSld>
     <p:spTree>
@@ -10543,7 +8369,7 @@
             <a:fld id="{301E5F09-0F4C-0243-9596-FED7D03FE3DA}" type="slidenum">
               <a:rPr lang="en-US" smtClean="0"/>
               <a:pPr/>
-              <a:t>16</a:t>
+              <a:t>15</a:t>
             </a:fld>
             <a:endParaRPr lang="en-US" dirty="0"/>
           </a:p>
@@ -10588,10 +8414,22 @@
   <p:clrMapOvr>
     <a:masterClrMapping/>
   </p:clrMapOvr>
+  <mc:AlternateContent xmlns:mc="http://schemas.openxmlformats.org/markup-compatibility/2006">
+    <mc:Choice xmlns:p14="http://schemas.microsoft.com/office/powerpoint/2010/main" Requires="p14">
+      <p:transition spd="med" p14:dur="700">
+        <p:fade/>
+      </p:transition>
+    </mc:Choice>
+    <mc:Fallback>
+      <p:transition spd="med">
+        <p:fade/>
+      </p:transition>
+    </mc:Fallback>
+  </mc:AlternateContent>
 </p:sld>
 </file>
 
-<file path=ppt/slides/slide17.xml><?xml version="1.0" encoding="utf-8"?>
+<file path=ppt/slides/slide16.xml><?xml version="1.0" encoding="utf-8"?>
 <p:sld xmlns:a="http://schemas.openxmlformats.org/drawingml/2006/main" xmlns:r="http://schemas.openxmlformats.org/officeDocument/2006/relationships" xmlns:p="http://schemas.openxmlformats.org/presentationml/2006/main">
   <p:cSld>
     <p:spTree>
@@ -10755,7 +8593,7 @@
             <a:fld id="{301E5F09-0F4C-0243-9596-FED7D03FE3DA}" type="slidenum">
               <a:rPr lang="en-US" smtClean="0"/>
               <a:pPr/>
-              <a:t>17</a:t>
+              <a:t>16</a:t>
             </a:fld>
             <a:endParaRPr lang="en-US" dirty="0"/>
           </a:p>
@@ -11253,10 +9091,22 @@
   <p:clrMapOvr>
     <a:masterClrMapping/>
   </p:clrMapOvr>
+  <mc:AlternateContent xmlns:mc="http://schemas.openxmlformats.org/markup-compatibility/2006">
+    <mc:Choice xmlns:p14="http://schemas.microsoft.com/office/powerpoint/2010/main" Requires="p14">
+      <p:transition spd="med" p14:dur="700">
+        <p:fade/>
+      </p:transition>
+    </mc:Choice>
+    <mc:Fallback>
+      <p:transition spd="med">
+        <p:fade/>
+      </p:transition>
+    </mc:Fallback>
+  </mc:AlternateContent>
 </p:sld>
 </file>
 
-<file path=ppt/slides/slide18.xml><?xml version="1.0" encoding="utf-8"?>
+<file path=ppt/slides/slide17.xml><?xml version="1.0" encoding="utf-8"?>
 <p:sld xmlns:a="http://schemas.openxmlformats.org/drawingml/2006/main" xmlns:r="http://schemas.openxmlformats.org/officeDocument/2006/relationships" xmlns:p="http://schemas.openxmlformats.org/presentationml/2006/main">
   <p:cSld>
     <p:spTree>
@@ -11451,7 +9301,7 @@
             <a:fld id="{301E5F09-0F4C-0243-9596-FED7D03FE3DA}" type="slidenum">
               <a:rPr lang="en-US" smtClean="0"/>
               <a:pPr/>
-              <a:t>18</a:t>
+              <a:t>17</a:t>
             </a:fld>
             <a:endParaRPr lang="en-US" dirty="0"/>
           </a:p>
@@ -11506,10 +9356,22 @@
   <p:clrMapOvr>
     <a:masterClrMapping/>
   </p:clrMapOvr>
+  <mc:AlternateContent xmlns:mc="http://schemas.openxmlformats.org/markup-compatibility/2006">
+    <mc:Choice xmlns:p14="http://schemas.microsoft.com/office/powerpoint/2010/main" Requires="p14">
+      <p:transition spd="med" p14:dur="700">
+        <p:fade/>
+      </p:transition>
+    </mc:Choice>
+    <mc:Fallback>
+      <p:transition spd="med">
+        <p:fade/>
+      </p:transition>
+    </mc:Fallback>
+  </mc:AlternateContent>
 </p:sld>
 </file>
 
-<file path=ppt/slides/slide19.xml><?xml version="1.0" encoding="utf-8"?>
+<file path=ppt/slides/slide18.xml><?xml version="1.0" encoding="utf-8"?>
 <p:sld xmlns:a="http://schemas.openxmlformats.org/drawingml/2006/main" xmlns:r="http://schemas.openxmlformats.org/officeDocument/2006/relationships" xmlns:p="http://schemas.openxmlformats.org/presentationml/2006/main">
   <p:cSld>
     <p:spTree>
@@ -11712,7 +9574,7 @@
             <a:fld id="{301E5F09-0F4C-0243-9596-FED7D03FE3DA}" type="slidenum">
               <a:rPr lang="en-US" smtClean="0"/>
               <a:pPr/>
-              <a:t>19</a:t>
+              <a:t>18</a:t>
             </a:fld>
             <a:endParaRPr lang="en-US" dirty="0"/>
           </a:p>
@@ -11767,6 +9629,283 @@
   <p:clrMapOvr>
     <a:masterClrMapping/>
   </p:clrMapOvr>
+  <mc:AlternateContent xmlns:mc="http://schemas.openxmlformats.org/markup-compatibility/2006">
+    <mc:Choice xmlns:p14="http://schemas.microsoft.com/office/powerpoint/2010/main" Requires="p14">
+      <p:transition spd="med" p14:dur="700">
+        <p:fade/>
+      </p:transition>
+    </mc:Choice>
+    <mc:Fallback>
+      <p:transition spd="med">
+        <p:fade/>
+      </p:transition>
+    </mc:Fallback>
+  </mc:AlternateContent>
+</p:sld>
+</file>
+
+<file path=ppt/slides/slide19.xml><?xml version="1.0" encoding="utf-8"?>
+<p:sld xmlns:a="http://schemas.openxmlformats.org/drawingml/2006/main" xmlns:r="http://schemas.openxmlformats.org/officeDocument/2006/relationships" xmlns:p="http://schemas.openxmlformats.org/presentationml/2006/main">
+  <p:cSld>
+    <p:spTree>
+      <p:nvGrpSpPr>
+        <p:cNvPr id="1" name=""/>
+        <p:cNvGrpSpPr/>
+        <p:nvPr/>
+      </p:nvGrpSpPr>
+      <p:grpSpPr>
+        <a:xfrm>
+          <a:off x="0" y="0"/>
+          <a:ext cx="0" cy="0"/>
+          <a:chOff x="0" y="0"/>
+          <a:chExt cx="0" cy="0"/>
+        </a:xfrm>
+      </p:grpSpPr>
+      <p:sp>
+        <p:nvSpPr>
+          <p:cNvPr id="2" name="Content Placeholder 1"/>
+          <p:cNvSpPr>
+            <a:spLocks noGrp="1"/>
+          </p:cNvSpPr>
+          <p:nvPr>
+            <p:ph idx="1"/>
+          </p:nvPr>
+        </p:nvSpPr>
+        <p:spPr/>
+        <p:txBody>
+          <a:bodyPr/>
+          <a:lstStyle/>
+          <a:p>
+            <a:r>
+              <a:rPr lang="en-US" altLang="ko-KR" b="1" dirty="0">
+                <a:solidFill>
+                  <a:schemeClr val="tx1"/>
+                </a:solidFill>
+              </a:rPr>
+              <a:t>Usability (static)</a:t>
+            </a:r>
+            <a:endParaRPr lang="ko-KR" altLang="en-US" b="1" dirty="0">
+              <a:solidFill>
+                <a:schemeClr val="tx1"/>
+              </a:solidFill>
+            </a:endParaRPr>
+          </a:p>
+        </p:txBody>
+      </p:sp>
+      <p:sp>
+        <p:nvSpPr>
+          <p:cNvPr id="3" name="Title 2"/>
+          <p:cNvSpPr>
+            <a:spLocks noGrp="1"/>
+          </p:cNvSpPr>
+          <p:nvPr>
+            <p:ph type="title"/>
+          </p:nvPr>
+        </p:nvSpPr>
+        <p:spPr/>
+        <p:txBody>
+          <a:bodyPr/>
+          <a:lstStyle/>
+          <a:p>
+            <a:r>
+              <a:rPr lang="en-US" altLang="ko-KR" b="1" dirty="0"/>
+              <a:t>4. Architectural</a:t>
+            </a:r>
+            <a:endParaRPr lang="ko-KR" altLang="en-US" b="1" dirty="0"/>
+          </a:p>
+        </p:txBody>
+      </p:sp>
+      <p:sp>
+        <p:nvSpPr>
+          <p:cNvPr id="6" name="Slide Number Placeholder 3">
+            <a:extLst>
+              <a:ext uri="{FF2B5EF4-FFF2-40B4-BE49-F238E27FC236}">
+                <a16:creationId xmlns:a16="http://schemas.microsoft.com/office/drawing/2014/main" id="{FF9DDFD0-EB1F-3C43-95CC-461CBFD9C865}"/>
+              </a:ext>
+            </a:extLst>
+          </p:cNvPr>
+          <p:cNvSpPr txBox="1">
+            <a:spLocks/>
+          </p:cNvSpPr>
+          <p:nvPr/>
+        </p:nvSpPr>
+        <p:spPr>
+          <a:xfrm>
+            <a:off x="11198390" y="6405331"/>
+            <a:ext cx="452437" cy="365125"/>
+          </a:xfrm>
+          <a:prstGeom prst="rect">
+            <a:avLst/>
+          </a:prstGeom>
+        </p:spPr>
+        <p:txBody>
+          <a:bodyPr/>
+          <a:lstStyle>
+            <a:defPPr>
+              <a:defRPr lang="en-US"/>
+            </a:defPPr>
+            <a:lvl1pPr marL="0" algn="l" defTabSz="914400" rtl="0" eaLnBrk="1" latinLnBrk="0" hangingPunct="1">
+              <a:defRPr sz="1800" kern="1200">
+                <a:solidFill>
+                  <a:schemeClr val="tx1"/>
+                </a:solidFill>
+                <a:latin typeface="+mn-lt"/>
+                <a:ea typeface="+mn-ea"/>
+                <a:cs typeface="+mn-cs"/>
+              </a:defRPr>
+            </a:lvl1pPr>
+            <a:lvl2pPr marL="457200" algn="l" defTabSz="914400" rtl="0" eaLnBrk="1" latinLnBrk="0" hangingPunct="1">
+              <a:defRPr sz="1800" kern="1200">
+                <a:solidFill>
+                  <a:schemeClr val="tx1"/>
+                </a:solidFill>
+                <a:latin typeface="+mn-lt"/>
+                <a:ea typeface="+mn-ea"/>
+                <a:cs typeface="+mn-cs"/>
+              </a:defRPr>
+            </a:lvl2pPr>
+            <a:lvl3pPr marL="914400" algn="l" defTabSz="914400" rtl="0" eaLnBrk="1" latinLnBrk="0" hangingPunct="1">
+              <a:defRPr sz="1800" kern="1200">
+                <a:solidFill>
+                  <a:schemeClr val="tx1"/>
+                </a:solidFill>
+                <a:latin typeface="+mn-lt"/>
+                <a:ea typeface="+mn-ea"/>
+                <a:cs typeface="+mn-cs"/>
+              </a:defRPr>
+            </a:lvl3pPr>
+            <a:lvl4pPr marL="1371600" algn="l" defTabSz="914400" rtl="0" eaLnBrk="1" latinLnBrk="0" hangingPunct="1">
+              <a:defRPr sz="1800" kern="1200">
+                <a:solidFill>
+                  <a:schemeClr val="tx1"/>
+                </a:solidFill>
+                <a:latin typeface="+mn-lt"/>
+                <a:ea typeface="+mn-ea"/>
+                <a:cs typeface="+mn-cs"/>
+              </a:defRPr>
+            </a:lvl4pPr>
+            <a:lvl5pPr marL="1828800" algn="l" defTabSz="914400" rtl="0" eaLnBrk="1" latinLnBrk="0" hangingPunct="1">
+              <a:defRPr sz="1800" kern="1200">
+                <a:solidFill>
+                  <a:schemeClr val="tx1"/>
+                </a:solidFill>
+                <a:latin typeface="+mn-lt"/>
+                <a:ea typeface="+mn-ea"/>
+                <a:cs typeface="+mn-cs"/>
+              </a:defRPr>
+            </a:lvl5pPr>
+            <a:lvl6pPr marL="2286000" algn="l" defTabSz="914400" rtl="0" eaLnBrk="1" latinLnBrk="0" hangingPunct="1">
+              <a:defRPr sz="1800" kern="1200">
+                <a:solidFill>
+                  <a:schemeClr val="tx1"/>
+                </a:solidFill>
+                <a:latin typeface="+mn-lt"/>
+                <a:ea typeface="+mn-ea"/>
+                <a:cs typeface="+mn-cs"/>
+              </a:defRPr>
+            </a:lvl6pPr>
+            <a:lvl7pPr marL="2743200" algn="l" defTabSz="914400" rtl="0" eaLnBrk="1" latinLnBrk="0" hangingPunct="1">
+              <a:defRPr sz="1800" kern="1200">
+                <a:solidFill>
+                  <a:schemeClr val="tx1"/>
+                </a:solidFill>
+                <a:latin typeface="+mn-lt"/>
+                <a:ea typeface="+mn-ea"/>
+                <a:cs typeface="+mn-cs"/>
+              </a:defRPr>
+            </a:lvl7pPr>
+            <a:lvl8pPr marL="3200400" algn="l" defTabSz="914400" rtl="0" eaLnBrk="1" latinLnBrk="0" hangingPunct="1">
+              <a:defRPr sz="1800" kern="1200">
+                <a:solidFill>
+                  <a:schemeClr val="tx1"/>
+                </a:solidFill>
+                <a:latin typeface="+mn-lt"/>
+                <a:ea typeface="+mn-ea"/>
+                <a:cs typeface="+mn-cs"/>
+              </a:defRPr>
+            </a:lvl8pPr>
+            <a:lvl9pPr marL="3657600" algn="l" defTabSz="914400" rtl="0" eaLnBrk="1" latinLnBrk="0" hangingPunct="1">
+              <a:defRPr sz="1800" kern="1200">
+                <a:solidFill>
+                  <a:schemeClr val="tx1"/>
+                </a:solidFill>
+                <a:latin typeface="+mn-lt"/>
+                <a:ea typeface="+mn-ea"/>
+                <a:cs typeface="+mn-cs"/>
+              </a:defRPr>
+            </a:lvl9pPr>
+          </a:lstStyle>
+          <a:p>
+            <a:fld id="{301E5F09-0F4C-0243-9596-FED7D03FE3DA}" type="slidenum">
+              <a:rPr lang="en-US" smtClean="0"/>
+              <a:pPr/>
+              <a:t>19</a:t>
+            </a:fld>
+            <a:endParaRPr lang="en-US" dirty="0"/>
+          </a:p>
+        </p:txBody>
+      </p:sp>
+      <p:pic>
+        <p:nvPicPr>
+          <p:cNvPr id="8" name="Hình ảnh 1">
+            <a:extLst>
+              <a:ext uri="{FF2B5EF4-FFF2-40B4-BE49-F238E27FC236}">
+                <a16:creationId xmlns:a16="http://schemas.microsoft.com/office/drawing/2014/main" id="{5ECD18B5-6E6D-C149-9140-6293FA8D9079}"/>
+              </a:ext>
+            </a:extLst>
+          </p:cNvPr>
+          <p:cNvPicPr/>
+          <p:nvPr/>
+        </p:nvPicPr>
+        <p:blipFill>
+          <a:blip r:embed="rId3">
+            <a:extLst>
+              <a:ext uri="{28A0092B-C50C-407E-A947-70E740481C1C}">
+                <a14:useLocalDpi xmlns:a14="http://schemas.microsoft.com/office/drawing/2010/main" val="0"/>
+              </a:ext>
+            </a:extLst>
+          </a:blip>
+          <a:srcRect/>
+          <a:stretch>
+            <a:fillRect/>
+          </a:stretch>
+        </p:blipFill>
+        <p:spPr bwMode="auto">
+          <a:xfrm>
+            <a:off x="3128009" y="2221575"/>
+            <a:ext cx="5943600" cy="4183756"/>
+          </a:xfrm>
+          <a:prstGeom prst="rect">
+            <a:avLst/>
+          </a:prstGeom>
+          <a:noFill/>
+          <a:ln>
+            <a:noFill/>
+          </a:ln>
+        </p:spPr>
+      </p:pic>
+    </p:spTree>
+    <p:extLst>
+      <p:ext uri="{BB962C8B-B14F-4D97-AF65-F5344CB8AC3E}">
+        <p14:creationId xmlns:p14="http://schemas.microsoft.com/office/powerpoint/2010/main" val="2519964019"/>
+      </p:ext>
+    </p:extLst>
+  </p:cSld>
+  <p:clrMapOvr>
+    <a:masterClrMapping/>
+  </p:clrMapOvr>
+  <mc:AlternateContent xmlns:mc="http://schemas.openxmlformats.org/markup-compatibility/2006">
+    <mc:Choice xmlns:p14="http://schemas.microsoft.com/office/powerpoint/2010/main" Requires="p14">
+      <p:transition spd="med" p14:dur="700">
+        <p:fade/>
+      </p:transition>
+    </mc:Choice>
+    <mc:Fallback>
+      <p:transition spd="med">
+        <p:fade/>
+      </p:transition>
+    </mc:Fallback>
+  </mc:AlternateContent>
 </p:sld>
 </file>
 
@@ -12617,9 +10756,1212 @@
   <p:clrMapOvr>
     <a:masterClrMapping/>
   </p:clrMapOvr>
-  <p:transition spd="slow">
-    <p:wipe/>
-  </p:transition>
+  <mc:AlternateContent xmlns:mc="http://schemas.openxmlformats.org/markup-compatibility/2006">
+    <mc:Choice xmlns:p14="http://schemas.microsoft.com/office/powerpoint/2010/main" Requires="p14">
+      <p:transition spd="med" p14:dur="700">
+        <p:fade/>
+      </p:transition>
+    </mc:Choice>
+    <mc:Fallback>
+      <p:transition spd="med">
+        <p:fade/>
+      </p:transition>
+    </mc:Fallback>
+  </mc:AlternateContent>
+  <p:timing>
+    <p:tnLst>
+      <p:par>
+        <p:cTn id="1" dur="indefinite" restart="never" nodeType="tmRoot">
+          <p:childTnLst>
+            <p:seq concurrent="1" nextAc="seek">
+              <p:cTn id="2" dur="indefinite" nodeType="mainSeq">
+                <p:childTnLst>
+                  <p:par>
+                    <p:cTn id="3" fill="hold">
+                      <p:stCondLst>
+                        <p:cond delay="indefinite"/>
+                      </p:stCondLst>
+                      <p:childTnLst>
+                        <p:par>
+                          <p:cTn id="4" fill="hold">
+                            <p:stCondLst>
+                              <p:cond delay="0"/>
+                            </p:stCondLst>
+                            <p:childTnLst>
+                              <p:par>
+                                <p:cTn id="5" presetID="2" presetClass="entr" presetSubtype="4" fill="hold" grpId="0" nodeType="clickEffect">
+                                  <p:stCondLst>
+                                    <p:cond delay="0"/>
+                                  </p:stCondLst>
+                                  <p:childTnLst>
+                                    <p:set>
+                                      <p:cBhvr>
+                                        <p:cTn id="6" dur="1" fill="hold">
+                                          <p:stCondLst>
+                                            <p:cond delay="0"/>
+                                          </p:stCondLst>
+                                        </p:cTn>
+                                        <p:tgtEl>
+                                          <p:spTgt spid="5"/>
+                                        </p:tgtEl>
+                                        <p:attrNameLst>
+                                          <p:attrName>style.visibility</p:attrName>
+                                        </p:attrNameLst>
+                                      </p:cBhvr>
+                                      <p:to>
+                                        <p:strVal val="visible"/>
+                                      </p:to>
+                                    </p:set>
+                                    <p:anim calcmode="lin" valueType="num">
+                                      <p:cBhvr additive="base">
+                                        <p:cTn id="7" dur="500" fill="hold"/>
+                                        <p:tgtEl>
+                                          <p:spTgt spid="5"/>
+                                        </p:tgtEl>
+                                        <p:attrNameLst>
+                                          <p:attrName>ppt_x</p:attrName>
+                                        </p:attrNameLst>
+                                      </p:cBhvr>
+                                      <p:tavLst>
+                                        <p:tav tm="0">
+                                          <p:val>
+                                            <p:strVal val="#ppt_x"/>
+                                          </p:val>
+                                        </p:tav>
+                                        <p:tav tm="100000">
+                                          <p:val>
+                                            <p:strVal val="#ppt_x"/>
+                                          </p:val>
+                                        </p:tav>
+                                      </p:tavLst>
+                                    </p:anim>
+                                    <p:anim calcmode="lin" valueType="num">
+                                      <p:cBhvr additive="base">
+                                        <p:cTn id="8" dur="500" fill="hold"/>
+                                        <p:tgtEl>
+                                          <p:spTgt spid="5"/>
+                                        </p:tgtEl>
+                                        <p:attrNameLst>
+                                          <p:attrName>ppt_y</p:attrName>
+                                        </p:attrNameLst>
+                                      </p:cBhvr>
+                                      <p:tavLst>
+                                        <p:tav tm="0">
+                                          <p:val>
+                                            <p:strVal val="1+#ppt_h/2"/>
+                                          </p:val>
+                                        </p:tav>
+                                        <p:tav tm="100000">
+                                          <p:val>
+                                            <p:strVal val="#ppt_y"/>
+                                          </p:val>
+                                        </p:tav>
+                                      </p:tavLst>
+                                    </p:anim>
+                                  </p:childTnLst>
+                                </p:cTn>
+                              </p:par>
+                              <p:par>
+                                <p:cTn id="9" presetID="2" presetClass="entr" presetSubtype="4" fill="hold" grpId="0" nodeType="withEffect">
+                                  <p:stCondLst>
+                                    <p:cond delay="0"/>
+                                  </p:stCondLst>
+                                  <p:childTnLst>
+                                    <p:set>
+                                      <p:cBhvr>
+                                        <p:cTn id="10" dur="1" fill="hold">
+                                          <p:stCondLst>
+                                            <p:cond delay="0"/>
+                                          </p:stCondLst>
+                                        </p:cTn>
+                                        <p:tgtEl>
+                                          <p:spTgt spid="6"/>
+                                        </p:tgtEl>
+                                        <p:attrNameLst>
+                                          <p:attrName>style.visibility</p:attrName>
+                                        </p:attrNameLst>
+                                      </p:cBhvr>
+                                      <p:to>
+                                        <p:strVal val="visible"/>
+                                      </p:to>
+                                    </p:set>
+                                    <p:anim calcmode="lin" valueType="num">
+                                      <p:cBhvr additive="base">
+                                        <p:cTn id="11" dur="500" fill="hold"/>
+                                        <p:tgtEl>
+                                          <p:spTgt spid="6"/>
+                                        </p:tgtEl>
+                                        <p:attrNameLst>
+                                          <p:attrName>ppt_x</p:attrName>
+                                        </p:attrNameLst>
+                                      </p:cBhvr>
+                                      <p:tavLst>
+                                        <p:tav tm="0">
+                                          <p:val>
+                                            <p:strVal val="#ppt_x"/>
+                                          </p:val>
+                                        </p:tav>
+                                        <p:tav tm="100000">
+                                          <p:val>
+                                            <p:strVal val="#ppt_x"/>
+                                          </p:val>
+                                        </p:tav>
+                                      </p:tavLst>
+                                    </p:anim>
+                                    <p:anim calcmode="lin" valueType="num">
+                                      <p:cBhvr additive="base">
+                                        <p:cTn id="12" dur="500" fill="hold"/>
+                                        <p:tgtEl>
+                                          <p:spTgt spid="6"/>
+                                        </p:tgtEl>
+                                        <p:attrNameLst>
+                                          <p:attrName>ppt_y</p:attrName>
+                                        </p:attrNameLst>
+                                      </p:cBhvr>
+                                      <p:tavLst>
+                                        <p:tav tm="0">
+                                          <p:val>
+                                            <p:strVal val="1+#ppt_h/2"/>
+                                          </p:val>
+                                        </p:tav>
+                                        <p:tav tm="100000">
+                                          <p:val>
+                                            <p:strVal val="#ppt_y"/>
+                                          </p:val>
+                                        </p:tav>
+                                      </p:tavLst>
+                                    </p:anim>
+                                  </p:childTnLst>
+                                </p:cTn>
+                              </p:par>
+                            </p:childTnLst>
+                          </p:cTn>
+                        </p:par>
+                      </p:childTnLst>
+                    </p:cTn>
+                  </p:par>
+                  <p:par>
+                    <p:cTn id="13" fill="hold">
+                      <p:stCondLst>
+                        <p:cond delay="indefinite"/>
+                      </p:stCondLst>
+                      <p:childTnLst>
+                        <p:par>
+                          <p:cTn id="14" fill="hold">
+                            <p:stCondLst>
+                              <p:cond delay="0"/>
+                            </p:stCondLst>
+                            <p:childTnLst>
+                              <p:par>
+                                <p:cTn id="15" presetID="2" presetClass="entr" presetSubtype="4" fill="hold" grpId="0" nodeType="clickEffect">
+                                  <p:stCondLst>
+                                    <p:cond delay="0"/>
+                                  </p:stCondLst>
+                                  <p:childTnLst>
+                                    <p:set>
+                                      <p:cBhvr>
+                                        <p:cTn id="16" dur="1" fill="hold">
+                                          <p:stCondLst>
+                                            <p:cond delay="0"/>
+                                          </p:stCondLst>
+                                        </p:cTn>
+                                        <p:tgtEl>
+                                          <p:spTgt spid="9"/>
+                                        </p:tgtEl>
+                                        <p:attrNameLst>
+                                          <p:attrName>style.visibility</p:attrName>
+                                        </p:attrNameLst>
+                                      </p:cBhvr>
+                                      <p:to>
+                                        <p:strVal val="visible"/>
+                                      </p:to>
+                                    </p:set>
+                                    <p:anim calcmode="lin" valueType="num">
+                                      <p:cBhvr additive="base">
+                                        <p:cTn id="17" dur="500" fill="hold"/>
+                                        <p:tgtEl>
+                                          <p:spTgt spid="9"/>
+                                        </p:tgtEl>
+                                        <p:attrNameLst>
+                                          <p:attrName>ppt_x</p:attrName>
+                                        </p:attrNameLst>
+                                      </p:cBhvr>
+                                      <p:tavLst>
+                                        <p:tav tm="0">
+                                          <p:val>
+                                            <p:strVal val="#ppt_x"/>
+                                          </p:val>
+                                        </p:tav>
+                                        <p:tav tm="100000">
+                                          <p:val>
+                                            <p:strVal val="#ppt_x"/>
+                                          </p:val>
+                                        </p:tav>
+                                      </p:tavLst>
+                                    </p:anim>
+                                    <p:anim calcmode="lin" valueType="num">
+                                      <p:cBhvr additive="base">
+                                        <p:cTn id="18" dur="500" fill="hold"/>
+                                        <p:tgtEl>
+                                          <p:spTgt spid="9"/>
+                                        </p:tgtEl>
+                                        <p:attrNameLst>
+                                          <p:attrName>ppt_y</p:attrName>
+                                        </p:attrNameLst>
+                                      </p:cBhvr>
+                                      <p:tavLst>
+                                        <p:tav tm="0">
+                                          <p:val>
+                                            <p:strVal val="1+#ppt_h/2"/>
+                                          </p:val>
+                                        </p:tav>
+                                        <p:tav tm="100000">
+                                          <p:val>
+                                            <p:strVal val="#ppt_y"/>
+                                          </p:val>
+                                        </p:tav>
+                                      </p:tavLst>
+                                    </p:anim>
+                                  </p:childTnLst>
+                                </p:cTn>
+                              </p:par>
+                              <p:par>
+                                <p:cTn id="19" presetID="2" presetClass="entr" presetSubtype="4" fill="hold" grpId="0" nodeType="withEffect">
+                                  <p:stCondLst>
+                                    <p:cond delay="0"/>
+                                  </p:stCondLst>
+                                  <p:childTnLst>
+                                    <p:set>
+                                      <p:cBhvr>
+                                        <p:cTn id="20" dur="1" fill="hold">
+                                          <p:stCondLst>
+                                            <p:cond delay="0"/>
+                                          </p:stCondLst>
+                                        </p:cTn>
+                                        <p:tgtEl>
+                                          <p:spTgt spid="15"/>
+                                        </p:tgtEl>
+                                        <p:attrNameLst>
+                                          <p:attrName>style.visibility</p:attrName>
+                                        </p:attrNameLst>
+                                      </p:cBhvr>
+                                      <p:to>
+                                        <p:strVal val="visible"/>
+                                      </p:to>
+                                    </p:set>
+                                    <p:anim calcmode="lin" valueType="num">
+                                      <p:cBhvr additive="base">
+                                        <p:cTn id="21" dur="500" fill="hold"/>
+                                        <p:tgtEl>
+                                          <p:spTgt spid="15"/>
+                                        </p:tgtEl>
+                                        <p:attrNameLst>
+                                          <p:attrName>ppt_x</p:attrName>
+                                        </p:attrNameLst>
+                                      </p:cBhvr>
+                                      <p:tavLst>
+                                        <p:tav tm="0">
+                                          <p:val>
+                                            <p:strVal val="#ppt_x"/>
+                                          </p:val>
+                                        </p:tav>
+                                        <p:tav tm="100000">
+                                          <p:val>
+                                            <p:strVal val="#ppt_x"/>
+                                          </p:val>
+                                        </p:tav>
+                                      </p:tavLst>
+                                    </p:anim>
+                                    <p:anim calcmode="lin" valueType="num">
+                                      <p:cBhvr additive="base">
+                                        <p:cTn id="22" dur="500" fill="hold"/>
+                                        <p:tgtEl>
+                                          <p:spTgt spid="15"/>
+                                        </p:tgtEl>
+                                        <p:attrNameLst>
+                                          <p:attrName>ppt_y</p:attrName>
+                                        </p:attrNameLst>
+                                      </p:cBhvr>
+                                      <p:tavLst>
+                                        <p:tav tm="0">
+                                          <p:val>
+                                            <p:strVal val="1+#ppt_h/2"/>
+                                          </p:val>
+                                        </p:tav>
+                                        <p:tav tm="100000">
+                                          <p:val>
+                                            <p:strVal val="#ppt_y"/>
+                                          </p:val>
+                                        </p:tav>
+                                      </p:tavLst>
+                                    </p:anim>
+                                  </p:childTnLst>
+                                </p:cTn>
+                              </p:par>
+                            </p:childTnLst>
+                          </p:cTn>
+                        </p:par>
+                      </p:childTnLst>
+                    </p:cTn>
+                  </p:par>
+                  <p:par>
+                    <p:cTn id="23" fill="hold">
+                      <p:stCondLst>
+                        <p:cond delay="indefinite"/>
+                      </p:stCondLst>
+                      <p:childTnLst>
+                        <p:par>
+                          <p:cTn id="24" fill="hold">
+                            <p:stCondLst>
+                              <p:cond delay="0"/>
+                            </p:stCondLst>
+                            <p:childTnLst>
+                              <p:par>
+                                <p:cTn id="25" presetID="2" presetClass="entr" presetSubtype="4" fill="hold" grpId="0" nodeType="clickEffect">
+                                  <p:stCondLst>
+                                    <p:cond delay="0"/>
+                                  </p:stCondLst>
+                                  <p:childTnLst>
+                                    <p:set>
+                                      <p:cBhvr>
+                                        <p:cTn id="26" dur="1" fill="hold">
+                                          <p:stCondLst>
+                                            <p:cond delay="0"/>
+                                          </p:stCondLst>
+                                        </p:cTn>
+                                        <p:tgtEl>
+                                          <p:spTgt spid="21"/>
+                                        </p:tgtEl>
+                                        <p:attrNameLst>
+                                          <p:attrName>style.visibility</p:attrName>
+                                        </p:attrNameLst>
+                                      </p:cBhvr>
+                                      <p:to>
+                                        <p:strVal val="visible"/>
+                                      </p:to>
+                                    </p:set>
+                                    <p:anim calcmode="lin" valueType="num">
+                                      <p:cBhvr additive="base">
+                                        <p:cTn id="27" dur="500" fill="hold"/>
+                                        <p:tgtEl>
+                                          <p:spTgt spid="21"/>
+                                        </p:tgtEl>
+                                        <p:attrNameLst>
+                                          <p:attrName>ppt_x</p:attrName>
+                                        </p:attrNameLst>
+                                      </p:cBhvr>
+                                      <p:tavLst>
+                                        <p:tav tm="0">
+                                          <p:val>
+                                            <p:strVal val="#ppt_x"/>
+                                          </p:val>
+                                        </p:tav>
+                                        <p:tav tm="100000">
+                                          <p:val>
+                                            <p:strVal val="#ppt_x"/>
+                                          </p:val>
+                                        </p:tav>
+                                      </p:tavLst>
+                                    </p:anim>
+                                    <p:anim calcmode="lin" valueType="num">
+                                      <p:cBhvr additive="base">
+                                        <p:cTn id="28" dur="500" fill="hold"/>
+                                        <p:tgtEl>
+                                          <p:spTgt spid="21"/>
+                                        </p:tgtEl>
+                                        <p:attrNameLst>
+                                          <p:attrName>ppt_y</p:attrName>
+                                        </p:attrNameLst>
+                                      </p:cBhvr>
+                                      <p:tavLst>
+                                        <p:tav tm="0">
+                                          <p:val>
+                                            <p:strVal val="1+#ppt_h/2"/>
+                                          </p:val>
+                                        </p:tav>
+                                        <p:tav tm="100000">
+                                          <p:val>
+                                            <p:strVal val="#ppt_y"/>
+                                          </p:val>
+                                        </p:tav>
+                                      </p:tavLst>
+                                    </p:anim>
+                                  </p:childTnLst>
+                                </p:cTn>
+                              </p:par>
+                              <p:par>
+                                <p:cTn id="29" presetID="2" presetClass="entr" presetSubtype="4" fill="hold" grpId="0" nodeType="withEffect">
+                                  <p:stCondLst>
+                                    <p:cond delay="0"/>
+                                  </p:stCondLst>
+                                  <p:childTnLst>
+                                    <p:set>
+                                      <p:cBhvr>
+                                        <p:cTn id="30" dur="1" fill="hold">
+                                          <p:stCondLst>
+                                            <p:cond delay="0"/>
+                                          </p:stCondLst>
+                                        </p:cTn>
+                                        <p:tgtEl>
+                                          <p:spTgt spid="16"/>
+                                        </p:tgtEl>
+                                        <p:attrNameLst>
+                                          <p:attrName>style.visibility</p:attrName>
+                                        </p:attrNameLst>
+                                      </p:cBhvr>
+                                      <p:to>
+                                        <p:strVal val="visible"/>
+                                      </p:to>
+                                    </p:set>
+                                    <p:anim calcmode="lin" valueType="num">
+                                      <p:cBhvr additive="base">
+                                        <p:cTn id="31" dur="500" fill="hold"/>
+                                        <p:tgtEl>
+                                          <p:spTgt spid="16"/>
+                                        </p:tgtEl>
+                                        <p:attrNameLst>
+                                          <p:attrName>ppt_x</p:attrName>
+                                        </p:attrNameLst>
+                                      </p:cBhvr>
+                                      <p:tavLst>
+                                        <p:tav tm="0">
+                                          <p:val>
+                                            <p:strVal val="#ppt_x"/>
+                                          </p:val>
+                                        </p:tav>
+                                        <p:tav tm="100000">
+                                          <p:val>
+                                            <p:strVal val="#ppt_x"/>
+                                          </p:val>
+                                        </p:tav>
+                                      </p:tavLst>
+                                    </p:anim>
+                                    <p:anim calcmode="lin" valueType="num">
+                                      <p:cBhvr additive="base">
+                                        <p:cTn id="32" dur="500" fill="hold"/>
+                                        <p:tgtEl>
+                                          <p:spTgt spid="16"/>
+                                        </p:tgtEl>
+                                        <p:attrNameLst>
+                                          <p:attrName>ppt_y</p:attrName>
+                                        </p:attrNameLst>
+                                      </p:cBhvr>
+                                      <p:tavLst>
+                                        <p:tav tm="0">
+                                          <p:val>
+                                            <p:strVal val="1+#ppt_h/2"/>
+                                          </p:val>
+                                        </p:tav>
+                                        <p:tav tm="100000">
+                                          <p:val>
+                                            <p:strVal val="#ppt_y"/>
+                                          </p:val>
+                                        </p:tav>
+                                      </p:tavLst>
+                                    </p:anim>
+                                  </p:childTnLst>
+                                </p:cTn>
+                              </p:par>
+                            </p:childTnLst>
+                          </p:cTn>
+                        </p:par>
+                      </p:childTnLst>
+                    </p:cTn>
+                  </p:par>
+                  <p:par>
+                    <p:cTn id="33" fill="hold">
+                      <p:stCondLst>
+                        <p:cond delay="indefinite"/>
+                      </p:stCondLst>
+                      <p:childTnLst>
+                        <p:par>
+                          <p:cTn id="34" fill="hold">
+                            <p:stCondLst>
+                              <p:cond delay="0"/>
+                            </p:stCondLst>
+                            <p:childTnLst>
+                              <p:par>
+                                <p:cTn id="35" presetID="2" presetClass="entr" presetSubtype="4" fill="hold" grpId="0" nodeType="clickEffect">
+                                  <p:stCondLst>
+                                    <p:cond delay="0"/>
+                                  </p:stCondLst>
+                                  <p:childTnLst>
+                                    <p:set>
+                                      <p:cBhvr>
+                                        <p:cTn id="36" dur="1" fill="hold">
+                                          <p:stCondLst>
+                                            <p:cond delay="0"/>
+                                          </p:stCondLst>
+                                        </p:cTn>
+                                        <p:tgtEl>
+                                          <p:spTgt spid="13"/>
+                                        </p:tgtEl>
+                                        <p:attrNameLst>
+                                          <p:attrName>style.visibility</p:attrName>
+                                        </p:attrNameLst>
+                                      </p:cBhvr>
+                                      <p:to>
+                                        <p:strVal val="visible"/>
+                                      </p:to>
+                                    </p:set>
+                                    <p:anim calcmode="lin" valueType="num">
+                                      <p:cBhvr additive="base">
+                                        <p:cTn id="37" dur="500" fill="hold"/>
+                                        <p:tgtEl>
+                                          <p:spTgt spid="13"/>
+                                        </p:tgtEl>
+                                        <p:attrNameLst>
+                                          <p:attrName>ppt_x</p:attrName>
+                                        </p:attrNameLst>
+                                      </p:cBhvr>
+                                      <p:tavLst>
+                                        <p:tav tm="0">
+                                          <p:val>
+                                            <p:strVal val="#ppt_x"/>
+                                          </p:val>
+                                        </p:tav>
+                                        <p:tav tm="100000">
+                                          <p:val>
+                                            <p:strVal val="#ppt_x"/>
+                                          </p:val>
+                                        </p:tav>
+                                      </p:tavLst>
+                                    </p:anim>
+                                    <p:anim calcmode="lin" valueType="num">
+                                      <p:cBhvr additive="base">
+                                        <p:cTn id="38" dur="500" fill="hold"/>
+                                        <p:tgtEl>
+                                          <p:spTgt spid="13"/>
+                                        </p:tgtEl>
+                                        <p:attrNameLst>
+                                          <p:attrName>ppt_y</p:attrName>
+                                        </p:attrNameLst>
+                                      </p:cBhvr>
+                                      <p:tavLst>
+                                        <p:tav tm="0">
+                                          <p:val>
+                                            <p:strVal val="1+#ppt_h/2"/>
+                                          </p:val>
+                                        </p:tav>
+                                        <p:tav tm="100000">
+                                          <p:val>
+                                            <p:strVal val="#ppt_y"/>
+                                          </p:val>
+                                        </p:tav>
+                                      </p:tavLst>
+                                    </p:anim>
+                                  </p:childTnLst>
+                                </p:cTn>
+                              </p:par>
+                              <p:par>
+                                <p:cTn id="39" presetID="2" presetClass="entr" presetSubtype="4" fill="hold" grpId="0" nodeType="withEffect">
+                                  <p:stCondLst>
+                                    <p:cond delay="0"/>
+                                  </p:stCondLst>
+                                  <p:childTnLst>
+                                    <p:set>
+                                      <p:cBhvr>
+                                        <p:cTn id="40" dur="1" fill="hold">
+                                          <p:stCondLst>
+                                            <p:cond delay="0"/>
+                                          </p:stCondLst>
+                                        </p:cTn>
+                                        <p:tgtEl>
+                                          <p:spTgt spid="22"/>
+                                        </p:tgtEl>
+                                        <p:attrNameLst>
+                                          <p:attrName>style.visibility</p:attrName>
+                                        </p:attrNameLst>
+                                      </p:cBhvr>
+                                      <p:to>
+                                        <p:strVal val="visible"/>
+                                      </p:to>
+                                    </p:set>
+                                    <p:anim calcmode="lin" valueType="num">
+                                      <p:cBhvr additive="base">
+                                        <p:cTn id="41" dur="500" fill="hold"/>
+                                        <p:tgtEl>
+                                          <p:spTgt spid="22"/>
+                                        </p:tgtEl>
+                                        <p:attrNameLst>
+                                          <p:attrName>ppt_x</p:attrName>
+                                        </p:attrNameLst>
+                                      </p:cBhvr>
+                                      <p:tavLst>
+                                        <p:tav tm="0">
+                                          <p:val>
+                                            <p:strVal val="#ppt_x"/>
+                                          </p:val>
+                                        </p:tav>
+                                        <p:tav tm="100000">
+                                          <p:val>
+                                            <p:strVal val="#ppt_x"/>
+                                          </p:val>
+                                        </p:tav>
+                                      </p:tavLst>
+                                    </p:anim>
+                                    <p:anim calcmode="lin" valueType="num">
+                                      <p:cBhvr additive="base">
+                                        <p:cTn id="42" dur="500" fill="hold"/>
+                                        <p:tgtEl>
+                                          <p:spTgt spid="22"/>
+                                        </p:tgtEl>
+                                        <p:attrNameLst>
+                                          <p:attrName>ppt_y</p:attrName>
+                                        </p:attrNameLst>
+                                      </p:cBhvr>
+                                      <p:tavLst>
+                                        <p:tav tm="0">
+                                          <p:val>
+                                            <p:strVal val="1+#ppt_h/2"/>
+                                          </p:val>
+                                        </p:tav>
+                                        <p:tav tm="100000">
+                                          <p:val>
+                                            <p:strVal val="#ppt_y"/>
+                                          </p:val>
+                                        </p:tav>
+                                      </p:tavLst>
+                                    </p:anim>
+                                  </p:childTnLst>
+                                </p:cTn>
+                              </p:par>
+                            </p:childTnLst>
+                          </p:cTn>
+                        </p:par>
+                      </p:childTnLst>
+                    </p:cTn>
+                  </p:par>
+                  <p:par>
+                    <p:cTn id="43" fill="hold">
+                      <p:stCondLst>
+                        <p:cond delay="indefinite"/>
+                      </p:stCondLst>
+                      <p:childTnLst>
+                        <p:par>
+                          <p:cTn id="44" fill="hold">
+                            <p:stCondLst>
+                              <p:cond delay="0"/>
+                            </p:stCondLst>
+                            <p:childTnLst>
+                              <p:par>
+                                <p:cTn id="45" presetID="2" presetClass="entr" presetSubtype="4" fill="hold" grpId="0" nodeType="clickEffect">
+                                  <p:stCondLst>
+                                    <p:cond delay="0"/>
+                                  </p:stCondLst>
+                                  <p:childTnLst>
+                                    <p:set>
+                                      <p:cBhvr>
+                                        <p:cTn id="46" dur="1" fill="hold">
+                                          <p:stCondLst>
+                                            <p:cond delay="0"/>
+                                          </p:stCondLst>
+                                        </p:cTn>
+                                        <p:tgtEl>
+                                          <p:spTgt spid="25"/>
+                                        </p:tgtEl>
+                                        <p:attrNameLst>
+                                          <p:attrName>style.visibility</p:attrName>
+                                        </p:attrNameLst>
+                                      </p:cBhvr>
+                                      <p:to>
+                                        <p:strVal val="visible"/>
+                                      </p:to>
+                                    </p:set>
+                                    <p:anim calcmode="lin" valueType="num">
+                                      <p:cBhvr additive="base">
+                                        <p:cTn id="47" dur="500" fill="hold"/>
+                                        <p:tgtEl>
+                                          <p:spTgt spid="25"/>
+                                        </p:tgtEl>
+                                        <p:attrNameLst>
+                                          <p:attrName>ppt_x</p:attrName>
+                                        </p:attrNameLst>
+                                      </p:cBhvr>
+                                      <p:tavLst>
+                                        <p:tav tm="0">
+                                          <p:val>
+                                            <p:strVal val="#ppt_x"/>
+                                          </p:val>
+                                        </p:tav>
+                                        <p:tav tm="100000">
+                                          <p:val>
+                                            <p:strVal val="#ppt_x"/>
+                                          </p:val>
+                                        </p:tav>
+                                      </p:tavLst>
+                                    </p:anim>
+                                    <p:anim calcmode="lin" valueType="num">
+                                      <p:cBhvr additive="base">
+                                        <p:cTn id="48" dur="500" fill="hold"/>
+                                        <p:tgtEl>
+                                          <p:spTgt spid="25"/>
+                                        </p:tgtEl>
+                                        <p:attrNameLst>
+                                          <p:attrName>ppt_y</p:attrName>
+                                        </p:attrNameLst>
+                                      </p:cBhvr>
+                                      <p:tavLst>
+                                        <p:tav tm="0">
+                                          <p:val>
+                                            <p:strVal val="1+#ppt_h/2"/>
+                                          </p:val>
+                                        </p:tav>
+                                        <p:tav tm="100000">
+                                          <p:val>
+                                            <p:strVal val="#ppt_y"/>
+                                          </p:val>
+                                        </p:tav>
+                                      </p:tavLst>
+                                    </p:anim>
+                                  </p:childTnLst>
+                                </p:cTn>
+                              </p:par>
+                              <p:par>
+                                <p:cTn id="49" presetID="2" presetClass="entr" presetSubtype="4" fill="hold" grpId="0" nodeType="withEffect">
+                                  <p:stCondLst>
+                                    <p:cond delay="0"/>
+                                  </p:stCondLst>
+                                  <p:childTnLst>
+                                    <p:set>
+                                      <p:cBhvr>
+                                        <p:cTn id="50" dur="1" fill="hold">
+                                          <p:stCondLst>
+                                            <p:cond delay="0"/>
+                                          </p:stCondLst>
+                                        </p:cTn>
+                                        <p:tgtEl>
+                                          <p:spTgt spid="24"/>
+                                        </p:tgtEl>
+                                        <p:attrNameLst>
+                                          <p:attrName>style.visibility</p:attrName>
+                                        </p:attrNameLst>
+                                      </p:cBhvr>
+                                      <p:to>
+                                        <p:strVal val="visible"/>
+                                      </p:to>
+                                    </p:set>
+                                    <p:anim calcmode="lin" valueType="num">
+                                      <p:cBhvr additive="base">
+                                        <p:cTn id="51" dur="500" fill="hold"/>
+                                        <p:tgtEl>
+                                          <p:spTgt spid="24"/>
+                                        </p:tgtEl>
+                                        <p:attrNameLst>
+                                          <p:attrName>ppt_x</p:attrName>
+                                        </p:attrNameLst>
+                                      </p:cBhvr>
+                                      <p:tavLst>
+                                        <p:tav tm="0">
+                                          <p:val>
+                                            <p:strVal val="#ppt_x"/>
+                                          </p:val>
+                                        </p:tav>
+                                        <p:tav tm="100000">
+                                          <p:val>
+                                            <p:strVal val="#ppt_x"/>
+                                          </p:val>
+                                        </p:tav>
+                                      </p:tavLst>
+                                    </p:anim>
+                                    <p:anim calcmode="lin" valueType="num">
+                                      <p:cBhvr additive="base">
+                                        <p:cTn id="52" dur="500" fill="hold"/>
+                                        <p:tgtEl>
+                                          <p:spTgt spid="24"/>
+                                        </p:tgtEl>
+                                        <p:attrNameLst>
+                                          <p:attrName>ppt_y</p:attrName>
+                                        </p:attrNameLst>
+                                      </p:cBhvr>
+                                      <p:tavLst>
+                                        <p:tav tm="0">
+                                          <p:val>
+                                            <p:strVal val="1+#ppt_h/2"/>
+                                          </p:val>
+                                        </p:tav>
+                                        <p:tav tm="100000">
+                                          <p:val>
+                                            <p:strVal val="#ppt_y"/>
+                                          </p:val>
+                                        </p:tav>
+                                      </p:tavLst>
+                                    </p:anim>
+                                  </p:childTnLst>
+                                </p:cTn>
+                              </p:par>
+                            </p:childTnLst>
+                          </p:cTn>
+                        </p:par>
+                      </p:childTnLst>
+                    </p:cTn>
+                  </p:par>
+                  <p:par>
+                    <p:cTn id="53" fill="hold">
+                      <p:stCondLst>
+                        <p:cond delay="indefinite"/>
+                      </p:stCondLst>
+                      <p:childTnLst>
+                        <p:par>
+                          <p:cTn id="54" fill="hold">
+                            <p:stCondLst>
+                              <p:cond delay="0"/>
+                            </p:stCondLst>
+                            <p:childTnLst>
+                              <p:par>
+                                <p:cTn id="55" presetID="2" presetClass="entr" presetSubtype="4" fill="hold" grpId="0" nodeType="clickEffect">
+                                  <p:stCondLst>
+                                    <p:cond delay="0"/>
+                                  </p:stCondLst>
+                                  <p:childTnLst>
+                                    <p:set>
+                                      <p:cBhvr>
+                                        <p:cTn id="56" dur="1" fill="hold">
+                                          <p:stCondLst>
+                                            <p:cond delay="0"/>
+                                          </p:stCondLst>
+                                        </p:cTn>
+                                        <p:tgtEl>
+                                          <p:spTgt spid="27"/>
+                                        </p:tgtEl>
+                                        <p:attrNameLst>
+                                          <p:attrName>style.visibility</p:attrName>
+                                        </p:attrNameLst>
+                                      </p:cBhvr>
+                                      <p:to>
+                                        <p:strVal val="visible"/>
+                                      </p:to>
+                                    </p:set>
+                                    <p:anim calcmode="lin" valueType="num">
+                                      <p:cBhvr additive="base">
+                                        <p:cTn id="57" dur="500" fill="hold"/>
+                                        <p:tgtEl>
+                                          <p:spTgt spid="27"/>
+                                        </p:tgtEl>
+                                        <p:attrNameLst>
+                                          <p:attrName>ppt_x</p:attrName>
+                                        </p:attrNameLst>
+                                      </p:cBhvr>
+                                      <p:tavLst>
+                                        <p:tav tm="0">
+                                          <p:val>
+                                            <p:strVal val="#ppt_x"/>
+                                          </p:val>
+                                        </p:tav>
+                                        <p:tav tm="100000">
+                                          <p:val>
+                                            <p:strVal val="#ppt_x"/>
+                                          </p:val>
+                                        </p:tav>
+                                      </p:tavLst>
+                                    </p:anim>
+                                    <p:anim calcmode="lin" valueType="num">
+                                      <p:cBhvr additive="base">
+                                        <p:cTn id="58" dur="500" fill="hold"/>
+                                        <p:tgtEl>
+                                          <p:spTgt spid="27"/>
+                                        </p:tgtEl>
+                                        <p:attrNameLst>
+                                          <p:attrName>ppt_y</p:attrName>
+                                        </p:attrNameLst>
+                                      </p:cBhvr>
+                                      <p:tavLst>
+                                        <p:tav tm="0">
+                                          <p:val>
+                                            <p:strVal val="1+#ppt_h/2"/>
+                                          </p:val>
+                                        </p:tav>
+                                        <p:tav tm="100000">
+                                          <p:val>
+                                            <p:strVal val="#ppt_y"/>
+                                          </p:val>
+                                        </p:tav>
+                                      </p:tavLst>
+                                    </p:anim>
+                                  </p:childTnLst>
+                                </p:cTn>
+                              </p:par>
+                              <p:par>
+                                <p:cTn id="59" presetID="2" presetClass="entr" presetSubtype="4" fill="hold" grpId="0" nodeType="withEffect">
+                                  <p:stCondLst>
+                                    <p:cond delay="0"/>
+                                  </p:stCondLst>
+                                  <p:childTnLst>
+                                    <p:set>
+                                      <p:cBhvr>
+                                        <p:cTn id="60" dur="1" fill="hold">
+                                          <p:stCondLst>
+                                            <p:cond delay="0"/>
+                                          </p:stCondLst>
+                                        </p:cTn>
+                                        <p:tgtEl>
+                                          <p:spTgt spid="26"/>
+                                        </p:tgtEl>
+                                        <p:attrNameLst>
+                                          <p:attrName>style.visibility</p:attrName>
+                                        </p:attrNameLst>
+                                      </p:cBhvr>
+                                      <p:to>
+                                        <p:strVal val="visible"/>
+                                      </p:to>
+                                    </p:set>
+                                    <p:anim calcmode="lin" valueType="num">
+                                      <p:cBhvr additive="base">
+                                        <p:cTn id="61" dur="500" fill="hold"/>
+                                        <p:tgtEl>
+                                          <p:spTgt spid="26"/>
+                                        </p:tgtEl>
+                                        <p:attrNameLst>
+                                          <p:attrName>ppt_x</p:attrName>
+                                        </p:attrNameLst>
+                                      </p:cBhvr>
+                                      <p:tavLst>
+                                        <p:tav tm="0">
+                                          <p:val>
+                                            <p:strVal val="#ppt_x"/>
+                                          </p:val>
+                                        </p:tav>
+                                        <p:tav tm="100000">
+                                          <p:val>
+                                            <p:strVal val="#ppt_x"/>
+                                          </p:val>
+                                        </p:tav>
+                                      </p:tavLst>
+                                    </p:anim>
+                                    <p:anim calcmode="lin" valueType="num">
+                                      <p:cBhvr additive="base">
+                                        <p:cTn id="62" dur="500" fill="hold"/>
+                                        <p:tgtEl>
+                                          <p:spTgt spid="26"/>
+                                        </p:tgtEl>
+                                        <p:attrNameLst>
+                                          <p:attrName>ppt_y</p:attrName>
+                                        </p:attrNameLst>
+                                      </p:cBhvr>
+                                      <p:tavLst>
+                                        <p:tav tm="0">
+                                          <p:val>
+                                            <p:strVal val="1+#ppt_h/2"/>
+                                          </p:val>
+                                        </p:tav>
+                                        <p:tav tm="100000">
+                                          <p:val>
+                                            <p:strVal val="#ppt_y"/>
+                                          </p:val>
+                                        </p:tav>
+                                      </p:tavLst>
+                                    </p:anim>
+                                  </p:childTnLst>
+                                </p:cTn>
+                              </p:par>
+                            </p:childTnLst>
+                          </p:cTn>
+                        </p:par>
+                      </p:childTnLst>
+                    </p:cTn>
+                  </p:par>
+                  <p:par>
+                    <p:cTn id="63" fill="hold">
+                      <p:stCondLst>
+                        <p:cond delay="indefinite"/>
+                      </p:stCondLst>
+                      <p:childTnLst>
+                        <p:par>
+                          <p:cTn id="64" fill="hold">
+                            <p:stCondLst>
+                              <p:cond delay="0"/>
+                            </p:stCondLst>
+                            <p:childTnLst>
+                              <p:par>
+                                <p:cTn id="65" presetID="2" presetClass="entr" presetSubtype="4" fill="hold" grpId="0" nodeType="clickEffect">
+                                  <p:stCondLst>
+                                    <p:cond delay="0"/>
+                                  </p:stCondLst>
+                                  <p:childTnLst>
+                                    <p:set>
+                                      <p:cBhvr>
+                                        <p:cTn id="66" dur="1" fill="hold">
+                                          <p:stCondLst>
+                                            <p:cond delay="0"/>
+                                          </p:stCondLst>
+                                        </p:cTn>
+                                        <p:tgtEl>
+                                          <p:spTgt spid="29"/>
+                                        </p:tgtEl>
+                                        <p:attrNameLst>
+                                          <p:attrName>style.visibility</p:attrName>
+                                        </p:attrNameLst>
+                                      </p:cBhvr>
+                                      <p:to>
+                                        <p:strVal val="visible"/>
+                                      </p:to>
+                                    </p:set>
+                                    <p:anim calcmode="lin" valueType="num">
+                                      <p:cBhvr additive="base">
+                                        <p:cTn id="67" dur="500" fill="hold"/>
+                                        <p:tgtEl>
+                                          <p:spTgt spid="29"/>
+                                        </p:tgtEl>
+                                        <p:attrNameLst>
+                                          <p:attrName>ppt_x</p:attrName>
+                                        </p:attrNameLst>
+                                      </p:cBhvr>
+                                      <p:tavLst>
+                                        <p:tav tm="0">
+                                          <p:val>
+                                            <p:strVal val="#ppt_x"/>
+                                          </p:val>
+                                        </p:tav>
+                                        <p:tav tm="100000">
+                                          <p:val>
+                                            <p:strVal val="#ppt_x"/>
+                                          </p:val>
+                                        </p:tav>
+                                      </p:tavLst>
+                                    </p:anim>
+                                    <p:anim calcmode="lin" valueType="num">
+                                      <p:cBhvr additive="base">
+                                        <p:cTn id="68" dur="500" fill="hold"/>
+                                        <p:tgtEl>
+                                          <p:spTgt spid="29"/>
+                                        </p:tgtEl>
+                                        <p:attrNameLst>
+                                          <p:attrName>ppt_y</p:attrName>
+                                        </p:attrNameLst>
+                                      </p:cBhvr>
+                                      <p:tavLst>
+                                        <p:tav tm="0">
+                                          <p:val>
+                                            <p:strVal val="1+#ppt_h/2"/>
+                                          </p:val>
+                                        </p:tav>
+                                        <p:tav tm="100000">
+                                          <p:val>
+                                            <p:strVal val="#ppt_y"/>
+                                          </p:val>
+                                        </p:tav>
+                                      </p:tavLst>
+                                    </p:anim>
+                                  </p:childTnLst>
+                                </p:cTn>
+                              </p:par>
+                              <p:par>
+                                <p:cTn id="69" presetID="2" presetClass="entr" presetSubtype="4" fill="hold" grpId="0" nodeType="withEffect">
+                                  <p:stCondLst>
+                                    <p:cond delay="0"/>
+                                  </p:stCondLst>
+                                  <p:childTnLst>
+                                    <p:set>
+                                      <p:cBhvr>
+                                        <p:cTn id="70" dur="1" fill="hold">
+                                          <p:stCondLst>
+                                            <p:cond delay="0"/>
+                                          </p:stCondLst>
+                                        </p:cTn>
+                                        <p:tgtEl>
+                                          <p:spTgt spid="28"/>
+                                        </p:tgtEl>
+                                        <p:attrNameLst>
+                                          <p:attrName>style.visibility</p:attrName>
+                                        </p:attrNameLst>
+                                      </p:cBhvr>
+                                      <p:to>
+                                        <p:strVal val="visible"/>
+                                      </p:to>
+                                    </p:set>
+                                    <p:anim calcmode="lin" valueType="num">
+                                      <p:cBhvr additive="base">
+                                        <p:cTn id="71" dur="500" fill="hold"/>
+                                        <p:tgtEl>
+                                          <p:spTgt spid="28"/>
+                                        </p:tgtEl>
+                                        <p:attrNameLst>
+                                          <p:attrName>ppt_x</p:attrName>
+                                        </p:attrNameLst>
+                                      </p:cBhvr>
+                                      <p:tavLst>
+                                        <p:tav tm="0">
+                                          <p:val>
+                                            <p:strVal val="#ppt_x"/>
+                                          </p:val>
+                                        </p:tav>
+                                        <p:tav tm="100000">
+                                          <p:val>
+                                            <p:strVal val="#ppt_x"/>
+                                          </p:val>
+                                        </p:tav>
+                                      </p:tavLst>
+                                    </p:anim>
+                                    <p:anim calcmode="lin" valueType="num">
+                                      <p:cBhvr additive="base">
+                                        <p:cTn id="72" dur="500" fill="hold"/>
+                                        <p:tgtEl>
+                                          <p:spTgt spid="28"/>
+                                        </p:tgtEl>
+                                        <p:attrNameLst>
+                                          <p:attrName>ppt_y</p:attrName>
+                                        </p:attrNameLst>
+                                      </p:cBhvr>
+                                      <p:tavLst>
+                                        <p:tav tm="0">
+                                          <p:val>
+                                            <p:strVal val="1+#ppt_h/2"/>
+                                          </p:val>
+                                        </p:tav>
+                                        <p:tav tm="100000">
+                                          <p:val>
+                                            <p:strVal val="#ppt_y"/>
+                                          </p:val>
+                                        </p:tav>
+                                      </p:tavLst>
+                                    </p:anim>
+                                  </p:childTnLst>
+                                </p:cTn>
+                              </p:par>
+                            </p:childTnLst>
+                          </p:cTn>
+                        </p:par>
+                      </p:childTnLst>
+                    </p:cTn>
+                  </p:par>
+                </p:childTnLst>
+              </p:cTn>
+              <p:prevCondLst>
+                <p:cond evt="onPrev" delay="0">
+                  <p:tgtEl>
+                    <p:sldTgt/>
+                  </p:tgtEl>
+                </p:cond>
+              </p:prevCondLst>
+              <p:nextCondLst>
+                <p:cond evt="onNext" delay="0">
+                  <p:tgtEl>
+                    <p:sldTgt/>
+                  </p:tgtEl>
+                </p:cond>
+              </p:nextCondLst>
+            </p:seq>
+          </p:childTnLst>
+        </p:cTn>
+      </p:par>
+    </p:tnLst>
+    <p:bldLst>
+      <p:bldP spid="5" grpId="0"/>
+      <p:bldP spid="6" grpId="0"/>
+      <p:bldP spid="9" grpId="0"/>
+      <p:bldP spid="13" grpId="0"/>
+      <p:bldP spid="16" grpId="0"/>
+      <p:bldP spid="15" grpId="0"/>
+      <p:bldP spid="21" grpId="0"/>
+      <p:bldP spid="22" grpId="0"/>
+      <p:bldP spid="24" grpId="0"/>
+      <p:bldP spid="25" grpId="0"/>
+      <p:bldP spid="26" grpId="0"/>
+      <p:bldP spid="27" grpId="0"/>
+      <p:bldP spid="28" grpId="0"/>
+      <p:bldP spid="29" grpId="0"/>
+    </p:bldLst>
+  </p:timing>
 </p:sld>
 </file>
 
@@ -12656,17 +11998,41 @@
           <a:lstStyle/>
           <a:p>
             <a:r>
-              <a:rPr lang="en-US" altLang="ko-KR" b="1" dirty="0">
-                <a:solidFill>
-                  <a:schemeClr val="tx1"/>
-                </a:solidFill>
+              <a:rPr lang="en-US" altLang="ko-KR" b="1" dirty="0"/>
+              <a:t>note</a:t>
+            </a:r>
+            <a:endParaRPr lang="en-US" b="1" dirty="0">
+              <a:latin typeface="Arial" pitchFamily="34" charset="0"/>
+              <a:cs typeface="Arial" pitchFamily="34" charset="0"/>
+            </a:endParaRPr>
+          </a:p>
+        </p:txBody>
+      </p:sp>
+      <p:sp>
+        <p:nvSpPr>
+          <p:cNvPr id="5" name="Content Placeholder 4"/>
+          <p:cNvSpPr>
+            <a:spLocks noGrp="1"/>
+          </p:cNvSpPr>
+          <p:nvPr>
+            <p:ph idx="10"/>
+          </p:nvPr>
+        </p:nvSpPr>
+        <p:spPr/>
+        <p:txBody>
+          <a:bodyPr/>
+          <a:lstStyle/>
+          <a:p>
+            <a:r>
+              <a:rPr lang="en-US" altLang="ko-KR" dirty="0">
+                <a:latin typeface="Arial" pitchFamily="34" charset="0"/>
+                <a:cs typeface="Arial" pitchFamily="34" charset="0"/>
               </a:rPr>
-              <a:t>Usability (static)</a:t>
+              <a:t>note</a:t>
             </a:r>
-            <a:endParaRPr lang="ko-KR" altLang="en-US" b="1" dirty="0">
-              <a:solidFill>
-                <a:schemeClr val="tx1"/>
-              </a:solidFill>
+            <a:endParaRPr lang="ko-KR" altLang="en-US" dirty="0">
+              <a:latin typeface="Arial" pitchFamily="34" charset="0"/>
+              <a:cs typeface="Arial" pitchFamily="34" charset="0"/>
             </a:endParaRPr>
           </a:p>
         </p:txBody>
@@ -12688,7 +12054,7 @@
           <a:p>
             <a:r>
               <a:rPr lang="en-US" altLang="ko-KR" b="1" dirty="0"/>
-              <a:t>4. Architectural</a:t>
+              <a:t>5. Summary test report.</a:t>
             </a:r>
             <a:endParaRPr lang="ko-KR" altLang="en-US" b="1" dirty="0"/>
           </a:p>
@@ -12824,283 +12190,6 @@
           </a:p>
         </p:txBody>
       </p:sp>
-      <p:pic>
-        <p:nvPicPr>
-          <p:cNvPr id="8" name="Hình ảnh 1">
-            <a:extLst>
-              <a:ext uri="{FF2B5EF4-FFF2-40B4-BE49-F238E27FC236}">
-                <a16:creationId xmlns:a16="http://schemas.microsoft.com/office/drawing/2014/main" id="{5ECD18B5-6E6D-C149-9140-6293FA8D9079}"/>
-              </a:ext>
-            </a:extLst>
-          </p:cNvPr>
-          <p:cNvPicPr/>
-          <p:nvPr/>
-        </p:nvPicPr>
-        <p:blipFill>
-          <a:blip r:embed="rId3">
-            <a:extLst>
-              <a:ext uri="{28A0092B-C50C-407E-A947-70E740481C1C}">
-                <a14:useLocalDpi xmlns:a14="http://schemas.microsoft.com/office/drawing/2010/main" val="0"/>
-              </a:ext>
-            </a:extLst>
-          </a:blip>
-          <a:srcRect/>
-          <a:stretch>
-            <a:fillRect/>
-          </a:stretch>
-        </p:blipFill>
-        <p:spPr bwMode="auto">
-          <a:xfrm>
-            <a:off x="3128009" y="2221575"/>
-            <a:ext cx="5943600" cy="4183756"/>
-          </a:xfrm>
-          <a:prstGeom prst="rect">
-            <a:avLst/>
-          </a:prstGeom>
-          <a:noFill/>
-          <a:ln>
-            <a:noFill/>
-          </a:ln>
-        </p:spPr>
-      </p:pic>
-    </p:spTree>
-    <p:extLst>
-      <p:ext uri="{BB962C8B-B14F-4D97-AF65-F5344CB8AC3E}">
-        <p14:creationId xmlns:p14="http://schemas.microsoft.com/office/powerpoint/2010/main" val="2519964019"/>
-      </p:ext>
-    </p:extLst>
-  </p:cSld>
-  <p:clrMapOvr>
-    <a:masterClrMapping/>
-  </p:clrMapOvr>
-</p:sld>
-</file>
-
-<file path=ppt/slides/slide21.xml><?xml version="1.0" encoding="utf-8"?>
-<p:sld xmlns:a="http://schemas.openxmlformats.org/drawingml/2006/main" xmlns:r="http://schemas.openxmlformats.org/officeDocument/2006/relationships" xmlns:p="http://schemas.openxmlformats.org/presentationml/2006/main">
-  <p:cSld>
-    <p:spTree>
-      <p:nvGrpSpPr>
-        <p:cNvPr id="1" name=""/>
-        <p:cNvGrpSpPr/>
-        <p:nvPr/>
-      </p:nvGrpSpPr>
-      <p:grpSpPr>
-        <a:xfrm>
-          <a:off x="0" y="0"/>
-          <a:ext cx="0" cy="0"/>
-          <a:chOff x="0" y="0"/>
-          <a:chExt cx="0" cy="0"/>
-        </a:xfrm>
-      </p:grpSpPr>
-      <p:sp>
-        <p:nvSpPr>
-          <p:cNvPr id="2" name="Content Placeholder 1"/>
-          <p:cNvSpPr>
-            <a:spLocks noGrp="1"/>
-          </p:cNvSpPr>
-          <p:nvPr>
-            <p:ph idx="1"/>
-          </p:nvPr>
-        </p:nvSpPr>
-        <p:spPr/>
-        <p:txBody>
-          <a:bodyPr/>
-          <a:lstStyle/>
-          <a:p>
-            <a:r>
-              <a:rPr lang="en-US" altLang="ko-KR" b="1" dirty="0"/>
-              <a:t>note</a:t>
-            </a:r>
-            <a:endParaRPr lang="en-US" b="1" dirty="0">
-              <a:latin typeface="Arial" pitchFamily="34" charset="0"/>
-              <a:cs typeface="Arial" pitchFamily="34" charset="0"/>
-            </a:endParaRPr>
-          </a:p>
-        </p:txBody>
-      </p:sp>
-      <p:sp>
-        <p:nvSpPr>
-          <p:cNvPr id="5" name="Content Placeholder 4"/>
-          <p:cNvSpPr>
-            <a:spLocks noGrp="1"/>
-          </p:cNvSpPr>
-          <p:nvPr>
-            <p:ph idx="10"/>
-          </p:nvPr>
-        </p:nvSpPr>
-        <p:spPr/>
-        <p:txBody>
-          <a:bodyPr/>
-          <a:lstStyle/>
-          <a:p>
-            <a:r>
-              <a:rPr lang="en-US" altLang="ko-KR" dirty="0">
-                <a:latin typeface="Arial" pitchFamily="34" charset="0"/>
-                <a:cs typeface="Arial" pitchFamily="34" charset="0"/>
-              </a:rPr>
-              <a:t>note</a:t>
-            </a:r>
-            <a:endParaRPr lang="ko-KR" altLang="en-US" dirty="0">
-              <a:latin typeface="Arial" pitchFamily="34" charset="0"/>
-              <a:cs typeface="Arial" pitchFamily="34" charset="0"/>
-            </a:endParaRPr>
-          </a:p>
-        </p:txBody>
-      </p:sp>
-      <p:sp>
-        <p:nvSpPr>
-          <p:cNvPr id="3" name="Title 2"/>
-          <p:cNvSpPr>
-            <a:spLocks noGrp="1"/>
-          </p:cNvSpPr>
-          <p:nvPr>
-            <p:ph type="title"/>
-          </p:nvPr>
-        </p:nvSpPr>
-        <p:spPr/>
-        <p:txBody>
-          <a:bodyPr/>
-          <a:lstStyle/>
-          <a:p>
-            <a:r>
-              <a:rPr lang="en-US" altLang="ko-KR" b="1" dirty="0"/>
-              <a:t>5. Summary test report.</a:t>
-            </a:r>
-            <a:endParaRPr lang="ko-KR" altLang="en-US" b="1" dirty="0"/>
-          </a:p>
-        </p:txBody>
-      </p:sp>
-      <p:sp>
-        <p:nvSpPr>
-          <p:cNvPr id="6" name="Slide Number Placeholder 3">
-            <a:extLst>
-              <a:ext uri="{FF2B5EF4-FFF2-40B4-BE49-F238E27FC236}">
-                <a16:creationId xmlns:a16="http://schemas.microsoft.com/office/drawing/2014/main" id="{FF9DDFD0-EB1F-3C43-95CC-461CBFD9C865}"/>
-              </a:ext>
-            </a:extLst>
-          </p:cNvPr>
-          <p:cNvSpPr txBox="1">
-            <a:spLocks/>
-          </p:cNvSpPr>
-          <p:nvPr/>
-        </p:nvSpPr>
-        <p:spPr>
-          <a:xfrm>
-            <a:off x="11198390" y="6405331"/>
-            <a:ext cx="452437" cy="365125"/>
-          </a:xfrm>
-          <a:prstGeom prst="rect">
-            <a:avLst/>
-          </a:prstGeom>
-        </p:spPr>
-        <p:txBody>
-          <a:bodyPr/>
-          <a:lstStyle>
-            <a:defPPr>
-              <a:defRPr lang="en-US"/>
-            </a:defPPr>
-            <a:lvl1pPr marL="0" algn="l" defTabSz="914400" rtl="0" eaLnBrk="1" latinLnBrk="0" hangingPunct="1">
-              <a:defRPr sz="1800" kern="1200">
-                <a:solidFill>
-                  <a:schemeClr val="tx1"/>
-                </a:solidFill>
-                <a:latin typeface="+mn-lt"/>
-                <a:ea typeface="+mn-ea"/>
-                <a:cs typeface="+mn-cs"/>
-              </a:defRPr>
-            </a:lvl1pPr>
-            <a:lvl2pPr marL="457200" algn="l" defTabSz="914400" rtl="0" eaLnBrk="1" latinLnBrk="0" hangingPunct="1">
-              <a:defRPr sz="1800" kern="1200">
-                <a:solidFill>
-                  <a:schemeClr val="tx1"/>
-                </a:solidFill>
-                <a:latin typeface="+mn-lt"/>
-                <a:ea typeface="+mn-ea"/>
-                <a:cs typeface="+mn-cs"/>
-              </a:defRPr>
-            </a:lvl2pPr>
-            <a:lvl3pPr marL="914400" algn="l" defTabSz="914400" rtl="0" eaLnBrk="1" latinLnBrk="0" hangingPunct="1">
-              <a:defRPr sz="1800" kern="1200">
-                <a:solidFill>
-                  <a:schemeClr val="tx1"/>
-                </a:solidFill>
-                <a:latin typeface="+mn-lt"/>
-                <a:ea typeface="+mn-ea"/>
-                <a:cs typeface="+mn-cs"/>
-              </a:defRPr>
-            </a:lvl3pPr>
-            <a:lvl4pPr marL="1371600" algn="l" defTabSz="914400" rtl="0" eaLnBrk="1" latinLnBrk="0" hangingPunct="1">
-              <a:defRPr sz="1800" kern="1200">
-                <a:solidFill>
-                  <a:schemeClr val="tx1"/>
-                </a:solidFill>
-                <a:latin typeface="+mn-lt"/>
-                <a:ea typeface="+mn-ea"/>
-                <a:cs typeface="+mn-cs"/>
-              </a:defRPr>
-            </a:lvl4pPr>
-            <a:lvl5pPr marL="1828800" algn="l" defTabSz="914400" rtl="0" eaLnBrk="1" latinLnBrk="0" hangingPunct="1">
-              <a:defRPr sz="1800" kern="1200">
-                <a:solidFill>
-                  <a:schemeClr val="tx1"/>
-                </a:solidFill>
-                <a:latin typeface="+mn-lt"/>
-                <a:ea typeface="+mn-ea"/>
-                <a:cs typeface="+mn-cs"/>
-              </a:defRPr>
-            </a:lvl5pPr>
-            <a:lvl6pPr marL="2286000" algn="l" defTabSz="914400" rtl="0" eaLnBrk="1" latinLnBrk="0" hangingPunct="1">
-              <a:defRPr sz="1800" kern="1200">
-                <a:solidFill>
-                  <a:schemeClr val="tx1"/>
-                </a:solidFill>
-                <a:latin typeface="+mn-lt"/>
-                <a:ea typeface="+mn-ea"/>
-                <a:cs typeface="+mn-cs"/>
-              </a:defRPr>
-            </a:lvl6pPr>
-            <a:lvl7pPr marL="2743200" algn="l" defTabSz="914400" rtl="0" eaLnBrk="1" latinLnBrk="0" hangingPunct="1">
-              <a:defRPr sz="1800" kern="1200">
-                <a:solidFill>
-                  <a:schemeClr val="tx1"/>
-                </a:solidFill>
-                <a:latin typeface="+mn-lt"/>
-                <a:ea typeface="+mn-ea"/>
-                <a:cs typeface="+mn-cs"/>
-              </a:defRPr>
-            </a:lvl7pPr>
-            <a:lvl8pPr marL="3200400" algn="l" defTabSz="914400" rtl="0" eaLnBrk="1" latinLnBrk="0" hangingPunct="1">
-              <a:defRPr sz="1800" kern="1200">
-                <a:solidFill>
-                  <a:schemeClr val="tx1"/>
-                </a:solidFill>
-                <a:latin typeface="+mn-lt"/>
-                <a:ea typeface="+mn-ea"/>
-                <a:cs typeface="+mn-cs"/>
-              </a:defRPr>
-            </a:lvl8pPr>
-            <a:lvl9pPr marL="3657600" algn="l" defTabSz="914400" rtl="0" eaLnBrk="1" latinLnBrk="0" hangingPunct="1">
-              <a:defRPr sz="1800" kern="1200">
-                <a:solidFill>
-                  <a:schemeClr val="tx1"/>
-                </a:solidFill>
-                <a:latin typeface="+mn-lt"/>
-                <a:ea typeface="+mn-ea"/>
-                <a:cs typeface="+mn-cs"/>
-              </a:defRPr>
-            </a:lvl9pPr>
-          </a:lstStyle>
-          <a:p>
-            <a:fld id="{301E5F09-0F4C-0243-9596-FED7D03FE3DA}" type="slidenum">
-              <a:rPr lang="en-US" smtClean="0"/>
-              <a:pPr/>
-              <a:t>21</a:t>
-            </a:fld>
-            <a:endParaRPr lang="en-US" dirty="0"/>
-          </a:p>
-        </p:txBody>
-      </p:sp>
     </p:spTree>
     <p:extLst>
       <p:ext uri="{BB962C8B-B14F-4D97-AF65-F5344CB8AC3E}">
@@ -13111,10 +12200,22 @@
   <p:clrMapOvr>
     <a:masterClrMapping/>
   </p:clrMapOvr>
+  <mc:AlternateContent xmlns:mc="http://schemas.openxmlformats.org/markup-compatibility/2006">
+    <mc:Choice xmlns:p14="http://schemas.microsoft.com/office/powerpoint/2010/main" Requires="p14">
+      <p:transition spd="med" p14:dur="700">
+        <p:fade/>
+      </p:transition>
+    </mc:Choice>
+    <mc:Fallback>
+      <p:transition spd="med">
+        <p:fade/>
+      </p:transition>
+    </mc:Fallback>
+  </mc:AlternateContent>
 </p:sld>
 </file>
 
-<file path=ppt/slides/slide22.xml><?xml version="1.0" encoding="utf-8"?>
+<file path=ppt/slides/slide21.xml><?xml version="1.0" encoding="utf-8"?>
 <p:sld xmlns:a="http://schemas.openxmlformats.org/drawingml/2006/main" xmlns:r="http://schemas.openxmlformats.org/officeDocument/2006/relationships" xmlns:p="http://schemas.openxmlformats.org/presentationml/2006/main">
   <p:cSld>
     <p:spTree>
@@ -13283,7 +12384,7 @@
             <a:fld id="{301E5F09-0F4C-0243-9596-FED7D03FE3DA}" type="slidenum">
               <a:rPr lang="en-US" smtClean="0"/>
               <a:pPr/>
-              <a:t>22</a:t>
+              <a:t>21</a:t>
             </a:fld>
             <a:endParaRPr lang="en-US" dirty="0"/>
           </a:p>
@@ -14366,10 +13467,22 @@
   <p:clrMapOvr>
     <a:masterClrMapping/>
   </p:clrMapOvr>
+  <mc:AlternateContent xmlns:mc="http://schemas.openxmlformats.org/markup-compatibility/2006">
+    <mc:Choice xmlns:p14="http://schemas.microsoft.com/office/powerpoint/2010/main" Requires="p14">
+      <p:transition spd="med" p14:dur="700">
+        <p:fade/>
+      </p:transition>
+    </mc:Choice>
+    <mc:Fallback>
+      <p:transition spd="med">
+        <p:fade/>
+      </p:transition>
+    </mc:Fallback>
+  </mc:AlternateContent>
 </p:sld>
 </file>
 
-<file path=ppt/slides/slide23.xml><?xml version="1.0" encoding="utf-8"?>
+<file path=ppt/slides/slide22.xml><?xml version="1.0" encoding="utf-8"?>
 <p:sld xmlns:a="http://schemas.openxmlformats.org/drawingml/2006/main" xmlns:r="http://schemas.openxmlformats.org/officeDocument/2006/relationships" xmlns:p="http://schemas.openxmlformats.org/presentationml/2006/main">
   <p:cSld>
     <p:spTree>
@@ -14559,7 +13672,7 @@
             <a:fld id="{301E5F09-0F4C-0243-9596-FED7D03FE3DA}" type="slidenum">
               <a:rPr lang="en-US" smtClean="0"/>
               <a:pPr/>
-              <a:t>23</a:t>
+              <a:t>22</a:t>
             </a:fld>
             <a:endParaRPr lang="en-US" dirty="0"/>
           </a:p>
@@ -15572,10 +14685,22 @@
   <p:clrMapOvr>
     <a:masterClrMapping/>
   </p:clrMapOvr>
+  <mc:AlternateContent xmlns:mc="http://schemas.openxmlformats.org/markup-compatibility/2006">
+    <mc:Choice xmlns:p14="http://schemas.microsoft.com/office/powerpoint/2010/main" Requires="p14">
+      <p:transition spd="med" p14:dur="700">
+        <p:fade/>
+      </p:transition>
+    </mc:Choice>
+    <mc:Fallback>
+      <p:transition spd="med">
+        <p:fade/>
+      </p:transition>
+    </mc:Fallback>
+  </mc:AlternateContent>
 </p:sld>
 </file>
 
-<file path=ppt/slides/slide24.xml><?xml version="1.0" encoding="utf-8"?>
+<file path=ppt/slides/slide23.xml><?xml version="1.0" encoding="utf-8"?>
 <p:sld xmlns:a="http://schemas.openxmlformats.org/drawingml/2006/main" xmlns:r="http://schemas.openxmlformats.org/officeDocument/2006/relationships" xmlns:p="http://schemas.openxmlformats.org/presentationml/2006/main">
   <p:cSld>
     <p:spTree>
@@ -15769,7 +14894,7 @@
             <a:fld id="{301E5F09-0F4C-0243-9596-FED7D03FE3DA}" type="slidenum">
               <a:rPr lang="en-US" smtClean="0"/>
               <a:pPr/>
-              <a:t>24</a:t>
+              <a:t>23</a:t>
             </a:fld>
             <a:endParaRPr lang="en-US" dirty="0"/>
           </a:p>
@@ -15785,10 +14910,22 @@
   <p:clrMapOvr>
     <a:masterClrMapping/>
   </p:clrMapOvr>
+  <mc:AlternateContent xmlns:mc="http://schemas.openxmlformats.org/markup-compatibility/2006">
+    <mc:Choice xmlns:p14="http://schemas.microsoft.com/office/powerpoint/2010/main" Requires="p14">
+      <p:transition spd="med" p14:dur="700">
+        <p:fade/>
+      </p:transition>
+    </mc:Choice>
+    <mc:Fallback>
+      <p:transition spd="med">
+        <p:fade/>
+      </p:transition>
+    </mc:Fallback>
+  </mc:AlternateContent>
 </p:sld>
 </file>
 
-<file path=ppt/slides/slide25.xml><?xml version="1.0" encoding="utf-8"?>
+<file path=ppt/slides/slide24.xml><?xml version="1.0" encoding="utf-8"?>
 <p:sld xmlns:a="http://schemas.openxmlformats.org/drawingml/2006/main" xmlns:r="http://schemas.openxmlformats.org/officeDocument/2006/relationships" xmlns:p="http://schemas.openxmlformats.org/presentationml/2006/main">
   <p:cSld>
     <p:spTree>
@@ -16400,9 +15537,18 @@
   <p:clrMapOvr>
     <a:masterClrMapping/>
   </p:clrMapOvr>
-  <p:transition spd="slow">
-    <p:wipe/>
-  </p:transition>
+  <mc:AlternateContent xmlns:mc="http://schemas.openxmlformats.org/markup-compatibility/2006">
+    <mc:Choice xmlns:p14="http://schemas.microsoft.com/office/powerpoint/2010/main" Requires="p14">
+      <p:transition spd="med" p14:dur="700">
+        <p:fade/>
+      </p:transition>
+    </mc:Choice>
+    <mc:Fallback>
+      <p:transition spd="med">
+        <p:fade/>
+      </p:transition>
+    </mc:Fallback>
+  </mc:AlternateContent>
 </p:sld>
 </file>
 
@@ -16993,14 +16139,14 @@
   <p:clrMapOvr>
     <a:masterClrMapping/>
   </p:clrMapOvr>
-  <mc:AlternateContent xmlns:mc="http://schemas.openxmlformats.org/markup-compatibility/2006" xmlns:p14="http://schemas.microsoft.com/office/powerpoint/2010/main">
-    <mc:Choice Requires="p14">
-      <p:transition spd="slow" p14:dur="3400">
-        <p14:reveal/>
+  <mc:AlternateContent xmlns:mc="http://schemas.openxmlformats.org/markup-compatibility/2006">
+    <mc:Choice xmlns:p14="http://schemas.microsoft.com/office/powerpoint/2010/main" Requires="p14">
+      <p:transition spd="med" p14:dur="700">
+        <p:fade/>
       </p:transition>
     </mc:Choice>
-    <mc:Fallback xmlns="">
-      <p:transition spd="slow">
+    <mc:Fallback>
+      <p:transition spd="med">
         <p:fade/>
       </p:transition>
     </mc:Fallback>
@@ -17039,8 +16185,8 @@
         </p:nvSpPr>
         <p:spPr>
           <a:xfrm>
-            <a:off x="7283689" y="1592894"/>
-            <a:ext cx="2123861" cy="4522799"/>
+            <a:off x="7283689" y="1592895"/>
+            <a:ext cx="2123861" cy="3981996"/>
           </a:xfrm>
           <a:prstGeom prst="roundRect">
             <a:avLst>
@@ -17096,8 +16242,8 @@
         </p:nvSpPr>
         <p:spPr>
           <a:xfrm>
-            <a:off x="2784452" y="1592894"/>
-            <a:ext cx="2123861" cy="4522799"/>
+            <a:off x="2784452" y="1592895"/>
+            <a:ext cx="2123861" cy="3981996"/>
           </a:xfrm>
           <a:prstGeom prst="roundRect">
             <a:avLst>
@@ -17153,8 +16299,8 @@
         </p:nvSpPr>
         <p:spPr>
           <a:xfrm>
-            <a:off x="9533305" y="1592894"/>
-            <a:ext cx="2123861" cy="4522799"/>
+            <a:off x="9533305" y="1592895"/>
+            <a:ext cx="2123861" cy="3981996"/>
           </a:xfrm>
           <a:prstGeom prst="roundRect">
             <a:avLst>
@@ -17207,8 +16353,8 @@
         </p:nvSpPr>
         <p:spPr>
           <a:xfrm>
-            <a:off x="5034070" y="1592894"/>
-            <a:ext cx="2123861" cy="4522799"/>
+            <a:off x="5034070" y="1592895"/>
+            <a:ext cx="2123861" cy="3981996"/>
           </a:xfrm>
           <a:prstGeom prst="roundRect">
             <a:avLst>
@@ -17418,7 +16564,7 @@
         <p:spPr>
           <a:xfrm>
             <a:off x="534833" y="1592894"/>
-            <a:ext cx="2123861" cy="4522799"/>
+            <a:ext cx="2123861" cy="3981997"/>
           </a:xfrm>
           <a:prstGeom prst="roundRect">
             <a:avLst>
@@ -17934,867 +17080,6 @@
       </p:sp>
       <p:sp>
         <p:nvSpPr>
-          <p:cNvPr id="81" name="Rectangle 80">
-            <a:extLst>
-              <a:ext uri="{FF2B5EF4-FFF2-40B4-BE49-F238E27FC236}">
-                <a16:creationId xmlns:a16="http://schemas.microsoft.com/office/drawing/2014/main" id="{1DC13DF6-DC85-4C59-8177-2A00E171833F}"/>
-              </a:ext>
-            </a:extLst>
-          </p:cNvPr>
-          <p:cNvSpPr/>
-          <p:nvPr/>
-        </p:nvSpPr>
-        <p:spPr>
-          <a:xfrm>
-            <a:off x="3041520" y="4025294"/>
-            <a:ext cx="1609724" cy="1448410"/>
-          </a:xfrm>
-          <a:prstGeom prst="rect">
-            <a:avLst/>
-          </a:prstGeom>
-        </p:spPr>
-        <p:txBody>
-          <a:bodyPr wrap="square" lIns="0" tIns="0" rIns="0" bIns="0" anchor="t">
-            <a:spAutoFit/>
-          </a:bodyPr>
-          <a:lstStyle/>
-          <a:p>
-            <a:pPr algn="ctr">
-              <a:lnSpc>
-                <a:spcPts val="1900"/>
-              </a:lnSpc>
-            </a:pPr>
-            <a:r>
-              <a:rPr lang="en-US" sz="1400" dirty="0">
-                <a:solidFill>
-                  <a:schemeClr val="tx1">
-                    <a:lumMod val="75000"/>
-                    <a:lumOff val="25000"/>
-                  </a:schemeClr>
-                </a:solidFill>
-                <a:cs typeface="Arial" panose="020B0604020202020204" pitchFamily="34" charset="0"/>
-              </a:rPr>
-              <a:t>Lorem ipsum dolor sit </a:t>
-            </a:r>
-            <a:r>
-              <a:rPr lang="en-US" sz="1400" dirty="0" err="1">
-                <a:solidFill>
-                  <a:schemeClr val="tx1">
-                    <a:lumMod val="75000"/>
-                    <a:lumOff val="25000"/>
-                  </a:schemeClr>
-                </a:solidFill>
-                <a:cs typeface="Arial" panose="020B0604020202020204" pitchFamily="34" charset="0"/>
-              </a:rPr>
-              <a:t>amet</a:t>
-            </a:r>
-            <a:r>
-              <a:rPr lang="en-US" sz="1400" dirty="0">
-                <a:solidFill>
-                  <a:schemeClr val="tx1">
-                    <a:lumMod val="75000"/>
-                    <a:lumOff val="25000"/>
-                  </a:schemeClr>
-                </a:solidFill>
-                <a:cs typeface="Arial" panose="020B0604020202020204" pitchFamily="34" charset="0"/>
-              </a:rPr>
-              <a:t>, </a:t>
-            </a:r>
-            <a:r>
-              <a:rPr lang="en-US" sz="1400" dirty="0" err="1">
-                <a:solidFill>
-                  <a:schemeClr val="tx1">
-                    <a:lumMod val="75000"/>
-                    <a:lumOff val="25000"/>
-                  </a:schemeClr>
-                </a:solidFill>
-                <a:cs typeface="Arial" panose="020B0604020202020204" pitchFamily="34" charset="0"/>
-              </a:rPr>
-              <a:t>consectetur</a:t>
-            </a:r>
-            <a:r>
-              <a:rPr lang="en-US" sz="1400" dirty="0">
-                <a:solidFill>
-                  <a:schemeClr val="tx1">
-                    <a:lumMod val="75000"/>
-                    <a:lumOff val="25000"/>
-                  </a:schemeClr>
-                </a:solidFill>
-                <a:cs typeface="Arial" panose="020B0604020202020204" pitchFamily="34" charset="0"/>
-              </a:rPr>
-              <a:t> </a:t>
-            </a:r>
-            <a:r>
-              <a:rPr lang="en-US" sz="1400" dirty="0" err="1">
-                <a:solidFill>
-                  <a:schemeClr val="tx1">
-                    <a:lumMod val="75000"/>
-                    <a:lumOff val="25000"/>
-                  </a:schemeClr>
-                </a:solidFill>
-                <a:cs typeface="Arial" panose="020B0604020202020204" pitchFamily="34" charset="0"/>
-              </a:rPr>
-              <a:t>adipiscing</a:t>
-            </a:r>
-            <a:r>
-              <a:rPr lang="en-US" sz="1400" dirty="0">
-                <a:solidFill>
-                  <a:schemeClr val="tx1">
-                    <a:lumMod val="75000"/>
-                    <a:lumOff val="25000"/>
-                  </a:schemeClr>
-                </a:solidFill>
-                <a:cs typeface="Arial" panose="020B0604020202020204" pitchFamily="34" charset="0"/>
-              </a:rPr>
-              <a:t> </a:t>
-            </a:r>
-            <a:r>
-              <a:rPr lang="en-US" sz="1400" dirty="0" err="1">
-                <a:solidFill>
-                  <a:schemeClr val="tx1">
-                    <a:lumMod val="75000"/>
-                    <a:lumOff val="25000"/>
-                  </a:schemeClr>
-                </a:solidFill>
-                <a:cs typeface="Arial" panose="020B0604020202020204" pitchFamily="34" charset="0"/>
-              </a:rPr>
-              <a:t>elit</a:t>
-            </a:r>
-            <a:r>
-              <a:rPr lang="en-US" sz="1400" dirty="0">
-                <a:solidFill>
-                  <a:schemeClr val="tx1">
-                    <a:lumMod val="75000"/>
-                    <a:lumOff val="25000"/>
-                  </a:schemeClr>
-                </a:solidFill>
-                <a:cs typeface="Arial" panose="020B0604020202020204" pitchFamily="34" charset="0"/>
-              </a:rPr>
-              <a:t>, sed do </a:t>
-            </a:r>
-            <a:r>
-              <a:rPr lang="en-US" sz="1400" dirty="0" err="1">
-                <a:solidFill>
-                  <a:schemeClr val="tx1">
-                    <a:lumMod val="75000"/>
-                    <a:lumOff val="25000"/>
-                  </a:schemeClr>
-                </a:solidFill>
-                <a:cs typeface="Arial" panose="020B0604020202020204" pitchFamily="34" charset="0"/>
-              </a:rPr>
-              <a:t>eiusmod</a:t>
-            </a:r>
-            <a:r>
-              <a:rPr lang="en-US" sz="1400" dirty="0">
-                <a:solidFill>
-                  <a:schemeClr val="tx1">
-                    <a:lumMod val="75000"/>
-                    <a:lumOff val="25000"/>
-                  </a:schemeClr>
-                </a:solidFill>
-                <a:cs typeface="Arial" panose="020B0604020202020204" pitchFamily="34" charset="0"/>
-              </a:rPr>
-              <a:t> </a:t>
-            </a:r>
-            <a:r>
-              <a:rPr lang="en-US" sz="1400" dirty="0" err="1">
-                <a:solidFill>
-                  <a:schemeClr val="tx1">
-                    <a:lumMod val="75000"/>
-                    <a:lumOff val="25000"/>
-                  </a:schemeClr>
-                </a:solidFill>
-                <a:cs typeface="Arial" panose="020B0604020202020204" pitchFamily="34" charset="0"/>
-              </a:rPr>
-              <a:t>tempor</a:t>
-            </a:r>
-            <a:r>
-              <a:rPr lang="en-US" sz="1400" dirty="0">
-                <a:solidFill>
-                  <a:schemeClr val="tx1">
-                    <a:lumMod val="75000"/>
-                    <a:lumOff val="25000"/>
-                  </a:schemeClr>
-                </a:solidFill>
-                <a:cs typeface="Arial" panose="020B0604020202020204" pitchFamily="34" charset="0"/>
-              </a:rPr>
-              <a:t> </a:t>
-            </a:r>
-            <a:r>
-              <a:rPr lang="en-US" sz="1400" dirty="0" err="1">
-                <a:solidFill>
-                  <a:schemeClr val="tx1">
-                    <a:lumMod val="75000"/>
-                    <a:lumOff val="25000"/>
-                  </a:schemeClr>
-                </a:solidFill>
-                <a:cs typeface="Arial" panose="020B0604020202020204" pitchFamily="34" charset="0"/>
-              </a:rPr>
-              <a:t>incididunt</a:t>
-            </a:r>
-            <a:r>
-              <a:rPr lang="en-US" sz="1400" dirty="0">
-                <a:solidFill>
-                  <a:schemeClr val="tx1">
-                    <a:lumMod val="75000"/>
-                    <a:lumOff val="25000"/>
-                  </a:schemeClr>
-                </a:solidFill>
-                <a:cs typeface="Arial" panose="020B0604020202020204" pitchFamily="34" charset="0"/>
-              </a:rPr>
-              <a:t> </a:t>
-            </a:r>
-            <a:r>
-              <a:rPr lang="en-US" sz="1400" dirty="0" err="1">
-                <a:solidFill>
-                  <a:schemeClr val="tx1">
-                    <a:lumMod val="75000"/>
-                    <a:lumOff val="25000"/>
-                  </a:schemeClr>
-                </a:solidFill>
-                <a:cs typeface="Arial" panose="020B0604020202020204" pitchFamily="34" charset="0"/>
-              </a:rPr>
-              <a:t>ut</a:t>
-            </a:r>
-            <a:r>
-              <a:rPr lang="en-US" sz="1400" dirty="0">
-                <a:solidFill>
-                  <a:schemeClr val="tx1">
-                    <a:lumMod val="75000"/>
-                    <a:lumOff val="25000"/>
-                  </a:schemeClr>
-                </a:solidFill>
-                <a:cs typeface="Arial" panose="020B0604020202020204" pitchFamily="34" charset="0"/>
-              </a:rPr>
-              <a:t> </a:t>
-            </a:r>
-            <a:r>
-              <a:rPr lang="en-US" sz="1400" dirty="0" err="1">
-                <a:solidFill>
-                  <a:schemeClr val="tx1">
-                    <a:lumMod val="75000"/>
-                    <a:lumOff val="25000"/>
-                  </a:schemeClr>
-                </a:solidFill>
-                <a:cs typeface="Arial" panose="020B0604020202020204" pitchFamily="34" charset="0"/>
-              </a:rPr>
-              <a:t>labore</a:t>
-            </a:r>
-            <a:r>
-              <a:rPr lang="en-US" sz="1400" dirty="0">
-                <a:solidFill>
-                  <a:schemeClr val="tx1">
-                    <a:lumMod val="75000"/>
-                    <a:lumOff val="25000"/>
-                  </a:schemeClr>
-                </a:solidFill>
-                <a:cs typeface="Arial" panose="020B0604020202020204" pitchFamily="34" charset="0"/>
-              </a:rPr>
-              <a:t> et dolore magna </a:t>
-            </a:r>
-            <a:r>
-              <a:rPr lang="en-US" sz="1400" dirty="0" err="1">
-                <a:solidFill>
-                  <a:schemeClr val="tx1">
-                    <a:lumMod val="75000"/>
-                    <a:lumOff val="25000"/>
-                  </a:schemeClr>
-                </a:solidFill>
-                <a:cs typeface="Arial" panose="020B0604020202020204" pitchFamily="34" charset="0"/>
-              </a:rPr>
-              <a:t>aliqua</a:t>
-            </a:r>
-            <a:r>
-              <a:rPr lang="en-US" sz="1400" dirty="0">
-                <a:solidFill>
-                  <a:schemeClr val="tx1">
-                    <a:lumMod val="75000"/>
-                    <a:lumOff val="25000"/>
-                  </a:schemeClr>
-                </a:solidFill>
-                <a:cs typeface="Arial" panose="020B0604020202020204" pitchFamily="34" charset="0"/>
-              </a:rPr>
-              <a:t>. </a:t>
-            </a:r>
-          </a:p>
-        </p:txBody>
-      </p:sp>
-      <p:sp>
-        <p:nvSpPr>
-          <p:cNvPr id="82" name="Rectangle 81">
-            <a:extLst>
-              <a:ext uri="{FF2B5EF4-FFF2-40B4-BE49-F238E27FC236}">
-                <a16:creationId xmlns:a16="http://schemas.microsoft.com/office/drawing/2014/main" id="{2F5701F6-E079-4932-ABC5-509FA470F051}"/>
-              </a:ext>
-            </a:extLst>
-          </p:cNvPr>
-          <p:cNvSpPr/>
-          <p:nvPr/>
-        </p:nvSpPr>
-        <p:spPr>
-          <a:xfrm>
-            <a:off x="5291138" y="4025294"/>
-            <a:ext cx="1609724" cy="1448410"/>
-          </a:xfrm>
-          <a:prstGeom prst="rect">
-            <a:avLst/>
-          </a:prstGeom>
-        </p:spPr>
-        <p:txBody>
-          <a:bodyPr wrap="square" lIns="0" tIns="0" rIns="0" bIns="0" anchor="t">
-            <a:spAutoFit/>
-          </a:bodyPr>
-          <a:lstStyle/>
-          <a:p>
-            <a:pPr algn="ctr">
-              <a:lnSpc>
-                <a:spcPts val="1900"/>
-              </a:lnSpc>
-            </a:pPr>
-            <a:r>
-              <a:rPr lang="en-US" sz="1400" dirty="0">
-                <a:solidFill>
-                  <a:schemeClr val="tx1">
-                    <a:lumMod val="75000"/>
-                    <a:lumOff val="25000"/>
-                  </a:schemeClr>
-                </a:solidFill>
-                <a:cs typeface="Arial" panose="020B0604020202020204" pitchFamily="34" charset="0"/>
-              </a:rPr>
-              <a:t>Lorem ipsum dolor sit </a:t>
-            </a:r>
-            <a:r>
-              <a:rPr lang="en-US" sz="1400" dirty="0" err="1">
-                <a:solidFill>
-                  <a:schemeClr val="tx1">
-                    <a:lumMod val="75000"/>
-                    <a:lumOff val="25000"/>
-                  </a:schemeClr>
-                </a:solidFill>
-                <a:cs typeface="Arial" panose="020B0604020202020204" pitchFamily="34" charset="0"/>
-              </a:rPr>
-              <a:t>amet</a:t>
-            </a:r>
-            <a:r>
-              <a:rPr lang="en-US" sz="1400" dirty="0">
-                <a:solidFill>
-                  <a:schemeClr val="tx1">
-                    <a:lumMod val="75000"/>
-                    <a:lumOff val="25000"/>
-                  </a:schemeClr>
-                </a:solidFill>
-                <a:cs typeface="Arial" panose="020B0604020202020204" pitchFamily="34" charset="0"/>
-              </a:rPr>
-              <a:t>, </a:t>
-            </a:r>
-            <a:r>
-              <a:rPr lang="en-US" sz="1400" dirty="0" err="1">
-                <a:solidFill>
-                  <a:schemeClr val="tx1">
-                    <a:lumMod val="75000"/>
-                    <a:lumOff val="25000"/>
-                  </a:schemeClr>
-                </a:solidFill>
-                <a:cs typeface="Arial" panose="020B0604020202020204" pitchFamily="34" charset="0"/>
-              </a:rPr>
-              <a:t>consectetur</a:t>
-            </a:r>
-            <a:r>
-              <a:rPr lang="en-US" sz="1400" dirty="0">
-                <a:solidFill>
-                  <a:schemeClr val="tx1">
-                    <a:lumMod val="75000"/>
-                    <a:lumOff val="25000"/>
-                  </a:schemeClr>
-                </a:solidFill>
-                <a:cs typeface="Arial" panose="020B0604020202020204" pitchFamily="34" charset="0"/>
-              </a:rPr>
-              <a:t> </a:t>
-            </a:r>
-            <a:r>
-              <a:rPr lang="en-US" sz="1400" dirty="0" err="1">
-                <a:solidFill>
-                  <a:schemeClr val="tx1">
-                    <a:lumMod val="75000"/>
-                    <a:lumOff val="25000"/>
-                  </a:schemeClr>
-                </a:solidFill>
-                <a:cs typeface="Arial" panose="020B0604020202020204" pitchFamily="34" charset="0"/>
-              </a:rPr>
-              <a:t>adipiscing</a:t>
-            </a:r>
-            <a:r>
-              <a:rPr lang="en-US" sz="1400" dirty="0">
-                <a:solidFill>
-                  <a:schemeClr val="tx1">
-                    <a:lumMod val="75000"/>
-                    <a:lumOff val="25000"/>
-                  </a:schemeClr>
-                </a:solidFill>
-                <a:cs typeface="Arial" panose="020B0604020202020204" pitchFamily="34" charset="0"/>
-              </a:rPr>
-              <a:t> </a:t>
-            </a:r>
-            <a:r>
-              <a:rPr lang="en-US" sz="1400" dirty="0" err="1">
-                <a:solidFill>
-                  <a:schemeClr val="tx1">
-                    <a:lumMod val="75000"/>
-                    <a:lumOff val="25000"/>
-                  </a:schemeClr>
-                </a:solidFill>
-                <a:cs typeface="Arial" panose="020B0604020202020204" pitchFamily="34" charset="0"/>
-              </a:rPr>
-              <a:t>elit</a:t>
-            </a:r>
-            <a:r>
-              <a:rPr lang="en-US" sz="1400" dirty="0">
-                <a:solidFill>
-                  <a:schemeClr val="tx1">
-                    <a:lumMod val="75000"/>
-                    <a:lumOff val="25000"/>
-                  </a:schemeClr>
-                </a:solidFill>
-                <a:cs typeface="Arial" panose="020B0604020202020204" pitchFamily="34" charset="0"/>
-              </a:rPr>
-              <a:t>, sed do </a:t>
-            </a:r>
-            <a:r>
-              <a:rPr lang="en-US" sz="1400" dirty="0" err="1">
-                <a:solidFill>
-                  <a:schemeClr val="tx1">
-                    <a:lumMod val="75000"/>
-                    <a:lumOff val="25000"/>
-                  </a:schemeClr>
-                </a:solidFill>
-                <a:cs typeface="Arial" panose="020B0604020202020204" pitchFamily="34" charset="0"/>
-              </a:rPr>
-              <a:t>eiusmod</a:t>
-            </a:r>
-            <a:r>
-              <a:rPr lang="en-US" sz="1400" dirty="0">
-                <a:solidFill>
-                  <a:schemeClr val="tx1">
-                    <a:lumMod val="75000"/>
-                    <a:lumOff val="25000"/>
-                  </a:schemeClr>
-                </a:solidFill>
-                <a:cs typeface="Arial" panose="020B0604020202020204" pitchFamily="34" charset="0"/>
-              </a:rPr>
-              <a:t> </a:t>
-            </a:r>
-            <a:r>
-              <a:rPr lang="en-US" sz="1400" dirty="0" err="1">
-                <a:solidFill>
-                  <a:schemeClr val="tx1">
-                    <a:lumMod val="75000"/>
-                    <a:lumOff val="25000"/>
-                  </a:schemeClr>
-                </a:solidFill>
-                <a:cs typeface="Arial" panose="020B0604020202020204" pitchFamily="34" charset="0"/>
-              </a:rPr>
-              <a:t>tempor</a:t>
-            </a:r>
-            <a:r>
-              <a:rPr lang="en-US" sz="1400" dirty="0">
-                <a:solidFill>
-                  <a:schemeClr val="tx1">
-                    <a:lumMod val="75000"/>
-                    <a:lumOff val="25000"/>
-                  </a:schemeClr>
-                </a:solidFill>
-                <a:cs typeface="Arial" panose="020B0604020202020204" pitchFamily="34" charset="0"/>
-              </a:rPr>
-              <a:t> </a:t>
-            </a:r>
-            <a:r>
-              <a:rPr lang="en-US" sz="1400" dirty="0" err="1">
-                <a:solidFill>
-                  <a:schemeClr val="tx1">
-                    <a:lumMod val="75000"/>
-                    <a:lumOff val="25000"/>
-                  </a:schemeClr>
-                </a:solidFill>
-                <a:cs typeface="Arial" panose="020B0604020202020204" pitchFamily="34" charset="0"/>
-              </a:rPr>
-              <a:t>incididunt</a:t>
-            </a:r>
-            <a:r>
-              <a:rPr lang="en-US" sz="1400" dirty="0">
-                <a:solidFill>
-                  <a:schemeClr val="tx1">
-                    <a:lumMod val="75000"/>
-                    <a:lumOff val="25000"/>
-                  </a:schemeClr>
-                </a:solidFill>
-                <a:cs typeface="Arial" panose="020B0604020202020204" pitchFamily="34" charset="0"/>
-              </a:rPr>
-              <a:t> </a:t>
-            </a:r>
-            <a:r>
-              <a:rPr lang="en-US" sz="1400" dirty="0" err="1">
-                <a:solidFill>
-                  <a:schemeClr val="tx1">
-                    <a:lumMod val="75000"/>
-                    <a:lumOff val="25000"/>
-                  </a:schemeClr>
-                </a:solidFill>
-                <a:cs typeface="Arial" panose="020B0604020202020204" pitchFamily="34" charset="0"/>
-              </a:rPr>
-              <a:t>ut</a:t>
-            </a:r>
-            <a:r>
-              <a:rPr lang="en-US" sz="1400" dirty="0">
-                <a:solidFill>
-                  <a:schemeClr val="tx1">
-                    <a:lumMod val="75000"/>
-                    <a:lumOff val="25000"/>
-                  </a:schemeClr>
-                </a:solidFill>
-                <a:cs typeface="Arial" panose="020B0604020202020204" pitchFamily="34" charset="0"/>
-              </a:rPr>
-              <a:t> </a:t>
-            </a:r>
-            <a:r>
-              <a:rPr lang="en-US" sz="1400" dirty="0" err="1">
-                <a:solidFill>
-                  <a:schemeClr val="tx1">
-                    <a:lumMod val="75000"/>
-                    <a:lumOff val="25000"/>
-                  </a:schemeClr>
-                </a:solidFill>
-                <a:cs typeface="Arial" panose="020B0604020202020204" pitchFamily="34" charset="0"/>
-              </a:rPr>
-              <a:t>labore</a:t>
-            </a:r>
-            <a:r>
-              <a:rPr lang="en-US" sz="1400" dirty="0">
-                <a:solidFill>
-                  <a:schemeClr val="tx1">
-                    <a:lumMod val="75000"/>
-                    <a:lumOff val="25000"/>
-                  </a:schemeClr>
-                </a:solidFill>
-                <a:cs typeface="Arial" panose="020B0604020202020204" pitchFamily="34" charset="0"/>
-              </a:rPr>
-              <a:t> et dolore magna </a:t>
-            </a:r>
-            <a:r>
-              <a:rPr lang="en-US" sz="1400" dirty="0" err="1">
-                <a:solidFill>
-                  <a:schemeClr val="tx1">
-                    <a:lumMod val="75000"/>
-                    <a:lumOff val="25000"/>
-                  </a:schemeClr>
-                </a:solidFill>
-                <a:cs typeface="Arial" panose="020B0604020202020204" pitchFamily="34" charset="0"/>
-              </a:rPr>
-              <a:t>aliqua</a:t>
-            </a:r>
-            <a:r>
-              <a:rPr lang="en-US" sz="1400" dirty="0">
-                <a:solidFill>
-                  <a:schemeClr val="tx1">
-                    <a:lumMod val="75000"/>
-                    <a:lumOff val="25000"/>
-                  </a:schemeClr>
-                </a:solidFill>
-                <a:cs typeface="Arial" panose="020B0604020202020204" pitchFamily="34" charset="0"/>
-              </a:rPr>
-              <a:t>. </a:t>
-            </a:r>
-          </a:p>
-        </p:txBody>
-      </p:sp>
-      <p:sp>
-        <p:nvSpPr>
-          <p:cNvPr id="83" name="Rectangle 82">
-            <a:extLst>
-              <a:ext uri="{FF2B5EF4-FFF2-40B4-BE49-F238E27FC236}">
-                <a16:creationId xmlns:a16="http://schemas.microsoft.com/office/drawing/2014/main" id="{ACD88106-F872-4C8B-A010-E7D5E15C8E18}"/>
-              </a:ext>
-            </a:extLst>
-          </p:cNvPr>
-          <p:cNvSpPr/>
-          <p:nvPr/>
-        </p:nvSpPr>
-        <p:spPr>
-          <a:xfrm>
-            <a:off x="7540756" y="4025294"/>
-            <a:ext cx="1609724" cy="1448410"/>
-          </a:xfrm>
-          <a:prstGeom prst="rect">
-            <a:avLst/>
-          </a:prstGeom>
-        </p:spPr>
-        <p:txBody>
-          <a:bodyPr wrap="square" lIns="0" tIns="0" rIns="0" bIns="0" anchor="t">
-            <a:spAutoFit/>
-          </a:bodyPr>
-          <a:lstStyle/>
-          <a:p>
-            <a:pPr algn="ctr">
-              <a:lnSpc>
-                <a:spcPts val="1900"/>
-              </a:lnSpc>
-            </a:pPr>
-            <a:r>
-              <a:rPr lang="en-US" sz="1400" dirty="0">
-                <a:solidFill>
-                  <a:schemeClr val="tx1">
-                    <a:lumMod val="75000"/>
-                    <a:lumOff val="25000"/>
-                  </a:schemeClr>
-                </a:solidFill>
-                <a:cs typeface="Arial" panose="020B0604020202020204" pitchFamily="34" charset="0"/>
-              </a:rPr>
-              <a:t>Lorem ipsum dolor sit </a:t>
-            </a:r>
-            <a:r>
-              <a:rPr lang="en-US" sz="1400" dirty="0" err="1">
-                <a:solidFill>
-                  <a:schemeClr val="tx1">
-                    <a:lumMod val="75000"/>
-                    <a:lumOff val="25000"/>
-                  </a:schemeClr>
-                </a:solidFill>
-                <a:cs typeface="Arial" panose="020B0604020202020204" pitchFamily="34" charset="0"/>
-              </a:rPr>
-              <a:t>amet</a:t>
-            </a:r>
-            <a:r>
-              <a:rPr lang="en-US" sz="1400" dirty="0">
-                <a:solidFill>
-                  <a:schemeClr val="tx1">
-                    <a:lumMod val="75000"/>
-                    <a:lumOff val="25000"/>
-                  </a:schemeClr>
-                </a:solidFill>
-                <a:cs typeface="Arial" panose="020B0604020202020204" pitchFamily="34" charset="0"/>
-              </a:rPr>
-              <a:t>, </a:t>
-            </a:r>
-            <a:r>
-              <a:rPr lang="en-US" sz="1400" dirty="0" err="1">
-                <a:solidFill>
-                  <a:schemeClr val="tx1">
-                    <a:lumMod val="75000"/>
-                    <a:lumOff val="25000"/>
-                  </a:schemeClr>
-                </a:solidFill>
-                <a:cs typeface="Arial" panose="020B0604020202020204" pitchFamily="34" charset="0"/>
-              </a:rPr>
-              <a:t>consectetur</a:t>
-            </a:r>
-            <a:r>
-              <a:rPr lang="en-US" sz="1400" dirty="0">
-                <a:solidFill>
-                  <a:schemeClr val="tx1">
-                    <a:lumMod val="75000"/>
-                    <a:lumOff val="25000"/>
-                  </a:schemeClr>
-                </a:solidFill>
-                <a:cs typeface="Arial" panose="020B0604020202020204" pitchFamily="34" charset="0"/>
-              </a:rPr>
-              <a:t> </a:t>
-            </a:r>
-            <a:r>
-              <a:rPr lang="en-US" sz="1400" dirty="0" err="1">
-                <a:solidFill>
-                  <a:schemeClr val="tx1">
-                    <a:lumMod val="75000"/>
-                    <a:lumOff val="25000"/>
-                  </a:schemeClr>
-                </a:solidFill>
-                <a:cs typeface="Arial" panose="020B0604020202020204" pitchFamily="34" charset="0"/>
-              </a:rPr>
-              <a:t>adipiscing</a:t>
-            </a:r>
-            <a:r>
-              <a:rPr lang="en-US" sz="1400" dirty="0">
-                <a:solidFill>
-                  <a:schemeClr val="tx1">
-                    <a:lumMod val="75000"/>
-                    <a:lumOff val="25000"/>
-                  </a:schemeClr>
-                </a:solidFill>
-                <a:cs typeface="Arial" panose="020B0604020202020204" pitchFamily="34" charset="0"/>
-              </a:rPr>
-              <a:t> </a:t>
-            </a:r>
-            <a:r>
-              <a:rPr lang="en-US" sz="1400" dirty="0" err="1">
-                <a:solidFill>
-                  <a:schemeClr val="tx1">
-                    <a:lumMod val="75000"/>
-                    <a:lumOff val="25000"/>
-                  </a:schemeClr>
-                </a:solidFill>
-                <a:cs typeface="Arial" panose="020B0604020202020204" pitchFamily="34" charset="0"/>
-              </a:rPr>
-              <a:t>elit</a:t>
-            </a:r>
-            <a:r>
-              <a:rPr lang="en-US" sz="1400" dirty="0">
-                <a:solidFill>
-                  <a:schemeClr val="tx1">
-                    <a:lumMod val="75000"/>
-                    <a:lumOff val="25000"/>
-                  </a:schemeClr>
-                </a:solidFill>
-                <a:cs typeface="Arial" panose="020B0604020202020204" pitchFamily="34" charset="0"/>
-              </a:rPr>
-              <a:t>, sed do </a:t>
-            </a:r>
-            <a:r>
-              <a:rPr lang="en-US" sz="1400" dirty="0" err="1">
-                <a:solidFill>
-                  <a:schemeClr val="tx1">
-                    <a:lumMod val="75000"/>
-                    <a:lumOff val="25000"/>
-                  </a:schemeClr>
-                </a:solidFill>
-                <a:cs typeface="Arial" panose="020B0604020202020204" pitchFamily="34" charset="0"/>
-              </a:rPr>
-              <a:t>eiusmod</a:t>
-            </a:r>
-            <a:r>
-              <a:rPr lang="en-US" sz="1400" dirty="0">
-                <a:solidFill>
-                  <a:schemeClr val="tx1">
-                    <a:lumMod val="75000"/>
-                    <a:lumOff val="25000"/>
-                  </a:schemeClr>
-                </a:solidFill>
-                <a:cs typeface="Arial" panose="020B0604020202020204" pitchFamily="34" charset="0"/>
-              </a:rPr>
-              <a:t> </a:t>
-            </a:r>
-            <a:r>
-              <a:rPr lang="en-US" sz="1400" dirty="0" err="1">
-                <a:solidFill>
-                  <a:schemeClr val="tx1">
-                    <a:lumMod val="75000"/>
-                    <a:lumOff val="25000"/>
-                  </a:schemeClr>
-                </a:solidFill>
-                <a:cs typeface="Arial" panose="020B0604020202020204" pitchFamily="34" charset="0"/>
-              </a:rPr>
-              <a:t>tempor</a:t>
-            </a:r>
-            <a:r>
-              <a:rPr lang="en-US" sz="1400" dirty="0">
-                <a:solidFill>
-                  <a:schemeClr val="tx1">
-                    <a:lumMod val="75000"/>
-                    <a:lumOff val="25000"/>
-                  </a:schemeClr>
-                </a:solidFill>
-                <a:cs typeface="Arial" panose="020B0604020202020204" pitchFamily="34" charset="0"/>
-              </a:rPr>
-              <a:t> </a:t>
-            </a:r>
-            <a:r>
-              <a:rPr lang="en-US" sz="1400" dirty="0" err="1">
-                <a:solidFill>
-                  <a:schemeClr val="tx1">
-                    <a:lumMod val="75000"/>
-                    <a:lumOff val="25000"/>
-                  </a:schemeClr>
-                </a:solidFill>
-                <a:cs typeface="Arial" panose="020B0604020202020204" pitchFamily="34" charset="0"/>
-              </a:rPr>
-              <a:t>incididunt</a:t>
-            </a:r>
-            <a:r>
-              <a:rPr lang="en-US" sz="1400" dirty="0">
-                <a:solidFill>
-                  <a:schemeClr val="tx1">
-                    <a:lumMod val="75000"/>
-                    <a:lumOff val="25000"/>
-                  </a:schemeClr>
-                </a:solidFill>
-                <a:cs typeface="Arial" panose="020B0604020202020204" pitchFamily="34" charset="0"/>
-              </a:rPr>
-              <a:t> </a:t>
-            </a:r>
-            <a:r>
-              <a:rPr lang="en-US" sz="1400" dirty="0" err="1">
-                <a:solidFill>
-                  <a:schemeClr val="tx1">
-                    <a:lumMod val="75000"/>
-                    <a:lumOff val="25000"/>
-                  </a:schemeClr>
-                </a:solidFill>
-                <a:cs typeface="Arial" panose="020B0604020202020204" pitchFamily="34" charset="0"/>
-              </a:rPr>
-              <a:t>ut</a:t>
-            </a:r>
-            <a:r>
-              <a:rPr lang="en-US" sz="1400" dirty="0">
-                <a:solidFill>
-                  <a:schemeClr val="tx1">
-                    <a:lumMod val="75000"/>
-                    <a:lumOff val="25000"/>
-                  </a:schemeClr>
-                </a:solidFill>
-                <a:cs typeface="Arial" panose="020B0604020202020204" pitchFamily="34" charset="0"/>
-              </a:rPr>
-              <a:t> </a:t>
-            </a:r>
-            <a:r>
-              <a:rPr lang="en-US" sz="1400" dirty="0" err="1">
-                <a:solidFill>
-                  <a:schemeClr val="tx1">
-                    <a:lumMod val="75000"/>
-                    <a:lumOff val="25000"/>
-                  </a:schemeClr>
-                </a:solidFill>
-                <a:cs typeface="Arial" panose="020B0604020202020204" pitchFamily="34" charset="0"/>
-              </a:rPr>
-              <a:t>labore</a:t>
-            </a:r>
-            <a:r>
-              <a:rPr lang="en-US" sz="1400" dirty="0">
-                <a:solidFill>
-                  <a:schemeClr val="tx1">
-                    <a:lumMod val="75000"/>
-                    <a:lumOff val="25000"/>
-                  </a:schemeClr>
-                </a:solidFill>
-                <a:cs typeface="Arial" panose="020B0604020202020204" pitchFamily="34" charset="0"/>
-              </a:rPr>
-              <a:t> et dolore magna </a:t>
-            </a:r>
-            <a:r>
-              <a:rPr lang="en-US" sz="1400" dirty="0" err="1">
-                <a:solidFill>
-                  <a:schemeClr val="tx1">
-                    <a:lumMod val="75000"/>
-                    <a:lumOff val="25000"/>
-                  </a:schemeClr>
-                </a:solidFill>
-                <a:cs typeface="Arial" panose="020B0604020202020204" pitchFamily="34" charset="0"/>
-              </a:rPr>
-              <a:t>aliqua</a:t>
-            </a:r>
-            <a:r>
-              <a:rPr lang="en-US" sz="1400" dirty="0">
-                <a:solidFill>
-                  <a:schemeClr val="tx1">
-                    <a:lumMod val="75000"/>
-                    <a:lumOff val="25000"/>
-                  </a:schemeClr>
-                </a:solidFill>
-                <a:cs typeface="Arial" panose="020B0604020202020204" pitchFamily="34" charset="0"/>
-              </a:rPr>
-              <a:t>. </a:t>
-            </a:r>
-          </a:p>
-        </p:txBody>
-      </p:sp>
-      <p:sp>
-        <p:nvSpPr>
           <p:cNvPr id="84" name="Rectangle 83">
             <a:extLst>
               <a:ext uri="{FF2B5EF4-FFF2-40B4-BE49-F238E27FC236}">
@@ -18807,8 +17092,8 @@
         </p:nvSpPr>
         <p:spPr>
           <a:xfrm>
-            <a:off x="9790375" y="4025294"/>
-            <a:ext cx="1609724" cy="1448410"/>
+            <a:off x="9790372" y="4228126"/>
+            <a:ext cx="1609724" cy="230063"/>
           </a:xfrm>
           <a:prstGeom prst="rect">
             <a:avLst/>
@@ -18826,256 +17111,17 @@
               </a:lnSpc>
             </a:pPr>
             <a:r>
-              <a:rPr lang="en-US" sz="1400" dirty="0">
+              <a:rPr lang="en-US" sz="1400" b="1" dirty="0">
                 <a:solidFill>
                   <a:schemeClr val="tx1">
                     <a:lumMod val="75000"/>
                     <a:lumOff val="25000"/>
                   </a:schemeClr>
                 </a:solidFill>
+                <a:latin typeface="Arial" panose="020B0604020202020204" pitchFamily="34" charset="0"/>
                 <a:cs typeface="Arial" panose="020B0604020202020204" pitchFamily="34" charset="0"/>
               </a:rPr>
-              <a:t>Lorem ipsum dolor sit </a:t>
-            </a:r>
-            <a:r>
-              <a:rPr lang="en-US" sz="1400" dirty="0" err="1">
-                <a:solidFill>
-                  <a:schemeClr val="tx1">
-                    <a:lumMod val="75000"/>
-                    <a:lumOff val="25000"/>
-                  </a:schemeClr>
-                </a:solidFill>
-                <a:cs typeface="Arial" panose="020B0604020202020204" pitchFamily="34" charset="0"/>
-              </a:rPr>
-              <a:t>amet</a:t>
-            </a:r>
-            <a:r>
-              <a:rPr lang="en-US" sz="1400" dirty="0">
-                <a:solidFill>
-                  <a:schemeClr val="tx1">
-                    <a:lumMod val="75000"/>
-                    <a:lumOff val="25000"/>
-                  </a:schemeClr>
-                </a:solidFill>
-                <a:cs typeface="Arial" panose="020B0604020202020204" pitchFamily="34" charset="0"/>
-              </a:rPr>
-              <a:t>, </a:t>
-            </a:r>
-            <a:r>
-              <a:rPr lang="en-US" sz="1400" dirty="0" err="1">
-                <a:solidFill>
-                  <a:schemeClr val="tx1">
-                    <a:lumMod val="75000"/>
-                    <a:lumOff val="25000"/>
-                  </a:schemeClr>
-                </a:solidFill>
-                <a:cs typeface="Arial" panose="020B0604020202020204" pitchFamily="34" charset="0"/>
-              </a:rPr>
-              <a:t>consectetur</a:t>
-            </a:r>
-            <a:r>
-              <a:rPr lang="en-US" sz="1400" dirty="0">
-                <a:solidFill>
-                  <a:schemeClr val="tx1">
-                    <a:lumMod val="75000"/>
-                    <a:lumOff val="25000"/>
-                  </a:schemeClr>
-                </a:solidFill>
-                <a:cs typeface="Arial" panose="020B0604020202020204" pitchFamily="34" charset="0"/>
-              </a:rPr>
-              <a:t> </a:t>
-            </a:r>
-            <a:r>
-              <a:rPr lang="en-US" sz="1400" dirty="0" err="1">
-                <a:solidFill>
-                  <a:schemeClr val="tx1">
-                    <a:lumMod val="75000"/>
-                    <a:lumOff val="25000"/>
-                  </a:schemeClr>
-                </a:solidFill>
-                <a:cs typeface="Arial" panose="020B0604020202020204" pitchFamily="34" charset="0"/>
-              </a:rPr>
-              <a:t>adipiscing</a:t>
-            </a:r>
-            <a:r>
-              <a:rPr lang="en-US" sz="1400" dirty="0">
-                <a:solidFill>
-                  <a:schemeClr val="tx1">
-                    <a:lumMod val="75000"/>
-                    <a:lumOff val="25000"/>
-                  </a:schemeClr>
-                </a:solidFill>
-                <a:cs typeface="Arial" panose="020B0604020202020204" pitchFamily="34" charset="0"/>
-              </a:rPr>
-              <a:t> </a:t>
-            </a:r>
-            <a:r>
-              <a:rPr lang="en-US" sz="1400" dirty="0" err="1">
-                <a:solidFill>
-                  <a:schemeClr val="tx1">
-                    <a:lumMod val="75000"/>
-                    <a:lumOff val="25000"/>
-                  </a:schemeClr>
-                </a:solidFill>
-                <a:cs typeface="Arial" panose="020B0604020202020204" pitchFamily="34" charset="0"/>
-              </a:rPr>
-              <a:t>elit</a:t>
-            </a:r>
-            <a:r>
-              <a:rPr lang="en-US" sz="1400" dirty="0">
-                <a:solidFill>
-                  <a:schemeClr val="tx1">
-                    <a:lumMod val="75000"/>
-                    <a:lumOff val="25000"/>
-                  </a:schemeClr>
-                </a:solidFill>
-                <a:cs typeface="Arial" panose="020B0604020202020204" pitchFamily="34" charset="0"/>
-              </a:rPr>
-              <a:t>, sed do </a:t>
-            </a:r>
-            <a:r>
-              <a:rPr lang="en-US" sz="1400" dirty="0" err="1">
-                <a:solidFill>
-                  <a:schemeClr val="tx1">
-                    <a:lumMod val="75000"/>
-                    <a:lumOff val="25000"/>
-                  </a:schemeClr>
-                </a:solidFill>
-                <a:cs typeface="Arial" panose="020B0604020202020204" pitchFamily="34" charset="0"/>
-              </a:rPr>
-              <a:t>eiusmod</a:t>
-            </a:r>
-            <a:r>
-              <a:rPr lang="en-US" sz="1400" dirty="0">
-                <a:solidFill>
-                  <a:schemeClr val="tx1">
-                    <a:lumMod val="75000"/>
-                    <a:lumOff val="25000"/>
-                  </a:schemeClr>
-                </a:solidFill>
-                <a:cs typeface="Arial" panose="020B0604020202020204" pitchFamily="34" charset="0"/>
-              </a:rPr>
-              <a:t> </a:t>
-            </a:r>
-            <a:r>
-              <a:rPr lang="en-US" sz="1400" dirty="0" err="1">
-                <a:solidFill>
-                  <a:schemeClr val="tx1">
-                    <a:lumMod val="75000"/>
-                    <a:lumOff val="25000"/>
-                  </a:schemeClr>
-                </a:solidFill>
-                <a:cs typeface="Arial" panose="020B0604020202020204" pitchFamily="34" charset="0"/>
-              </a:rPr>
-              <a:t>tempor</a:t>
-            </a:r>
-            <a:r>
-              <a:rPr lang="en-US" sz="1400" dirty="0">
-                <a:solidFill>
-                  <a:schemeClr val="tx1">
-                    <a:lumMod val="75000"/>
-                    <a:lumOff val="25000"/>
-                  </a:schemeClr>
-                </a:solidFill>
-                <a:cs typeface="Arial" panose="020B0604020202020204" pitchFamily="34" charset="0"/>
-              </a:rPr>
-              <a:t> </a:t>
-            </a:r>
-            <a:r>
-              <a:rPr lang="en-US" sz="1400" dirty="0" err="1">
-                <a:solidFill>
-                  <a:schemeClr val="tx1">
-                    <a:lumMod val="75000"/>
-                    <a:lumOff val="25000"/>
-                  </a:schemeClr>
-                </a:solidFill>
-                <a:cs typeface="Arial" panose="020B0604020202020204" pitchFamily="34" charset="0"/>
-              </a:rPr>
-              <a:t>incididunt</a:t>
-            </a:r>
-            <a:r>
-              <a:rPr lang="en-US" sz="1400" dirty="0">
-                <a:solidFill>
-                  <a:schemeClr val="tx1">
-                    <a:lumMod val="75000"/>
-                    <a:lumOff val="25000"/>
-                  </a:schemeClr>
-                </a:solidFill>
-                <a:cs typeface="Arial" panose="020B0604020202020204" pitchFamily="34" charset="0"/>
-              </a:rPr>
-              <a:t> </a:t>
-            </a:r>
-            <a:r>
-              <a:rPr lang="en-US" sz="1400" dirty="0" err="1">
-                <a:solidFill>
-                  <a:schemeClr val="tx1">
-                    <a:lumMod val="75000"/>
-                    <a:lumOff val="25000"/>
-                  </a:schemeClr>
-                </a:solidFill>
-                <a:cs typeface="Arial" panose="020B0604020202020204" pitchFamily="34" charset="0"/>
-              </a:rPr>
-              <a:t>ut</a:t>
-            </a:r>
-            <a:r>
-              <a:rPr lang="en-US" sz="1400" dirty="0">
-                <a:solidFill>
-                  <a:schemeClr val="tx1">
-                    <a:lumMod val="75000"/>
-                    <a:lumOff val="25000"/>
-                  </a:schemeClr>
-                </a:solidFill>
-                <a:cs typeface="Arial" panose="020B0604020202020204" pitchFamily="34" charset="0"/>
-              </a:rPr>
-              <a:t> </a:t>
-            </a:r>
-            <a:r>
-              <a:rPr lang="en-US" sz="1400" dirty="0" err="1">
-                <a:solidFill>
-                  <a:schemeClr val="tx1">
-                    <a:lumMod val="75000"/>
-                    <a:lumOff val="25000"/>
-                  </a:schemeClr>
-                </a:solidFill>
-                <a:cs typeface="Arial" panose="020B0604020202020204" pitchFamily="34" charset="0"/>
-              </a:rPr>
-              <a:t>labore</a:t>
-            </a:r>
-            <a:r>
-              <a:rPr lang="en-US" sz="1400" dirty="0">
-                <a:solidFill>
-                  <a:schemeClr val="tx1">
-                    <a:lumMod val="75000"/>
-                    <a:lumOff val="25000"/>
-                  </a:schemeClr>
-                </a:solidFill>
-                <a:cs typeface="Arial" panose="020B0604020202020204" pitchFamily="34" charset="0"/>
-              </a:rPr>
-              <a:t> et dolore magna </a:t>
-            </a:r>
-            <a:r>
-              <a:rPr lang="en-US" sz="1400" dirty="0" err="1">
-                <a:solidFill>
-                  <a:schemeClr val="tx1">
-                    <a:lumMod val="75000"/>
-                    <a:lumOff val="25000"/>
-                  </a:schemeClr>
-                </a:solidFill>
-                <a:cs typeface="Arial" panose="020B0604020202020204" pitchFamily="34" charset="0"/>
-              </a:rPr>
-              <a:t>aliqua</a:t>
-            </a:r>
-            <a:r>
-              <a:rPr lang="en-US" sz="1400" dirty="0">
-                <a:solidFill>
-                  <a:schemeClr val="tx1">
-                    <a:lumMod val="75000"/>
-                    <a:lumOff val="25000"/>
-                  </a:schemeClr>
-                </a:solidFill>
-                <a:cs typeface="Arial" panose="020B0604020202020204" pitchFamily="34" charset="0"/>
-              </a:rPr>
-              <a:t>. </a:t>
+              <a:t>CODER</a:t>
             </a:r>
           </a:p>
         </p:txBody>
@@ -19103,7 +17149,12 @@
             <a:fillRect/>
           </a:stretch>
         </p:blipFill>
-        <p:spPr/>
+        <p:spPr>
+          <a:xfrm>
+            <a:off x="840630" y="2299734"/>
+            <a:ext cx="1512266" cy="1512266"/>
+          </a:xfrm>
+        </p:spPr>
       </p:pic>
       <p:pic>
         <p:nvPicPr>
@@ -19128,7 +17179,12 @@
             <a:fillRect/>
           </a:stretch>
         </p:blipFill>
-        <p:spPr/>
+        <p:spPr>
+          <a:xfrm>
+            <a:off x="3088496" y="2299734"/>
+            <a:ext cx="1512266" cy="1512266"/>
+          </a:xfrm>
+        </p:spPr>
       </p:pic>
       <p:pic>
         <p:nvPicPr>
@@ -19153,7 +17209,12 @@
             <a:fillRect/>
           </a:stretch>
         </p:blipFill>
-        <p:spPr/>
+        <p:spPr>
+          <a:xfrm>
+            <a:off x="5338114" y="2299734"/>
+            <a:ext cx="1512266" cy="1512266"/>
+          </a:xfrm>
+        </p:spPr>
       </p:pic>
       <p:pic>
         <p:nvPicPr>
@@ -19185,24 +17246,36 @@
           </a:xfrm>
         </p:spPr>
       </p:pic>
-      <p:sp>
-        <p:nvSpPr>
-          <p:cNvPr id="21" name="Picture Placeholder 20">
+      <p:pic>
+        <p:nvPicPr>
+          <p:cNvPr id="34" name="Picture Placeholder 33">
             <a:extLst>
               <a:ext uri="{FF2B5EF4-FFF2-40B4-BE49-F238E27FC236}">
-                <a16:creationId xmlns:a16="http://schemas.microsoft.com/office/drawing/2014/main" id="{00250A34-86AB-AA49-984D-C0018FA00D53}"/>
+                <a16:creationId xmlns:a16="http://schemas.microsoft.com/office/drawing/2014/main" id="{F7157ACA-0B77-1C40-83F8-B7A9D160302F}"/>
               </a:ext>
             </a:extLst>
           </p:cNvPr>
-          <p:cNvSpPr>
-            <a:spLocks noGrp="1"/>
-          </p:cNvSpPr>
+          <p:cNvPicPr>
+            <a:picLocks noGrp="1" noChangeAspect="1"/>
+          </p:cNvPicPr>
           <p:nvPr>
             <p:ph type="pic" sz="quarter" idx="25"/>
           </p:nvPr>
-        </p:nvSpPr>
-        <p:spPr/>
-      </p:sp>
+        </p:nvPicPr>
+        <p:blipFill>
+          <a:blip r:embed="rId6"/>
+          <a:srcRect/>
+          <a:stretch>
+            <a:fillRect/>
+          </a:stretch>
+        </p:blipFill>
+        <p:spPr>
+          <a:xfrm>
+            <a:off x="9839102" y="2299734"/>
+            <a:ext cx="1512266" cy="1512266"/>
+          </a:xfrm>
+        </p:spPr>
+      </p:pic>
       <p:sp>
         <p:nvSpPr>
           <p:cNvPr id="64" name="Slide Number Placeholder 3">
@@ -19335,10 +17408,10 @@
       </p:sp>
       <p:sp>
         <p:nvSpPr>
-          <p:cNvPr id="65" name="Rectangle 64">
+          <p:cNvPr id="71" name="Rectangle 70">
             <a:extLst>
               <a:ext uri="{FF2B5EF4-FFF2-40B4-BE49-F238E27FC236}">
-                <a16:creationId xmlns:a16="http://schemas.microsoft.com/office/drawing/2014/main" id="{7883E912-3BA6-D64C-B854-A94B775947C7}"/>
+                <a16:creationId xmlns:a16="http://schemas.microsoft.com/office/drawing/2014/main" id="{7EB7C28D-99B8-A748-8134-01864F93B964}"/>
               </a:ext>
             </a:extLst>
           </p:cNvPr>
@@ -19347,8 +17420,8 @@
         </p:nvSpPr>
         <p:spPr>
           <a:xfrm>
-            <a:off x="791901" y="4049725"/>
-            <a:ext cx="1609724" cy="1448410"/>
+            <a:off x="791901" y="4228125"/>
+            <a:ext cx="1609724" cy="230063"/>
           </a:xfrm>
           <a:prstGeom prst="rect">
             <a:avLst/>
@@ -19366,256 +17439,161 @@
               </a:lnSpc>
             </a:pPr>
             <a:r>
-              <a:rPr lang="en-US" sz="1400" dirty="0">
+              <a:rPr lang="en-US" sz="1400" b="1" dirty="0">
                 <a:solidFill>
                   <a:schemeClr val="tx1">
                     <a:lumMod val="75000"/>
                     <a:lumOff val="25000"/>
                   </a:schemeClr>
                 </a:solidFill>
+                <a:latin typeface="Arial" panose="020B0604020202020204" pitchFamily="34" charset="0"/>
                 <a:cs typeface="Arial" panose="020B0604020202020204" pitchFamily="34" charset="0"/>
               </a:rPr>
-              <a:t>Lorem ipsum dolor sit </a:t>
+              <a:t>CODER</a:t>
             </a:r>
+          </a:p>
+        </p:txBody>
+      </p:sp>
+      <p:sp>
+        <p:nvSpPr>
+          <p:cNvPr id="72" name="Rectangle 71">
+            <a:extLst>
+              <a:ext uri="{FF2B5EF4-FFF2-40B4-BE49-F238E27FC236}">
+                <a16:creationId xmlns:a16="http://schemas.microsoft.com/office/drawing/2014/main" id="{1CE55B07-7BF6-8A4F-B980-9C9A2A7B3DC7}"/>
+              </a:ext>
+            </a:extLst>
+          </p:cNvPr>
+          <p:cNvSpPr/>
+          <p:nvPr/>
+        </p:nvSpPr>
+        <p:spPr>
+          <a:xfrm>
+            <a:off x="3039767" y="4235255"/>
+            <a:ext cx="1609724" cy="230063"/>
+          </a:xfrm>
+          <a:prstGeom prst="rect">
+            <a:avLst/>
+          </a:prstGeom>
+        </p:spPr>
+        <p:txBody>
+          <a:bodyPr wrap="square" lIns="0" tIns="0" rIns="0" bIns="0" anchor="t">
+            <a:spAutoFit/>
+          </a:bodyPr>
+          <a:lstStyle/>
+          <a:p>
+            <a:pPr algn="ctr">
+              <a:lnSpc>
+                <a:spcPts val="1900"/>
+              </a:lnSpc>
+            </a:pPr>
             <a:r>
-              <a:rPr lang="en-US" sz="1400" dirty="0" err="1">
+              <a:rPr lang="en-US" sz="1400" b="1" dirty="0">
                 <a:solidFill>
                   <a:schemeClr val="tx1">
                     <a:lumMod val="75000"/>
                     <a:lumOff val="25000"/>
                   </a:schemeClr>
                 </a:solidFill>
+                <a:latin typeface="Arial" panose="020B0604020202020204" pitchFamily="34" charset="0"/>
                 <a:cs typeface="Arial" panose="020B0604020202020204" pitchFamily="34" charset="0"/>
               </a:rPr>
-              <a:t>amet</a:t>
+              <a:t>CODER</a:t>
             </a:r>
+          </a:p>
+        </p:txBody>
+      </p:sp>
+      <p:sp>
+        <p:nvSpPr>
+          <p:cNvPr id="73" name="Rectangle 72">
+            <a:extLst>
+              <a:ext uri="{FF2B5EF4-FFF2-40B4-BE49-F238E27FC236}">
+                <a16:creationId xmlns:a16="http://schemas.microsoft.com/office/drawing/2014/main" id="{F063797A-4BC8-084D-9836-D91A3D7013F4}"/>
+              </a:ext>
+            </a:extLst>
+          </p:cNvPr>
+          <p:cNvSpPr/>
+          <p:nvPr/>
+        </p:nvSpPr>
+        <p:spPr>
+          <a:xfrm>
+            <a:off x="7552367" y="4235255"/>
+            <a:ext cx="1609724" cy="230063"/>
+          </a:xfrm>
+          <a:prstGeom prst="rect">
+            <a:avLst/>
+          </a:prstGeom>
+        </p:spPr>
+        <p:txBody>
+          <a:bodyPr wrap="square" lIns="0" tIns="0" rIns="0" bIns="0" anchor="t">
+            <a:spAutoFit/>
+          </a:bodyPr>
+          <a:lstStyle/>
+          <a:p>
+            <a:pPr algn="ctr">
+              <a:lnSpc>
+                <a:spcPts val="1900"/>
+              </a:lnSpc>
+            </a:pPr>
             <a:r>
-              <a:rPr lang="en-US" sz="1400" dirty="0">
+              <a:rPr lang="en-US" sz="1400" b="1" dirty="0">
                 <a:solidFill>
                   <a:schemeClr val="tx1">
                     <a:lumMod val="75000"/>
                     <a:lumOff val="25000"/>
                   </a:schemeClr>
                 </a:solidFill>
+                <a:latin typeface="Arial" panose="020B0604020202020204" pitchFamily="34" charset="0"/>
                 <a:cs typeface="Arial" panose="020B0604020202020204" pitchFamily="34" charset="0"/>
               </a:rPr>
-              <a:t>, </a:t>
+              <a:t>TESTER</a:t>
             </a:r>
+          </a:p>
+        </p:txBody>
+      </p:sp>
+      <p:sp>
+        <p:nvSpPr>
+          <p:cNvPr id="74" name="Rectangle 73">
+            <a:extLst>
+              <a:ext uri="{FF2B5EF4-FFF2-40B4-BE49-F238E27FC236}">
+                <a16:creationId xmlns:a16="http://schemas.microsoft.com/office/drawing/2014/main" id="{FB1650DE-0046-B14C-9DCD-FB6180076C71}"/>
+              </a:ext>
+            </a:extLst>
+          </p:cNvPr>
+          <p:cNvSpPr/>
+          <p:nvPr/>
+        </p:nvSpPr>
+        <p:spPr>
+          <a:xfrm>
+            <a:off x="5291137" y="4228124"/>
+            <a:ext cx="1609724" cy="230063"/>
+          </a:xfrm>
+          <a:prstGeom prst="rect">
+            <a:avLst/>
+          </a:prstGeom>
+        </p:spPr>
+        <p:txBody>
+          <a:bodyPr wrap="square" lIns="0" tIns="0" rIns="0" bIns="0" anchor="t">
+            <a:spAutoFit/>
+          </a:bodyPr>
+          <a:lstStyle/>
+          <a:p>
+            <a:pPr algn="ctr">
+              <a:lnSpc>
+                <a:spcPts val="1900"/>
+              </a:lnSpc>
+            </a:pPr>
             <a:r>
-              <a:rPr lang="en-US" sz="1400" dirty="0" err="1">
+              <a:rPr lang="en-US" sz="1400" b="1" dirty="0">
                 <a:solidFill>
                   <a:schemeClr val="tx1">
                     <a:lumMod val="75000"/>
                     <a:lumOff val="25000"/>
                   </a:schemeClr>
                 </a:solidFill>
+                <a:latin typeface="Arial" panose="020B0604020202020204" pitchFamily="34" charset="0"/>
                 <a:cs typeface="Arial" panose="020B0604020202020204" pitchFamily="34" charset="0"/>
               </a:rPr>
-              <a:t>consectetur</a:t>
-            </a:r>
-            <a:r>
-              <a:rPr lang="en-US" sz="1400" dirty="0">
-                <a:solidFill>
-                  <a:schemeClr val="tx1">
-                    <a:lumMod val="75000"/>
-                    <a:lumOff val="25000"/>
-                  </a:schemeClr>
-                </a:solidFill>
-                <a:cs typeface="Arial" panose="020B0604020202020204" pitchFamily="34" charset="0"/>
-              </a:rPr>
-              <a:t> </a:t>
-            </a:r>
-            <a:r>
-              <a:rPr lang="en-US" sz="1400" dirty="0" err="1">
-                <a:solidFill>
-                  <a:schemeClr val="tx1">
-                    <a:lumMod val="75000"/>
-                    <a:lumOff val="25000"/>
-                  </a:schemeClr>
-                </a:solidFill>
-                <a:cs typeface="Arial" panose="020B0604020202020204" pitchFamily="34" charset="0"/>
-              </a:rPr>
-              <a:t>adipiscing</a:t>
-            </a:r>
-            <a:r>
-              <a:rPr lang="en-US" sz="1400" dirty="0">
-                <a:solidFill>
-                  <a:schemeClr val="tx1">
-                    <a:lumMod val="75000"/>
-                    <a:lumOff val="25000"/>
-                  </a:schemeClr>
-                </a:solidFill>
-                <a:cs typeface="Arial" panose="020B0604020202020204" pitchFamily="34" charset="0"/>
-              </a:rPr>
-              <a:t> </a:t>
-            </a:r>
-            <a:r>
-              <a:rPr lang="en-US" sz="1400" dirty="0" err="1">
-                <a:solidFill>
-                  <a:schemeClr val="tx1">
-                    <a:lumMod val="75000"/>
-                    <a:lumOff val="25000"/>
-                  </a:schemeClr>
-                </a:solidFill>
-                <a:cs typeface="Arial" panose="020B0604020202020204" pitchFamily="34" charset="0"/>
-              </a:rPr>
-              <a:t>elit</a:t>
-            </a:r>
-            <a:r>
-              <a:rPr lang="en-US" sz="1400" dirty="0">
-                <a:solidFill>
-                  <a:schemeClr val="tx1">
-                    <a:lumMod val="75000"/>
-                    <a:lumOff val="25000"/>
-                  </a:schemeClr>
-                </a:solidFill>
-                <a:cs typeface="Arial" panose="020B0604020202020204" pitchFamily="34" charset="0"/>
-              </a:rPr>
-              <a:t>, sed do </a:t>
-            </a:r>
-            <a:r>
-              <a:rPr lang="en-US" sz="1400" dirty="0" err="1">
-                <a:solidFill>
-                  <a:schemeClr val="tx1">
-                    <a:lumMod val="75000"/>
-                    <a:lumOff val="25000"/>
-                  </a:schemeClr>
-                </a:solidFill>
-                <a:cs typeface="Arial" panose="020B0604020202020204" pitchFamily="34" charset="0"/>
-              </a:rPr>
-              <a:t>eiusmod</a:t>
-            </a:r>
-            <a:r>
-              <a:rPr lang="en-US" sz="1400" dirty="0">
-                <a:solidFill>
-                  <a:schemeClr val="tx1">
-                    <a:lumMod val="75000"/>
-                    <a:lumOff val="25000"/>
-                  </a:schemeClr>
-                </a:solidFill>
-                <a:cs typeface="Arial" panose="020B0604020202020204" pitchFamily="34" charset="0"/>
-              </a:rPr>
-              <a:t> </a:t>
-            </a:r>
-            <a:r>
-              <a:rPr lang="en-US" sz="1400" dirty="0" err="1">
-                <a:solidFill>
-                  <a:schemeClr val="tx1">
-                    <a:lumMod val="75000"/>
-                    <a:lumOff val="25000"/>
-                  </a:schemeClr>
-                </a:solidFill>
-                <a:cs typeface="Arial" panose="020B0604020202020204" pitchFamily="34" charset="0"/>
-              </a:rPr>
-              <a:t>tempor</a:t>
-            </a:r>
-            <a:r>
-              <a:rPr lang="en-US" sz="1400" dirty="0">
-                <a:solidFill>
-                  <a:schemeClr val="tx1">
-                    <a:lumMod val="75000"/>
-                    <a:lumOff val="25000"/>
-                  </a:schemeClr>
-                </a:solidFill>
-                <a:cs typeface="Arial" panose="020B0604020202020204" pitchFamily="34" charset="0"/>
-              </a:rPr>
-              <a:t> </a:t>
-            </a:r>
-            <a:r>
-              <a:rPr lang="en-US" sz="1400" dirty="0" err="1">
-                <a:solidFill>
-                  <a:schemeClr val="tx1">
-                    <a:lumMod val="75000"/>
-                    <a:lumOff val="25000"/>
-                  </a:schemeClr>
-                </a:solidFill>
-                <a:cs typeface="Arial" panose="020B0604020202020204" pitchFamily="34" charset="0"/>
-              </a:rPr>
-              <a:t>incididunt</a:t>
-            </a:r>
-            <a:r>
-              <a:rPr lang="en-US" sz="1400" dirty="0">
-                <a:solidFill>
-                  <a:schemeClr val="tx1">
-                    <a:lumMod val="75000"/>
-                    <a:lumOff val="25000"/>
-                  </a:schemeClr>
-                </a:solidFill>
-                <a:cs typeface="Arial" panose="020B0604020202020204" pitchFamily="34" charset="0"/>
-              </a:rPr>
-              <a:t> </a:t>
-            </a:r>
-            <a:r>
-              <a:rPr lang="en-US" sz="1400" dirty="0" err="1">
-                <a:solidFill>
-                  <a:schemeClr val="tx1">
-                    <a:lumMod val="75000"/>
-                    <a:lumOff val="25000"/>
-                  </a:schemeClr>
-                </a:solidFill>
-                <a:cs typeface="Arial" panose="020B0604020202020204" pitchFamily="34" charset="0"/>
-              </a:rPr>
-              <a:t>ut</a:t>
-            </a:r>
-            <a:r>
-              <a:rPr lang="en-US" sz="1400" dirty="0">
-                <a:solidFill>
-                  <a:schemeClr val="tx1">
-                    <a:lumMod val="75000"/>
-                    <a:lumOff val="25000"/>
-                  </a:schemeClr>
-                </a:solidFill>
-                <a:cs typeface="Arial" panose="020B0604020202020204" pitchFamily="34" charset="0"/>
-              </a:rPr>
-              <a:t> </a:t>
-            </a:r>
-            <a:r>
-              <a:rPr lang="en-US" sz="1400" dirty="0" err="1">
-                <a:solidFill>
-                  <a:schemeClr val="tx1">
-                    <a:lumMod val="75000"/>
-                    <a:lumOff val="25000"/>
-                  </a:schemeClr>
-                </a:solidFill>
-                <a:cs typeface="Arial" panose="020B0604020202020204" pitchFamily="34" charset="0"/>
-              </a:rPr>
-              <a:t>labore</a:t>
-            </a:r>
-            <a:r>
-              <a:rPr lang="en-US" sz="1400" dirty="0">
-                <a:solidFill>
-                  <a:schemeClr val="tx1">
-                    <a:lumMod val="75000"/>
-                    <a:lumOff val="25000"/>
-                  </a:schemeClr>
-                </a:solidFill>
-                <a:cs typeface="Arial" panose="020B0604020202020204" pitchFamily="34" charset="0"/>
-              </a:rPr>
-              <a:t> et dolore magna </a:t>
-            </a:r>
-            <a:r>
-              <a:rPr lang="en-US" sz="1400" dirty="0" err="1">
-                <a:solidFill>
-                  <a:schemeClr val="tx1">
-                    <a:lumMod val="75000"/>
-                    <a:lumOff val="25000"/>
-                  </a:schemeClr>
-                </a:solidFill>
-                <a:cs typeface="Arial" panose="020B0604020202020204" pitchFamily="34" charset="0"/>
-              </a:rPr>
-              <a:t>aliqua</a:t>
-            </a:r>
-            <a:r>
-              <a:rPr lang="en-US" sz="1400" dirty="0">
-                <a:solidFill>
-                  <a:schemeClr val="tx1">
-                    <a:lumMod val="75000"/>
-                    <a:lumOff val="25000"/>
-                  </a:schemeClr>
-                </a:solidFill>
-                <a:cs typeface="Arial" panose="020B0604020202020204" pitchFamily="34" charset="0"/>
-              </a:rPr>
-              <a:t>. </a:t>
+              <a:t>DESIGNER</a:t>
             </a:r>
           </a:p>
         </p:txBody>
@@ -19630,9 +17608,18 @@
   <p:clrMapOvr>
     <a:masterClrMapping/>
   </p:clrMapOvr>
-  <p:transition spd="slow">
-    <p:randomBar dir="vert"/>
-  </p:transition>
+  <mc:AlternateContent xmlns:mc="http://schemas.openxmlformats.org/markup-compatibility/2006">
+    <mc:Choice xmlns:p14="http://schemas.microsoft.com/office/powerpoint/2010/main" Requires="p14">
+      <p:transition spd="med" p14:dur="700">
+        <p:fade/>
+      </p:transition>
+    </mc:Choice>
+    <mc:Fallback>
+      <p:transition spd="med">
+        <p:fade/>
+      </p:transition>
+    </mc:Fallback>
+  </mc:AlternateContent>
 </p:sld>
 </file>
 
@@ -19669,32 +17656,8 @@
           <a:lstStyle/>
           <a:p>
             <a:r>
-              <a:rPr lang="en-US" altLang="ko-KR" b="1" dirty="0" err="1"/>
-              <a:t>Giới</a:t>
-            </a:r>
-            <a:r>
               <a:rPr lang="en-US" altLang="ko-KR" b="1" dirty="0"/>
-              <a:t> </a:t>
-            </a:r>
-            <a:r>
-              <a:rPr lang="en-US" altLang="ko-KR" b="1" dirty="0" err="1"/>
-              <a:t>thiệu</a:t>
-            </a:r>
-            <a:r>
-              <a:rPr lang="en-US" altLang="ko-KR" b="1" dirty="0"/>
-              <a:t> </a:t>
-            </a:r>
-            <a:r>
-              <a:rPr lang="en-US" altLang="ko-KR" b="1" dirty="0" err="1"/>
-              <a:t>dự</a:t>
-            </a:r>
-            <a:r>
-              <a:rPr lang="en-US" altLang="ko-KR" b="1" dirty="0"/>
-              <a:t> </a:t>
-            </a:r>
-            <a:r>
-              <a:rPr lang="en-US" altLang="ko-KR" b="1" dirty="0" err="1"/>
-              <a:t>án</a:t>
+              <a:t>Project introduction</a:t>
             </a:r>
             <a:endParaRPr lang="en-US" b="1" dirty="0">
               <a:latin typeface="Arial" pitchFamily="34" charset="0"/>
@@ -19726,7 +17689,7 @@
                   <a:schemeClr val="tx1"/>
                 </a:solidFill>
               </a:rPr>
-              <a:t>Hiện tại, nhu cầu nhà ở là một vấn đề lớn đối với người dân trên cả nước, vì vậy chủ nhà đang tìm cách cung cấp nhà ở thông qua ứng dụng bất động sản.</a:t>
+              <a:t>Currently, housing demand is a big problem for people across the country, so homeowners are looking to provide housing through real estate applications.</a:t>
             </a:r>
           </a:p>
           <a:p>
@@ -19736,7 +17699,7 @@
                   <a:schemeClr val="tx1"/>
                 </a:solidFill>
               </a:rPr>
-              <a:t>App Bất động sản, được xây dựng cho người dùng nội bộ để quản lý dự án, quản lý số liệu thống kê, báo cáo và nhiều chức năng khác.</a:t>
+              <a:t>Real Estate App, built for internal users to manage projects, manage statistics, reports and many other functions.</a:t>
             </a:r>
           </a:p>
           <a:p>
@@ -19746,330 +17709,8 @@
                   <a:schemeClr val="tx1"/>
                 </a:solidFill>
               </a:rPr>
-              <a:t>App cũng giúp nhân viên biết thêm về thông tin cần </a:t>
+              <a:t>The App also helps employees know more about essential information about the real estate industry such as real estate projects, employee sales, group and room sales.</a:t>
             </a:r>
-            <a:r>
-              <a:rPr lang="en-US" sz="2400" dirty="0" err="1">
-                <a:solidFill>
-                  <a:schemeClr val="tx1"/>
-                </a:solidFill>
-              </a:rPr>
-              <a:t>thiết</a:t>
-            </a:r>
-            <a:r>
-              <a:rPr lang="vi-VN" sz="2400" dirty="0">
-                <a:solidFill>
-                  <a:schemeClr val="tx1"/>
-                </a:solidFill>
-              </a:rPr>
-              <a:t> về ngành bất động sản</a:t>
-            </a:r>
-            <a:r>
-              <a:rPr lang="en-US" sz="2400" dirty="0">
-                <a:solidFill>
-                  <a:schemeClr val="tx1"/>
-                </a:solidFill>
-              </a:rPr>
-              <a:t> </a:t>
-            </a:r>
-            <a:r>
-              <a:rPr lang="en-US" sz="2400" dirty="0" err="1">
-                <a:solidFill>
-                  <a:schemeClr val="tx1"/>
-                </a:solidFill>
-              </a:rPr>
-              <a:t>nh</a:t>
-            </a:r>
-            <a:r>
-              <a:rPr lang="vi-VN" sz="2400" dirty="0">
-                <a:solidFill>
-                  <a:schemeClr val="tx1"/>
-                </a:solidFill>
-              </a:rPr>
-              <a:t>ư</a:t>
-            </a:r>
-            <a:r>
-              <a:rPr lang="en-US" sz="2400" dirty="0">
-                <a:solidFill>
-                  <a:schemeClr val="tx1"/>
-                </a:solidFill>
-              </a:rPr>
-              <a:t> </a:t>
-            </a:r>
-            <a:r>
-              <a:rPr lang="en-US" sz="2400" dirty="0" err="1">
-                <a:solidFill>
-                  <a:schemeClr val="tx1"/>
-                </a:solidFill>
-              </a:rPr>
-              <a:t>những</a:t>
-            </a:r>
-            <a:r>
-              <a:rPr lang="en-US" sz="2400" dirty="0">
-                <a:solidFill>
-                  <a:schemeClr val="tx1"/>
-                </a:solidFill>
-              </a:rPr>
-              <a:t> </a:t>
-            </a:r>
-            <a:r>
-              <a:rPr lang="en-US" sz="2400" dirty="0" err="1">
-                <a:solidFill>
-                  <a:schemeClr val="tx1"/>
-                </a:solidFill>
-              </a:rPr>
-              <a:t>dự</a:t>
-            </a:r>
-            <a:r>
-              <a:rPr lang="en-US" sz="2400" dirty="0">
-                <a:solidFill>
-                  <a:schemeClr val="tx1"/>
-                </a:solidFill>
-              </a:rPr>
-              <a:t> </a:t>
-            </a:r>
-            <a:r>
-              <a:rPr lang="en-US" sz="2400" dirty="0" err="1">
-                <a:solidFill>
-                  <a:schemeClr val="tx1"/>
-                </a:solidFill>
-              </a:rPr>
-              <a:t>án</a:t>
-            </a:r>
-            <a:r>
-              <a:rPr lang="en-US" sz="2400" dirty="0">
-                <a:solidFill>
-                  <a:schemeClr val="tx1"/>
-                </a:solidFill>
-              </a:rPr>
-              <a:t> </a:t>
-            </a:r>
-            <a:r>
-              <a:rPr lang="en-US" sz="2400" dirty="0" err="1">
-                <a:solidFill>
-                  <a:schemeClr val="tx1"/>
-                </a:solidFill>
-              </a:rPr>
-              <a:t>bất</a:t>
-            </a:r>
-            <a:r>
-              <a:rPr lang="en-US" sz="2400" dirty="0">
-                <a:solidFill>
-                  <a:schemeClr val="tx1"/>
-                </a:solidFill>
-              </a:rPr>
-              <a:t> </a:t>
-            </a:r>
-            <a:r>
-              <a:rPr lang="en-US" sz="2400" dirty="0" err="1">
-                <a:solidFill>
-                  <a:schemeClr val="tx1"/>
-                </a:solidFill>
-              </a:rPr>
-              <a:t>động</a:t>
-            </a:r>
-            <a:r>
-              <a:rPr lang="en-US" sz="2400" dirty="0">
-                <a:solidFill>
-                  <a:schemeClr val="tx1"/>
-                </a:solidFill>
-              </a:rPr>
-              <a:t> </a:t>
-            </a:r>
-            <a:r>
-              <a:rPr lang="en-US" sz="2400" dirty="0" err="1">
-                <a:solidFill>
-                  <a:schemeClr val="tx1"/>
-                </a:solidFill>
-              </a:rPr>
-              <a:t>sản</a:t>
-            </a:r>
-            <a:r>
-              <a:rPr lang="en-US" sz="2400" dirty="0">
-                <a:solidFill>
-                  <a:schemeClr val="tx1"/>
-                </a:solidFill>
-              </a:rPr>
-              <a:t>, </a:t>
-            </a:r>
-            <a:r>
-              <a:rPr lang="en-US" sz="2400" dirty="0" err="1">
-                <a:solidFill>
-                  <a:schemeClr val="tx1"/>
-                </a:solidFill>
-              </a:rPr>
-              <a:t>xếp</a:t>
-            </a:r>
-            <a:r>
-              <a:rPr lang="en-US" sz="2400" dirty="0">
-                <a:solidFill>
-                  <a:schemeClr val="tx1"/>
-                </a:solidFill>
-              </a:rPr>
-              <a:t> </a:t>
-            </a:r>
-            <a:r>
-              <a:rPr lang="en-US" sz="2400" dirty="0" err="1">
-                <a:solidFill>
-                  <a:schemeClr val="tx1"/>
-                </a:solidFill>
-              </a:rPr>
-              <a:t>hạng</a:t>
-            </a:r>
-            <a:r>
-              <a:rPr lang="en-US" sz="2400" dirty="0">
-                <a:solidFill>
-                  <a:schemeClr val="tx1"/>
-                </a:solidFill>
-              </a:rPr>
-              <a:t> </a:t>
-            </a:r>
-            <a:r>
-              <a:rPr lang="en-US" sz="2400" dirty="0" err="1">
-                <a:solidFill>
-                  <a:schemeClr val="tx1"/>
-                </a:solidFill>
-              </a:rPr>
-              <a:t>về</a:t>
-            </a:r>
-            <a:r>
-              <a:rPr lang="en-US" sz="2400" dirty="0">
-                <a:solidFill>
-                  <a:schemeClr val="tx1"/>
-                </a:solidFill>
-              </a:rPr>
-              <a:t> </a:t>
-            </a:r>
-            <a:r>
-              <a:rPr lang="en-US" sz="2400" dirty="0" err="1">
-                <a:solidFill>
-                  <a:schemeClr val="tx1"/>
-                </a:solidFill>
-              </a:rPr>
-              <a:t>doanh</a:t>
-            </a:r>
-            <a:r>
-              <a:rPr lang="en-US" sz="2400" dirty="0">
-                <a:solidFill>
-                  <a:schemeClr val="tx1"/>
-                </a:solidFill>
-              </a:rPr>
-              <a:t> </a:t>
-            </a:r>
-            <a:r>
-              <a:rPr lang="en-US" sz="2400" dirty="0" err="1">
-                <a:solidFill>
-                  <a:schemeClr val="tx1"/>
-                </a:solidFill>
-              </a:rPr>
-              <a:t>thu</a:t>
-            </a:r>
-            <a:r>
-              <a:rPr lang="en-US" sz="2400" dirty="0">
-                <a:solidFill>
-                  <a:schemeClr val="tx1"/>
-                </a:solidFill>
-              </a:rPr>
-              <a:t> </a:t>
-            </a:r>
-            <a:r>
-              <a:rPr lang="en-US" sz="2400" dirty="0" err="1">
-                <a:solidFill>
-                  <a:schemeClr val="tx1"/>
-                </a:solidFill>
-              </a:rPr>
-              <a:t>của</a:t>
-            </a:r>
-            <a:r>
-              <a:rPr lang="en-US" sz="2400" dirty="0">
-                <a:solidFill>
-                  <a:schemeClr val="tx1"/>
-                </a:solidFill>
-              </a:rPr>
-              <a:t> </a:t>
-            </a:r>
-            <a:r>
-              <a:rPr lang="en-US" sz="2400" dirty="0" err="1">
-                <a:solidFill>
-                  <a:schemeClr val="tx1"/>
-                </a:solidFill>
-              </a:rPr>
-              <a:t>nhân</a:t>
-            </a:r>
-            <a:r>
-              <a:rPr lang="en-US" sz="2400" dirty="0">
-                <a:solidFill>
-                  <a:schemeClr val="tx1"/>
-                </a:solidFill>
-              </a:rPr>
-              <a:t> </a:t>
-            </a:r>
-            <a:r>
-              <a:rPr lang="en-US" sz="2400" dirty="0" err="1">
-                <a:solidFill>
-                  <a:schemeClr val="tx1"/>
-                </a:solidFill>
-              </a:rPr>
-              <a:t>viên</a:t>
-            </a:r>
-            <a:r>
-              <a:rPr lang="en-US" sz="2400" dirty="0">
-                <a:solidFill>
-                  <a:schemeClr val="tx1"/>
-                </a:solidFill>
-              </a:rPr>
-              <a:t>, </a:t>
-            </a:r>
-            <a:r>
-              <a:rPr lang="en-US" sz="2400" dirty="0" err="1">
-                <a:solidFill>
-                  <a:schemeClr val="tx1"/>
-                </a:solidFill>
-              </a:rPr>
-              <a:t>nhóm</a:t>
-            </a:r>
-            <a:r>
-              <a:rPr lang="en-US" sz="2400" dirty="0">
-                <a:solidFill>
-                  <a:schemeClr val="tx1"/>
-                </a:solidFill>
-              </a:rPr>
-              <a:t> </a:t>
-            </a:r>
-            <a:r>
-              <a:rPr lang="en-US" sz="2400" dirty="0" err="1">
-                <a:solidFill>
-                  <a:schemeClr val="tx1"/>
-                </a:solidFill>
-              </a:rPr>
-              <a:t>và</a:t>
-            </a:r>
-            <a:r>
-              <a:rPr lang="en-US" sz="2400" dirty="0">
-                <a:solidFill>
-                  <a:schemeClr val="tx1"/>
-                </a:solidFill>
-              </a:rPr>
-              <a:t> </a:t>
-            </a:r>
-            <a:r>
-              <a:rPr lang="en-US" sz="2400" dirty="0" err="1">
-                <a:solidFill>
-                  <a:schemeClr val="tx1"/>
-                </a:solidFill>
-              </a:rPr>
-              <a:t>phòng</a:t>
-            </a:r>
-            <a:r>
-              <a:rPr lang="en-US" sz="2400" dirty="0">
-                <a:solidFill>
-                  <a:schemeClr val="tx1"/>
-                </a:solidFill>
-              </a:rPr>
-              <a:t>.</a:t>
-            </a:r>
-          </a:p>
-          <a:p>
             <a:endParaRPr lang="en-US" sz="2400" dirty="0">
               <a:solidFill>
                 <a:schemeClr val="tx1"/>
@@ -20245,6 +17886,173 @@
   <p:clrMapOvr>
     <a:masterClrMapping/>
   </p:clrMapOvr>
+  <mc:AlternateContent xmlns:mc="http://schemas.openxmlformats.org/markup-compatibility/2006">
+    <mc:Choice xmlns:p14="http://schemas.microsoft.com/office/powerpoint/2010/main" Requires="p14">
+      <p:transition spd="med" p14:dur="700">
+        <p:fade/>
+      </p:transition>
+    </mc:Choice>
+    <mc:Fallback>
+      <p:transition spd="med">
+        <p:fade/>
+      </p:transition>
+    </mc:Fallback>
+  </mc:AlternateContent>
+  <p:timing>
+    <p:tnLst>
+      <p:par>
+        <p:cTn id="1" dur="indefinite" restart="never" nodeType="tmRoot">
+          <p:childTnLst>
+            <p:seq concurrent="1" nextAc="seek">
+              <p:cTn id="2" dur="indefinite" nodeType="mainSeq">
+                <p:childTnLst>
+                  <p:par>
+                    <p:cTn id="3" fill="hold">
+                      <p:stCondLst>
+                        <p:cond delay="indefinite"/>
+                      </p:stCondLst>
+                      <p:childTnLst>
+                        <p:par>
+                          <p:cTn id="4" fill="hold">
+                            <p:stCondLst>
+                              <p:cond delay="0"/>
+                            </p:stCondLst>
+                            <p:childTnLst>
+                              <p:par>
+                                <p:cTn id="5" presetID="3" presetClass="entr" presetSubtype="10" fill="hold" grpId="0" nodeType="clickEffect">
+                                  <p:stCondLst>
+                                    <p:cond delay="0"/>
+                                  </p:stCondLst>
+                                  <p:childTnLst>
+                                    <p:set>
+                                      <p:cBhvr>
+                                        <p:cTn id="6" dur="1" fill="hold">
+                                          <p:stCondLst>
+                                            <p:cond delay="0"/>
+                                          </p:stCondLst>
+                                        </p:cTn>
+                                        <p:tgtEl>
+                                          <p:spTgt spid="5">
+                                            <p:txEl>
+                                              <p:pRg st="0" end="0"/>
+                                            </p:txEl>
+                                          </p:spTgt>
+                                        </p:tgtEl>
+                                        <p:attrNameLst>
+                                          <p:attrName>style.visibility</p:attrName>
+                                        </p:attrNameLst>
+                                      </p:cBhvr>
+                                      <p:to>
+                                        <p:strVal val="visible"/>
+                                      </p:to>
+                                    </p:set>
+                                    <p:animEffect transition="in" filter="blinds(horizontal)">
+                                      <p:cBhvr>
+                                        <p:cTn id="7" dur="500"/>
+                                        <p:tgtEl>
+                                          <p:spTgt spid="5">
+                                            <p:txEl>
+                                              <p:pRg st="0" end="0"/>
+                                            </p:txEl>
+                                          </p:spTgt>
+                                        </p:tgtEl>
+                                      </p:cBhvr>
+                                    </p:animEffect>
+                                  </p:childTnLst>
+                                </p:cTn>
+                              </p:par>
+                            </p:childTnLst>
+                          </p:cTn>
+                        </p:par>
+                      </p:childTnLst>
+                    </p:cTn>
+                  </p:par>
+                  <p:par>
+                    <p:cTn id="8" fill="hold">
+                      <p:stCondLst>
+                        <p:cond delay="indefinite"/>
+                      </p:stCondLst>
+                      <p:childTnLst>
+                        <p:par>
+                          <p:cTn id="9" fill="hold">
+                            <p:stCondLst>
+                              <p:cond delay="0"/>
+                            </p:stCondLst>
+                            <p:childTnLst>
+                              <p:par>
+                                <p:cTn id="10" presetID="3" presetClass="entr" presetSubtype="10" fill="hold" grpId="0" nodeType="clickEffect">
+                                  <p:stCondLst>
+                                    <p:cond delay="0"/>
+                                  </p:stCondLst>
+                                  <p:childTnLst>
+                                    <p:set>
+                                      <p:cBhvr>
+                                        <p:cTn id="11" dur="1" fill="hold">
+                                          <p:stCondLst>
+                                            <p:cond delay="0"/>
+                                          </p:stCondLst>
+                                        </p:cTn>
+                                        <p:tgtEl>
+                                          <p:spTgt spid="5">
+                                            <p:txEl>
+                                              <p:pRg st="1" end="1"/>
+                                            </p:txEl>
+                                          </p:spTgt>
+                                        </p:tgtEl>
+                                        <p:attrNameLst>
+                                          <p:attrName>style.visibility</p:attrName>
+                                        </p:attrNameLst>
+                                      </p:cBhvr>
+                                      <p:to>
+                                        <p:strVal val="visible"/>
+                                      </p:to>
+                                    </p:set>
+                                    <p:animEffect transition="in" filter="blinds(horizontal)">
+                                      <p:cBhvr>
+                                        <p:cTn id="12" dur="500"/>
+                                        <p:tgtEl>
+                                          <p:spTgt spid="5">
+                                            <p:txEl>
+                                              <p:pRg st="1" end="1"/>
+                                            </p:txEl>
+                                          </p:spTgt>
+                                        </p:tgtEl>
+                                      </p:cBhvr>
+                                    </p:animEffect>
+                                  </p:childTnLst>
+                                </p:cTn>
+                              </p:par>
+                            </p:childTnLst>
+                          </p:cTn>
+                        </p:par>
+                      </p:childTnLst>
+                    </p:cTn>
+                  </p:par>
+                </p:childTnLst>
+              </p:cTn>
+              <p:prevCondLst>
+                <p:cond evt="onPrev" delay="0">
+                  <p:tgtEl>
+                    <p:sldTgt/>
+                  </p:tgtEl>
+                </p:cond>
+              </p:prevCondLst>
+              <p:nextCondLst>
+                <p:cond evt="onNext" delay="0">
+                  <p:tgtEl>
+                    <p:sldTgt/>
+                  </p:tgtEl>
+                </p:cond>
+              </p:nextCondLst>
+            </p:seq>
+          </p:childTnLst>
+        </p:cTn>
+      </p:par>
+    </p:tnLst>
+    <p:bldLst>
+      <p:bldP spid="5" grpId="0" build="p"/>
+    </p:bldLst>
+  </p:timing>
 </p:sld>
 </file>
 
@@ -20281,36 +18089,8 @@
           <a:lstStyle/>
           <a:p>
             <a:r>
-              <a:rPr lang="en-US" altLang="ko-KR" b="1" dirty="0" err="1"/>
-              <a:t>Số</a:t>
-            </a:r>
-            <a:r>
               <a:rPr lang="en-US" altLang="ko-KR" b="1" dirty="0"/>
-              <a:t> </a:t>
-            </a:r>
-            <a:r>
-              <a:rPr lang="en-US" altLang="ko-KR" b="1" dirty="0" err="1"/>
-              <a:t>người</a:t>
-            </a:r>
-            <a:r>
-              <a:rPr lang="en-US" altLang="ko-KR" b="1" dirty="0"/>
-              <a:t> </a:t>
-            </a:r>
-            <a:r>
-              <a:rPr lang="en-US" altLang="ko-KR" b="1" dirty="0" err="1"/>
-              <a:t>trong</a:t>
-            </a:r>
-            <a:r>
-              <a:rPr lang="en-US" altLang="ko-KR" b="1" dirty="0"/>
-              <a:t> </a:t>
-            </a:r>
-            <a:r>
-              <a:rPr lang="en-US" altLang="ko-KR" b="1" dirty="0" err="1"/>
-              <a:t>công</a:t>
-            </a:r>
-            <a:r>
-              <a:rPr lang="en-US" altLang="ko-KR" b="1" dirty="0"/>
-              <a:t> ty</a:t>
+              <a:t>Number of people in the company</a:t>
             </a:r>
             <a:endParaRPr lang="en-US" b="1" dirty="0"/>
           </a:p>
@@ -20810,6 +18590,218 @@
   <p:clrMapOvr>
     <a:masterClrMapping/>
   </p:clrMapOvr>
+  <mc:AlternateContent xmlns:mc="http://schemas.openxmlformats.org/markup-compatibility/2006">
+    <mc:Choice xmlns:p14="http://schemas.microsoft.com/office/powerpoint/2010/main" Requires="p14">
+      <p:transition spd="med" p14:dur="700">
+        <p:fade/>
+      </p:transition>
+    </mc:Choice>
+    <mc:Fallback>
+      <p:transition spd="med">
+        <p:fade/>
+      </p:transition>
+    </mc:Fallback>
+  </mc:AlternateContent>
+  <p:timing>
+    <p:tnLst>
+      <p:par>
+        <p:cTn id="1" dur="indefinite" restart="never" nodeType="tmRoot">
+          <p:childTnLst>
+            <p:seq concurrent="1" nextAc="seek">
+              <p:cTn id="2" dur="indefinite" nodeType="mainSeq">
+                <p:childTnLst>
+                  <p:par>
+                    <p:cTn id="3" fill="hold">
+                      <p:stCondLst>
+                        <p:cond delay="indefinite"/>
+                      </p:stCondLst>
+                      <p:childTnLst>
+                        <p:par>
+                          <p:cTn id="4" fill="hold">
+                            <p:stCondLst>
+                              <p:cond delay="0"/>
+                            </p:stCondLst>
+                            <p:childTnLst>
+                              <p:par>
+                                <p:cTn id="5" presetID="3" presetClass="entr" presetSubtype="10" fill="hold" grpId="0" nodeType="clickEffect">
+                                  <p:stCondLst>
+                                    <p:cond delay="0"/>
+                                  </p:stCondLst>
+                                  <p:childTnLst>
+                                    <p:set>
+                                      <p:cBhvr>
+                                        <p:cTn id="6" dur="1" fill="hold">
+                                          <p:stCondLst>
+                                            <p:cond delay="0"/>
+                                          </p:stCondLst>
+                                        </p:cTn>
+                                        <p:tgtEl>
+                                          <p:spTgt spid="2">
+                                            <p:txEl>
+                                              <p:pRg st="0" end="0"/>
+                                            </p:txEl>
+                                          </p:spTgt>
+                                        </p:tgtEl>
+                                        <p:attrNameLst>
+                                          <p:attrName>style.visibility</p:attrName>
+                                        </p:attrNameLst>
+                                      </p:cBhvr>
+                                      <p:to>
+                                        <p:strVal val="visible"/>
+                                      </p:to>
+                                    </p:set>
+                                    <p:animEffect transition="in" filter="blinds(horizontal)">
+                                      <p:cBhvr>
+                                        <p:cTn id="7" dur="500"/>
+                                        <p:tgtEl>
+                                          <p:spTgt spid="2">
+                                            <p:txEl>
+                                              <p:pRg st="0" end="0"/>
+                                            </p:txEl>
+                                          </p:spTgt>
+                                        </p:tgtEl>
+                                      </p:cBhvr>
+                                    </p:animEffect>
+                                  </p:childTnLst>
+                                </p:cTn>
+                              </p:par>
+                            </p:childTnLst>
+                          </p:cTn>
+                        </p:par>
+                      </p:childTnLst>
+                    </p:cTn>
+                  </p:par>
+                  <p:par>
+                    <p:cTn id="8" fill="hold">
+                      <p:stCondLst>
+                        <p:cond delay="indefinite"/>
+                      </p:stCondLst>
+                      <p:childTnLst>
+                        <p:par>
+                          <p:cTn id="9" fill="hold">
+                            <p:stCondLst>
+                              <p:cond delay="0"/>
+                            </p:stCondLst>
+                            <p:childTnLst>
+                              <p:par>
+                                <p:cTn id="10" presetID="9" presetClass="entr" presetSubtype="0" fill="hold" nodeType="clickEffect">
+                                  <p:stCondLst>
+                                    <p:cond delay="0"/>
+                                  </p:stCondLst>
+                                  <p:childTnLst>
+                                    <p:set>
+                                      <p:cBhvr>
+                                        <p:cTn id="11" dur="1" fill="hold">
+                                          <p:stCondLst>
+                                            <p:cond delay="0"/>
+                                          </p:stCondLst>
+                                        </p:cTn>
+                                        <p:tgtEl>
+                                          <p:spTgt spid="7"/>
+                                        </p:tgtEl>
+                                        <p:attrNameLst>
+                                          <p:attrName>style.visibility</p:attrName>
+                                        </p:attrNameLst>
+                                      </p:cBhvr>
+                                      <p:to>
+                                        <p:strVal val="visible"/>
+                                      </p:to>
+                                    </p:set>
+                                    <p:animEffect transition="in" filter="dissolve">
+                                      <p:cBhvr>
+                                        <p:cTn id="12" dur="500"/>
+                                        <p:tgtEl>
+                                          <p:spTgt spid="7"/>
+                                        </p:tgtEl>
+                                      </p:cBhvr>
+                                    </p:animEffect>
+                                  </p:childTnLst>
+                                </p:cTn>
+                              </p:par>
+                            </p:childTnLst>
+                          </p:cTn>
+                        </p:par>
+                      </p:childTnLst>
+                    </p:cTn>
+                  </p:par>
+                  <p:par>
+                    <p:cTn id="13" fill="hold">
+                      <p:stCondLst>
+                        <p:cond delay="indefinite"/>
+                      </p:stCondLst>
+                      <p:childTnLst>
+                        <p:par>
+                          <p:cTn id="14" fill="hold">
+                            <p:stCondLst>
+                              <p:cond delay="0"/>
+                            </p:stCondLst>
+                            <p:childTnLst>
+                              <p:par>
+                                <p:cTn id="15" presetID="5" presetClass="entr" presetSubtype="10" fill="hold" nodeType="clickEffect">
+                                  <p:stCondLst>
+                                    <p:cond delay="0"/>
+                                  </p:stCondLst>
+                                  <p:childTnLst>
+                                    <p:set>
+                                      <p:cBhvr>
+                                        <p:cTn id="16" dur="1" fill="hold">
+                                          <p:stCondLst>
+                                            <p:cond delay="0"/>
+                                          </p:stCondLst>
+                                        </p:cTn>
+                                        <p:tgtEl>
+                                          <p:spTgt spid="7"/>
+                                        </p:tgtEl>
+                                        <p:attrNameLst>
+                                          <p:attrName>style.visibility</p:attrName>
+                                        </p:attrNameLst>
+                                      </p:cBhvr>
+                                      <p:to>
+                                        <p:strVal val="visible"/>
+                                      </p:to>
+                                    </p:set>
+                                    <p:animEffect transition="in" filter="checkerboard(across)">
+                                      <p:cBhvr>
+                                        <p:cTn id="17" dur="500"/>
+                                        <p:tgtEl>
+                                          <p:spTgt spid="7"/>
+                                        </p:tgtEl>
+                                      </p:cBhvr>
+                                    </p:animEffect>
+                                  </p:childTnLst>
+                                </p:cTn>
+                              </p:par>
+                            </p:childTnLst>
+                          </p:cTn>
+                        </p:par>
+                      </p:childTnLst>
+                    </p:cTn>
+                  </p:par>
+                </p:childTnLst>
+              </p:cTn>
+              <p:prevCondLst>
+                <p:cond evt="onPrev" delay="0">
+                  <p:tgtEl>
+                    <p:sldTgt/>
+                  </p:tgtEl>
+                </p:cond>
+              </p:prevCondLst>
+              <p:nextCondLst>
+                <p:cond evt="onNext" delay="0">
+                  <p:tgtEl>
+                    <p:sldTgt/>
+                  </p:tgtEl>
+                </p:cond>
+              </p:nextCondLst>
+            </p:seq>
+          </p:childTnLst>
+        </p:cTn>
+      </p:par>
+    </p:tnLst>
+    <p:bldLst>
+      <p:bldP spid="2" grpId="0" build="p"/>
+    </p:bldLst>
+  </p:timing>
 </p:sld>
 </file>
 
@@ -21767,6 +19759,165 @@
   <p:clrMapOvr>
     <a:masterClrMapping/>
   </p:clrMapOvr>
+  <mc:AlternateContent xmlns:mc="http://schemas.openxmlformats.org/markup-compatibility/2006">
+    <mc:Choice xmlns:p14="http://schemas.microsoft.com/office/powerpoint/2010/main" Requires="p14">
+      <p:transition spd="med" p14:dur="700">
+        <p:fade/>
+      </p:transition>
+    </mc:Choice>
+    <mc:Fallback>
+      <p:transition spd="med">
+        <p:fade/>
+      </p:transition>
+    </mc:Fallback>
+  </mc:AlternateContent>
+  <p:timing>
+    <p:tnLst>
+      <p:par>
+        <p:cTn id="1" dur="indefinite" restart="never" nodeType="tmRoot">
+          <p:childTnLst>
+            <p:seq concurrent="1" nextAc="seek">
+              <p:cTn id="2" dur="indefinite" nodeType="mainSeq">
+                <p:childTnLst>
+                  <p:par>
+                    <p:cTn id="3" fill="hold">
+                      <p:stCondLst>
+                        <p:cond delay="indefinite"/>
+                      </p:stCondLst>
+                      <p:childTnLst>
+                        <p:par>
+                          <p:cTn id="4" fill="hold">
+                            <p:stCondLst>
+                              <p:cond delay="0"/>
+                            </p:stCondLst>
+                            <p:childTnLst>
+                              <p:par>
+                                <p:cTn id="5" presetID="9" presetClass="entr" presetSubtype="0" fill="hold" grpId="0" nodeType="clickEffect">
+                                  <p:stCondLst>
+                                    <p:cond delay="0"/>
+                                  </p:stCondLst>
+                                  <p:childTnLst>
+                                    <p:set>
+                                      <p:cBhvr>
+                                        <p:cTn id="6" dur="1" fill="hold">
+                                          <p:stCondLst>
+                                            <p:cond delay="0"/>
+                                          </p:stCondLst>
+                                        </p:cTn>
+                                        <p:tgtEl>
+                                          <p:spTgt spid="2">
+                                            <p:txEl>
+                                              <p:pRg st="0" end="0"/>
+                                            </p:txEl>
+                                          </p:spTgt>
+                                        </p:tgtEl>
+                                        <p:attrNameLst>
+                                          <p:attrName>style.visibility</p:attrName>
+                                        </p:attrNameLst>
+                                      </p:cBhvr>
+                                      <p:to>
+                                        <p:strVal val="visible"/>
+                                      </p:to>
+                                    </p:set>
+                                    <p:animEffect transition="in" filter="dissolve">
+                                      <p:cBhvr>
+                                        <p:cTn id="7" dur="500"/>
+                                        <p:tgtEl>
+                                          <p:spTgt spid="2">
+                                            <p:txEl>
+                                              <p:pRg st="0" end="0"/>
+                                            </p:txEl>
+                                          </p:spTgt>
+                                        </p:tgtEl>
+                                      </p:cBhvr>
+                                    </p:animEffect>
+                                  </p:childTnLst>
+                                </p:cTn>
+                              </p:par>
+                            </p:childTnLst>
+                          </p:cTn>
+                        </p:par>
+                      </p:childTnLst>
+                    </p:cTn>
+                  </p:par>
+                  <p:par>
+                    <p:cTn id="8" fill="hold">
+                      <p:stCondLst>
+                        <p:cond delay="indefinite"/>
+                      </p:stCondLst>
+                      <p:childTnLst>
+                        <p:par>
+                          <p:cTn id="9" fill="hold">
+                            <p:stCondLst>
+                              <p:cond delay="0"/>
+                            </p:stCondLst>
+                            <p:childTnLst>
+                              <p:par>
+                                <p:cTn id="10" presetID="5" presetClass="entr" presetSubtype="10" fill="hold" nodeType="clickEffect">
+                                  <p:stCondLst>
+                                    <p:cond delay="0"/>
+                                  </p:stCondLst>
+                                  <p:childTnLst>
+                                    <p:set>
+                                      <p:cBhvr>
+                                        <p:cTn id="11" dur="1" fill="hold">
+                                          <p:stCondLst>
+                                            <p:cond delay="0"/>
+                                          </p:stCondLst>
+                                        </p:cTn>
+                                        <p:tgtEl>
+                                          <p:spTgt spid="14"/>
+                                        </p:tgtEl>
+                                        <p:attrNameLst>
+                                          <p:attrName>style.visibility</p:attrName>
+                                        </p:attrNameLst>
+                                      </p:cBhvr>
+                                      <p:to>
+                                        <p:strVal val="visible"/>
+                                      </p:to>
+                                    </p:set>
+                                    <p:animEffect transition="in" filter="checkerboard(across)">
+                                      <p:cBhvr>
+                                        <p:cTn id="12" dur="500"/>
+                                        <p:tgtEl>
+                                          <p:spTgt spid="14"/>
+                                        </p:tgtEl>
+                                      </p:cBhvr>
+                                    </p:animEffect>
+                                  </p:childTnLst>
+                                </p:cTn>
+                              </p:par>
+                            </p:childTnLst>
+                          </p:cTn>
+                        </p:par>
+                      </p:childTnLst>
+                    </p:cTn>
+                  </p:par>
+                </p:childTnLst>
+              </p:cTn>
+              <p:prevCondLst>
+                <p:cond evt="onPrev" delay="0">
+                  <p:tgtEl>
+                    <p:sldTgt/>
+                  </p:tgtEl>
+                </p:cond>
+              </p:prevCondLst>
+              <p:nextCondLst>
+                <p:cond evt="onNext" delay="0">
+                  <p:tgtEl>
+                    <p:sldTgt/>
+                  </p:tgtEl>
+                </p:cond>
+              </p:nextCondLst>
+            </p:seq>
+          </p:childTnLst>
+        </p:cTn>
+      </p:par>
+    </p:tnLst>
+    <p:bldLst>
+      <p:bldP spid="2" grpId="0" build="p"/>
+    </p:bldLst>
+  </p:timing>
 </p:sld>
 </file>
 
@@ -22616,6 +20767,227 @@
   <p:clrMapOvr>
     <a:masterClrMapping/>
   </p:clrMapOvr>
+  <mc:AlternateContent xmlns:mc="http://schemas.openxmlformats.org/markup-compatibility/2006">
+    <mc:Choice xmlns:p14="http://schemas.microsoft.com/office/powerpoint/2010/main" Requires="p14">
+      <p:transition spd="med" p14:dur="700">
+        <p:fade/>
+      </p:transition>
+    </mc:Choice>
+    <mc:Fallback>
+      <p:transition spd="med">
+        <p:fade/>
+      </p:transition>
+    </mc:Fallback>
+  </mc:AlternateContent>
+  <p:timing>
+    <p:tnLst>
+      <p:par>
+        <p:cTn id="1" dur="indefinite" restart="never" nodeType="tmRoot">
+          <p:childTnLst>
+            <p:seq concurrent="1" nextAc="seek">
+              <p:cTn id="2" dur="indefinite" nodeType="mainSeq">
+                <p:childTnLst>
+                  <p:par>
+                    <p:cTn id="3" fill="hold">
+                      <p:stCondLst>
+                        <p:cond delay="indefinite"/>
+                      </p:stCondLst>
+                      <p:childTnLst>
+                        <p:par>
+                          <p:cTn id="4" fill="hold">
+                            <p:stCondLst>
+                              <p:cond delay="0"/>
+                            </p:stCondLst>
+                            <p:childTnLst>
+                              <p:par>
+                                <p:cTn id="5" presetID="9" presetClass="entr" presetSubtype="0" fill="hold" grpId="0" nodeType="clickEffect">
+                                  <p:stCondLst>
+                                    <p:cond delay="0"/>
+                                  </p:stCondLst>
+                                  <p:childTnLst>
+                                    <p:set>
+                                      <p:cBhvr>
+                                        <p:cTn id="6" dur="1" fill="hold">
+                                          <p:stCondLst>
+                                            <p:cond delay="0"/>
+                                          </p:stCondLst>
+                                        </p:cTn>
+                                        <p:tgtEl>
+                                          <p:spTgt spid="2">
+                                            <p:txEl>
+                                              <p:pRg st="0" end="0"/>
+                                            </p:txEl>
+                                          </p:spTgt>
+                                        </p:tgtEl>
+                                        <p:attrNameLst>
+                                          <p:attrName>style.visibility</p:attrName>
+                                        </p:attrNameLst>
+                                      </p:cBhvr>
+                                      <p:to>
+                                        <p:strVal val="visible"/>
+                                      </p:to>
+                                    </p:set>
+                                    <p:animEffect transition="in" filter="dissolve">
+                                      <p:cBhvr>
+                                        <p:cTn id="7" dur="500"/>
+                                        <p:tgtEl>
+                                          <p:spTgt spid="2">
+                                            <p:txEl>
+                                              <p:pRg st="0" end="0"/>
+                                            </p:txEl>
+                                          </p:spTgt>
+                                        </p:tgtEl>
+                                      </p:cBhvr>
+                                    </p:animEffect>
+                                  </p:childTnLst>
+                                </p:cTn>
+                              </p:par>
+                            </p:childTnLst>
+                          </p:cTn>
+                        </p:par>
+                      </p:childTnLst>
+                    </p:cTn>
+                  </p:par>
+                  <p:par>
+                    <p:cTn id="8" fill="hold">
+                      <p:stCondLst>
+                        <p:cond delay="indefinite"/>
+                      </p:stCondLst>
+                      <p:childTnLst>
+                        <p:par>
+                          <p:cTn id="9" fill="hold">
+                            <p:stCondLst>
+                              <p:cond delay="0"/>
+                            </p:stCondLst>
+                            <p:childTnLst>
+                              <p:par>
+                                <p:cTn id="10" presetID="5" presetClass="entr" presetSubtype="10" fill="hold" nodeType="clickEffect">
+                                  <p:stCondLst>
+                                    <p:cond delay="0"/>
+                                  </p:stCondLst>
+                                  <p:childTnLst>
+                                    <p:set>
+                                      <p:cBhvr>
+                                        <p:cTn id="11" dur="1" fill="hold">
+                                          <p:stCondLst>
+                                            <p:cond delay="0"/>
+                                          </p:stCondLst>
+                                        </p:cTn>
+                                        <p:tgtEl>
+                                          <p:spTgt spid="13"/>
+                                        </p:tgtEl>
+                                        <p:attrNameLst>
+                                          <p:attrName>style.visibility</p:attrName>
+                                        </p:attrNameLst>
+                                      </p:cBhvr>
+                                      <p:to>
+                                        <p:strVal val="visible"/>
+                                      </p:to>
+                                    </p:set>
+                                    <p:animEffect transition="in" filter="checkerboard(across)">
+                                      <p:cBhvr>
+                                        <p:cTn id="12" dur="500"/>
+                                        <p:tgtEl>
+                                          <p:spTgt spid="13"/>
+                                        </p:tgtEl>
+                                      </p:cBhvr>
+                                    </p:animEffect>
+                                  </p:childTnLst>
+                                </p:cTn>
+                              </p:par>
+                            </p:childTnLst>
+                          </p:cTn>
+                        </p:par>
+                      </p:childTnLst>
+                    </p:cTn>
+                  </p:par>
+                  <p:par>
+                    <p:cTn id="13" fill="hold">
+                      <p:stCondLst>
+                        <p:cond delay="indefinite"/>
+                      </p:stCondLst>
+                      <p:childTnLst>
+                        <p:par>
+                          <p:cTn id="14" fill="hold">
+                            <p:stCondLst>
+                              <p:cond delay="0"/>
+                            </p:stCondLst>
+                            <p:childTnLst>
+                              <p:par>
+                                <p:cTn id="15" presetID="9" presetClass="entr" presetSubtype="0" fill="hold" grpId="1" nodeType="clickEffect">
+                                  <p:stCondLst>
+                                    <p:cond delay="0"/>
+                                  </p:stCondLst>
+                                  <p:childTnLst>
+                                    <p:set>
+                                      <p:cBhvr>
+                                        <p:cTn id="16" dur="1" fill="hold">
+                                          <p:stCondLst>
+                                            <p:cond delay="0"/>
+                                          </p:stCondLst>
+                                        </p:cTn>
+                                        <p:tgtEl>
+                                          <p:spTgt spid="2">
+                                            <p:txEl>
+                                              <p:pRg st="0" end="0"/>
+                                            </p:txEl>
+                                          </p:spTgt>
+                                        </p:tgtEl>
+                                        <p:attrNameLst>
+                                          <p:attrName>style.visibility</p:attrName>
+                                        </p:attrNameLst>
+                                      </p:cBhvr>
+                                      <p:to>
+                                        <p:strVal val="visible"/>
+                                      </p:to>
+                                    </p:set>
+                                    <p:animEffect transition="in" filter="dissolve">
+                                      <p:cBhvr>
+                                        <p:cTn id="17" dur="500"/>
+                                        <p:tgtEl>
+                                          <p:spTgt spid="2">
+                                            <p:txEl>
+                                              <p:pRg st="0" end="0"/>
+                                            </p:txEl>
+                                          </p:spTgt>
+                                        </p:tgtEl>
+                                      </p:cBhvr>
+                                    </p:animEffect>
+                                  </p:childTnLst>
+                                </p:cTn>
+                              </p:par>
+                            </p:childTnLst>
+                          </p:cTn>
+                        </p:par>
+                      </p:childTnLst>
+                    </p:cTn>
+                  </p:par>
+                </p:childTnLst>
+              </p:cTn>
+              <p:prevCondLst>
+                <p:cond evt="onPrev" delay="0">
+                  <p:tgtEl>
+                    <p:sldTgt/>
+                  </p:tgtEl>
+                </p:cond>
+              </p:prevCondLst>
+              <p:nextCondLst>
+                <p:cond evt="onNext" delay="0">
+                  <p:tgtEl>
+                    <p:sldTgt/>
+                  </p:tgtEl>
+                </p:cond>
+              </p:nextCondLst>
+            </p:seq>
+          </p:childTnLst>
+        </p:cTn>
+      </p:par>
+    </p:tnLst>
+    <p:bldLst>
+      <p:bldP spid="2" grpId="0" build="p"/>
+      <p:bldP spid="2" grpId="1" build="p"/>
+    </p:bldLst>
+  </p:timing>
 </p:sld>
 </file>
 
@@ -22905,7 +21277,7 @@
                         <a:defRPr/>
                       </a:pPr>
                       <a:r>
-                        <a:rPr lang="en-US" sz="2000"/>
+                        <a:rPr lang="en-US" sz="2000" dirty="0"/>
                         <a:t>System:</a:t>
                       </a:r>
                       <a:endParaRPr lang="en-US" sz="2000" dirty="0">
@@ -23460,6 +21832,165 @@
   <p:clrMapOvr>
     <a:masterClrMapping/>
   </p:clrMapOvr>
+  <mc:AlternateContent xmlns:mc="http://schemas.openxmlformats.org/markup-compatibility/2006">
+    <mc:Choice xmlns:p14="http://schemas.microsoft.com/office/powerpoint/2010/main" Requires="p14">
+      <p:transition spd="med" p14:dur="700">
+        <p:fade/>
+      </p:transition>
+    </mc:Choice>
+    <mc:Fallback>
+      <p:transition spd="med">
+        <p:fade/>
+      </p:transition>
+    </mc:Fallback>
+  </mc:AlternateContent>
+  <p:timing>
+    <p:tnLst>
+      <p:par>
+        <p:cTn id="1" dur="indefinite" restart="never" nodeType="tmRoot">
+          <p:childTnLst>
+            <p:seq concurrent="1" nextAc="seek">
+              <p:cTn id="2" dur="indefinite" nodeType="mainSeq">
+                <p:childTnLst>
+                  <p:par>
+                    <p:cTn id="3" fill="hold">
+                      <p:stCondLst>
+                        <p:cond delay="indefinite"/>
+                      </p:stCondLst>
+                      <p:childTnLst>
+                        <p:par>
+                          <p:cTn id="4" fill="hold">
+                            <p:stCondLst>
+                              <p:cond delay="0"/>
+                            </p:stCondLst>
+                            <p:childTnLst>
+                              <p:par>
+                                <p:cTn id="5" presetID="9" presetClass="entr" presetSubtype="0" fill="hold" grpId="0" nodeType="clickEffect">
+                                  <p:stCondLst>
+                                    <p:cond delay="0"/>
+                                  </p:stCondLst>
+                                  <p:childTnLst>
+                                    <p:set>
+                                      <p:cBhvr>
+                                        <p:cTn id="6" dur="1" fill="hold">
+                                          <p:stCondLst>
+                                            <p:cond delay="0"/>
+                                          </p:stCondLst>
+                                        </p:cTn>
+                                        <p:tgtEl>
+                                          <p:spTgt spid="2">
+                                            <p:txEl>
+                                              <p:pRg st="0" end="0"/>
+                                            </p:txEl>
+                                          </p:spTgt>
+                                        </p:tgtEl>
+                                        <p:attrNameLst>
+                                          <p:attrName>style.visibility</p:attrName>
+                                        </p:attrNameLst>
+                                      </p:cBhvr>
+                                      <p:to>
+                                        <p:strVal val="visible"/>
+                                      </p:to>
+                                    </p:set>
+                                    <p:animEffect transition="in" filter="dissolve">
+                                      <p:cBhvr>
+                                        <p:cTn id="7" dur="500"/>
+                                        <p:tgtEl>
+                                          <p:spTgt spid="2">
+                                            <p:txEl>
+                                              <p:pRg st="0" end="0"/>
+                                            </p:txEl>
+                                          </p:spTgt>
+                                        </p:tgtEl>
+                                      </p:cBhvr>
+                                    </p:animEffect>
+                                  </p:childTnLst>
+                                </p:cTn>
+                              </p:par>
+                            </p:childTnLst>
+                          </p:cTn>
+                        </p:par>
+                      </p:childTnLst>
+                    </p:cTn>
+                  </p:par>
+                  <p:par>
+                    <p:cTn id="8" fill="hold">
+                      <p:stCondLst>
+                        <p:cond delay="indefinite"/>
+                      </p:stCondLst>
+                      <p:childTnLst>
+                        <p:par>
+                          <p:cTn id="9" fill="hold">
+                            <p:stCondLst>
+                              <p:cond delay="0"/>
+                            </p:stCondLst>
+                            <p:childTnLst>
+                              <p:par>
+                                <p:cTn id="10" presetID="5" presetClass="entr" presetSubtype="10" fill="hold" nodeType="clickEffect">
+                                  <p:stCondLst>
+                                    <p:cond delay="0"/>
+                                  </p:stCondLst>
+                                  <p:childTnLst>
+                                    <p:set>
+                                      <p:cBhvr>
+                                        <p:cTn id="11" dur="1" fill="hold">
+                                          <p:stCondLst>
+                                            <p:cond delay="0"/>
+                                          </p:stCondLst>
+                                        </p:cTn>
+                                        <p:tgtEl>
+                                          <p:spTgt spid="13"/>
+                                        </p:tgtEl>
+                                        <p:attrNameLst>
+                                          <p:attrName>style.visibility</p:attrName>
+                                        </p:attrNameLst>
+                                      </p:cBhvr>
+                                      <p:to>
+                                        <p:strVal val="visible"/>
+                                      </p:to>
+                                    </p:set>
+                                    <p:animEffect transition="in" filter="checkerboard(across)">
+                                      <p:cBhvr>
+                                        <p:cTn id="12" dur="500"/>
+                                        <p:tgtEl>
+                                          <p:spTgt spid="13"/>
+                                        </p:tgtEl>
+                                      </p:cBhvr>
+                                    </p:animEffect>
+                                  </p:childTnLst>
+                                </p:cTn>
+                              </p:par>
+                            </p:childTnLst>
+                          </p:cTn>
+                        </p:par>
+                      </p:childTnLst>
+                    </p:cTn>
+                  </p:par>
+                </p:childTnLst>
+              </p:cTn>
+              <p:prevCondLst>
+                <p:cond evt="onPrev" delay="0">
+                  <p:tgtEl>
+                    <p:sldTgt/>
+                  </p:tgtEl>
+                </p:cond>
+              </p:prevCondLst>
+              <p:nextCondLst>
+                <p:cond evt="onNext" delay="0">
+                  <p:tgtEl>
+                    <p:sldTgt/>
+                  </p:tgtEl>
+                </p:cond>
+              </p:nextCondLst>
+            </p:seq>
+          </p:childTnLst>
+        </p:cTn>
+      </p:par>
+    </p:tnLst>
+    <p:bldLst>
+      <p:bldP spid="2" grpId="0" build="p"/>
+    </p:bldLst>
+  </p:timing>
 </p:sld>
 </file>
 

--- a/Improgress/PM-3.pptx
+++ b/Improgress/PM-3.pptx
@@ -5,10 +5,10 @@
     <p:sldMasterId id="2147483648" r:id="rId1"/>
   </p:sldMasterIdLst>
   <p:notesMasterIdLst>
-    <p:notesMasterId r:id="rId26"/>
+    <p:notesMasterId r:id="rId28"/>
   </p:notesMasterIdLst>
   <p:handoutMasterIdLst>
-    <p:handoutMasterId r:id="rId27"/>
+    <p:handoutMasterId r:id="rId29"/>
   </p:handoutMasterIdLst>
   <p:sldIdLst>
     <p:sldId id="256" r:id="rId2"/>
@@ -30,11 +30,13 @@
     <p:sldId id="295" r:id="rId18"/>
     <p:sldId id="291" r:id="rId19"/>
     <p:sldId id="296" r:id="rId20"/>
-    <p:sldId id="278" r:id="rId21"/>
-    <p:sldId id="297" r:id="rId22"/>
-    <p:sldId id="279" r:id="rId23"/>
-    <p:sldId id="334" r:id="rId24"/>
-    <p:sldId id="333" r:id="rId25"/>
+    <p:sldId id="336" r:id="rId21"/>
+    <p:sldId id="337" r:id="rId22"/>
+    <p:sldId id="338" r:id="rId23"/>
+    <p:sldId id="297" r:id="rId24"/>
+    <p:sldId id="279" r:id="rId25"/>
+    <p:sldId id="334" r:id="rId26"/>
+    <p:sldId id="333" r:id="rId27"/>
   </p:sldIdLst>
   <p:sldSz cx="12192000" cy="6858000"/>
   <p:notesSz cx="6858000" cy="9144000"/>
@@ -133,6 +135,11 @@
       </a:defRPr>
     </a:lvl9pPr>
   </p:defaultTextStyle>
+  <p:extLst>
+    <p:ext uri="{EFAFB233-063F-42B5-8137-9DF3F51BA10A}">
+      <p15:sldGuideLst xmlns:p15="http://schemas.microsoft.com/office/powerpoint/2012/main"/>
+    </p:ext>
+  </p:extLst>
 </p:presentation>
 </file>
 
@@ -909,7 +916,259 @@
           <a:p>
             <a:fld id="{E65D64CF-40D3-8A4B-A22E-736EA1880BEB}" type="slidenum">
               <a:rPr lang="en-US" smtClean="0"/>
-              <a:t>24</a:t>
+              <a:t>20</a:t>
+            </a:fld>
+            <a:endParaRPr lang="en-US"/>
+          </a:p>
+        </p:txBody>
+      </p:sp>
+    </p:spTree>
+    <p:extLst>
+      <p:ext uri="{BB962C8B-B14F-4D97-AF65-F5344CB8AC3E}">
+        <p14:creationId xmlns:p14="http://schemas.microsoft.com/office/powerpoint/2010/main" val="1531936296"/>
+      </p:ext>
+    </p:extLst>
+  </p:cSld>
+  <p:clrMapOvr>
+    <a:masterClrMapping/>
+  </p:clrMapOvr>
+</p:notes>
+</file>
+
+<file path=ppt/notesSlides/notesSlide12.xml><?xml version="1.0" encoding="utf-8"?>
+<p:notes xmlns:a="http://schemas.openxmlformats.org/drawingml/2006/main" xmlns:r="http://schemas.openxmlformats.org/officeDocument/2006/relationships" xmlns:p="http://schemas.openxmlformats.org/presentationml/2006/main">
+  <p:cSld>
+    <p:spTree>
+      <p:nvGrpSpPr>
+        <p:cNvPr id="1" name=""/>
+        <p:cNvGrpSpPr/>
+        <p:nvPr/>
+      </p:nvGrpSpPr>
+      <p:grpSpPr>
+        <a:xfrm>
+          <a:off x="0" y="0"/>
+          <a:ext cx="0" cy="0"/>
+          <a:chOff x="0" y="0"/>
+          <a:chExt cx="0" cy="0"/>
+        </a:xfrm>
+      </p:grpSpPr>
+      <p:sp>
+        <p:nvSpPr>
+          <p:cNvPr id="2" name="Slide Image Placeholder 1"/>
+          <p:cNvSpPr>
+            <a:spLocks noGrp="1" noRot="1" noChangeAspect="1"/>
+          </p:cNvSpPr>
+          <p:nvPr>
+            <p:ph type="sldImg"/>
+          </p:nvPr>
+        </p:nvSpPr>
+        <p:spPr/>
+      </p:sp>
+      <p:sp>
+        <p:nvSpPr>
+          <p:cNvPr id="3" name="Notes Placeholder 2"/>
+          <p:cNvSpPr>
+            <a:spLocks noGrp="1"/>
+          </p:cNvSpPr>
+          <p:nvPr>
+            <p:ph type="body" idx="1"/>
+          </p:nvPr>
+        </p:nvSpPr>
+        <p:spPr/>
+        <p:txBody>
+          <a:bodyPr/>
+          <a:lstStyle/>
+          <a:p>
+            <a:endParaRPr lang="en-US" dirty="0"/>
+          </a:p>
+        </p:txBody>
+      </p:sp>
+      <p:sp>
+        <p:nvSpPr>
+          <p:cNvPr id="4" name="Slide Number Placeholder 3"/>
+          <p:cNvSpPr>
+            <a:spLocks noGrp="1"/>
+          </p:cNvSpPr>
+          <p:nvPr>
+            <p:ph type="sldNum" sz="quarter" idx="5"/>
+          </p:nvPr>
+        </p:nvSpPr>
+        <p:spPr/>
+        <p:txBody>
+          <a:bodyPr/>
+          <a:lstStyle/>
+          <a:p>
+            <a:fld id="{E65D64CF-40D3-8A4B-A22E-736EA1880BEB}" type="slidenum">
+              <a:rPr lang="en-US" smtClean="0"/>
+              <a:t>21</a:t>
+            </a:fld>
+            <a:endParaRPr lang="en-US"/>
+          </a:p>
+        </p:txBody>
+      </p:sp>
+    </p:spTree>
+    <p:extLst>
+      <p:ext uri="{BB962C8B-B14F-4D97-AF65-F5344CB8AC3E}">
+        <p14:creationId xmlns:p14="http://schemas.microsoft.com/office/powerpoint/2010/main" val="2365460328"/>
+      </p:ext>
+    </p:extLst>
+  </p:cSld>
+  <p:clrMapOvr>
+    <a:masterClrMapping/>
+  </p:clrMapOvr>
+</p:notes>
+</file>
+
+<file path=ppt/notesSlides/notesSlide13.xml><?xml version="1.0" encoding="utf-8"?>
+<p:notes xmlns:a="http://schemas.openxmlformats.org/drawingml/2006/main" xmlns:r="http://schemas.openxmlformats.org/officeDocument/2006/relationships" xmlns:p="http://schemas.openxmlformats.org/presentationml/2006/main">
+  <p:cSld>
+    <p:spTree>
+      <p:nvGrpSpPr>
+        <p:cNvPr id="1" name=""/>
+        <p:cNvGrpSpPr/>
+        <p:nvPr/>
+      </p:nvGrpSpPr>
+      <p:grpSpPr>
+        <a:xfrm>
+          <a:off x="0" y="0"/>
+          <a:ext cx="0" cy="0"/>
+          <a:chOff x="0" y="0"/>
+          <a:chExt cx="0" cy="0"/>
+        </a:xfrm>
+      </p:grpSpPr>
+      <p:sp>
+        <p:nvSpPr>
+          <p:cNvPr id="2" name="Slide Image Placeholder 1"/>
+          <p:cNvSpPr>
+            <a:spLocks noGrp="1" noRot="1" noChangeAspect="1"/>
+          </p:cNvSpPr>
+          <p:nvPr>
+            <p:ph type="sldImg"/>
+          </p:nvPr>
+        </p:nvSpPr>
+        <p:spPr/>
+      </p:sp>
+      <p:sp>
+        <p:nvSpPr>
+          <p:cNvPr id="3" name="Notes Placeholder 2"/>
+          <p:cNvSpPr>
+            <a:spLocks noGrp="1"/>
+          </p:cNvSpPr>
+          <p:nvPr>
+            <p:ph type="body" idx="1"/>
+          </p:nvPr>
+        </p:nvSpPr>
+        <p:spPr/>
+        <p:txBody>
+          <a:bodyPr/>
+          <a:lstStyle/>
+          <a:p>
+            <a:endParaRPr lang="en-US" dirty="0"/>
+          </a:p>
+        </p:txBody>
+      </p:sp>
+      <p:sp>
+        <p:nvSpPr>
+          <p:cNvPr id="4" name="Slide Number Placeholder 3"/>
+          <p:cNvSpPr>
+            <a:spLocks noGrp="1"/>
+          </p:cNvSpPr>
+          <p:nvPr>
+            <p:ph type="sldNum" sz="quarter" idx="5"/>
+          </p:nvPr>
+        </p:nvSpPr>
+        <p:spPr/>
+        <p:txBody>
+          <a:bodyPr/>
+          <a:lstStyle/>
+          <a:p>
+            <a:fld id="{E65D64CF-40D3-8A4B-A22E-736EA1880BEB}" type="slidenum">
+              <a:rPr lang="en-US" smtClean="0"/>
+              <a:t>22</a:t>
+            </a:fld>
+            <a:endParaRPr lang="en-US"/>
+          </a:p>
+        </p:txBody>
+      </p:sp>
+    </p:spTree>
+    <p:extLst>
+      <p:ext uri="{BB962C8B-B14F-4D97-AF65-F5344CB8AC3E}">
+        <p14:creationId xmlns:p14="http://schemas.microsoft.com/office/powerpoint/2010/main" val="3766822014"/>
+      </p:ext>
+    </p:extLst>
+  </p:cSld>
+  <p:clrMapOvr>
+    <a:masterClrMapping/>
+  </p:clrMapOvr>
+</p:notes>
+</file>
+
+<file path=ppt/notesSlides/notesSlide14.xml><?xml version="1.0" encoding="utf-8"?>
+<p:notes xmlns:a="http://schemas.openxmlformats.org/drawingml/2006/main" xmlns:r="http://schemas.openxmlformats.org/officeDocument/2006/relationships" xmlns:p="http://schemas.openxmlformats.org/presentationml/2006/main">
+  <p:cSld>
+    <p:spTree>
+      <p:nvGrpSpPr>
+        <p:cNvPr id="1" name=""/>
+        <p:cNvGrpSpPr/>
+        <p:nvPr/>
+      </p:nvGrpSpPr>
+      <p:grpSpPr>
+        <a:xfrm>
+          <a:off x="0" y="0"/>
+          <a:ext cx="0" cy="0"/>
+          <a:chOff x="0" y="0"/>
+          <a:chExt cx="0" cy="0"/>
+        </a:xfrm>
+      </p:grpSpPr>
+      <p:sp>
+        <p:nvSpPr>
+          <p:cNvPr id="2" name="Slide Image Placeholder 1"/>
+          <p:cNvSpPr>
+            <a:spLocks noGrp="1" noRot="1" noChangeAspect="1"/>
+          </p:cNvSpPr>
+          <p:nvPr>
+            <p:ph type="sldImg"/>
+          </p:nvPr>
+        </p:nvSpPr>
+        <p:spPr/>
+      </p:sp>
+      <p:sp>
+        <p:nvSpPr>
+          <p:cNvPr id="3" name="Notes Placeholder 2"/>
+          <p:cNvSpPr>
+            <a:spLocks noGrp="1"/>
+          </p:cNvSpPr>
+          <p:nvPr>
+            <p:ph type="body" idx="1"/>
+          </p:nvPr>
+        </p:nvSpPr>
+        <p:spPr/>
+        <p:txBody>
+          <a:bodyPr/>
+          <a:lstStyle/>
+          <a:p>
+            <a:endParaRPr lang="en-US" dirty="0"/>
+          </a:p>
+        </p:txBody>
+      </p:sp>
+      <p:sp>
+        <p:nvSpPr>
+          <p:cNvPr id="4" name="Slide Number Placeholder 3"/>
+          <p:cNvSpPr>
+            <a:spLocks noGrp="1"/>
+          </p:cNvSpPr>
+          <p:nvPr>
+            <p:ph type="sldNum" sz="quarter" idx="5"/>
+          </p:nvPr>
+        </p:nvSpPr>
+        <p:spPr/>
+        <p:txBody>
+          <a:bodyPr/>
+          <a:lstStyle/>
+          <a:p>
+            <a:fld id="{E65D64CF-40D3-8A4B-A22E-736EA1880BEB}" type="slidenum">
+              <a:rPr lang="en-US" smtClean="0"/>
+              <a:t>26</a:t>
             </a:fld>
             <a:endParaRPr lang="en-US"/>
           </a:p>
@@ -6079,13 +6338,13 @@
   <p:clrMapOvr>
     <a:masterClrMapping/>
   </p:clrMapOvr>
-  <mc:AlternateContent xmlns:mc="http://schemas.openxmlformats.org/markup-compatibility/2006">
-    <mc:Choice xmlns:p14="http://schemas.microsoft.com/office/powerpoint/2010/main" Requires="p14">
+  <mc:AlternateContent xmlns:mc="http://schemas.openxmlformats.org/markup-compatibility/2006" xmlns:p14="http://schemas.microsoft.com/office/powerpoint/2010/main">
+    <mc:Choice Requires="p14">
       <p:transition spd="med" p14:dur="700" advTm="2712">
         <p:fade/>
       </p:transition>
     </mc:Choice>
-    <mc:Fallback>
+    <mc:Fallback xmlns="">
       <p:transition spd="med" advTm="2712">
         <p:fade/>
       </p:transition>
@@ -6549,13 +6808,13 @@
   <p:clrMapOvr>
     <a:masterClrMapping/>
   </p:clrMapOvr>
-  <mc:AlternateContent xmlns:mc="http://schemas.openxmlformats.org/markup-compatibility/2006">
-    <mc:Choice xmlns:p14="http://schemas.microsoft.com/office/powerpoint/2010/main" Requires="p14">
+  <mc:AlternateContent xmlns:mc="http://schemas.openxmlformats.org/markup-compatibility/2006" xmlns:p14="http://schemas.microsoft.com/office/powerpoint/2010/main">
+    <mc:Choice Requires="p14">
       <p:transition spd="med" p14:dur="700">
         <p:fade/>
       </p:transition>
     </mc:Choice>
-    <mc:Fallback>
+    <mc:Fallback xmlns="">
       <p:transition spd="med">
         <p:fade/>
       </p:transition>
@@ -6967,13 +7226,13 @@
   <p:clrMapOvr>
     <a:masterClrMapping/>
   </p:clrMapOvr>
-  <mc:AlternateContent xmlns:mc="http://schemas.openxmlformats.org/markup-compatibility/2006">
-    <mc:Choice xmlns:p14="http://schemas.microsoft.com/office/powerpoint/2010/main" Requires="p14">
+  <mc:AlternateContent xmlns:mc="http://schemas.openxmlformats.org/markup-compatibility/2006" xmlns:p14="http://schemas.microsoft.com/office/powerpoint/2010/main">
+    <mc:Choice Requires="p14">
       <p:transition spd="med" p14:dur="700">
         <p:fade/>
       </p:transition>
     </mc:Choice>
-    <mc:Fallback>
+    <mc:Fallback xmlns="">
       <p:transition spd="med">
         <p:fade/>
       </p:transition>
@@ -7384,13 +7643,13 @@
   <p:clrMapOvr>
     <a:masterClrMapping/>
   </p:clrMapOvr>
-  <mc:AlternateContent xmlns:mc="http://schemas.openxmlformats.org/markup-compatibility/2006">
-    <mc:Choice xmlns:p14="http://schemas.microsoft.com/office/powerpoint/2010/main" Requires="p14">
+  <mc:AlternateContent xmlns:mc="http://schemas.openxmlformats.org/markup-compatibility/2006" xmlns:p14="http://schemas.microsoft.com/office/powerpoint/2010/main">
+    <mc:Choice Requires="p14">
       <p:transition spd="med" p14:dur="700">
         <p:fade/>
       </p:transition>
     </mc:Choice>
-    <mc:Fallback>
+    <mc:Fallback xmlns="">
       <p:transition spd="med">
         <p:fade/>
       </p:transition>
@@ -7853,13 +8112,13 @@
   <p:clrMapOvr>
     <a:masterClrMapping/>
   </p:clrMapOvr>
-  <mc:AlternateContent xmlns:mc="http://schemas.openxmlformats.org/markup-compatibility/2006">
-    <mc:Choice xmlns:p14="http://schemas.microsoft.com/office/powerpoint/2010/main" Requires="p14">
+  <mc:AlternateContent xmlns:mc="http://schemas.openxmlformats.org/markup-compatibility/2006" xmlns:p14="http://schemas.microsoft.com/office/powerpoint/2010/main">
+    <mc:Choice Requires="p14">
       <p:transition spd="med" p14:dur="700">
         <p:fade/>
       </p:transition>
     </mc:Choice>
-    <mc:Fallback>
+    <mc:Fallback xmlns="">
       <p:transition spd="med">
         <p:fade/>
       </p:transition>
@@ -8190,13 +8449,13 @@
   <p:clrMapOvr>
     <a:masterClrMapping/>
   </p:clrMapOvr>
-  <mc:AlternateContent xmlns:mc="http://schemas.openxmlformats.org/markup-compatibility/2006">
-    <mc:Choice xmlns:p14="http://schemas.microsoft.com/office/powerpoint/2010/main" Requires="p14">
+  <mc:AlternateContent xmlns:mc="http://schemas.openxmlformats.org/markup-compatibility/2006" xmlns:p14="http://schemas.microsoft.com/office/powerpoint/2010/main">
+    <mc:Choice Requires="p14">
       <p:transition spd="med" p14:dur="700">
         <p:fade/>
       </p:transition>
     </mc:Choice>
-    <mc:Fallback>
+    <mc:Fallback xmlns="">
       <p:transition spd="med">
         <p:fade/>
       </p:transition>
@@ -8414,13 +8673,13 @@
   <p:clrMapOvr>
     <a:masterClrMapping/>
   </p:clrMapOvr>
-  <mc:AlternateContent xmlns:mc="http://schemas.openxmlformats.org/markup-compatibility/2006">
-    <mc:Choice xmlns:p14="http://schemas.microsoft.com/office/powerpoint/2010/main" Requires="p14">
+  <mc:AlternateContent xmlns:mc="http://schemas.openxmlformats.org/markup-compatibility/2006" xmlns:p14="http://schemas.microsoft.com/office/powerpoint/2010/main">
+    <mc:Choice Requires="p14">
       <p:transition spd="med" p14:dur="700">
         <p:fade/>
       </p:transition>
     </mc:Choice>
-    <mc:Fallback>
+    <mc:Fallback xmlns="">
       <p:transition spd="med">
         <p:fade/>
       </p:transition>
@@ -9091,13 +9350,13 @@
   <p:clrMapOvr>
     <a:masterClrMapping/>
   </p:clrMapOvr>
-  <mc:AlternateContent xmlns:mc="http://schemas.openxmlformats.org/markup-compatibility/2006">
-    <mc:Choice xmlns:p14="http://schemas.microsoft.com/office/powerpoint/2010/main" Requires="p14">
+  <mc:AlternateContent xmlns:mc="http://schemas.openxmlformats.org/markup-compatibility/2006" xmlns:p14="http://schemas.microsoft.com/office/powerpoint/2010/main">
+    <mc:Choice Requires="p14">
       <p:transition spd="med" p14:dur="700">
         <p:fade/>
       </p:transition>
     </mc:Choice>
-    <mc:Fallback>
+    <mc:Fallback xmlns="">
       <p:transition spd="med">
         <p:fade/>
       </p:transition>
@@ -9356,18 +9615,101 @@
   <p:clrMapOvr>
     <a:masterClrMapping/>
   </p:clrMapOvr>
-  <mc:AlternateContent xmlns:mc="http://schemas.openxmlformats.org/markup-compatibility/2006">
-    <mc:Choice xmlns:p14="http://schemas.microsoft.com/office/powerpoint/2010/main" Requires="p14">
+  <mc:AlternateContent xmlns:mc="http://schemas.openxmlformats.org/markup-compatibility/2006" xmlns:p14="http://schemas.microsoft.com/office/powerpoint/2010/main">
+    <mc:Choice Requires="p14">
       <p:transition spd="med" p14:dur="700">
         <p:fade/>
       </p:transition>
     </mc:Choice>
-    <mc:Fallback>
+    <mc:Fallback xmlns="">
       <p:transition spd="med">
         <p:fade/>
       </p:transition>
     </mc:Fallback>
   </mc:AlternateContent>
+  <p:timing>
+    <p:tnLst>
+      <p:par>
+        <p:cTn id="1" dur="indefinite" restart="never" nodeType="tmRoot">
+          <p:childTnLst>
+            <p:seq concurrent="1" nextAc="seek">
+              <p:cTn id="2" dur="indefinite" nodeType="mainSeq">
+                <p:childTnLst>
+                  <p:par>
+                    <p:cTn id="3" fill="hold">
+                      <p:stCondLst>
+                        <p:cond delay="indefinite"/>
+                      </p:stCondLst>
+                      <p:childTnLst>
+                        <p:par>
+                          <p:cTn id="4" fill="hold">
+                            <p:stCondLst>
+                              <p:cond delay="0"/>
+                            </p:stCondLst>
+                            <p:childTnLst>
+                              <p:par>
+                                <p:cTn id="5" presetID="9" presetClass="entr" presetSubtype="0" fill="hold" nodeType="clickEffect">
+                                  <p:stCondLst>
+                                    <p:cond delay="0"/>
+                                  </p:stCondLst>
+                                  <p:childTnLst>
+                                    <p:set>
+                                      <p:cBhvr>
+                                        <p:cTn id="6" dur="1" fill="hold">
+                                          <p:stCondLst>
+                                            <p:cond delay="0"/>
+                                          </p:stCondLst>
+                                        </p:cTn>
+                                        <p:tgtEl>
+                                          <p:spTgt spid="10"/>
+                                        </p:tgtEl>
+                                        <p:attrNameLst>
+                                          <p:attrName>style.visibility</p:attrName>
+                                        </p:attrNameLst>
+                                      </p:cBhvr>
+                                      <p:to>
+                                        <p:strVal val="visible"/>
+                                      </p:to>
+                                    </p:set>
+                                    <p:animEffect transition="in" filter="dissolve">
+                                      <p:cBhvr>
+                                        <p:cTn id="7" dur="500"/>
+                                        <p:tgtEl>
+                                          <p:spTgt spid="10"/>
+                                        </p:tgtEl>
+                                      </p:cBhvr>
+                                    </p:animEffect>
+                                  </p:childTnLst>
+                                </p:cTn>
+                              </p:par>
+                            </p:childTnLst>
+                          </p:cTn>
+                        </p:par>
+                      </p:childTnLst>
+                    </p:cTn>
+                  </p:par>
+                </p:childTnLst>
+              </p:cTn>
+              <p:prevCondLst>
+                <p:cond evt="onPrev" delay="0">
+                  <p:tgtEl>
+                    <p:sldTgt/>
+                  </p:tgtEl>
+                </p:cond>
+              </p:prevCondLst>
+              <p:nextCondLst>
+                <p:cond evt="onNext" delay="0">
+                  <p:tgtEl>
+                    <p:sldTgt/>
+                  </p:tgtEl>
+                </p:cond>
+              </p:nextCondLst>
+            </p:seq>
+          </p:childTnLst>
+        </p:cTn>
+      </p:par>
+    </p:tnLst>
+  </p:timing>
 </p:sld>
 </file>
 
@@ -9629,18 +9971,101 @@
   <p:clrMapOvr>
     <a:masterClrMapping/>
   </p:clrMapOvr>
-  <mc:AlternateContent xmlns:mc="http://schemas.openxmlformats.org/markup-compatibility/2006">
-    <mc:Choice xmlns:p14="http://schemas.microsoft.com/office/powerpoint/2010/main" Requires="p14">
+  <mc:AlternateContent xmlns:mc="http://schemas.openxmlformats.org/markup-compatibility/2006" xmlns:p14="http://schemas.microsoft.com/office/powerpoint/2010/main">
+    <mc:Choice Requires="p14">
       <p:transition spd="med" p14:dur="700">
         <p:fade/>
       </p:transition>
     </mc:Choice>
-    <mc:Fallback>
+    <mc:Fallback xmlns="">
       <p:transition spd="med">
         <p:fade/>
       </p:transition>
     </mc:Fallback>
   </mc:AlternateContent>
+  <p:timing>
+    <p:tnLst>
+      <p:par>
+        <p:cTn id="1" dur="indefinite" restart="never" nodeType="tmRoot">
+          <p:childTnLst>
+            <p:seq concurrent="1" nextAc="seek">
+              <p:cTn id="2" dur="indefinite" nodeType="mainSeq">
+                <p:childTnLst>
+                  <p:par>
+                    <p:cTn id="3" fill="hold">
+                      <p:stCondLst>
+                        <p:cond delay="indefinite"/>
+                      </p:stCondLst>
+                      <p:childTnLst>
+                        <p:par>
+                          <p:cTn id="4" fill="hold">
+                            <p:stCondLst>
+                              <p:cond delay="0"/>
+                            </p:stCondLst>
+                            <p:childTnLst>
+                              <p:par>
+                                <p:cTn id="5" presetID="9" presetClass="entr" presetSubtype="0" fill="hold" nodeType="clickEffect">
+                                  <p:stCondLst>
+                                    <p:cond delay="0"/>
+                                  </p:stCondLst>
+                                  <p:childTnLst>
+                                    <p:set>
+                                      <p:cBhvr>
+                                        <p:cTn id="6" dur="1" fill="hold">
+                                          <p:stCondLst>
+                                            <p:cond delay="0"/>
+                                          </p:stCondLst>
+                                        </p:cTn>
+                                        <p:tgtEl>
+                                          <p:spTgt spid="12"/>
+                                        </p:tgtEl>
+                                        <p:attrNameLst>
+                                          <p:attrName>style.visibility</p:attrName>
+                                        </p:attrNameLst>
+                                      </p:cBhvr>
+                                      <p:to>
+                                        <p:strVal val="visible"/>
+                                      </p:to>
+                                    </p:set>
+                                    <p:animEffect transition="in" filter="dissolve">
+                                      <p:cBhvr>
+                                        <p:cTn id="7" dur="500"/>
+                                        <p:tgtEl>
+                                          <p:spTgt spid="12"/>
+                                        </p:tgtEl>
+                                      </p:cBhvr>
+                                    </p:animEffect>
+                                  </p:childTnLst>
+                                </p:cTn>
+                              </p:par>
+                            </p:childTnLst>
+                          </p:cTn>
+                        </p:par>
+                      </p:childTnLst>
+                    </p:cTn>
+                  </p:par>
+                </p:childTnLst>
+              </p:cTn>
+              <p:prevCondLst>
+                <p:cond evt="onPrev" delay="0">
+                  <p:tgtEl>
+                    <p:sldTgt/>
+                  </p:tgtEl>
+                </p:cond>
+              </p:prevCondLst>
+              <p:nextCondLst>
+                <p:cond evt="onNext" delay="0">
+                  <p:tgtEl>
+                    <p:sldTgt/>
+                  </p:tgtEl>
+                </p:cond>
+              </p:nextCondLst>
+            </p:seq>
+          </p:childTnLst>
+        </p:cTn>
+      </p:par>
+    </p:tnLst>
+  </p:timing>
 </p:sld>
 </file>
 
@@ -9894,18 +10319,101 @@
   <p:clrMapOvr>
     <a:masterClrMapping/>
   </p:clrMapOvr>
-  <mc:AlternateContent xmlns:mc="http://schemas.openxmlformats.org/markup-compatibility/2006">
-    <mc:Choice xmlns:p14="http://schemas.microsoft.com/office/powerpoint/2010/main" Requires="p14">
+  <mc:AlternateContent xmlns:mc="http://schemas.openxmlformats.org/markup-compatibility/2006" xmlns:p14="http://schemas.microsoft.com/office/powerpoint/2010/main">
+    <mc:Choice Requires="p14">
       <p:transition spd="med" p14:dur="700">
         <p:fade/>
       </p:transition>
     </mc:Choice>
-    <mc:Fallback>
+    <mc:Fallback xmlns="">
       <p:transition spd="med">
         <p:fade/>
       </p:transition>
     </mc:Fallback>
   </mc:AlternateContent>
+  <p:timing>
+    <p:tnLst>
+      <p:par>
+        <p:cTn id="1" dur="indefinite" restart="never" nodeType="tmRoot">
+          <p:childTnLst>
+            <p:seq concurrent="1" nextAc="seek">
+              <p:cTn id="2" dur="indefinite" nodeType="mainSeq">
+                <p:childTnLst>
+                  <p:par>
+                    <p:cTn id="3" fill="hold">
+                      <p:stCondLst>
+                        <p:cond delay="indefinite"/>
+                      </p:stCondLst>
+                      <p:childTnLst>
+                        <p:par>
+                          <p:cTn id="4" fill="hold">
+                            <p:stCondLst>
+                              <p:cond delay="0"/>
+                            </p:stCondLst>
+                            <p:childTnLst>
+                              <p:par>
+                                <p:cTn id="5" presetID="9" presetClass="entr" presetSubtype="0" fill="hold" nodeType="clickEffect">
+                                  <p:stCondLst>
+                                    <p:cond delay="0"/>
+                                  </p:stCondLst>
+                                  <p:childTnLst>
+                                    <p:set>
+                                      <p:cBhvr>
+                                        <p:cTn id="6" dur="1" fill="hold">
+                                          <p:stCondLst>
+                                            <p:cond delay="0"/>
+                                          </p:stCondLst>
+                                        </p:cTn>
+                                        <p:tgtEl>
+                                          <p:spTgt spid="8"/>
+                                        </p:tgtEl>
+                                        <p:attrNameLst>
+                                          <p:attrName>style.visibility</p:attrName>
+                                        </p:attrNameLst>
+                                      </p:cBhvr>
+                                      <p:to>
+                                        <p:strVal val="visible"/>
+                                      </p:to>
+                                    </p:set>
+                                    <p:animEffect transition="in" filter="dissolve">
+                                      <p:cBhvr>
+                                        <p:cTn id="7" dur="500"/>
+                                        <p:tgtEl>
+                                          <p:spTgt spid="8"/>
+                                        </p:tgtEl>
+                                      </p:cBhvr>
+                                    </p:animEffect>
+                                  </p:childTnLst>
+                                </p:cTn>
+                              </p:par>
+                            </p:childTnLst>
+                          </p:cTn>
+                        </p:par>
+                      </p:childTnLst>
+                    </p:cTn>
+                  </p:par>
+                </p:childTnLst>
+              </p:cTn>
+              <p:prevCondLst>
+                <p:cond evt="onPrev" delay="0">
+                  <p:tgtEl>
+                    <p:sldTgt/>
+                  </p:tgtEl>
+                </p:cond>
+              </p:prevCondLst>
+              <p:nextCondLst>
+                <p:cond evt="onNext" delay="0">
+                  <p:tgtEl>
+                    <p:sldTgt/>
+                  </p:tgtEl>
+                </p:cond>
+              </p:nextCondLst>
+            </p:seq>
+          </p:childTnLst>
+        </p:cTn>
+      </p:par>
+    </p:tnLst>
+  </p:timing>
 </p:sld>
 </file>
 
@@ -10756,13 +11264,13 @@
   <p:clrMapOvr>
     <a:masterClrMapping/>
   </p:clrMapOvr>
-  <mc:AlternateContent xmlns:mc="http://schemas.openxmlformats.org/markup-compatibility/2006">
-    <mc:Choice xmlns:p14="http://schemas.microsoft.com/office/powerpoint/2010/main" Requires="p14">
+  <mc:AlternateContent xmlns:mc="http://schemas.openxmlformats.org/markup-compatibility/2006" xmlns:p14="http://schemas.microsoft.com/office/powerpoint/2010/main">
+    <mc:Choice Requires="p14">
       <p:transition spd="med" p14:dur="700">
         <p:fade/>
       </p:transition>
     </mc:Choice>
-    <mc:Fallback>
+    <mc:Fallback xmlns="">
       <p:transition spd="med">
         <p:fade/>
       </p:transition>
@@ -11984,61 +12492,6 @@
       </p:grpSpPr>
       <p:sp>
         <p:nvSpPr>
-          <p:cNvPr id="2" name="Content Placeholder 1"/>
-          <p:cNvSpPr>
-            <a:spLocks noGrp="1"/>
-          </p:cNvSpPr>
-          <p:nvPr>
-            <p:ph idx="1"/>
-          </p:nvPr>
-        </p:nvSpPr>
-        <p:spPr/>
-        <p:txBody>
-          <a:bodyPr/>
-          <a:lstStyle/>
-          <a:p>
-            <a:r>
-              <a:rPr lang="en-US" altLang="ko-KR" b="1" dirty="0"/>
-              <a:t>note</a:t>
-            </a:r>
-            <a:endParaRPr lang="en-US" b="1" dirty="0">
-              <a:latin typeface="Arial" pitchFamily="34" charset="0"/>
-              <a:cs typeface="Arial" pitchFamily="34" charset="0"/>
-            </a:endParaRPr>
-          </a:p>
-        </p:txBody>
-      </p:sp>
-      <p:sp>
-        <p:nvSpPr>
-          <p:cNvPr id="5" name="Content Placeholder 4"/>
-          <p:cNvSpPr>
-            <a:spLocks noGrp="1"/>
-          </p:cNvSpPr>
-          <p:nvPr>
-            <p:ph idx="10"/>
-          </p:nvPr>
-        </p:nvSpPr>
-        <p:spPr/>
-        <p:txBody>
-          <a:bodyPr/>
-          <a:lstStyle/>
-          <a:p>
-            <a:r>
-              <a:rPr lang="en-US" altLang="ko-KR" dirty="0">
-                <a:latin typeface="Arial" pitchFamily="34" charset="0"/>
-                <a:cs typeface="Arial" pitchFamily="34" charset="0"/>
-              </a:rPr>
-              <a:t>note</a:t>
-            </a:r>
-            <a:endParaRPr lang="ko-KR" altLang="en-US" dirty="0">
-              <a:latin typeface="Arial" pitchFamily="34" charset="0"/>
-              <a:cs typeface="Arial" pitchFamily="34" charset="0"/>
-            </a:endParaRPr>
-          </a:p>
-        </p:txBody>
-      </p:sp>
-      <p:sp>
-        <p:nvSpPr>
           <p:cNvPr id="3" name="Title 2"/>
           <p:cNvSpPr>
             <a:spLocks noGrp="1"/>
@@ -12190,23 +12643,128 @@
           </a:p>
         </p:txBody>
       </p:sp>
+      <p:pic>
+        <p:nvPicPr>
+          <p:cNvPr id="9" name="Hình ảnh 3">
+            <a:extLst>
+              <a:ext uri="{FF2B5EF4-FFF2-40B4-BE49-F238E27FC236}">
+                <a16:creationId xmlns:a16="http://schemas.microsoft.com/office/drawing/2014/main" id="{986CC140-23D6-B842-A090-04C8E145F0C4}"/>
+              </a:ext>
+            </a:extLst>
+          </p:cNvPr>
+          <p:cNvPicPr>
+            <a:picLocks noChangeAspect="1"/>
+          </p:cNvPicPr>
+          <p:nvPr/>
+        </p:nvPicPr>
+        <p:blipFill>
+          <a:blip r:embed="rId3"/>
+          <a:stretch>
+            <a:fillRect/>
+          </a:stretch>
+        </p:blipFill>
+        <p:spPr>
+          <a:xfrm>
+            <a:off x="733425" y="2464907"/>
+            <a:ext cx="5315599" cy="3692628"/>
+          </a:xfrm>
+          <a:prstGeom prst="rect">
+            <a:avLst/>
+          </a:prstGeom>
+        </p:spPr>
+      </p:pic>
+      <p:pic>
+        <p:nvPicPr>
+          <p:cNvPr id="11" name="Hình ảnh 2">
+            <a:extLst>
+              <a:ext uri="{FF2B5EF4-FFF2-40B4-BE49-F238E27FC236}">
+                <a16:creationId xmlns:a16="http://schemas.microsoft.com/office/drawing/2014/main" id="{32EA9932-35A8-5040-95D1-6C5F1D1B67AB}"/>
+              </a:ext>
+            </a:extLst>
+          </p:cNvPr>
+          <p:cNvPicPr>
+            <a:picLocks noChangeAspect="1"/>
+          </p:cNvPicPr>
+          <p:nvPr/>
+        </p:nvPicPr>
+        <p:blipFill>
+          <a:blip r:embed="rId4"/>
+          <a:stretch>
+            <a:fillRect/>
+          </a:stretch>
+        </p:blipFill>
+        <p:spPr>
+          <a:xfrm>
+            <a:off x="6338213" y="2464907"/>
+            <a:ext cx="4989202" cy="3692628"/>
+          </a:xfrm>
+          <a:prstGeom prst="rect">
+            <a:avLst/>
+          </a:prstGeom>
+          <a:ln>
+            <a:noFill/>
+          </a:ln>
+        </p:spPr>
+      </p:pic>
+      <p:sp>
+        <p:nvSpPr>
+          <p:cNvPr id="12" name="Content Placeholder 1">
+            <a:extLst>
+              <a:ext uri="{FF2B5EF4-FFF2-40B4-BE49-F238E27FC236}">
+                <a16:creationId xmlns:a16="http://schemas.microsoft.com/office/drawing/2014/main" id="{4DF4F9EC-4DDE-F949-86C1-60995E3819A1}"/>
+              </a:ext>
+            </a:extLst>
+          </p:cNvPr>
+          <p:cNvSpPr>
+            <a:spLocks noGrp="1"/>
+          </p:cNvSpPr>
+          <p:nvPr>
+            <p:ph idx="1"/>
+          </p:nvPr>
+        </p:nvSpPr>
+        <p:spPr>
+          <a:xfrm>
+            <a:off x="527381" y="1508787"/>
+            <a:ext cx="11329259" cy="614197"/>
+          </a:xfrm>
+        </p:spPr>
+        <p:txBody>
+          <a:bodyPr/>
+          <a:lstStyle/>
+          <a:p>
+            <a:r>
+              <a:rPr lang="en-US" altLang="ko-KR" b="1" dirty="0">
+                <a:solidFill>
+                  <a:schemeClr val="tx1"/>
+                </a:solidFill>
+              </a:rPr>
+              <a:t>Summary priority</a:t>
+            </a:r>
+            <a:endParaRPr lang="ko-KR" altLang="en-US" b="1" dirty="0">
+              <a:solidFill>
+                <a:schemeClr val="tx1"/>
+              </a:solidFill>
+            </a:endParaRPr>
+          </a:p>
+        </p:txBody>
+      </p:sp>
     </p:spTree>
     <p:extLst>
       <p:ext uri="{BB962C8B-B14F-4D97-AF65-F5344CB8AC3E}">
-        <p14:creationId xmlns:p14="http://schemas.microsoft.com/office/powerpoint/2010/main" val="3075161079"/>
+        <p14:creationId xmlns:p14="http://schemas.microsoft.com/office/powerpoint/2010/main" val="2465605438"/>
       </p:ext>
     </p:extLst>
   </p:cSld>
   <p:clrMapOvr>
     <a:masterClrMapping/>
   </p:clrMapOvr>
-  <mc:AlternateContent xmlns:mc="http://schemas.openxmlformats.org/markup-compatibility/2006">
-    <mc:Choice xmlns:p14="http://schemas.microsoft.com/office/powerpoint/2010/main" Requires="p14">
+  <mc:AlternateContent xmlns:mc="http://schemas.openxmlformats.org/markup-compatibility/2006" xmlns:p14="http://schemas.microsoft.com/office/powerpoint/2010/main">
+    <mc:Choice Requires="p14">
       <p:transition spd="med" p14:dur="700">
         <p:fade/>
       </p:transition>
     </mc:Choice>
-    <mc:Fallback>
+    <mc:Fallback xmlns="">
       <p:transition spd="med">
         <p:fade/>
       </p:transition>
@@ -12242,19 +12800,14 @@
             <p:ph type="title"/>
           </p:nvPr>
         </p:nvSpPr>
-        <p:spPr>
-          <a:xfrm>
-            <a:off x="0" y="275089"/>
-            <a:ext cx="12192000" cy="1179288"/>
-          </a:xfrm>
-        </p:spPr>
+        <p:spPr/>
         <p:txBody>
           <a:bodyPr/>
           <a:lstStyle/>
           <a:p>
             <a:r>
               <a:rPr lang="en-US" altLang="ko-KR" b="1" dirty="0"/>
-              <a:t>6. Problem project</a:t>
+              <a:t>5. Summary test report.</a:t>
             </a:r>
             <a:endParaRPr lang="ko-KR" altLang="en-US" b="1" dirty="0"/>
           </a:p>
@@ -12385,6 +12938,1517 @@
               <a:rPr lang="en-US" smtClean="0"/>
               <a:pPr/>
               <a:t>21</a:t>
+            </a:fld>
+            <a:endParaRPr lang="en-US" dirty="0"/>
+          </a:p>
+        </p:txBody>
+      </p:sp>
+      <p:sp>
+        <p:nvSpPr>
+          <p:cNvPr id="12" name="Content Placeholder 1">
+            <a:extLst>
+              <a:ext uri="{FF2B5EF4-FFF2-40B4-BE49-F238E27FC236}">
+                <a16:creationId xmlns:a16="http://schemas.microsoft.com/office/drawing/2014/main" id="{4DF4F9EC-4DDE-F949-86C1-60995E3819A1}"/>
+              </a:ext>
+            </a:extLst>
+          </p:cNvPr>
+          <p:cNvSpPr>
+            <a:spLocks noGrp="1"/>
+          </p:cNvSpPr>
+          <p:nvPr>
+            <p:ph idx="1"/>
+          </p:nvPr>
+        </p:nvSpPr>
+        <p:spPr>
+          <a:xfrm>
+            <a:off x="527381" y="1508787"/>
+            <a:ext cx="11329259" cy="614197"/>
+          </a:xfrm>
+        </p:spPr>
+        <p:txBody>
+          <a:bodyPr/>
+          <a:lstStyle/>
+          <a:p>
+            <a:r>
+              <a:rPr lang="en-US" altLang="ko-KR" b="1" dirty="0">
+                <a:solidFill>
+                  <a:schemeClr val="tx1"/>
+                </a:solidFill>
+              </a:rPr>
+              <a:t>Summary priority</a:t>
+            </a:r>
+            <a:endParaRPr lang="ko-KR" altLang="en-US" b="1" dirty="0">
+              <a:solidFill>
+                <a:schemeClr val="tx1"/>
+              </a:solidFill>
+            </a:endParaRPr>
+          </a:p>
+        </p:txBody>
+      </p:sp>
+      <p:pic>
+        <p:nvPicPr>
+          <p:cNvPr id="8" name="Hình ảnh 2">
+            <a:extLst>
+              <a:ext uri="{FF2B5EF4-FFF2-40B4-BE49-F238E27FC236}">
+                <a16:creationId xmlns:a16="http://schemas.microsoft.com/office/drawing/2014/main" id="{2D8E75DA-A7A3-E94B-A3E4-3EAFAC3BEB66}"/>
+              </a:ext>
+            </a:extLst>
+          </p:cNvPr>
+          <p:cNvPicPr>
+            <a:picLocks noChangeAspect="1"/>
+          </p:cNvPicPr>
+          <p:nvPr/>
+        </p:nvPicPr>
+        <p:blipFill>
+          <a:blip r:embed="rId3"/>
+          <a:stretch>
+            <a:fillRect/>
+          </a:stretch>
+        </p:blipFill>
+        <p:spPr>
+          <a:xfrm>
+            <a:off x="733425" y="2464907"/>
+            <a:ext cx="5315762" cy="3692628"/>
+          </a:xfrm>
+          <a:prstGeom prst="rect">
+            <a:avLst/>
+          </a:prstGeom>
+        </p:spPr>
+      </p:pic>
+      <p:graphicFrame>
+        <p:nvGraphicFramePr>
+          <p:cNvPr id="14" name="Bảng 1">
+            <a:extLst>
+              <a:ext uri="{FF2B5EF4-FFF2-40B4-BE49-F238E27FC236}">
+                <a16:creationId xmlns:a16="http://schemas.microsoft.com/office/drawing/2014/main" id="{51A23D0F-4A1A-6A45-9855-5E0D5BF53A9F}"/>
+              </a:ext>
+            </a:extLst>
+          </p:cNvPr>
+          <p:cNvGraphicFramePr>
+            <a:graphicFrameLocks noGrp="1"/>
+          </p:cNvGraphicFramePr>
+          <p:nvPr>
+            <p:extLst>
+              <p:ext uri="{D42A27DB-BD31-4B8C-83A1-F6EECF244321}">
+                <p14:modId xmlns:p14="http://schemas.microsoft.com/office/powerpoint/2010/main" val="2921068861"/>
+              </p:ext>
+            </p:extLst>
+          </p:nvPr>
+        </p:nvGraphicFramePr>
+        <p:xfrm>
+          <a:off x="6354823" y="2464906"/>
+          <a:ext cx="5103751" cy="3692627"/>
+        </p:xfrm>
+        <a:graphic>
+          <a:graphicData uri="http://schemas.openxmlformats.org/drawingml/2006/table">
+            <a:tbl>
+              <a:tblPr firstRow="1" bandRow="1">
+                <a:tableStyleId>{8799B23B-EC83-4686-B30A-512413B5E67A}</a:tableStyleId>
+              </a:tblPr>
+              <a:tblGrid>
+                <a:gridCol w="3529957">
+                  <a:extLst>
+                    <a:ext uri="{9D8B030D-6E8A-4147-A177-3AD203B41FA5}">
+                      <a16:colId xmlns:a16="http://schemas.microsoft.com/office/drawing/2014/main" val="926586375"/>
+                    </a:ext>
+                  </a:extLst>
+                </a:gridCol>
+                <a:gridCol w="1573794">
+                  <a:extLst>
+                    <a:ext uri="{9D8B030D-6E8A-4147-A177-3AD203B41FA5}">
+                      <a16:colId xmlns:a16="http://schemas.microsoft.com/office/drawing/2014/main" val="1596181465"/>
+                    </a:ext>
+                  </a:extLst>
+                </a:gridCol>
+              </a:tblGrid>
+              <a:tr h="942867">
+                <a:tc gridSpan="2">
+                  <a:txBody>
+                    <a:bodyPr/>
+                    <a:lstStyle/>
+                    <a:p>
+                      <a:pPr algn="ctr" fontAlgn="b"/>
+                      <a:r>
+                        <a:rPr lang="en-US" sz="3900" b="1" i="0" u="none" strike="noStrike" dirty="0">
+                          <a:solidFill>
+                            <a:schemeClr val="tx1"/>
+                          </a:solidFill>
+                          <a:effectLst/>
+                          <a:latin typeface="Arial" panose="020B0604020202020204" pitchFamily="34" charset="0"/>
+                        </a:rPr>
+                        <a:t>Summary</a:t>
+                      </a:r>
+                    </a:p>
+                  </a:txBody>
+                  <a:tcPr marL="0" marR="0" marT="0" marB="0" anchor="ctr"/>
+                </a:tc>
+                <a:tc hMerge="1">
+                  <a:txBody>
+                    <a:bodyPr/>
+                    <a:lstStyle/>
+                    <a:p>
+                      <a:endParaRPr lang="en-US"/>
+                    </a:p>
+                  </a:txBody>
+                  <a:tcPr/>
+                </a:tc>
+                <a:extLst>
+                  <a:ext uri="{0D108BD9-81ED-4DB2-BD59-A6C34878D82A}">
+                    <a16:rowId xmlns:a16="http://schemas.microsoft.com/office/drawing/2014/main" val="1583347123"/>
+                  </a:ext>
+                </a:extLst>
+              </a:tr>
+              <a:tr h="797811">
+                <a:tc>
+                  <a:txBody>
+                    <a:bodyPr/>
+                    <a:lstStyle/>
+                    <a:p>
+                      <a:pPr algn="ctr" fontAlgn="b"/>
+                      <a:r>
+                        <a:rPr lang="en-US" sz="3300" u="none" strike="noStrike" dirty="0">
+                          <a:effectLst/>
+                        </a:rPr>
+                        <a:t>Pass</a:t>
+                      </a:r>
+                      <a:endParaRPr lang="en-US" sz="3300" b="0" i="0" u="none" strike="noStrike" dirty="0">
+                        <a:solidFill>
+                          <a:srgbClr val="000000"/>
+                        </a:solidFill>
+                        <a:effectLst/>
+                        <a:latin typeface="Arial" panose="020B0604020202020204" pitchFamily="34" charset="0"/>
+                      </a:endParaRPr>
+                    </a:p>
+                  </a:txBody>
+                  <a:tcPr marL="0" marR="0" marT="0" marB="0" anchor="ctr"/>
+                </a:tc>
+                <a:tc>
+                  <a:txBody>
+                    <a:bodyPr/>
+                    <a:lstStyle/>
+                    <a:p>
+                      <a:pPr algn="ctr" fontAlgn="b"/>
+                      <a:r>
+                        <a:rPr lang="en-US" sz="3300" u="none" strike="noStrike">
+                          <a:effectLst/>
+                        </a:rPr>
+                        <a:t>364</a:t>
+                      </a:r>
+                      <a:endParaRPr lang="en-US" sz="3300" b="0" i="0" u="none" strike="noStrike">
+                        <a:solidFill>
+                          <a:srgbClr val="FFFFFF"/>
+                        </a:solidFill>
+                        <a:effectLst/>
+                        <a:latin typeface="Arial" panose="020B0604020202020204" pitchFamily="34" charset="0"/>
+                      </a:endParaRPr>
+                    </a:p>
+                  </a:txBody>
+                  <a:tcPr marL="0" marR="0" marT="0" marB="0" anchor="ctr"/>
+                </a:tc>
+                <a:extLst>
+                  <a:ext uri="{0D108BD9-81ED-4DB2-BD59-A6C34878D82A}">
+                    <a16:rowId xmlns:a16="http://schemas.microsoft.com/office/drawing/2014/main" val="192112523"/>
+                  </a:ext>
+                </a:extLst>
+              </a:tr>
+              <a:tr h="797811">
+                <a:tc>
+                  <a:txBody>
+                    <a:bodyPr/>
+                    <a:lstStyle/>
+                    <a:p>
+                      <a:pPr algn="ctr" fontAlgn="b"/>
+                      <a:r>
+                        <a:rPr lang="en-US" sz="3300" u="none" strike="noStrike" dirty="0">
+                          <a:effectLst/>
+                        </a:rPr>
+                        <a:t>Fail</a:t>
+                      </a:r>
+                      <a:endParaRPr lang="en-US" sz="3300" b="0" i="0" u="none" strike="noStrike" dirty="0">
+                        <a:solidFill>
+                          <a:srgbClr val="000000"/>
+                        </a:solidFill>
+                        <a:effectLst/>
+                        <a:latin typeface="Arial" panose="020B0604020202020204" pitchFamily="34" charset="0"/>
+                      </a:endParaRPr>
+                    </a:p>
+                  </a:txBody>
+                  <a:tcPr marL="0" marR="0" marT="0" marB="0" anchor="ctr"/>
+                </a:tc>
+                <a:tc>
+                  <a:txBody>
+                    <a:bodyPr/>
+                    <a:lstStyle/>
+                    <a:p>
+                      <a:pPr algn="ctr" fontAlgn="b"/>
+                      <a:r>
+                        <a:rPr lang="en-US" sz="3300" u="none" strike="noStrike">
+                          <a:effectLst/>
+                        </a:rPr>
+                        <a:t>11</a:t>
+                      </a:r>
+                      <a:endParaRPr lang="en-US" sz="3300" b="0" i="0" u="none" strike="noStrike">
+                        <a:solidFill>
+                          <a:srgbClr val="FFFFFF"/>
+                        </a:solidFill>
+                        <a:effectLst/>
+                        <a:latin typeface="Arial" panose="020B0604020202020204" pitchFamily="34" charset="0"/>
+                      </a:endParaRPr>
+                    </a:p>
+                  </a:txBody>
+                  <a:tcPr marL="0" marR="0" marT="0" marB="0" anchor="ctr"/>
+                </a:tc>
+                <a:extLst>
+                  <a:ext uri="{0D108BD9-81ED-4DB2-BD59-A6C34878D82A}">
+                    <a16:rowId xmlns:a16="http://schemas.microsoft.com/office/drawing/2014/main" val="2369348095"/>
+                  </a:ext>
+                </a:extLst>
+              </a:tr>
+              <a:tr h="1154138">
+                <a:tc>
+                  <a:txBody>
+                    <a:bodyPr/>
+                    <a:lstStyle/>
+                    <a:p>
+                      <a:pPr algn="ctr" fontAlgn="b"/>
+                      <a:r>
+                        <a:rPr lang="en-US" sz="3300" u="none" strike="noStrike" dirty="0">
+                          <a:effectLst/>
+                        </a:rPr>
+                        <a:t>Number of test cases</a:t>
+                      </a:r>
+                      <a:endParaRPr lang="en-US" sz="3300" b="0" i="0" u="none" strike="noStrike" dirty="0">
+                        <a:solidFill>
+                          <a:srgbClr val="000000"/>
+                        </a:solidFill>
+                        <a:effectLst/>
+                        <a:latin typeface="Arial" panose="020B0604020202020204" pitchFamily="34" charset="0"/>
+                      </a:endParaRPr>
+                    </a:p>
+                  </a:txBody>
+                  <a:tcPr marL="0" marR="0" marT="0" marB="0" anchor="ctr"/>
+                </a:tc>
+                <a:tc>
+                  <a:txBody>
+                    <a:bodyPr/>
+                    <a:lstStyle/>
+                    <a:p>
+                      <a:pPr algn="ctr" fontAlgn="b"/>
+                      <a:r>
+                        <a:rPr lang="en-US" sz="3300" u="none" strike="noStrike" dirty="0">
+                          <a:effectLst/>
+                        </a:rPr>
+                        <a:t>375</a:t>
+                      </a:r>
+                      <a:endParaRPr lang="en-US" sz="3300" b="0" i="0" u="none" strike="noStrike" dirty="0">
+                        <a:solidFill>
+                          <a:srgbClr val="000000"/>
+                        </a:solidFill>
+                        <a:effectLst/>
+                        <a:latin typeface="Arial" panose="020B0604020202020204" pitchFamily="34" charset="0"/>
+                      </a:endParaRPr>
+                    </a:p>
+                  </a:txBody>
+                  <a:tcPr marL="0" marR="0" marT="0" marB="0" anchor="ctr"/>
+                </a:tc>
+                <a:extLst>
+                  <a:ext uri="{0D108BD9-81ED-4DB2-BD59-A6C34878D82A}">
+                    <a16:rowId xmlns:a16="http://schemas.microsoft.com/office/drawing/2014/main" val="1729911636"/>
+                  </a:ext>
+                </a:extLst>
+              </a:tr>
+            </a:tbl>
+          </a:graphicData>
+        </a:graphic>
+      </p:graphicFrame>
+    </p:spTree>
+    <p:extLst>
+      <p:ext uri="{BB962C8B-B14F-4D97-AF65-F5344CB8AC3E}">
+        <p14:creationId xmlns:p14="http://schemas.microsoft.com/office/powerpoint/2010/main" val="11115751"/>
+      </p:ext>
+    </p:extLst>
+  </p:cSld>
+  <p:clrMapOvr>
+    <a:masterClrMapping/>
+  </p:clrMapOvr>
+  <mc:AlternateContent xmlns:mc="http://schemas.openxmlformats.org/markup-compatibility/2006" xmlns:p14="http://schemas.microsoft.com/office/powerpoint/2010/main">
+    <mc:Choice Requires="p14">
+      <p:transition spd="med" p14:dur="700">
+        <p:fade/>
+      </p:transition>
+    </mc:Choice>
+    <mc:Fallback xmlns="">
+      <p:transition spd="med">
+        <p:fade/>
+      </p:transition>
+    </mc:Fallback>
+  </mc:AlternateContent>
+</p:sld>
+</file>
+
+<file path=ppt/slides/slide22.xml><?xml version="1.0" encoding="utf-8"?>
+<p:sld xmlns:a="http://schemas.openxmlformats.org/drawingml/2006/main" xmlns:r="http://schemas.openxmlformats.org/officeDocument/2006/relationships" xmlns:p="http://schemas.openxmlformats.org/presentationml/2006/main">
+  <p:cSld>
+    <p:spTree>
+      <p:nvGrpSpPr>
+        <p:cNvPr id="1" name=""/>
+        <p:cNvGrpSpPr/>
+        <p:nvPr/>
+      </p:nvGrpSpPr>
+      <p:grpSpPr>
+        <a:xfrm>
+          <a:off x="0" y="0"/>
+          <a:ext cx="0" cy="0"/>
+          <a:chOff x="0" y="0"/>
+          <a:chExt cx="0" cy="0"/>
+        </a:xfrm>
+      </p:grpSpPr>
+      <p:sp>
+        <p:nvSpPr>
+          <p:cNvPr id="3" name="Title 2"/>
+          <p:cNvSpPr>
+            <a:spLocks noGrp="1"/>
+          </p:cNvSpPr>
+          <p:nvPr>
+            <p:ph type="title"/>
+          </p:nvPr>
+        </p:nvSpPr>
+        <p:spPr/>
+        <p:txBody>
+          <a:bodyPr/>
+          <a:lstStyle/>
+          <a:p>
+            <a:r>
+              <a:rPr lang="en-US" altLang="ko-KR" b="1" dirty="0"/>
+              <a:t>5. Summary test report.</a:t>
+            </a:r>
+            <a:endParaRPr lang="ko-KR" altLang="en-US" b="1" dirty="0"/>
+          </a:p>
+        </p:txBody>
+      </p:sp>
+      <p:sp>
+        <p:nvSpPr>
+          <p:cNvPr id="6" name="Slide Number Placeholder 3">
+            <a:extLst>
+              <a:ext uri="{FF2B5EF4-FFF2-40B4-BE49-F238E27FC236}">
+                <a16:creationId xmlns:a16="http://schemas.microsoft.com/office/drawing/2014/main" id="{FF9DDFD0-EB1F-3C43-95CC-461CBFD9C865}"/>
+              </a:ext>
+            </a:extLst>
+          </p:cNvPr>
+          <p:cNvSpPr txBox="1">
+            <a:spLocks/>
+          </p:cNvSpPr>
+          <p:nvPr/>
+        </p:nvSpPr>
+        <p:spPr>
+          <a:xfrm>
+            <a:off x="11198390" y="6405331"/>
+            <a:ext cx="452437" cy="365125"/>
+          </a:xfrm>
+          <a:prstGeom prst="rect">
+            <a:avLst/>
+          </a:prstGeom>
+        </p:spPr>
+        <p:txBody>
+          <a:bodyPr/>
+          <a:lstStyle>
+            <a:defPPr>
+              <a:defRPr lang="en-US"/>
+            </a:defPPr>
+            <a:lvl1pPr marL="0" algn="l" defTabSz="914400" rtl="0" eaLnBrk="1" latinLnBrk="0" hangingPunct="1">
+              <a:defRPr sz="1800" kern="1200">
+                <a:solidFill>
+                  <a:schemeClr val="tx1"/>
+                </a:solidFill>
+                <a:latin typeface="+mn-lt"/>
+                <a:ea typeface="+mn-ea"/>
+                <a:cs typeface="+mn-cs"/>
+              </a:defRPr>
+            </a:lvl1pPr>
+            <a:lvl2pPr marL="457200" algn="l" defTabSz="914400" rtl="0" eaLnBrk="1" latinLnBrk="0" hangingPunct="1">
+              <a:defRPr sz="1800" kern="1200">
+                <a:solidFill>
+                  <a:schemeClr val="tx1"/>
+                </a:solidFill>
+                <a:latin typeface="+mn-lt"/>
+                <a:ea typeface="+mn-ea"/>
+                <a:cs typeface="+mn-cs"/>
+              </a:defRPr>
+            </a:lvl2pPr>
+            <a:lvl3pPr marL="914400" algn="l" defTabSz="914400" rtl="0" eaLnBrk="1" latinLnBrk="0" hangingPunct="1">
+              <a:defRPr sz="1800" kern="1200">
+                <a:solidFill>
+                  <a:schemeClr val="tx1"/>
+                </a:solidFill>
+                <a:latin typeface="+mn-lt"/>
+                <a:ea typeface="+mn-ea"/>
+                <a:cs typeface="+mn-cs"/>
+              </a:defRPr>
+            </a:lvl3pPr>
+            <a:lvl4pPr marL="1371600" algn="l" defTabSz="914400" rtl="0" eaLnBrk="1" latinLnBrk="0" hangingPunct="1">
+              <a:defRPr sz="1800" kern="1200">
+                <a:solidFill>
+                  <a:schemeClr val="tx1"/>
+                </a:solidFill>
+                <a:latin typeface="+mn-lt"/>
+                <a:ea typeface="+mn-ea"/>
+                <a:cs typeface="+mn-cs"/>
+              </a:defRPr>
+            </a:lvl4pPr>
+            <a:lvl5pPr marL="1828800" algn="l" defTabSz="914400" rtl="0" eaLnBrk="1" latinLnBrk="0" hangingPunct="1">
+              <a:defRPr sz="1800" kern="1200">
+                <a:solidFill>
+                  <a:schemeClr val="tx1"/>
+                </a:solidFill>
+                <a:latin typeface="+mn-lt"/>
+                <a:ea typeface="+mn-ea"/>
+                <a:cs typeface="+mn-cs"/>
+              </a:defRPr>
+            </a:lvl5pPr>
+            <a:lvl6pPr marL="2286000" algn="l" defTabSz="914400" rtl="0" eaLnBrk="1" latinLnBrk="0" hangingPunct="1">
+              <a:defRPr sz="1800" kern="1200">
+                <a:solidFill>
+                  <a:schemeClr val="tx1"/>
+                </a:solidFill>
+                <a:latin typeface="+mn-lt"/>
+                <a:ea typeface="+mn-ea"/>
+                <a:cs typeface="+mn-cs"/>
+              </a:defRPr>
+            </a:lvl6pPr>
+            <a:lvl7pPr marL="2743200" algn="l" defTabSz="914400" rtl="0" eaLnBrk="1" latinLnBrk="0" hangingPunct="1">
+              <a:defRPr sz="1800" kern="1200">
+                <a:solidFill>
+                  <a:schemeClr val="tx1"/>
+                </a:solidFill>
+                <a:latin typeface="+mn-lt"/>
+                <a:ea typeface="+mn-ea"/>
+                <a:cs typeface="+mn-cs"/>
+              </a:defRPr>
+            </a:lvl7pPr>
+            <a:lvl8pPr marL="3200400" algn="l" defTabSz="914400" rtl="0" eaLnBrk="1" latinLnBrk="0" hangingPunct="1">
+              <a:defRPr sz="1800" kern="1200">
+                <a:solidFill>
+                  <a:schemeClr val="tx1"/>
+                </a:solidFill>
+                <a:latin typeface="+mn-lt"/>
+                <a:ea typeface="+mn-ea"/>
+                <a:cs typeface="+mn-cs"/>
+              </a:defRPr>
+            </a:lvl8pPr>
+            <a:lvl9pPr marL="3657600" algn="l" defTabSz="914400" rtl="0" eaLnBrk="1" latinLnBrk="0" hangingPunct="1">
+              <a:defRPr sz="1800" kern="1200">
+                <a:solidFill>
+                  <a:schemeClr val="tx1"/>
+                </a:solidFill>
+                <a:latin typeface="+mn-lt"/>
+                <a:ea typeface="+mn-ea"/>
+                <a:cs typeface="+mn-cs"/>
+              </a:defRPr>
+            </a:lvl9pPr>
+          </a:lstStyle>
+          <a:p>
+            <a:fld id="{301E5F09-0F4C-0243-9596-FED7D03FE3DA}" type="slidenum">
+              <a:rPr lang="en-US" smtClean="0"/>
+              <a:pPr/>
+              <a:t>22</a:t>
+            </a:fld>
+            <a:endParaRPr lang="en-US" dirty="0"/>
+          </a:p>
+        </p:txBody>
+      </p:sp>
+      <p:sp>
+        <p:nvSpPr>
+          <p:cNvPr id="12" name="Content Placeholder 1">
+            <a:extLst>
+              <a:ext uri="{FF2B5EF4-FFF2-40B4-BE49-F238E27FC236}">
+                <a16:creationId xmlns:a16="http://schemas.microsoft.com/office/drawing/2014/main" id="{4DF4F9EC-4DDE-F949-86C1-60995E3819A1}"/>
+              </a:ext>
+            </a:extLst>
+          </p:cNvPr>
+          <p:cNvSpPr>
+            <a:spLocks noGrp="1"/>
+          </p:cNvSpPr>
+          <p:nvPr>
+            <p:ph idx="1"/>
+          </p:nvPr>
+        </p:nvSpPr>
+        <p:spPr>
+          <a:xfrm>
+            <a:off x="527381" y="1508787"/>
+            <a:ext cx="11329259" cy="614197"/>
+          </a:xfrm>
+        </p:spPr>
+        <p:txBody>
+          <a:bodyPr/>
+          <a:lstStyle/>
+          <a:p>
+            <a:r>
+              <a:rPr lang="en-US" altLang="ko-KR" b="1" dirty="0">
+                <a:solidFill>
+                  <a:schemeClr val="tx1"/>
+                </a:solidFill>
+              </a:rPr>
+              <a:t>Summary priority</a:t>
+            </a:r>
+            <a:endParaRPr lang="ko-KR" altLang="en-US" b="1" dirty="0">
+              <a:solidFill>
+                <a:schemeClr val="tx1"/>
+              </a:solidFill>
+            </a:endParaRPr>
+          </a:p>
+        </p:txBody>
+      </p:sp>
+      <p:pic>
+        <p:nvPicPr>
+          <p:cNvPr id="8" name="Hình ảnh 2">
+            <a:extLst>
+              <a:ext uri="{FF2B5EF4-FFF2-40B4-BE49-F238E27FC236}">
+                <a16:creationId xmlns:a16="http://schemas.microsoft.com/office/drawing/2014/main" id="{426DF85A-3786-8044-9FCF-598EC4A783BD}"/>
+              </a:ext>
+            </a:extLst>
+          </p:cNvPr>
+          <p:cNvPicPr>
+            <a:picLocks noChangeAspect="1"/>
+          </p:cNvPicPr>
+          <p:nvPr/>
+        </p:nvPicPr>
+        <p:blipFill>
+          <a:blip r:embed="rId3"/>
+          <a:stretch>
+            <a:fillRect/>
+          </a:stretch>
+        </p:blipFill>
+        <p:spPr>
+          <a:xfrm>
+            <a:off x="733425" y="2464906"/>
+            <a:ext cx="5315599" cy="3692627"/>
+          </a:xfrm>
+          <a:prstGeom prst="rect">
+            <a:avLst/>
+          </a:prstGeom>
+        </p:spPr>
+      </p:pic>
+      <p:graphicFrame>
+        <p:nvGraphicFramePr>
+          <p:cNvPr id="10" name="Bảng 1">
+            <a:extLst>
+              <a:ext uri="{FF2B5EF4-FFF2-40B4-BE49-F238E27FC236}">
+                <a16:creationId xmlns:a16="http://schemas.microsoft.com/office/drawing/2014/main" id="{FF1938E7-4A2D-D649-A8BA-598A3D48F740}"/>
+              </a:ext>
+            </a:extLst>
+          </p:cNvPr>
+          <p:cNvGraphicFramePr>
+            <a:graphicFrameLocks noGrp="1"/>
+          </p:cNvGraphicFramePr>
+          <p:nvPr>
+            <p:extLst>
+              <p:ext uri="{D42A27DB-BD31-4B8C-83A1-F6EECF244321}">
+                <p14:modId xmlns:p14="http://schemas.microsoft.com/office/powerpoint/2010/main" val="2370092217"/>
+              </p:ext>
+            </p:extLst>
+          </p:nvPr>
+        </p:nvGraphicFramePr>
+        <p:xfrm>
+          <a:off x="6338214" y="2464905"/>
+          <a:ext cx="4989202" cy="3692626"/>
+        </p:xfrm>
+        <a:graphic>
+          <a:graphicData uri="http://schemas.openxmlformats.org/drawingml/2006/table">
+            <a:tbl>
+              <a:tblPr/>
+              <a:tblGrid>
+                <a:gridCol w="2629600">
+                  <a:extLst>
+                    <a:ext uri="{9D8B030D-6E8A-4147-A177-3AD203B41FA5}">
+                      <a16:colId xmlns:a16="http://schemas.microsoft.com/office/drawing/2014/main" val="691868841"/>
+                    </a:ext>
+                  </a:extLst>
+                </a:gridCol>
+                <a:gridCol w="2359602">
+                  <a:extLst>
+                    <a:ext uri="{9D8B030D-6E8A-4147-A177-3AD203B41FA5}">
+                      <a16:colId xmlns:a16="http://schemas.microsoft.com/office/drawing/2014/main" val="565300488"/>
+                    </a:ext>
+                  </a:extLst>
+                </a:gridCol>
+              </a:tblGrid>
+              <a:tr h="1022786">
+                <a:tc gridSpan="2">
+                  <a:txBody>
+                    <a:bodyPr/>
+                    <a:lstStyle/>
+                    <a:p>
+                      <a:pPr algn="ctr" fontAlgn="b">
+                        <a:spcBef>
+                          <a:spcPts val="0"/>
+                        </a:spcBef>
+                        <a:spcAft>
+                          <a:spcPts val="0"/>
+                        </a:spcAft>
+                      </a:pPr>
+                      <a:r>
+                        <a:rPr lang="en-US" sz="2800" b="1" i="0" u="none" strike="noStrike" dirty="0">
+                          <a:solidFill>
+                            <a:srgbClr val="FFFFFF"/>
+                          </a:solidFill>
+                          <a:effectLst/>
+                          <a:latin typeface="Arial" panose="020B0604020202020204" pitchFamily="34" charset="0"/>
+                        </a:rPr>
+                        <a:t>Summary</a:t>
+                      </a:r>
+                      <a:endParaRPr lang="en-US" sz="2800" b="0" i="0" u="none" strike="noStrike" dirty="0">
+                        <a:effectLst/>
+                        <a:latin typeface="Arial" panose="020B0604020202020204" pitchFamily="34" charset="0"/>
+                      </a:endParaRPr>
+                    </a:p>
+                  </a:txBody>
+                  <a:tcPr marL="251460" marR="251460" marT="125730" marB="125730" anchor="ctr">
+                    <a:lnL w="6350" cap="flat" cmpd="sng" algn="ctr">
+                      <a:solidFill>
+                        <a:srgbClr val="000000"/>
+                      </a:solidFill>
+                      <a:prstDash val="solid"/>
+                      <a:round/>
+                      <a:headEnd type="none" w="med" len="med"/>
+                      <a:tailEnd type="none" w="med" len="med"/>
+                    </a:lnL>
+                    <a:lnR w="6350" cap="flat" cmpd="sng" algn="ctr">
+                      <a:solidFill>
+                        <a:srgbClr val="000000"/>
+                      </a:solidFill>
+                      <a:prstDash val="solid"/>
+                      <a:round/>
+                      <a:headEnd type="none" w="med" len="med"/>
+                      <a:tailEnd type="none" w="med" len="med"/>
+                    </a:lnR>
+                    <a:lnT w="6350" cap="flat" cmpd="sng" algn="ctr">
+                      <a:solidFill>
+                        <a:srgbClr val="000000"/>
+                      </a:solidFill>
+                      <a:prstDash val="solid"/>
+                      <a:round/>
+                      <a:headEnd type="none" w="med" len="med"/>
+                      <a:tailEnd type="none" w="med" len="med"/>
+                    </a:lnT>
+                    <a:lnB w="6350" cap="flat" cmpd="sng" algn="ctr">
+                      <a:solidFill>
+                        <a:srgbClr val="000000"/>
+                      </a:solidFill>
+                      <a:prstDash val="solid"/>
+                      <a:round/>
+                      <a:headEnd type="none" w="med" len="med"/>
+                      <a:tailEnd type="none" w="med" len="med"/>
+                    </a:lnB>
+                    <a:solidFill>
+                      <a:srgbClr val="2F75B5"/>
+                    </a:solidFill>
+                  </a:tcPr>
+                </a:tc>
+                <a:tc hMerge="1">
+                  <a:txBody>
+                    <a:bodyPr/>
+                    <a:lstStyle/>
+                    <a:p>
+                      <a:endParaRPr lang="en-US"/>
+                    </a:p>
+                  </a:txBody>
+                  <a:tcPr/>
+                </a:tc>
+                <a:extLst>
+                  <a:ext uri="{0D108BD9-81ED-4DB2-BD59-A6C34878D82A}">
+                    <a16:rowId xmlns:a16="http://schemas.microsoft.com/office/drawing/2014/main" val="227419138"/>
+                  </a:ext>
+                </a:extLst>
+              </a:tr>
+              <a:tr h="639817">
+                <a:tc>
+                  <a:txBody>
+                    <a:bodyPr/>
+                    <a:lstStyle/>
+                    <a:p>
+                      <a:pPr algn="ctr" fontAlgn="b">
+                        <a:spcBef>
+                          <a:spcPts val="0"/>
+                        </a:spcBef>
+                        <a:spcAft>
+                          <a:spcPts val="0"/>
+                        </a:spcAft>
+                      </a:pPr>
+                      <a:r>
+                        <a:rPr lang="en-US" sz="2000" b="0" i="1" u="none" strike="noStrike" dirty="0">
+                          <a:solidFill>
+                            <a:srgbClr val="000000"/>
+                          </a:solidFill>
+                          <a:effectLst/>
+                          <a:latin typeface="Arial" panose="020B0604020202020204" pitchFamily="34" charset="0"/>
+                        </a:rPr>
+                        <a:t>Enforcement</a:t>
+                      </a:r>
+                      <a:endParaRPr lang="en-US" sz="2000" b="0" i="0" u="none" strike="noStrike" dirty="0">
+                        <a:effectLst/>
+                        <a:latin typeface="Arial" panose="020B0604020202020204" pitchFamily="34" charset="0"/>
+                      </a:endParaRPr>
+                    </a:p>
+                  </a:txBody>
+                  <a:tcPr marL="26194" marR="26194" marT="26194" marB="0" anchor="ctr">
+                    <a:lnL w="6350" cap="flat" cmpd="sng" algn="ctr">
+                      <a:solidFill>
+                        <a:srgbClr val="000000"/>
+                      </a:solidFill>
+                      <a:prstDash val="solid"/>
+                      <a:round/>
+                      <a:headEnd type="none" w="med" len="med"/>
+                      <a:tailEnd type="none" w="med" len="med"/>
+                    </a:lnL>
+                    <a:lnR w="6350" cap="flat" cmpd="sng" algn="ctr">
+                      <a:solidFill>
+                        <a:srgbClr val="000000"/>
+                      </a:solidFill>
+                      <a:prstDash val="solid"/>
+                      <a:round/>
+                      <a:headEnd type="none" w="med" len="med"/>
+                      <a:tailEnd type="none" w="med" len="med"/>
+                    </a:lnR>
+                    <a:lnT w="6350" cap="flat" cmpd="sng" algn="ctr">
+                      <a:solidFill>
+                        <a:srgbClr val="000000"/>
+                      </a:solidFill>
+                      <a:prstDash val="solid"/>
+                      <a:round/>
+                      <a:headEnd type="none" w="med" len="med"/>
+                      <a:tailEnd type="none" w="med" len="med"/>
+                    </a:lnT>
+                    <a:lnB w="6350" cap="flat" cmpd="sng" algn="ctr">
+                      <a:solidFill>
+                        <a:srgbClr val="000000"/>
+                      </a:solidFill>
+                      <a:prstDash val="solid"/>
+                      <a:round/>
+                      <a:headEnd type="none" w="med" len="med"/>
+                      <a:tailEnd type="none" w="med" len="med"/>
+                    </a:lnB>
+                  </a:tcPr>
+                </a:tc>
+                <a:tc>
+                  <a:txBody>
+                    <a:bodyPr/>
+                    <a:lstStyle/>
+                    <a:p>
+                      <a:pPr algn="ctr" fontAlgn="b">
+                        <a:spcBef>
+                          <a:spcPts val="0"/>
+                        </a:spcBef>
+                        <a:spcAft>
+                          <a:spcPts val="0"/>
+                        </a:spcAft>
+                      </a:pPr>
+                      <a:r>
+                        <a:rPr lang="en-US" sz="2000" b="0" i="1" u="none" strike="noStrike">
+                          <a:solidFill>
+                            <a:srgbClr val="000000"/>
+                          </a:solidFill>
+                          <a:effectLst/>
+                          <a:latin typeface="Arial" panose="020B0604020202020204" pitchFamily="34" charset="0"/>
+                        </a:rPr>
+                        <a:t>100%</a:t>
+                      </a:r>
+                      <a:endParaRPr lang="en-US" sz="2000" b="0" i="0" u="none" strike="noStrike">
+                        <a:effectLst/>
+                        <a:latin typeface="Arial" panose="020B0604020202020204" pitchFamily="34" charset="0"/>
+                      </a:endParaRPr>
+                    </a:p>
+                  </a:txBody>
+                  <a:tcPr marL="26194" marR="26194" marT="26194" marB="0" anchor="ctr">
+                    <a:lnL w="6350" cap="flat" cmpd="sng" algn="ctr">
+                      <a:solidFill>
+                        <a:srgbClr val="000000"/>
+                      </a:solidFill>
+                      <a:prstDash val="solid"/>
+                      <a:round/>
+                      <a:headEnd type="none" w="med" len="med"/>
+                      <a:tailEnd type="none" w="med" len="med"/>
+                    </a:lnL>
+                    <a:lnR w="6350" cap="flat" cmpd="sng" algn="ctr">
+                      <a:solidFill>
+                        <a:srgbClr val="000000"/>
+                      </a:solidFill>
+                      <a:prstDash val="solid"/>
+                      <a:round/>
+                      <a:headEnd type="none" w="med" len="med"/>
+                      <a:tailEnd type="none" w="med" len="med"/>
+                    </a:lnR>
+                    <a:lnT w="6350" cap="flat" cmpd="sng" algn="ctr">
+                      <a:solidFill>
+                        <a:srgbClr val="000000"/>
+                      </a:solidFill>
+                      <a:prstDash val="solid"/>
+                      <a:round/>
+                      <a:headEnd type="none" w="med" len="med"/>
+                      <a:tailEnd type="none" w="med" len="med"/>
+                    </a:lnT>
+                    <a:lnB w="6350" cap="flat" cmpd="sng" algn="ctr">
+                      <a:solidFill>
+                        <a:srgbClr val="000000"/>
+                      </a:solidFill>
+                      <a:prstDash val="solid"/>
+                      <a:round/>
+                      <a:headEnd type="none" w="med" len="med"/>
+                      <a:tailEnd type="none" w="med" len="med"/>
+                    </a:lnB>
+                  </a:tcPr>
+                </a:tc>
+                <a:extLst>
+                  <a:ext uri="{0D108BD9-81ED-4DB2-BD59-A6C34878D82A}">
+                    <a16:rowId xmlns:a16="http://schemas.microsoft.com/office/drawing/2014/main" val="2158426416"/>
+                  </a:ext>
+                </a:extLst>
+              </a:tr>
+              <a:tr h="639817">
+                <a:tc>
+                  <a:txBody>
+                    <a:bodyPr/>
+                    <a:lstStyle/>
+                    <a:p>
+                      <a:pPr algn="ctr" fontAlgn="b">
+                        <a:spcBef>
+                          <a:spcPts val="0"/>
+                        </a:spcBef>
+                        <a:spcAft>
+                          <a:spcPts val="0"/>
+                        </a:spcAft>
+                      </a:pPr>
+                      <a:r>
+                        <a:rPr lang="en-US" sz="2000" b="0" i="1" u="none" strike="noStrike" dirty="0">
+                          <a:solidFill>
+                            <a:srgbClr val="000000"/>
+                          </a:solidFill>
+                          <a:effectLst/>
+                          <a:latin typeface="Arial" panose="020B0604020202020204" pitchFamily="34" charset="0"/>
+                        </a:rPr>
+                        <a:t>Error found</a:t>
+                      </a:r>
+                      <a:endParaRPr lang="en-US" sz="2000" b="0" i="0" u="none" strike="noStrike" dirty="0">
+                        <a:effectLst/>
+                        <a:latin typeface="Arial" panose="020B0604020202020204" pitchFamily="34" charset="0"/>
+                      </a:endParaRPr>
+                    </a:p>
+                  </a:txBody>
+                  <a:tcPr marL="26194" marR="26194" marT="26194" marB="0" anchor="ctr">
+                    <a:lnL w="6350" cap="flat" cmpd="sng" algn="ctr">
+                      <a:solidFill>
+                        <a:srgbClr val="000000"/>
+                      </a:solidFill>
+                      <a:prstDash val="solid"/>
+                      <a:round/>
+                      <a:headEnd type="none" w="med" len="med"/>
+                      <a:tailEnd type="none" w="med" len="med"/>
+                    </a:lnL>
+                    <a:lnR w="6350" cap="flat" cmpd="sng" algn="ctr">
+                      <a:solidFill>
+                        <a:srgbClr val="000000"/>
+                      </a:solidFill>
+                      <a:prstDash val="solid"/>
+                      <a:round/>
+                      <a:headEnd type="none" w="med" len="med"/>
+                      <a:tailEnd type="none" w="med" len="med"/>
+                    </a:lnR>
+                    <a:lnT w="6350" cap="flat" cmpd="sng" algn="ctr">
+                      <a:solidFill>
+                        <a:srgbClr val="000000"/>
+                      </a:solidFill>
+                      <a:prstDash val="solid"/>
+                      <a:round/>
+                      <a:headEnd type="none" w="med" len="med"/>
+                      <a:tailEnd type="none" w="med" len="med"/>
+                    </a:lnT>
+                    <a:lnB w="6350" cap="flat" cmpd="sng" algn="ctr">
+                      <a:solidFill>
+                        <a:srgbClr val="000000"/>
+                      </a:solidFill>
+                      <a:prstDash val="solid"/>
+                      <a:round/>
+                      <a:headEnd type="none" w="med" len="med"/>
+                      <a:tailEnd type="none" w="med" len="med"/>
+                    </a:lnB>
+                    <a:solidFill>
+                      <a:srgbClr val="D9E1F2"/>
+                    </a:solidFill>
+                  </a:tcPr>
+                </a:tc>
+                <a:tc>
+                  <a:txBody>
+                    <a:bodyPr/>
+                    <a:lstStyle/>
+                    <a:p>
+                      <a:pPr algn="ctr" fontAlgn="b">
+                        <a:spcBef>
+                          <a:spcPts val="0"/>
+                        </a:spcBef>
+                        <a:spcAft>
+                          <a:spcPts val="0"/>
+                        </a:spcAft>
+                      </a:pPr>
+                      <a:r>
+                        <a:rPr lang="en-US" sz="2000" b="1" i="0" u="none" strike="noStrike" dirty="0">
+                          <a:solidFill>
+                            <a:srgbClr val="FFFFFF"/>
+                          </a:solidFill>
+                          <a:effectLst/>
+                          <a:latin typeface="Arial" panose="020B0604020202020204" pitchFamily="34" charset="0"/>
+                        </a:rPr>
+                        <a:t>61</a:t>
+                      </a:r>
+                      <a:endParaRPr lang="en-US" sz="2000" b="0" i="0" u="none" strike="noStrike" dirty="0">
+                        <a:effectLst/>
+                        <a:latin typeface="Arial" panose="020B0604020202020204" pitchFamily="34" charset="0"/>
+                      </a:endParaRPr>
+                    </a:p>
+                  </a:txBody>
+                  <a:tcPr marL="26194" marR="26194" marT="26194" marB="0" anchor="ctr">
+                    <a:lnL w="6350" cap="flat" cmpd="sng" algn="ctr">
+                      <a:solidFill>
+                        <a:srgbClr val="000000"/>
+                      </a:solidFill>
+                      <a:prstDash val="solid"/>
+                      <a:round/>
+                      <a:headEnd type="none" w="med" len="med"/>
+                      <a:tailEnd type="none" w="med" len="med"/>
+                    </a:lnL>
+                    <a:lnR w="6350" cap="flat" cmpd="sng" algn="ctr">
+                      <a:solidFill>
+                        <a:srgbClr val="000000"/>
+                      </a:solidFill>
+                      <a:prstDash val="solid"/>
+                      <a:round/>
+                      <a:headEnd type="none" w="med" len="med"/>
+                      <a:tailEnd type="none" w="med" len="med"/>
+                    </a:lnR>
+                    <a:lnT w="6350" cap="flat" cmpd="sng" algn="ctr">
+                      <a:solidFill>
+                        <a:srgbClr val="000000"/>
+                      </a:solidFill>
+                      <a:prstDash val="solid"/>
+                      <a:round/>
+                      <a:headEnd type="none" w="med" len="med"/>
+                      <a:tailEnd type="none" w="med" len="med"/>
+                    </a:lnT>
+                    <a:lnB w="6350" cap="flat" cmpd="sng" algn="ctr">
+                      <a:solidFill>
+                        <a:srgbClr val="000000"/>
+                      </a:solidFill>
+                      <a:prstDash val="solid"/>
+                      <a:round/>
+                      <a:headEnd type="none" w="med" len="med"/>
+                      <a:tailEnd type="none" w="med" len="med"/>
+                    </a:lnB>
+                    <a:solidFill>
+                      <a:srgbClr val="4472C4"/>
+                    </a:solidFill>
+                  </a:tcPr>
+                </a:tc>
+                <a:extLst>
+                  <a:ext uri="{0D108BD9-81ED-4DB2-BD59-A6C34878D82A}">
+                    <a16:rowId xmlns:a16="http://schemas.microsoft.com/office/drawing/2014/main" val="4032296759"/>
+                  </a:ext>
+                </a:extLst>
+              </a:tr>
+              <a:tr h="639817">
+                <a:tc>
+                  <a:txBody>
+                    <a:bodyPr/>
+                    <a:lstStyle/>
+                    <a:p>
+                      <a:pPr algn="ctr" fontAlgn="b">
+                        <a:spcBef>
+                          <a:spcPts val="0"/>
+                        </a:spcBef>
+                        <a:spcAft>
+                          <a:spcPts val="0"/>
+                        </a:spcAft>
+                      </a:pPr>
+                      <a:r>
+                        <a:rPr lang="en-US" sz="2000" b="0" i="1" u="none" strike="noStrike" dirty="0">
+                          <a:solidFill>
+                            <a:srgbClr val="000000"/>
+                          </a:solidFill>
+                          <a:effectLst/>
+                          <a:latin typeface="Arial" panose="020B0604020202020204" pitchFamily="34" charset="0"/>
+                        </a:rPr>
+                        <a:t>Corrected the error</a:t>
+                      </a:r>
+                      <a:endParaRPr lang="en-US" sz="2000" b="0" i="0" u="none" strike="noStrike" dirty="0">
+                        <a:effectLst/>
+                        <a:latin typeface="Arial" panose="020B0604020202020204" pitchFamily="34" charset="0"/>
+                      </a:endParaRPr>
+                    </a:p>
+                  </a:txBody>
+                  <a:tcPr marL="26194" marR="26194" marT="26194" marB="0" anchor="ctr">
+                    <a:lnL w="6350" cap="flat" cmpd="sng" algn="ctr">
+                      <a:solidFill>
+                        <a:srgbClr val="000000"/>
+                      </a:solidFill>
+                      <a:prstDash val="solid"/>
+                      <a:round/>
+                      <a:headEnd type="none" w="med" len="med"/>
+                      <a:tailEnd type="none" w="med" len="med"/>
+                    </a:lnL>
+                    <a:lnR w="6350" cap="flat" cmpd="sng" algn="ctr">
+                      <a:solidFill>
+                        <a:srgbClr val="000000"/>
+                      </a:solidFill>
+                      <a:prstDash val="solid"/>
+                      <a:round/>
+                      <a:headEnd type="none" w="med" len="med"/>
+                      <a:tailEnd type="none" w="med" len="med"/>
+                    </a:lnR>
+                    <a:lnT w="6350" cap="flat" cmpd="sng" algn="ctr">
+                      <a:solidFill>
+                        <a:srgbClr val="000000"/>
+                      </a:solidFill>
+                      <a:prstDash val="solid"/>
+                      <a:round/>
+                      <a:headEnd type="none" w="med" len="med"/>
+                      <a:tailEnd type="none" w="med" len="med"/>
+                    </a:lnT>
+                    <a:lnB w="6350" cap="flat" cmpd="sng" algn="ctr">
+                      <a:solidFill>
+                        <a:srgbClr val="000000"/>
+                      </a:solidFill>
+                      <a:prstDash val="solid"/>
+                      <a:round/>
+                      <a:headEnd type="none" w="med" len="med"/>
+                      <a:tailEnd type="none" w="med" len="med"/>
+                    </a:lnB>
+                    <a:solidFill>
+                      <a:srgbClr val="D9E1F2"/>
+                    </a:solidFill>
+                  </a:tcPr>
+                </a:tc>
+                <a:tc>
+                  <a:txBody>
+                    <a:bodyPr/>
+                    <a:lstStyle/>
+                    <a:p>
+                      <a:pPr algn="ctr" fontAlgn="b">
+                        <a:spcBef>
+                          <a:spcPts val="0"/>
+                        </a:spcBef>
+                        <a:spcAft>
+                          <a:spcPts val="0"/>
+                        </a:spcAft>
+                      </a:pPr>
+                      <a:r>
+                        <a:rPr lang="en-US" sz="2000" b="1" i="0" u="none" strike="noStrike" dirty="0">
+                          <a:solidFill>
+                            <a:srgbClr val="FFFFFF"/>
+                          </a:solidFill>
+                          <a:effectLst/>
+                          <a:latin typeface="Arial" panose="020B0604020202020204" pitchFamily="34" charset="0"/>
+                        </a:rPr>
+                        <a:t>50</a:t>
+                      </a:r>
+                      <a:endParaRPr lang="en-US" sz="2000" b="0" i="0" u="none" strike="noStrike" dirty="0">
+                        <a:effectLst/>
+                        <a:latin typeface="Arial" panose="020B0604020202020204" pitchFamily="34" charset="0"/>
+                      </a:endParaRPr>
+                    </a:p>
+                  </a:txBody>
+                  <a:tcPr marL="26194" marR="26194" marT="26194" marB="0" anchor="ctr">
+                    <a:lnL w="6350" cap="flat" cmpd="sng" algn="ctr">
+                      <a:solidFill>
+                        <a:srgbClr val="000000"/>
+                      </a:solidFill>
+                      <a:prstDash val="solid"/>
+                      <a:round/>
+                      <a:headEnd type="none" w="med" len="med"/>
+                      <a:tailEnd type="none" w="med" len="med"/>
+                    </a:lnL>
+                    <a:lnR w="6350" cap="flat" cmpd="sng" algn="ctr">
+                      <a:solidFill>
+                        <a:srgbClr val="000000"/>
+                      </a:solidFill>
+                      <a:prstDash val="solid"/>
+                      <a:round/>
+                      <a:headEnd type="none" w="med" len="med"/>
+                      <a:tailEnd type="none" w="med" len="med"/>
+                    </a:lnR>
+                    <a:lnT w="6350" cap="flat" cmpd="sng" algn="ctr">
+                      <a:solidFill>
+                        <a:srgbClr val="000000"/>
+                      </a:solidFill>
+                      <a:prstDash val="solid"/>
+                      <a:round/>
+                      <a:headEnd type="none" w="med" len="med"/>
+                      <a:tailEnd type="none" w="med" len="med"/>
+                    </a:lnT>
+                    <a:lnB w="6350" cap="flat" cmpd="sng" algn="ctr">
+                      <a:solidFill>
+                        <a:srgbClr val="000000"/>
+                      </a:solidFill>
+                      <a:prstDash val="solid"/>
+                      <a:round/>
+                      <a:headEnd type="none" w="med" len="med"/>
+                      <a:tailEnd type="none" w="med" len="med"/>
+                    </a:lnB>
+                    <a:solidFill>
+                      <a:srgbClr val="ED7D31"/>
+                    </a:solidFill>
+                  </a:tcPr>
+                </a:tc>
+                <a:extLst>
+                  <a:ext uri="{0D108BD9-81ED-4DB2-BD59-A6C34878D82A}">
+                    <a16:rowId xmlns:a16="http://schemas.microsoft.com/office/drawing/2014/main" val="3892764168"/>
+                  </a:ext>
+                </a:extLst>
+              </a:tr>
+              <a:tr h="750389">
+                <a:tc>
+                  <a:txBody>
+                    <a:bodyPr/>
+                    <a:lstStyle/>
+                    <a:p>
+                      <a:pPr algn="ctr" fontAlgn="b">
+                        <a:spcBef>
+                          <a:spcPts val="0"/>
+                        </a:spcBef>
+                        <a:spcAft>
+                          <a:spcPts val="0"/>
+                        </a:spcAft>
+                      </a:pPr>
+                      <a:r>
+                        <a:rPr lang="en-US" sz="2000" b="0" i="1" u="none" strike="noStrike" dirty="0">
+                          <a:solidFill>
+                            <a:srgbClr val="000000"/>
+                          </a:solidFill>
+                          <a:effectLst/>
+                          <a:latin typeface="Arial" panose="020B0604020202020204" pitchFamily="34" charset="0"/>
+                        </a:rPr>
+                        <a:t>Error still</a:t>
+                      </a:r>
+                      <a:endParaRPr lang="en-US" sz="2000" b="0" i="0" u="none" strike="noStrike" dirty="0">
+                        <a:effectLst/>
+                        <a:latin typeface="Arial" panose="020B0604020202020204" pitchFamily="34" charset="0"/>
+                      </a:endParaRPr>
+                    </a:p>
+                  </a:txBody>
+                  <a:tcPr marL="26194" marR="26194" marT="26194" marB="0" anchor="ctr">
+                    <a:lnL w="6350" cap="flat" cmpd="sng" algn="ctr">
+                      <a:solidFill>
+                        <a:srgbClr val="000000"/>
+                      </a:solidFill>
+                      <a:prstDash val="solid"/>
+                      <a:round/>
+                      <a:headEnd type="none" w="med" len="med"/>
+                      <a:tailEnd type="none" w="med" len="med"/>
+                    </a:lnL>
+                    <a:lnR w="6350" cap="flat" cmpd="sng" algn="ctr">
+                      <a:solidFill>
+                        <a:srgbClr val="000000"/>
+                      </a:solidFill>
+                      <a:prstDash val="solid"/>
+                      <a:round/>
+                      <a:headEnd type="none" w="med" len="med"/>
+                      <a:tailEnd type="none" w="med" len="med"/>
+                    </a:lnR>
+                    <a:lnT w="6350" cap="flat" cmpd="sng" algn="ctr">
+                      <a:solidFill>
+                        <a:srgbClr val="000000"/>
+                      </a:solidFill>
+                      <a:prstDash val="solid"/>
+                      <a:round/>
+                      <a:headEnd type="none" w="med" len="med"/>
+                      <a:tailEnd type="none" w="med" len="med"/>
+                    </a:lnT>
+                    <a:lnB w="6350" cap="flat" cmpd="sng" algn="ctr">
+                      <a:solidFill>
+                        <a:srgbClr val="000000"/>
+                      </a:solidFill>
+                      <a:prstDash val="solid"/>
+                      <a:round/>
+                      <a:headEnd type="none" w="med" len="med"/>
+                      <a:tailEnd type="none" w="med" len="med"/>
+                    </a:lnB>
+                    <a:solidFill>
+                      <a:srgbClr val="D9E1F2"/>
+                    </a:solidFill>
+                  </a:tcPr>
+                </a:tc>
+                <a:tc>
+                  <a:txBody>
+                    <a:bodyPr/>
+                    <a:lstStyle/>
+                    <a:p>
+                      <a:pPr algn="ctr" fontAlgn="b">
+                        <a:spcBef>
+                          <a:spcPts val="0"/>
+                        </a:spcBef>
+                        <a:spcAft>
+                          <a:spcPts val="0"/>
+                        </a:spcAft>
+                      </a:pPr>
+                      <a:r>
+                        <a:rPr lang="en-US" sz="2000" b="1" i="0" u="none" strike="noStrike" dirty="0">
+                          <a:solidFill>
+                            <a:srgbClr val="FFFFFF"/>
+                          </a:solidFill>
+                          <a:effectLst/>
+                          <a:latin typeface="Arial" panose="020B0604020202020204" pitchFamily="34" charset="0"/>
+                        </a:rPr>
+                        <a:t>11</a:t>
+                      </a:r>
+                      <a:endParaRPr lang="en-US" sz="2000" b="0" i="0" u="none" strike="noStrike" dirty="0">
+                        <a:effectLst/>
+                        <a:latin typeface="Arial" panose="020B0604020202020204" pitchFamily="34" charset="0"/>
+                      </a:endParaRPr>
+                    </a:p>
+                  </a:txBody>
+                  <a:tcPr marL="26194" marR="26194" marT="26194" marB="0" anchor="ctr">
+                    <a:lnL w="6350" cap="flat" cmpd="sng" algn="ctr">
+                      <a:solidFill>
+                        <a:srgbClr val="000000"/>
+                      </a:solidFill>
+                      <a:prstDash val="solid"/>
+                      <a:round/>
+                      <a:headEnd type="none" w="med" len="med"/>
+                      <a:tailEnd type="none" w="med" len="med"/>
+                    </a:lnL>
+                    <a:lnR w="6350" cap="flat" cmpd="sng" algn="ctr">
+                      <a:solidFill>
+                        <a:srgbClr val="000000"/>
+                      </a:solidFill>
+                      <a:prstDash val="solid"/>
+                      <a:round/>
+                      <a:headEnd type="none" w="med" len="med"/>
+                      <a:tailEnd type="none" w="med" len="med"/>
+                    </a:lnR>
+                    <a:lnT w="6350" cap="flat" cmpd="sng" algn="ctr">
+                      <a:solidFill>
+                        <a:srgbClr val="000000"/>
+                      </a:solidFill>
+                      <a:prstDash val="solid"/>
+                      <a:round/>
+                      <a:headEnd type="none" w="med" len="med"/>
+                      <a:tailEnd type="none" w="med" len="med"/>
+                    </a:lnT>
+                    <a:lnB w="6350" cap="flat" cmpd="sng" algn="ctr">
+                      <a:solidFill>
+                        <a:srgbClr val="000000"/>
+                      </a:solidFill>
+                      <a:prstDash val="solid"/>
+                      <a:round/>
+                      <a:headEnd type="none" w="med" len="med"/>
+                      <a:tailEnd type="none" w="med" len="med"/>
+                    </a:lnB>
+                    <a:solidFill>
+                      <a:srgbClr val="AEAAAA"/>
+                    </a:solidFill>
+                  </a:tcPr>
+                </a:tc>
+                <a:extLst>
+                  <a:ext uri="{0D108BD9-81ED-4DB2-BD59-A6C34878D82A}">
+                    <a16:rowId xmlns:a16="http://schemas.microsoft.com/office/drawing/2014/main" val="3260275691"/>
+                  </a:ext>
+                </a:extLst>
+              </a:tr>
+            </a:tbl>
+          </a:graphicData>
+        </a:graphic>
+      </p:graphicFrame>
+    </p:spTree>
+    <p:extLst>
+      <p:ext uri="{BB962C8B-B14F-4D97-AF65-F5344CB8AC3E}">
+        <p14:creationId xmlns:p14="http://schemas.microsoft.com/office/powerpoint/2010/main" val="2468762511"/>
+      </p:ext>
+    </p:extLst>
+  </p:cSld>
+  <p:clrMapOvr>
+    <a:masterClrMapping/>
+  </p:clrMapOvr>
+  <mc:AlternateContent xmlns:mc="http://schemas.openxmlformats.org/markup-compatibility/2006" xmlns:p14="http://schemas.microsoft.com/office/powerpoint/2010/main">
+    <mc:Choice Requires="p14">
+      <p:transition spd="med" p14:dur="700">
+        <p:fade/>
+      </p:transition>
+    </mc:Choice>
+    <mc:Fallback xmlns="">
+      <p:transition spd="med">
+        <p:fade/>
+      </p:transition>
+    </mc:Fallback>
+  </mc:AlternateContent>
+</p:sld>
+</file>
+
+<file path=ppt/slides/slide23.xml><?xml version="1.0" encoding="utf-8"?>
+<p:sld xmlns:a="http://schemas.openxmlformats.org/drawingml/2006/main" xmlns:r="http://schemas.openxmlformats.org/officeDocument/2006/relationships" xmlns:p="http://schemas.openxmlformats.org/presentationml/2006/main">
+  <p:cSld>
+    <p:spTree>
+      <p:nvGrpSpPr>
+        <p:cNvPr id="1" name=""/>
+        <p:cNvGrpSpPr/>
+        <p:nvPr/>
+      </p:nvGrpSpPr>
+      <p:grpSpPr>
+        <a:xfrm>
+          <a:off x="0" y="0"/>
+          <a:ext cx="0" cy="0"/>
+          <a:chOff x="0" y="0"/>
+          <a:chExt cx="0" cy="0"/>
+        </a:xfrm>
+      </p:grpSpPr>
+      <p:sp>
+        <p:nvSpPr>
+          <p:cNvPr id="3" name="Title 2"/>
+          <p:cNvSpPr>
+            <a:spLocks noGrp="1"/>
+          </p:cNvSpPr>
+          <p:nvPr>
+            <p:ph type="title"/>
+          </p:nvPr>
+        </p:nvSpPr>
+        <p:spPr>
+          <a:xfrm>
+            <a:off x="0" y="275089"/>
+            <a:ext cx="12192000" cy="1179288"/>
+          </a:xfrm>
+        </p:spPr>
+        <p:txBody>
+          <a:bodyPr/>
+          <a:lstStyle/>
+          <a:p>
+            <a:r>
+              <a:rPr lang="en-US" altLang="ko-KR" b="1" dirty="0"/>
+              <a:t>6. Problem project</a:t>
+            </a:r>
+            <a:endParaRPr lang="ko-KR" altLang="en-US" b="1" dirty="0"/>
+          </a:p>
+        </p:txBody>
+      </p:sp>
+      <p:sp>
+        <p:nvSpPr>
+          <p:cNvPr id="6" name="Slide Number Placeholder 3">
+            <a:extLst>
+              <a:ext uri="{FF2B5EF4-FFF2-40B4-BE49-F238E27FC236}">
+                <a16:creationId xmlns:a16="http://schemas.microsoft.com/office/drawing/2014/main" id="{FF9DDFD0-EB1F-3C43-95CC-461CBFD9C865}"/>
+              </a:ext>
+            </a:extLst>
+          </p:cNvPr>
+          <p:cNvSpPr txBox="1">
+            <a:spLocks/>
+          </p:cNvSpPr>
+          <p:nvPr/>
+        </p:nvSpPr>
+        <p:spPr>
+          <a:xfrm>
+            <a:off x="11198390" y="6405331"/>
+            <a:ext cx="452437" cy="365125"/>
+          </a:xfrm>
+          <a:prstGeom prst="rect">
+            <a:avLst/>
+          </a:prstGeom>
+        </p:spPr>
+        <p:txBody>
+          <a:bodyPr/>
+          <a:lstStyle>
+            <a:defPPr>
+              <a:defRPr lang="en-US"/>
+            </a:defPPr>
+            <a:lvl1pPr marL="0" algn="l" defTabSz="914400" rtl="0" eaLnBrk="1" latinLnBrk="0" hangingPunct="1">
+              <a:defRPr sz="1800" kern="1200">
+                <a:solidFill>
+                  <a:schemeClr val="tx1"/>
+                </a:solidFill>
+                <a:latin typeface="+mn-lt"/>
+                <a:ea typeface="+mn-ea"/>
+                <a:cs typeface="+mn-cs"/>
+              </a:defRPr>
+            </a:lvl1pPr>
+            <a:lvl2pPr marL="457200" algn="l" defTabSz="914400" rtl="0" eaLnBrk="1" latinLnBrk="0" hangingPunct="1">
+              <a:defRPr sz="1800" kern="1200">
+                <a:solidFill>
+                  <a:schemeClr val="tx1"/>
+                </a:solidFill>
+                <a:latin typeface="+mn-lt"/>
+                <a:ea typeface="+mn-ea"/>
+                <a:cs typeface="+mn-cs"/>
+              </a:defRPr>
+            </a:lvl2pPr>
+            <a:lvl3pPr marL="914400" algn="l" defTabSz="914400" rtl="0" eaLnBrk="1" latinLnBrk="0" hangingPunct="1">
+              <a:defRPr sz="1800" kern="1200">
+                <a:solidFill>
+                  <a:schemeClr val="tx1"/>
+                </a:solidFill>
+                <a:latin typeface="+mn-lt"/>
+                <a:ea typeface="+mn-ea"/>
+                <a:cs typeface="+mn-cs"/>
+              </a:defRPr>
+            </a:lvl3pPr>
+            <a:lvl4pPr marL="1371600" algn="l" defTabSz="914400" rtl="0" eaLnBrk="1" latinLnBrk="0" hangingPunct="1">
+              <a:defRPr sz="1800" kern="1200">
+                <a:solidFill>
+                  <a:schemeClr val="tx1"/>
+                </a:solidFill>
+                <a:latin typeface="+mn-lt"/>
+                <a:ea typeface="+mn-ea"/>
+                <a:cs typeface="+mn-cs"/>
+              </a:defRPr>
+            </a:lvl4pPr>
+            <a:lvl5pPr marL="1828800" algn="l" defTabSz="914400" rtl="0" eaLnBrk="1" latinLnBrk="0" hangingPunct="1">
+              <a:defRPr sz="1800" kern="1200">
+                <a:solidFill>
+                  <a:schemeClr val="tx1"/>
+                </a:solidFill>
+                <a:latin typeface="+mn-lt"/>
+                <a:ea typeface="+mn-ea"/>
+                <a:cs typeface="+mn-cs"/>
+              </a:defRPr>
+            </a:lvl5pPr>
+            <a:lvl6pPr marL="2286000" algn="l" defTabSz="914400" rtl="0" eaLnBrk="1" latinLnBrk="0" hangingPunct="1">
+              <a:defRPr sz="1800" kern="1200">
+                <a:solidFill>
+                  <a:schemeClr val="tx1"/>
+                </a:solidFill>
+                <a:latin typeface="+mn-lt"/>
+                <a:ea typeface="+mn-ea"/>
+                <a:cs typeface="+mn-cs"/>
+              </a:defRPr>
+            </a:lvl6pPr>
+            <a:lvl7pPr marL="2743200" algn="l" defTabSz="914400" rtl="0" eaLnBrk="1" latinLnBrk="0" hangingPunct="1">
+              <a:defRPr sz="1800" kern="1200">
+                <a:solidFill>
+                  <a:schemeClr val="tx1"/>
+                </a:solidFill>
+                <a:latin typeface="+mn-lt"/>
+                <a:ea typeface="+mn-ea"/>
+                <a:cs typeface="+mn-cs"/>
+              </a:defRPr>
+            </a:lvl7pPr>
+            <a:lvl8pPr marL="3200400" algn="l" defTabSz="914400" rtl="0" eaLnBrk="1" latinLnBrk="0" hangingPunct="1">
+              <a:defRPr sz="1800" kern="1200">
+                <a:solidFill>
+                  <a:schemeClr val="tx1"/>
+                </a:solidFill>
+                <a:latin typeface="+mn-lt"/>
+                <a:ea typeface="+mn-ea"/>
+                <a:cs typeface="+mn-cs"/>
+              </a:defRPr>
+            </a:lvl8pPr>
+            <a:lvl9pPr marL="3657600" algn="l" defTabSz="914400" rtl="0" eaLnBrk="1" latinLnBrk="0" hangingPunct="1">
+              <a:defRPr sz="1800" kern="1200">
+                <a:solidFill>
+                  <a:schemeClr val="tx1"/>
+                </a:solidFill>
+                <a:latin typeface="+mn-lt"/>
+                <a:ea typeface="+mn-ea"/>
+                <a:cs typeface="+mn-cs"/>
+              </a:defRPr>
+            </a:lvl9pPr>
+          </a:lstStyle>
+          <a:p>
+            <a:fld id="{301E5F09-0F4C-0243-9596-FED7D03FE3DA}" type="slidenum">
+              <a:rPr lang="en-US" smtClean="0"/>
+              <a:pPr/>
+              <a:t>23</a:t>
             </a:fld>
             <a:endParaRPr lang="en-US" dirty="0"/>
           </a:p>
@@ -13467,22 +15531,105 @@
   <p:clrMapOvr>
     <a:masterClrMapping/>
   </p:clrMapOvr>
-  <mc:AlternateContent xmlns:mc="http://schemas.openxmlformats.org/markup-compatibility/2006">
-    <mc:Choice xmlns:p14="http://schemas.microsoft.com/office/powerpoint/2010/main" Requires="p14">
+  <mc:AlternateContent xmlns:mc="http://schemas.openxmlformats.org/markup-compatibility/2006" xmlns:p14="http://schemas.microsoft.com/office/powerpoint/2010/main">
+    <mc:Choice Requires="p14">
       <p:transition spd="med" p14:dur="700">
         <p:fade/>
       </p:transition>
     </mc:Choice>
-    <mc:Fallback>
+    <mc:Fallback xmlns="">
       <p:transition spd="med">
         <p:fade/>
       </p:transition>
     </mc:Fallback>
   </mc:AlternateContent>
+  <p:timing>
+    <p:tnLst>
+      <p:par>
+        <p:cTn id="1" dur="indefinite" restart="never" nodeType="tmRoot">
+          <p:childTnLst>
+            <p:seq concurrent="1" nextAc="seek">
+              <p:cTn id="2" dur="indefinite" nodeType="mainSeq">
+                <p:childTnLst>
+                  <p:par>
+                    <p:cTn id="3" fill="hold">
+                      <p:stCondLst>
+                        <p:cond delay="indefinite"/>
+                      </p:stCondLst>
+                      <p:childTnLst>
+                        <p:par>
+                          <p:cTn id="4" fill="hold">
+                            <p:stCondLst>
+                              <p:cond delay="0"/>
+                            </p:stCondLst>
+                            <p:childTnLst>
+                              <p:par>
+                                <p:cTn id="5" presetID="5" presetClass="entr" presetSubtype="10" fill="hold" nodeType="clickEffect">
+                                  <p:stCondLst>
+                                    <p:cond delay="0"/>
+                                  </p:stCondLst>
+                                  <p:childTnLst>
+                                    <p:set>
+                                      <p:cBhvr>
+                                        <p:cTn id="6" dur="1" fill="hold">
+                                          <p:stCondLst>
+                                            <p:cond delay="0"/>
+                                          </p:stCondLst>
+                                        </p:cTn>
+                                        <p:tgtEl>
+                                          <p:spTgt spid="10"/>
+                                        </p:tgtEl>
+                                        <p:attrNameLst>
+                                          <p:attrName>style.visibility</p:attrName>
+                                        </p:attrNameLst>
+                                      </p:cBhvr>
+                                      <p:to>
+                                        <p:strVal val="visible"/>
+                                      </p:to>
+                                    </p:set>
+                                    <p:animEffect transition="in" filter="checkerboard(across)">
+                                      <p:cBhvr>
+                                        <p:cTn id="7" dur="500"/>
+                                        <p:tgtEl>
+                                          <p:spTgt spid="10"/>
+                                        </p:tgtEl>
+                                      </p:cBhvr>
+                                    </p:animEffect>
+                                  </p:childTnLst>
+                                </p:cTn>
+                              </p:par>
+                            </p:childTnLst>
+                          </p:cTn>
+                        </p:par>
+                      </p:childTnLst>
+                    </p:cTn>
+                  </p:par>
+                </p:childTnLst>
+              </p:cTn>
+              <p:prevCondLst>
+                <p:cond evt="onPrev" delay="0">
+                  <p:tgtEl>
+                    <p:sldTgt/>
+                  </p:tgtEl>
+                </p:cond>
+              </p:prevCondLst>
+              <p:nextCondLst>
+                <p:cond evt="onNext" delay="0">
+                  <p:tgtEl>
+                    <p:sldTgt/>
+                  </p:tgtEl>
+                </p:cond>
+              </p:nextCondLst>
+            </p:seq>
+          </p:childTnLst>
+        </p:cTn>
+      </p:par>
+    </p:tnLst>
+  </p:timing>
 </p:sld>
 </file>
 
-<file path=ppt/slides/slide22.xml><?xml version="1.0" encoding="utf-8"?>
+<file path=ppt/slides/slide24.xml><?xml version="1.0" encoding="utf-8"?>
 <p:sld xmlns:a="http://schemas.openxmlformats.org/drawingml/2006/main" xmlns:r="http://schemas.openxmlformats.org/officeDocument/2006/relationships" xmlns:p="http://schemas.openxmlformats.org/presentationml/2006/main">
   <p:cSld>
     <p:spTree>
@@ -13672,7 +15819,7 @@
             <a:fld id="{301E5F09-0F4C-0243-9596-FED7D03FE3DA}" type="slidenum">
               <a:rPr lang="en-US" smtClean="0"/>
               <a:pPr/>
-              <a:t>22</a:t>
+              <a:t>24</a:t>
             </a:fld>
             <a:endParaRPr lang="en-US" dirty="0"/>
           </a:p>
@@ -14685,22 +16832,158 @@
   <p:clrMapOvr>
     <a:masterClrMapping/>
   </p:clrMapOvr>
-  <mc:AlternateContent xmlns:mc="http://schemas.openxmlformats.org/markup-compatibility/2006">
-    <mc:Choice xmlns:p14="http://schemas.microsoft.com/office/powerpoint/2010/main" Requires="p14">
+  <mc:AlternateContent xmlns:mc="http://schemas.openxmlformats.org/markup-compatibility/2006" xmlns:p14="http://schemas.microsoft.com/office/powerpoint/2010/main">
+    <mc:Choice Requires="p14">
       <p:transition spd="med" p14:dur="700">
         <p:fade/>
       </p:transition>
     </mc:Choice>
-    <mc:Fallback>
+    <mc:Fallback xmlns="">
       <p:transition spd="med">
         <p:fade/>
       </p:transition>
     </mc:Fallback>
   </mc:AlternateContent>
+  <p:timing>
+    <p:tnLst>
+      <p:par>
+        <p:cTn id="1" dur="indefinite" restart="never" nodeType="tmRoot">
+          <p:childTnLst>
+            <p:seq concurrent="1" nextAc="seek">
+              <p:cTn id="2" dur="indefinite" nodeType="mainSeq">
+                <p:childTnLst>
+                  <p:par>
+                    <p:cTn id="3" fill="hold">
+                      <p:stCondLst>
+                        <p:cond delay="indefinite"/>
+                      </p:stCondLst>
+                      <p:childTnLst>
+                        <p:par>
+                          <p:cTn id="4" fill="hold">
+                            <p:stCondLst>
+                              <p:cond delay="0"/>
+                            </p:stCondLst>
+                            <p:childTnLst>
+                              <p:par>
+                                <p:cTn id="5" presetID="5" presetClass="entr" presetSubtype="10" fill="hold" nodeType="clickEffect">
+                                  <p:stCondLst>
+                                    <p:cond delay="0"/>
+                                  </p:stCondLst>
+                                  <p:childTnLst>
+                                    <p:set>
+                                      <p:cBhvr>
+                                        <p:cTn id="6" dur="1" fill="hold">
+                                          <p:stCondLst>
+                                            <p:cond delay="0"/>
+                                          </p:stCondLst>
+                                        </p:cTn>
+                                        <p:tgtEl>
+                                          <p:spTgt spid="9"/>
+                                        </p:tgtEl>
+                                        <p:attrNameLst>
+                                          <p:attrName>style.visibility</p:attrName>
+                                        </p:attrNameLst>
+                                      </p:cBhvr>
+                                      <p:to>
+                                        <p:strVal val="visible"/>
+                                      </p:to>
+                                    </p:set>
+                                    <p:animEffect transition="in" filter="checkerboard(across)">
+                                      <p:cBhvr>
+                                        <p:cTn id="7" dur="500"/>
+                                        <p:tgtEl>
+                                          <p:spTgt spid="9"/>
+                                        </p:tgtEl>
+                                      </p:cBhvr>
+                                    </p:animEffect>
+                                  </p:childTnLst>
+                                </p:cTn>
+                              </p:par>
+                            </p:childTnLst>
+                          </p:cTn>
+                        </p:par>
+                      </p:childTnLst>
+                    </p:cTn>
+                  </p:par>
+                  <p:par>
+                    <p:cTn id="8" fill="hold">
+                      <p:stCondLst>
+                        <p:cond delay="indefinite"/>
+                      </p:stCondLst>
+                      <p:childTnLst>
+                        <p:par>
+                          <p:cTn id="9" fill="hold">
+                            <p:stCondLst>
+                              <p:cond delay="0"/>
+                            </p:stCondLst>
+                            <p:childTnLst>
+                              <p:par>
+                                <p:cTn id="10" presetID="5" presetClass="entr" presetSubtype="10" fill="hold" nodeType="clickEffect">
+                                  <p:stCondLst>
+                                    <p:cond delay="0"/>
+                                  </p:stCondLst>
+                                  <p:childTnLst>
+                                    <p:set>
+                                      <p:cBhvr>
+                                        <p:cTn id="11" dur="1" fill="hold">
+                                          <p:stCondLst>
+                                            <p:cond delay="0"/>
+                                          </p:stCondLst>
+                                        </p:cTn>
+                                        <p:tgtEl>
+                                          <p:spTgt spid="11"/>
+                                        </p:tgtEl>
+                                        <p:attrNameLst>
+                                          <p:attrName>style.visibility</p:attrName>
+                                        </p:attrNameLst>
+                                      </p:cBhvr>
+                                      <p:to>
+                                        <p:strVal val="visible"/>
+                                      </p:to>
+                                    </p:set>
+                                    <p:animEffect transition="in" filter="checkerboard(across)">
+                                      <p:cBhvr>
+                                        <p:cTn id="12" dur="500"/>
+                                        <p:tgtEl>
+                                          <p:spTgt spid="11"/>
+                                        </p:tgtEl>
+                                      </p:cBhvr>
+                                    </p:animEffect>
+                                  </p:childTnLst>
+                                </p:cTn>
+                              </p:par>
+                            </p:childTnLst>
+                          </p:cTn>
+                        </p:par>
+                      </p:childTnLst>
+                    </p:cTn>
+                  </p:par>
+                </p:childTnLst>
+              </p:cTn>
+              <p:prevCondLst>
+                <p:cond evt="onPrev" delay="0">
+                  <p:tgtEl>
+                    <p:sldTgt/>
+                  </p:tgtEl>
+                </p:cond>
+              </p:prevCondLst>
+              <p:nextCondLst>
+                <p:cond evt="onNext" delay="0">
+                  <p:tgtEl>
+                    <p:sldTgt/>
+                  </p:tgtEl>
+                </p:cond>
+              </p:nextCondLst>
+            </p:seq>
+          </p:childTnLst>
+        </p:cTn>
+      </p:par>
+    </p:tnLst>
+  </p:timing>
 </p:sld>
 </file>
 
-<file path=ppt/slides/slide23.xml><?xml version="1.0" encoding="utf-8"?>
+<file path=ppt/slides/slide25.xml><?xml version="1.0" encoding="utf-8"?>
 <p:sld xmlns:a="http://schemas.openxmlformats.org/drawingml/2006/main" xmlns:r="http://schemas.openxmlformats.org/officeDocument/2006/relationships" xmlns:p="http://schemas.openxmlformats.org/presentationml/2006/main">
   <p:cSld>
     <p:spTree>
@@ -14894,7 +17177,7 @@
             <a:fld id="{301E5F09-0F4C-0243-9596-FED7D03FE3DA}" type="slidenum">
               <a:rPr lang="en-US" smtClean="0"/>
               <a:pPr/>
-              <a:t>23</a:t>
+              <a:t>25</a:t>
             </a:fld>
             <a:endParaRPr lang="en-US" dirty="0"/>
           </a:p>
@@ -14910,13 +17193,13 @@
   <p:clrMapOvr>
     <a:masterClrMapping/>
   </p:clrMapOvr>
-  <mc:AlternateContent xmlns:mc="http://schemas.openxmlformats.org/markup-compatibility/2006">
-    <mc:Choice xmlns:p14="http://schemas.microsoft.com/office/powerpoint/2010/main" Requires="p14">
+  <mc:AlternateContent xmlns:mc="http://schemas.openxmlformats.org/markup-compatibility/2006" xmlns:p14="http://schemas.microsoft.com/office/powerpoint/2010/main">
+    <mc:Choice Requires="p14">
       <p:transition spd="med" p14:dur="700">
         <p:fade/>
       </p:transition>
     </mc:Choice>
-    <mc:Fallback>
+    <mc:Fallback xmlns="">
       <p:transition spd="med">
         <p:fade/>
       </p:transition>
@@ -14925,7 +17208,7 @@
 </p:sld>
 </file>
 
-<file path=ppt/slides/slide24.xml><?xml version="1.0" encoding="utf-8"?>
+<file path=ppt/slides/slide26.xml><?xml version="1.0" encoding="utf-8"?>
 <p:sld xmlns:a="http://schemas.openxmlformats.org/drawingml/2006/main" xmlns:r="http://schemas.openxmlformats.org/officeDocument/2006/relationships" xmlns:p="http://schemas.openxmlformats.org/presentationml/2006/main">
   <p:cSld>
     <p:spTree>
@@ -15537,13 +17820,13 @@
   <p:clrMapOvr>
     <a:masterClrMapping/>
   </p:clrMapOvr>
-  <mc:AlternateContent xmlns:mc="http://schemas.openxmlformats.org/markup-compatibility/2006">
-    <mc:Choice xmlns:p14="http://schemas.microsoft.com/office/powerpoint/2010/main" Requires="p14">
+  <mc:AlternateContent xmlns:mc="http://schemas.openxmlformats.org/markup-compatibility/2006" xmlns:p14="http://schemas.microsoft.com/office/powerpoint/2010/main">
+    <mc:Choice Requires="p14">
       <p:transition spd="med" p14:dur="700">
         <p:fade/>
       </p:transition>
     </mc:Choice>
-    <mc:Fallback>
+    <mc:Fallback xmlns="">
       <p:transition spd="med">
         <p:fade/>
       </p:transition>
@@ -16139,13 +18422,13 @@
   <p:clrMapOvr>
     <a:masterClrMapping/>
   </p:clrMapOvr>
-  <mc:AlternateContent xmlns:mc="http://schemas.openxmlformats.org/markup-compatibility/2006">
-    <mc:Choice xmlns:p14="http://schemas.microsoft.com/office/powerpoint/2010/main" Requires="p14">
+  <mc:AlternateContent xmlns:mc="http://schemas.openxmlformats.org/markup-compatibility/2006" xmlns:p14="http://schemas.microsoft.com/office/powerpoint/2010/main">
+    <mc:Choice Requires="p14">
       <p:transition spd="med" p14:dur="700">
         <p:fade/>
       </p:transition>
     </mc:Choice>
-    <mc:Fallback>
+    <mc:Fallback xmlns="">
       <p:transition spd="med">
         <p:fade/>
       </p:transition>
@@ -17608,13 +19891,13 @@
   <p:clrMapOvr>
     <a:masterClrMapping/>
   </p:clrMapOvr>
-  <mc:AlternateContent xmlns:mc="http://schemas.openxmlformats.org/markup-compatibility/2006">
-    <mc:Choice xmlns:p14="http://schemas.microsoft.com/office/powerpoint/2010/main" Requires="p14">
+  <mc:AlternateContent xmlns:mc="http://schemas.openxmlformats.org/markup-compatibility/2006" xmlns:p14="http://schemas.microsoft.com/office/powerpoint/2010/main">
+    <mc:Choice Requires="p14">
       <p:transition spd="med" p14:dur="700">
         <p:fade/>
       </p:transition>
     </mc:Choice>
-    <mc:Fallback>
+    <mc:Fallback xmlns="">
       <p:transition spd="med">
         <p:fade/>
       </p:transition>
@@ -17886,13 +20169,13 @@
   <p:clrMapOvr>
     <a:masterClrMapping/>
   </p:clrMapOvr>
-  <mc:AlternateContent xmlns:mc="http://schemas.openxmlformats.org/markup-compatibility/2006">
-    <mc:Choice xmlns:p14="http://schemas.microsoft.com/office/powerpoint/2010/main" Requires="p14">
+  <mc:AlternateContent xmlns:mc="http://schemas.openxmlformats.org/markup-compatibility/2006" xmlns:p14="http://schemas.microsoft.com/office/powerpoint/2010/main">
+    <mc:Choice Requires="p14">
       <p:transition spd="med" p14:dur="700">
         <p:fade/>
       </p:transition>
     </mc:Choice>
-    <mc:Fallback>
+    <mc:Fallback xmlns="">
       <p:transition spd="med">
         <p:fade/>
       </p:transition>
@@ -18590,13 +20873,13 @@
   <p:clrMapOvr>
     <a:masterClrMapping/>
   </p:clrMapOvr>
-  <mc:AlternateContent xmlns:mc="http://schemas.openxmlformats.org/markup-compatibility/2006">
-    <mc:Choice xmlns:p14="http://schemas.microsoft.com/office/powerpoint/2010/main" Requires="p14">
+  <mc:AlternateContent xmlns:mc="http://schemas.openxmlformats.org/markup-compatibility/2006" xmlns:p14="http://schemas.microsoft.com/office/powerpoint/2010/main">
+    <mc:Choice Requires="p14">
       <p:transition spd="med" p14:dur="700">
         <p:fade/>
       </p:transition>
     </mc:Choice>
-    <mc:Fallback>
+    <mc:Fallback xmlns="">
       <p:transition spd="med">
         <p:fade/>
       </p:transition>
@@ -19759,13 +22042,13 @@
   <p:clrMapOvr>
     <a:masterClrMapping/>
   </p:clrMapOvr>
-  <mc:AlternateContent xmlns:mc="http://schemas.openxmlformats.org/markup-compatibility/2006">
-    <mc:Choice xmlns:p14="http://schemas.microsoft.com/office/powerpoint/2010/main" Requires="p14">
+  <mc:AlternateContent xmlns:mc="http://schemas.openxmlformats.org/markup-compatibility/2006" xmlns:p14="http://schemas.microsoft.com/office/powerpoint/2010/main">
+    <mc:Choice Requires="p14">
       <p:transition spd="med" p14:dur="700">
         <p:fade/>
       </p:transition>
     </mc:Choice>
-    <mc:Fallback>
+    <mc:Fallback xmlns="">
       <p:transition spd="med">
         <p:fade/>
       </p:transition>
@@ -20767,13 +23050,13 @@
   <p:clrMapOvr>
     <a:masterClrMapping/>
   </p:clrMapOvr>
-  <mc:AlternateContent xmlns:mc="http://schemas.openxmlformats.org/markup-compatibility/2006">
-    <mc:Choice xmlns:p14="http://schemas.microsoft.com/office/powerpoint/2010/main" Requires="p14">
+  <mc:AlternateContent xmlns:mc="http://schemas.openxmlformats.org/markup-compatibility/2006" xmlns:p14="http://schemas.microsoft.com/office/powerpoint/2010/main">
+    <mc:Choice Requires="p14">
       <p:transition spd="med" p14:dur="700">
         <p:fade/>
       </p:transition>
     </mc:Choice>
-    <mc:Fallback>
+    <mc:Fallback xmlns="">
       <p:transition spd="med">
         <p:fade/>
       </p:transition>
@@ -21832,13 +24115,13 @@
   <p:clrMapOvr>
     <a:masterClrMapping/>
   </p:clrMapOvr>
-  <mc:AlternateContent xmlns:mc="http://schemas.openxmlformats.org/markup-compatibility/2006">
-    <mc:Choice xmlns:p14="http://schemas.microsoft.com/office/powerpoint/2010/main" Requires="p14">
+  <mc:AlternateContent xmlns:mc="http://schemas.openxmlformats.org/markup-compatibility/2006" xmlns:p14="http://schemas.microsoft.com/office/powerpoint/2010/main">
+    <mc:Choice Requires="p14">
       <p:transition spd="med" p14:dur="700">
         <p:fade/>
       </p:transition>
     </mc:Choice>
-    <mc:Fallback>
+    <mc:Fallback xmlns="">
       <p:transition spd="med">
         <p:fade/>
       </p:transition>

--- a/Improgress/PM-3.pptx
+++ b/Improgress/PM-3.pptx
@@ -5,10 +5,10 @@
     <p:sldMasterId id="2147483648" r:id="rId1"/>
   </p:sldMasterIdLst>
   <p:notesMasterIdLst>
-    <p:notesMasterId r:id="rId28"/>
+    <p:notesMasterId r:id="rId30"/>
   </p:notesMasterIdLst>
   <p:handoutMasterIdLst>
-    <p:handoutMasterId r:id="rId29"/>
+    <p:handoutMasterId r:id="rId31"/>
   </p:handoutMasterIdLst>
   <p:sldIdLst>
     <p:sldId id="256" r:id="rId2"/>
@@ -19,24 +19,26 @@
     <p:sldId id="282" r:id="rId7"/>
     <p:sldId id="283" r:id="rId8"/>
     <p:sldId id="284" r:id="rId9"/>
-    <p:sldId id="285" r:id="rId10"/>
-    <p:sldId id="275" r:id="rId11"/>
+    <p:sldId id="275" r:id="rId10"/>
+    <p:sldId id="287" r:id="rId11"/>
     <p:sldId id="286" r:id="rId12"/>
-    <p:sldId id="287" r:id="rId13"/>
-    <p:sldId id="288" r:id="rId14"/>
-    <p:sldId id="289" r:id="rId15"/>
-    <p:sldId id="335" r:id="rId16"/>
-    <p:sldId id="277" r:id="rId17"/>
-    <p:sldId id="295" r:id="rId18"/>
+    <p:sldId id="288" r:id="rId13"/>
+    <p:sldId id="289" r:id="rId14"/>
+    <p:sldId id="335" r:id="rId15"/>
+    <p:sldId id="277" r:id="rId16"/>
+    <p:sldId id="295" r:id="rId17"/>
+    <p:sldId id="339" r:id="rId18"/>
     <p:sldId id="291" r:id="rId19"/>
     <p:sldId id="296" r:id="rId20"/>
     <p:sldId id="336" r:id="rId21"/>
     <p:sldId id="337" r:id="rId22"/>
     <p:sldId id="338" r:id="rId23"/>
-    <p:sldId id="297" r:id="rId24"/>
-    <p:sldId id="279" r:id="rId25"/>
-    <p:sldId id="334" r:id="rId26"/>
-    <p:sldId id="333" r:id="rId27"/>
+    <p:sldId id="340" r:id="rId24"/>
+    <p:sldId id="341" r:id="rId25"/>
+    <p:sldId id="297" r:id="rId26"/>
+    <p:sldId id="279" r:id="rId27"/>
+    <p:sldId id="334" r:id="rId28"/>
+    <p:sldId id="333" r:id="rId29"/>
   </p:sldIdLst>
   <p:sldSz cx="12192000" cy="6858000"/>
   <p:notesSz cx="6858000" cy="9144000"/>
@@ -832,7 +834,7 @@
           <a:p>
             <a:fld id="{E65D64CF-40D3-8A4B-A22E-736EA1880BEB}" type="slidenum">
               <a:rPr lang="en-US" smtClean="0"/>
-              <a:t>19</a:t>
+              <a:t>18</a:t>
             </a:fld>
             <a:endParaRPr lang="en-US"/>
           </a:p>
@@ -841,7 +843,7 @@
     </p:spTree>
     <p:extLst>
       <p:ext uri="{BB962C8B-B14F-4D97-AF65-F5344CB8AC3E}">
-        <p14:creationId xmlns:p14="http://schemas.microsoft.com/office/powerpoint/2010/main" val="648946131"/>
+        <p14:creationId xmlns:p14="http://schemas.microsoft.com/office/powerpoint/2010/main" val="400796730"/>
       </p:ext>
     </p:extLst>
   </p:cSld>
@@ -916,7 +918,7 @@
           <a:p>
             <a:fld id="{E65D64CF-40D3-8A4B-A22E-736EA1880BEB}" type="slidenum">
               <a:rPr lang="en-US" smtClean="0"/>
-              <a:t>20</a:t>
+              <a:t>19</a:t>
             </a:fld>
             <a:endParaRPr lang="en-US"/>
           </a:p>
@@ -925,7 +927,7 @@
     </p:spTree>
     <p:extLst>
       <p:ext uri="{BB962C8B-B14F-4D97-AF65-F5344CB8AC3E}">
-        <p14:creationId xmlns:p14="http://schemas.microsoft.com/office/powerpoint/2010/main" val="1531936296"/>
+        <p14:creationId xmlns:p14="http://schemas.microsoft.com/office/powerpoint/2010/main" val="648946131"/>
       </p:ext>
     </p:extLst>
   </p:cSld>
@@ -1000,7 +1002,7 @@
           <a:p>
             <a:fld id="{E65D64CF-40D3-8A4B-A22E-736EA1880BEB}" type="slidenum">
               <a:rPr lang="en-US" smtClean="0"/>
-              <a:t>21</a:t>
+              <a:t>20</a:t>
             </a:fld>
             <a:endParaRPr lang="en-US"/>
           </a:p>
@@ -1009,7 +1011,7 @@
     </p:spTree>
     <p:extLst>
       <p:ext uri="{BB962C8B-B14F-4D97-AF65-F5344CB8AC3E}">
-        <p14:creationId xmlns:p14="http://schemas.microsoft.com/office/powerpoint/2010/main" val="2365460328"/>
+        <p14:creationId xmlns:p14="http://schemas.microsoft.com/office/powerpoint/2010/main" val="1531936296"/>
       </p:ext>
     </p:extLst>
   </p:cSld>
@@ -1084,7 +1086,7 @@
           <a:p>
             <a:fld id="{E65D64CF-40D3-8A4B-A22E-736EA1880BEB}" type="slidenum">
               <a:rPr lang="en-US" smtClean="0"/>
-              <a:t>22</a:t>
+              <a:t>21</a:t>
             </a:fld>
             <a:endParaRPr lang="en-US"/>
           </a:p>
@@ -1093,7 +1095,7 @@
     </p:spTree>
     <p:extLst>
       <p:ext uri="{BB962C8B-B14F-4D97-AF65-F5344CB8AC3E}">
-        <p14:creationId xmlns:p14="http://schemas.microsoft.com/office/powerpoint/2010/main" val="3766822014"/>
+        <p14:creationId xmlns:p14="http://schemas.microsoft.com/office/powerpoint/2010/main" val="2365460328"/>
       </p:ext>
     </p:extLst>
   </p:cSld>
@@ -1168,7 +1170,91 @@
           <a:p>
             <a:fld id="{E65D64CF-40D3-8A4B-A22E-736EA1880BEB}" type="slidenum">
               <a:rPr lang="en-US" smtClean="0"/>
-              <a:t>26</a:t>
+              <a:t>22</a:t>
+            </a:fld>
+            <a:endParaRPr lang="en-US"/>
+          </a:p>
+        </p:txBody>
+      </p:sp>
+    </p:spTree>
+    <p:extLst>
+      <p:ext uri="{BB962C8B-B14F-4D97-AF65-F5344CB8AC3E}">
+        <p14:creationId xmlns:p14="http://schemas.microsoft.com/office/powerpoint/2010/main" val="3766822014"/>
+      </p:ext>
+    </p:extLst>
+  </p:cSld>
+  <p:clrMapOvr>
+    <a:masterClrMapping/>
+  </p:clrMapOvr>
+</p:notes>
+</file>
+
+<file path=ppt/notesSlides/notesSlide15.xml><?xml version="1.0" encoding="utf-8"?>
+<p:notes xmlns:a="http://schemas.openxmlformats.org/drawingml/2006/main" xmlns:r="http://schemas.openxmlformats.org/officeDocument/2006/relationships" xmlns:p="http://schemas.openxmlformats.org/presentationml/2006/main">
+  <p:cSld>
+    <p:spTree>
+      <p:nvGrpSpPr>
+        <p:cNvPr id="1" name=""/>
+        <p:cNvGrpSpPr/>
+        <p:nvPr/>
+      </p:nvGrpSpPr>
+      <p:grpSpPr>
+        <a:xfrm>
+          <a:off x="0" y="0"/>
+          <a:ext cx="0" cy="0"/>
+          <a:chOff x="0" y="0"/>
+          <a:chExt cx="0" cy="0"/>
+        </a:xfrm>
+      </p:grpSpPr>
+      <p:sp>
+        <p:nvSpPr>
+          <p:cNvPr id="2" name="Slide Image Placeholder 1"/>
+          <p:cNvSpPr>
+            <a:spLocks noGrp="1" noRot="1" noChangeAspect="1"/>
+          </p:cNvSpPr>
+          <p:nvPr>
+            <p:ph type="sldImg"/>
+          </p:nvPr>
+        </p:nvSpPr>
+        <p:spPr/>
+      </p:sp>
+      <p:sp>
+        <p:nvSpPr>
+          <p:cNvPr id="3" name="Notes Placeholder 2"/>
+          <p:cNvSpPr>
+            <a:spLocks noGrp="1"/>
+          </p:cNvSpPr>
+          <p:nvPr>
+            <p:ph type="body" idx="1"/>
+          </p:nvPr>
+        </p:nvSpPr>
+        <p:spPr/>
+        <p:txBody>
+          <a:bodyPr/>
+          <a:lstStyle/>
+          <a:p>
+            <a:endParaRPr lang="en-US" dirty="0"/>
+          </a:p>
+        </p:txBody>
+      </p:sp>
+      <p:sp>
+        <p:nvSpPr>
+          <p:cNvPr id="4" name="Slide Number Placeholder 3"/>
+          <p:cNvSpPr>
+            <a:spLocks noGrp="1"/>
+          </p:cNvSpPr>
+          <p:nvPr>
+            <p:ph type="sldNum" sz="quarter" idx="5"/>
+          </p:nvPr>
+        </p:nvSpPr>
+        <p:spPr/>
+        <p:txBody>
+          <a:bodyPr/>
+          <a:lstStyle/>
+          <a:p>
+            <a:fld id="{E65D64CF-40D3-8A4B-A22E-736EA1880BEB}" type="slidenum">
+              <a:rPr lang="en-US" smtClean="0"/>
+              <a:t>28</a:t>
             </a:fld>
             <a:endParaRPr lang="en-US"/>
           </a:p>
@@ -1252,7 +1338,7 @@
           <a:p>
             <a:fld id="{E65D64CF-40D3-8A4B-A22E-736EA1880BEB}" type="slidenum">
               <a:rPr lang="en-US" smtClean="0"/>
-              <a:t>10</a:t>
+              <a:t>9</a:t>
             </a:fld>
             <a:endParaRPr lang="en-US"/>
           </a:p>
@@ -1336,7 +1422,7 @@
           <a:p>
             <a:fld id="{E65D64CF-40D3-8A4B-A22E-736EA1880BEB}" type="slidenum">
               <a:rPr lang="en-US" smtClean="0"/>
-              <a:t>11</a:t>
+              <a:t>10</a:t>
             </a:fld>
             <a:endParaRPr lang="en-US"/>
           </a:p>
@@ -1345,7 +1431,7 @@
     </p:spTree>
     <p:extLst>
       <p:ext uri="{BB962C8B-B14F-4D97-AF65-F5344CB8AC3E}">
-        <p14:creationId xmlns:p14="http://schemas.microsoft.com/office/powerpoint/2010/main" val="4086595374"/>
+        <p14:creationId xmlns:p14="http://schemas.microsoft.com/office/powerpoint/2010/main" val="1795179585"/>
       </p:ext>
     </p:extLst>
   </p:cSld>
@@ -1420,7 +1506,7 @@
           <a:p>
             <a:fld id="{E65D64CF-40D3-8A4B-A22E-736EA1880BEB}" type="slidenum">
               <a:rPr lang="en-US" smtClean="0"/>
-              <a:t>12</a:t>
+              <a:t>11</a:t>
             </a:fld>
             <a:endParaRPr lang="en-US"/>
           </a:p>
@@ -1429,7 +1515,7 @@
     </p:spTree>
     <p:extLst>
       <p:ext uri="{BB962C8B-B14F-4D97-AF65-F5344CB8AC3E}">
-        <p14:creationId xmlns:p14="http://schemas.microsoft.com/office/powerpoint/2010/main" val="1795179585"/>
+        <p14:creationId xmlns:p14="http://schemas.microsoft.com/office/powerpoint/2010/main" val="4086595374"/>
       </p:ext>
     </p:extLst>
   </p:cSld>
@@ -1504,7 +1590,7 @@
           <a:p>
             <a:fld id="{E65D64CF-40D3-8A4B-A22E-736EA1880BEB}" type="slidenum">
               <a:rPr lang="en-US" smtClean="0"/>
-              <a:t>13</a:t>
+              <a:t>12</a:t>
             </a:fld>
             <a:endParaRPr lang="en-US"/>
           </a:p>
@@ -1588,7 +1674,7 @@
           <a:p>
             <a:fld id="{E65D64CF-40D3-8A4B-A22E-736EA1880BEB}" type="slidenum">
               <a:rPr lang="en-US" smtClean="0"/>
-              <a:t>14</a:t>
+              <a:t>13</a:t>
             </a:fld>
             <a:endParaRPr lang="en-US"/>
           </a:p>
@@ -1672,7 +1758,7 @@
           <a:p>
             <a:fld id="{E65D64CF-40D3-8A4B-A22E-736EA1880BEB}" type="slidenum">
               <a:rPr lang="en-US" smtClean="0"/>
-              <a:t>15</a:t>
+              <a:t>14</a:t>
             </a:fld>
             <a:endParaRPr lang="en-US"/>
           </a:p>
@@ -1756,7 +1842,7 @@
           <a:p>
             <a:fld id="{E65D64CF-40D3-8A4B-A22E-736EA1880BEB}" type="slidenum">
               <a:rPr lang="en-US" smtClean="0"/>
-              <a:t>17</a:t>
+              <a:t>16</a:t>
             </a:fld>
             <a:endParaRPr lang="en-US"/>
           </a:p>
@@ -1840,7 +1926,7 @@
           <a:p>
             <a:fld id="{E65D64CF-40D3-8A4B-A22E-736EA1880BEB}" type="slidenum">
               <a:rPr lang="en-US" smtClean="0"/>
-              <a:t>18</a:t>
+              <a:t>17</a:t>
             </a:fld>
             <a:endParaRPr lang="en-US"/>
           </a:p>
@@ -1849,7 +1935,7 @@
     </p:spTree>
     <p:extLst>
       <p:ext uri="{BB962C8B-B14F-4D97-AF65-F5344CB8AC3E}">
-        <p14:creationId xmlns:p14="http://schemas.microsoft.com/office/powerpoint/2010/main" val="400796730"/>
+        <p14:creationId xmlns:p14="http://schemas.microsoft.com/office/powerpoint/2010/main" val="3518730065"/>
       </p:ext>
     </p:extLst>
   </p:cSld>
@@ -6372,6 +6458,31 @@
       </p:grpSpPr>
       <p:sp>
         <p:nvSpPr>
+          <p:cNvPr id="2" name="Content Placeholder 1"/>
+          <p:cNvSpPr>
+            <a:spLocks noGrp="1"/>
+          </p:cNvSpPr>
+          <p:nvPr>
+            <p:ph idx="1"/>
+          </p:nvPr>
+        </p:nvSpPr>
+        <p:spPr/>
+        <p:txBody>
+          <a:bodyPr/>
+          <a:lstStyle/>
+          <a:p>
+            <a:r>
+              <a:rPr lang="en-US" b="1" dirty="0">
+                <a:latin typeface="Arial" pitchFamily="34" charset="0"/>
+                <a:cs typeface="Arial" pitchFamily="34" charset="0"/>
+              </a:rPr>
+              <a:t>Plan chart (DK) (hours)</a:t>
+            </a:r>
+          </a:p>
+        </p:txBody>
+      </p:sp>
+      <p:sp>
+        <p:nvSpPr>
           <p:cNvPr id="3" name="Title 2"/>
           <p:cNvSpPr>
             <a:spLocks noGrp="1"/>
@@ -6523,38 +6634,6 @@
           </a:p>
         </p:txBody>
       </p:sp>
-      <p:pic>
-        <p:nvPicPr>
-          <p:cNvPr id="8" name="Hình ảnh 3">
-            <a:extLst>
-              <a:ext uri="{FF2B5EF4-FFF2-40B4-BE49-F238E27FC236}">
-                <a16:creationId xmlns:a16="http://schemas.microsoft.com/office/drawing/2014/main" id="{94907D5C-B41C-D844-8AE1-EC84177D6EE7}"/>
-              </a:ext>
-            </a:extLst>
-          </p:cNvPr>
-          <p:cNvPicPr>
-            <a:picLocks noGrp="1" noChangeAspect="1"/>
-          </p:cNvPicPr>
-          <p:nvPr>
-            <p:ph idx="10"/>
-          </p:nvPr>
-        </p:nvPicPr>
-        <p:blipFill>
-          <a:blip r:embed="rId3"/>
-          <a:stretch>
-            <a:fillRect/>
-          </a:stretch>
-        </p:blipFill>
-        <p:spPr>
-          <a:xfrm>
-            <a:off x="733423" y="2452482"/>
-            <a:ext cx="5078713" cy="3716235"/>
-          </a:xfrm>
-          <a:prstGeom prst="rect">
-            <a:avLst/>
-          </a:prstGeom>
-        </p:spPr>
-      </p:pic>
       <p:graphicFrame>
         <p:nvGraphicFramePr>
           <p:cNvPr id="10" name="Content Placeholder 7">
@@ -6570,7 +6649,7 @@
           <p:nvPr>
             <p:extLst>
               <p:ext uri="{D42A27DB-BD31-4B8C-83A1-F6EECF244321}">
-                <p14:modId xmlns:p14="http://schemas.microsoft.com/office/powerpoint/2010/main" val="2500483671"/>
+                <p14:modId xmlns:p14="http://schemas.microsoft.com/office/powerpoint/2010/main" val="3950109126"/>
               </p:ext>
             </p:extLst>
           </p:nvPr>
@@ -6586,14 +6665,14 @@
                 <a:tableStyleId>{F5AB1C69-6EDB-4FF4-983F-18BD219EF322}</a:tableStyleId>
               </a:tblPr>
               <a:tblGrid>
-                <a:gridCol w="4292900">
+                <a:gridCol w="3649962">
                   <a:extLst>
                     <a:ext uri="{9D8B030D-6E8A-4147-A177-3AD203B41FA5}">
                       <a16:colId xmlns:a16="http://schemas.microsoft.com/office/drawing/2014/main" val="4063729469"/>
                     </a:ext>
                   </a:extLst>
                 </a:gridCol>
-                <a:gridCol w="785812">
+                <a:gridCol w="1428750">
                   <a:extLst>
                     <a:ext uri="{9D8B030D-6E8A-4147-A177-3AD203B41FA5}">
                       <a16:colId xmlns:a16="http://schemas.microsoft.com/office/drawing/2014/main" val="2222757179"/>
@@ -6607,31 +6686,15 @@
                     <a:bodyPr/>
                     <a:lstStyle/>
                     <a:p>
-                      <a:pPr marL="0" marR="0" lvl="0" indent="0" algn="ctr" defTabSz="914400" rtl="0" eaLnBrk="1" fontAlgn="auto" latinLnBrk="0" hangingPunct="1">
-                        <a:lnSpc>
-                          <a:spcPct val="100000"/>
-                        </a:lnSpc>
-                        <a:spcBef>
-                          <a:spcPts val="0"/>
-                        </a:spcBef>
-                        <a:spcAft>
-                          <a:spcPts val="0"/>
-                        </a:spcAft>
-                        <a:buClrTx/>
-                        <a:buSzTx/>
-                        <a:buFontTx/>
-                        <a:buNone/>
-                        <a:tabLst/>
-                        <a:defRPr/>
-                      </a:pPr>
-                      <a:r>
-                        <a:rPr lang="en-US" dirty="0"/>
-                        <a:t>Total work for module 1</a:t>
-                      </a:r>
-                      <a:endParaRPr lang="en-US" dirty="0">
-                        <a:latin typeface="Arial" panose="020B0604020202020204" pitchFamily="34" charset="0"/>
-                        <a:cs typeface="Arial" panose="020B0604020202020204" pitchFamily="34" charset="0"/>
-                      </a:endParaRPr>
+                      <a:pPr algn="ctr"/>
+                      <a:r>
+                        <a:rPr lang="en-US" dirty="0">
+                          <a:solidFill>
+                            <a:schemeClr val="bg1"/>
+                          </a:solidFill>
+                        </a:rPr>
+                        <a:t>Total actual time of module completion 1</a:t>
+                      </a:r>
                     </a:p>
                   </a:txBody>
                   <a:tcPr anchor="ctr"/>
@@ -6644,7 +6707,7 @@
                       <a:pPr algn="ctr"/>
                       <a:r>
                         <a:rPr lang="en-US" dirty="0"/>
-                        <a:t>58</a:t>
+                        <a:t>985 hours</a:t>
                       </a:r>
                     </a:p>
                   </a:txBody>
@@ -6662,31 +6725,15 @@
                     <a:bodyPr/>
                     <a:lstStyle/>
                     <a:p>
-                      <a:pPr marL="0" marR="0" lvl="0" indent="0" algn="ctr" defTabSz="914400" rtl="0" eaLnBrk="1" fontAlgn="auto" latinLnBrk="0" hangingPunct="1">
-                        <a:lnSpc>
-                          <a:spcPct val="100000"/>
-                        </a:lnSpc>
-                        <a:spcBef>
-                          <a:spcPts val="0"/>
-                        </a:spcBef>
-                        <a:spcAft>
-                          <a:spcPts val="0"/>
-                        </a:spcAft>
-                        <a:buClrTx/>
-                        <a:buSzTx/>
-                        <a:buFontTx/>
-                        <a:buNone/>
-                        <a:tabLst/>
-                        <a:defRPr/>
-                      </a:pPr>
-                      <a:r>
-                        <a:rPr lang="en-US" dirty="0"/>
-                        <a:t>Total work for module 2</a:t>
-                      </a:r>
-                      <a:endParaRPr lang="en-US" dirty="0">
-                        <a:latin typeface="Arial" panose="020B0604020202020204" pitchFamily="34" charset="0"/>
-                        <a:cs typeface="Arial" panose="020B0604020202020204" pitchFamily="34" charset="0"/>
-                      </a:endParaRPr>
+                      <a:pPr algn="ctr"/>
+                      <a:r>
+                        <a:rPr lang="en-US" dirty="0">
+                          <a:solidFill>
+                            <a:schemeClr val="bg1"/>
+                          </a:solidFill>
+                        </a:rPr>
+                        <a:t>Total actual time of module completion 2</a:t>
+                      </a:r>
                     </a:p>
                   </a:txBody>
                   <a:tcPr anchor="ctr"/>
@@ -6699,7 +6746,7 @@
                       <a:pPr algn="ctr"/>
                       <a:r>
                         <a:rPr lang="en-US" dirty="0"/>
-                        <a:t>28</a:t>
+                        <a:t>744 hours</a:t>
                       </a:r>
                     </a:p>
                   </a:txBody>
@@ -6717,31 +6764,15 @@
                     <a:bodyPr/>
                     <a:lstStyle/>
                     <a:p>
-                      <a:pPr marL="0" marR="0" lvl="0" indent="0" algn="ctr" defTabSz="914400" rtl="0" eaLnBrk="1" fontAlgn="auto" latinLnBrk="0" hangingPunct="1">
-                        <a:lnSpc>
-                          <a:spcPct val="100000"/>
-                        </a:lnSpc>
-                        <a:spcBef>
-                          <a:spcPts val="0"/>
-                        </a:spcBef>
-                        <a:spcAft>
-                          <a:spcPts val="0"/>
-                        </a:spcAft>
-                        <a:buClrTx/>
-                        <a:buSzTx/>
-                        <a:buFontTx/>
-                        <a:buNone/>
-                        <a:tabLst/>
-                        <a:defRPr/>
-                      </a:pPr>
-                      <a:r>
-                        <a:rPr lang="en-US" dirty="0"/>
-                        <a:t>Total work for module 3</a:t>
-                      </a:r>
-                      <a:endParaRPr lang="en-US" dirty="0">
-                        <a:latin typeface="Arial" panose="020B0604020202020204" pitchFamily="34" charset="0"/>
-                        <a:cs typeface="Arial" panose="020B0604020202020204" pitchFamily="34" charset="0"/>
-                      </a:endParaRPr>
+                      <a:pPr algn="ctr"/>
+                      <a:r>
+                        <a:rPr lang="en-US" dirty="0">
+                          <a:solidFill>
+                            <a:schemeClr val="bg1"/>
+                          </a:solidFill>
+                        </a:rPr>
+                        <a:t>Total actual time of module completion 3</a:t>
+                      </a:r>
                     </a:p>
                   </a:txBody>
                   <a:tcPr anchor="ctr"/>
@@ -6754,7 +6785,7 @@
                       <a:pPr algn="ctr"/>
                       <a:r>
                         <a:rPr lang="en-US" dirty="0"/>
-                        <a:t>79</a:t>
+                        <a:t>2047 hours</a:t>
                       </a:r>
                     </a:p>
                   </a:txBody>
@@ -6770,38 +6801,40 @@
           </a:graphicData>
         </a:graphic>
       </p:graphicFrame>
-      <p:sp>
-        <p:nvSpPr>
-          <p:cNvPr id="12" name="Content Placeholder 11">
+      <p:pic>
+        <p:nvPicPr>
+          <p:cNvPr id="8" name="Hình ảnh 2">
             <a:extLst>
               <a:ext uri="{FF2B5EF4-FFF2-40B4-BE49-F238E27FC236}">
-                <a16:creationId xmlns:a16="http://schemas.microsoft.com/office/drawing/2014/main" id="{4C190A00-12E5-504F-85A7-F14C23F54D3E}"/>
+                <a16:creationId xmlns:a16="http://schemas.microsoft.com/office/drawing/2014/main" id="{0EAEF369-E63C-3646-A266-6013B491DF7A}"/>
               </a:ext>
             </a:extLst>
           </p:cNvPr>
-          <p:cNvSpPr>
-            <a:spLocks noGrp="1"/>
-          </p:cNvSpPr>
-          <p:nvPr>
-            <p:ph idx="1"/>
-          </p:nvPr>
-        </p:nvSpPr>
-        <p:spPr/>
-        <p:txBody>
-          <a:bodyPr/>
-          <a:lstStyle/>
-          <a:p>
-            <a:r>
-              <a:rPr lang="en-US" b="1" dirty="0"/>
-              <a:t>Job chart</a:t>
-            </a:r>
-          </a:p>
-        </p:txBody>
-      </p:sp>
+          <p:cNvPicPr>
+            <a:picLocks noChangeAspect="1"/>
+          </p:cNvPicPr>
+          <p:nvPr/>
+        </p:nvPicPr>
+        <p:blipFill>
+          <a:blip r:embed="rId3"/>
+          <a:stretch>
+            <a:fillRect/>
+          </a:stretch>
+        </p:blipFill>
+        <p:spPr>
+          <a:xfrm>
+            <a:off x="733425" y="2452481"/>
+            <a:ext cx="5270572" cy="3692627"/>
+          </a:xfrm>
+          <a:prstGeom prst="rect">
+            <a:avLst/>
+          </a:prstGeom>
+        </p:spPr>
+      </p:pic>
     </p:spTree>
     <p:extLst>
       <p:ext uri="{BB962C8B-B14F-4D97-AF65-F5344CB8AC3E}">
-        <p14:creationId xmlns:p14="http://schemas.microsoft.com/office/powerpoint/2010/main" val="1165547"/>
+        <p14:creationId xmlns:p14="http://schemas.microsoft.com/office/powerpoint/2010/main" val="1209295808"/>
       </p:ext>
     </p:extLst>
   </p:cSld>
@@ -7278,7 +7311,7 @@
                 <a:latin typeface="Arial" pitchFamily="34" charset="0"/>
                 <a:cs typeface="Arial" pitchFamily="34" charset="0"/>
               </a:rPr>
-              <a:t>Plan chart (DK) (hours)</a:t>
+              <a:t>Actual chart (TT) (days)</a:t>
             </a:r>
           </a:p>
         </p:txBody>
@@ -7431,423 +7464,6 @@
               <a:rPr lang="en-US" smtClean="0"/>
               <a:pPr/>
               <a:t>12</a:t>
-            </a:fld>
-            <a:endParaRPr lang="en-US" dirty="0"/>
-          </a:p>
-        </p:txBody>
-      </p:sp>
-      <p:graphicFrame>
-        <p:nvGraphicFramePr>
-          <p:cNvPr id="10" name="Content Placeholder 7">
-            <a:extLst>
-              <a:ext uri="{FF2B5EF4-FFF2-40B4-BE49-F238E27FC236}">
-                <a16:creationId xmlns:a16="http://schemas.microsoft.com/office/drawing/2014/main" id="{5211A43B-A6E4-994A-8A4C-B19BA04D61CC}"/>
-              </a:ext>
-            </a:extLst>
-          </p:cNvPr>
-          <p:cNvGraphicFramePr>
-            <a:graphicFrameLocks/>
-          </p:cNvGraphicFramePr>
-          <p:nvPr>
-            <p:extLst>
-              <p:ext uri="{D42A27DB-BD31-4B8C-83A1-F6EECF244321}">
-                <p14:modId xmlns:p14="http://schemas.microsoft.com/office/powerpoint/2010/main" val="3950109126"/>
-              </p:ext>
-            </p:extLst>
-          </p:nvPr>
-        </p:nvGraphicFramePr>
-        <p:xfrm>
-          <a:off x="6379863" y="2452482"/>
-          <a:ext cx="5078712" cy="3692628"/>
-        </p:xfrm>
-        <a:graphic>
-          <a:graphicData uri="http://schemas.openxmlformats.org/drawingml/2006/table">
-            <a:tbl>
-              <a:tblPr firstCol="1" bandRow="1">
-                <a:tableStyleId>{F5AB1C69-6EDB-4FF4-983F-18BD219EF322}</a:tableStyleId>
-              </a:tblPr>
-              <a:tblGrid>
-                <a:gridCol w="3649962">
-                  <a:extLst>
-                    <a:ext uri="{9D8B030D-6E8A-4147-A177-3AD203B41FA5}">
-                      <a16:colId xmlns:a16="http://schemas.microsoft.com/office/drawing/2014/main" val="4063729469"/>
-                    </a:ext>
-                  </a:extLst>
-                </a:gridCol>
-                <a:gridCol w="1428750">
-                  <a:extLst>
-                    <a:ext uri="{9D8B030D-6E8A-4147-A177-3AD203B41FA5}">
-                      <a16:colId xmlns:a16="http://schemas.microsoft.com/office/drawing/2014/main" val="2222757179"/>
-                    </a:ext>
-                  </a:extLst>
-                </a:gridCol>
-              </a:tblGrid>
-              <a:tr h="1230876">
-                <a:tc>
-                  <a:txBody>
-                    <a:bodyPr/>
-                    <a:lstStyle/>
-                    <a:p>
-                      <a:pPr algn="ctr"/>
-                      <a:r>
-                        <a:rPr lang="en-US" dirty="0">
-                          <a:solidFill>
-                            <a:schemeClr val="bg1"/>
-                          </a:solidFill>
-                        </a:rPr>
-                        <a:t>Total actual time of module completion 1</a:t>
-                      </a:r>
-                    </a:p>
-                  </a:txBody>
-                  <a:tcPr anchor="ctr"/>
-                </a:tc>
-                <a:tc>
-                  <a:txBody>
-                    <a:bodyPr/>
-                    <a:lstStyle/>
-                    <a:p>
-                      <a:pPr algn="ctr"/>
-                      <a:r>
-                        <a:rPr lang="en-US" dirty="0"/>
-                        <a:t>985 hours</a:t>
-                      </a:r>
-                    </a:p>
-                  </a:txBody>
-                  <a:tcPr anchor="ctr"/>
-                </a:tc>
-                <a:extLst>
-                  <a:ext uri="{0D108BD9-81ED-4DB2-BD59-A6C34878D82A}">
-                    <a16:rowId xmlns:a16="http://schemas.microsoft.com/office/drawing/2014/main" val="2434405490"/>
-                  </a:ext>
-                </a:extLst>
-              </a:tr>
-              <a:tr h="1230876">
-                <a:tc>
-                  <a:txBody>
-                    <a:bodyPr/>
-                    <a:lstStyle/>
-                    <a:p>
-                      <a:pPr algn="ctr"/>
-                      <a:r>
-                        <a:rPr lang="en-US" dirty="0">
-                          <a:solidFill>
-                            <a:schemeClr val="bg1"/>
-                          </a:solidFill>
-                        </a:rPr>
-                        <a:t>Total actual time of module completion 2</a:t>
-                      </a:r>
-                    </a:p>
-                  </a:txBody>
-                  <a:tcPr anchor="ctr"/>
-                </a:tc>
-                <a:tc>
-                  <a:txBody>
-                    <a:bodyPr/>
-                    <a:lstStyle/>
-                    <a:p>
-                      <a:pPr algn="ctr"/>
-                      <a:r>
-                        <a:rPr lang="en-US" dirty="0"/>
-                        <a:t>744 hours</a:t>
-                      </a:r>
-                    </a:p>
-                  </a:txBody>
-                  <a:tcPr anchor="ctr"/>
-                </a:tc>
-                <a:extLst>
-                  <a:ext uri="{0D108BD9-81ED-4DB2-BD59-A6C34878D82A}">
-                    <a16:rowId xmlns:a16="http://schemas.microsoft.com/office/drawing/2014/main" val="1417234166"/>
-                  </a:ext>
-                </a:extLst>
-              </a:tr>
-              <a:tr h="1230876">
-                <a:tc>
-                  <a:txBody>
-                    <a:bodyPr/>
-                    <a:lstStyle/>
-                    <a:p>
-                      <a:pPr algn="ctr"/>
-                      <a:r>
-                        <a:rPr lang="en-US" dirty="0">
-                          <a:solidFill>
-                            <a:schemeClr val="bg1"/>
-                          </a:solidFill>
-                        </a:rPr>
-                        <a:t>Total actual time of module completion 3</a:t>
-                      </a:r>
-                    </a:p>
-                  </a:txBody>
-                  <a:tcPr anchor="ctr"/>
-                </a:tc>
-                <a:tc>
-                  <a:txBody>
-                    <a:bodyPr/>
-                    <a:lstStyle/>
-                    <a:p>
-                      <a:pPr algn="ctr"/>
-                      <a:r>
-                        <a:rPr lang="en-US" dirty="0"/>
-                        <a:t>2047 hours</a:t>
-                      </a:r>
-                    </a:p>
-                  </a:txBody>
-                  <a:tcPr anchor="ctr"/>
-                </a:tc>
-                <a:extLst>
-                  <a:ext uri="{0D108BD9-81ED-4DB2-BD59-A6C34878D82A}">
-                    <a16:rowId xmlns:a16="http://schemas.microsoft.com/office/drawing/2014/main" val="2511634183"/>
-                  </a:ext>
-                </a:extLst>
-              </a:tr>
-            </a:tbl>
-          </a:graphicData>
-        </a:graphic>
-      </p:graphicFrame>
-      <p:pic>
-        <p:nvPicPr>
-          <p:cNvPr id="8" name="Hình ảnh 2">
-            <a:extLst>
-              <a:ext uri="{FF2B5EF4-FFF2-40B4-BE49-F238E27FC236}">
-                <a16:creationId xmlns:a16="http://schemas.microsoft.com/office/drawing/2014/main" id="{0EAEF369-E63C-3646-A266-6013B491DF7A}"/>
-              </a:ext>
-            </a:extLst>
-          </p:cNvPr>
-          <p:cNvPicPr>
-            <a:picLocks noChangeAspect="1"/>
-          </p:cNvPicPr>
-          <p:nvPr/>
-        </p:nvPicPr>
-        <p:blipFill>
-          <a:blip r:embed="rId3"/>
-          <a:stretch>
-            <a:fillRect/>
-          </a:stretch>
-        </p:blipFill>
-        <p:spPr>
-          <a:xfrm>
-            <a:off x="733425" y="2452481"/>
-            <a:ext cx="5270572" cy="3692627"/>
-          </a:xfrm>
-          <a:prstGeom prst="rect">
-            <a:avLst/>
-          </a:prstGeom>
-        </p:spPr>
-      </p:pic>
-    </p:spTree>
-    <p:extLst>
-      <p:ext uri="{BB962C8B-B14F-4D97-AF65-F5344CB8AC3E}">
-        <p14:creationId xmlns:p14="http://schemas.microsoft.com/office/powerpoint/2010/main" val="1209295808"/>
-      </p:ext>
-    </p:extLst>
-  </p:cSld>
-  <p:clrMapOvr>
-    <a:masterClrMapping/>
-  </p:clrMapOvr>
-  <mc:AlternateContent xmlns:mc="http://schemas.openxmlformats.org/markup-compatibility/2006" xmlns:p14="http://schemas.microsoft.com/office/powerpoint/2010/main">
-    <mc:Choice Requires="p14">
-      <p:transition spd="med" p14:dur="700">
-        <p:fade/>
-      </p:transition>
-    </mc:Choice>
-    <mc:Fallback xmlns="">
-      <p:transition spd="med">
-        <p:fade/>
-      </p:transition>
-    </mc:Fallback>
-  </mc:AlternateContent>
-</p:sld>
-</file>
-
-<file path=ppt/slides/slide13.xml><?xml version="1.0" encoding="utf-8"?>
-<p:sld xmlns:a="http://schemas.openxmlformats.org/drawingml/2006/main" xmlns:r="http://schemas.openxmlformats.org/officeDocument/2006/relationships" xmlns:p="http://schemas.openxmlformats.org/presentationml/2006/main">
-  <p:cSld>
-    <p:spTree>
-      <p:nvGrpSpPr>
-        <p:cNvPr id="1" name=""/>
-        <p:cNvGrpSpPr/>
-        <p:nvPr/>
-      </p:nvGrpSpPr>
-      <p:grpSpPr>
-        <a:xfrm>
-          <a:off x="0" y="0"/>
-          <a:ext cx="0" cy="0"/>
-          <a:chOff x="0" y="0"/>
-          <a:chExt cx="0" cy="0"/>
-        </a:xfrm>
-      </p:grpSpPr>
-      <p:sp>
-        <p:nvSpPr>
-          <p:cNvPr id="2" name="Content Placeholder 1"/>
-          <p:cNvSpPr>
-            <a:spLocks noGrp="1"/>
-          </p:cNvSpPr>
-          <p:nvPr>
-            <p:ph idx="1"/>
-          </p:nvPr>
-        </p:nvSpPr>
-        <p:spPr/>
-        <p:txBody>
-          <a:bodyPr/>
-          <a:lstStyle/>
-          <a:p>
-            <a:r>
-              <a:rPr lang="en-US" b="1" dirty="0">
-                <a:latin typeface="Arial" pitchFamily="34" charset="0"/>
-                <a:cs typeface="Arial" pitchFamily="34" charset="0"/>
-              </a:rPr>
-              <a:t>Actual chart (TT) (days)</a:t>
-            </a:r>
-          </a:p>
-        </p:txBody>
-      </p:sp>
-      <p:sp>
-        <p:nvSpPr>
-          <p:cNvPr id="3" name="Title 2"/>
-          <p:cNvSpPr>
-            <a:spLocks noGrp="1"/>
-          </p:cNvSpPr>
-          <p:nvPr>
-            <p:ph type="title"/>
-          </p:nvPr>
-        </p:nvSpPr>
-        <p:spPr/>
-        <p:txBody>
-          <a:bodyPr/>
-          <a:lstStyle/>
-          <a:p>
-            <a:r>
-              <a:rPr lang="en-US" altLang="ko-KR" b="1" dirty="0"/>
-              <a:t>3. Monitoring &amp; control</a:t>
-            </a:r>
-            <a:endParaRPr lang="ko-KR" altLang="en-US" b="1" dirty="0"/>
-          </a:p>
-        </p:txBody>
-      </p:sp>
-      <p:sp>
-        <p:nvSpPr>
-          <p:cNvPr id="6" name="Slide Number Placeholder 3">
-            <a:extLst>
-              <a:ext uri="{FF2B5EF4-FFF2-40B4-BE49-F238E27FC236}">
-                <a16:creationId xmlns:a16="http://schemas.microsoft.com/office/drawing/2014/main" id="{FF9DDFD0-EB1F-3C43-95CC-461CBFD9C865}"/>
-              </a:ext>
-            </a:extLst>
-          </p:cNvPr>
-          <p:cNvSpPr txBox="1">
-            <a:spLocks/>
-          </p:cNvSpPr>
-          <p:nvPr/>
-        </p:nvSpPr>
-        <p:spPr>
-          <a:xfrm>
-            <a:off x="11198390" y="6405331"/>
-            <a:ext cx="452437" cy="365125"/>
-          </a:xfrm>
-          <a:prstGeom prst="rect">
-            <a:avLst/>
-          </a:prstGeom>
-        </p:spPr>
-        <p:txBody>
-          <a:bodyPr/>
-          <a:lstStyle>
-            <a:defPPr>
-              <a:defRPr lang="en-US"/>
-            </a:defPPr>
-            <a:lvl1pPr marL="0" algn="l" defTabSz="914400" rtl="0" eaLnBrk="1" latinLnBrk="0" hangingPunct="1">
-              <a:defRPr sz="1800" kern="1200">
-                <a:solidFill>
-                  <a:schemeClr val="tx1"/>
-                </a:solidFill>
-                <a:latin typeface="+mn-lt"/>
-                <a:ea typeface="+mn-ea"/>
-                <a:cs typeface="+mn-cs"/>
-              </a:defRPr>
-            </a:lvl1pPr>
-            <a:lvl2pPr marL="457200" algn="l" defTabSz="914400" rtl="0" eaLnBrk="1" latinLnBrk="0" hangingPunct="1">
-              <a:defRPr sz="1800" kern="1200">
-                <a:solidFill>
-                  <a:schemeClr val="tx1"/>
-                </a:solidFill>
-                <a:latin typeface="+mn-lt"/>
-                <a:ea typeface="+mn-ea"/>
-                <a:cs typeface="+mn-cs"/>
-              </a:defRPr>
-            </a:lvl2pPr>
-            <a:lvl3pPr marL="914400" algn="l" defTabSz="914400" rtl="0" eaLnBrk="1" latinLnBrk="0" hangingPunct="1">
-              <a:defRPr sz="1800" kern="1200">
-                <a:solidFill>
-                  <a:schemeClr val="tx1"/>
-                </a:solidFill>
-                <a:latin typeface="+mn-lt"/>
-                <a:ea typeface="+mn-ea"/>
-                <a:cs typeface="+mn-cs"/>
-              </a:defRPr>
-            </a:lvl3pPr>
-            <a:lvl4pPr marL="1371600" algn="l" defTabSz="914400" rtl="0" eaLnBrk="1" latinLnBrk="0" hangingPunct="1">
-              <a:defRPr sz="1800" kern="1200">
-                <a:solidFill>
-                  <a:schemeClr val="tx1"/>
-                </a:solidFill>
-                <a:latin typeface="+mn-lt"/>
-                <a:ea typeface="+mn-ea"/>
-                <a:cs typeface="+mn-cs"/>
-              </a:defRPr>
-            </a:lvl4pPr>
-            <a:lvl5pPr marL="1828800" algn="l" defTabSz="914400" rtl="0" eaLnBrk="1" latinLnBrk="0" hangingPunct="1">
-              <a:defRPr sz="1800" kern="1200">
-                <a:solidFill>
-                  <a:schemeClr val="tx1"/>
-                </a:solidFill>
-                <a:latin typeface="+mn-lt"/>
-                <a:ea typeface="+mn-ea"/>
-                <a:cs typeface="+mn-cs"/>
-              </a:defRPr>
-            </a:lvl5pPr>
-            <a:lvl6pPr marL="2286000" algn="l" defTabSz="914400" rtl="0" eaLnBrk="1" latinLnBrk="0" hangingPunct="1">
-              <a:defRPr sz="1800" kern="1200">
-                <a:solidFill>
-                  <a:schemeClr val="tx1"/>
-                </a:solidFill>
-                <a:latin typeface="+mn-lt"/>
-                <a:ea typeface="+mn-ea"/>
-                <a:cs typeface="+mn-cs"/>
-              </a:defRPr>
-            </a:lvl6pPr>
-            <a:lvl7pPr marL="2743200" algn="l" defTabSz="914400" rtl="0" eaLnBrk="1" latinLnBrk="0" hangingPunct="1">
-              <a:defRPr sz="1800" kern="1200">
-                <a:solidFill>
-                  <a:schemeClr val="tx1"/>
-                </a:solidFill>
-                <a:latin typeface="+mn-lt"/>
-                <a:ea typeface="+mn-ea"/>
-                <a:cs typeface="+mn-cs"/>
-              </a:defRPr>
-            </a:lvl7pPr>
-            <a:lvl8pPr marL="3200400" algn="l" defTabSz="914400" rtl="0" eaLnBrk="1" latinLnBrk="0" hangingPunct="1">
-              <a:defRPr sz="1800" kern="1200">
-                <a:solidFill>
-                  <a:schemeClr val="tx1"/>
-                </a:solidFill>
-                <a:latin typeface="+mn-lt"/>
-                <a:ea typeface="+mn-ea"/>
-                <a:cs typeface="+mn-cs"/>
-              </a:defRPr>
-            </a:lvl8pPr>
-            <a:lvl9pPr marL="3657600" algn="l" defTabSz="914400" rtl="0" eaLnBrk="1" latinLnBrk="0" hangingPunct="1">
-              <a:defRPr sz="1800" kern="1200">
-                <a:solidFill>
-                  <a:schemeClr val="tx1"/>
-                </a:solidFill>
-                <a:latin typeface="+mn-lt"/>
-                <a:ea typeface="+mn-ea"/>
-                <a:cs typeface="+mn-cs"/>
-              </a:defRPr>
-            </a:lvl9pPr>
-          </a:lstStyle>
-          <a:p>
-            <a:fld id="{301E5F09-0F4C-0243-9596-FED7D03FE3DA}" type="slidenum">
-              <a:rPr lang="en-US" smtClean="0"/>
-              <a:pPr/>
-              <a:t>13</a:t>
             </a:fld>
             <a:endParaRPr lang="en-US" dirty="0"/>
           </a:p>
@@ -8127,7 +7743,7 @@
 </p:sld>
 </file>
 
-<file path=ppt/slides/slide14.xml><?xml version="1.0" encoding="utf-8"?>
+<file path=ppt/slides/slide13.xml><?xml version="1.0" encoding="utf-8"?>
 <p:sld xmlns:a="http://schemas.openxmlformats.org/drawingml/2006/main" xmlns:r="http://schemas.openxmlformats.org/officeDocument/2006/relationships" xmlns:p="http://schemas.openxmlformats.org/presentationml/2006/main">
   <p:cSld>
     <p:spTree>
@@ -8317,7 +7933,7 @@
             <a:fld id="{301E5F09-0F4C-0243-9596-FED7D03FE3DA}" type="slidenum">
               <a:rPr lang="en-US" smtClean="0"/>
               <a:pPr/>
-              <a:t>14</a:t>
+              <a:t>13</a:t>
             </a:fld>
             <a:endParaRPr lang="en-US" dirty="0"/>
           </a:p>
@@ -8464,7 +8080,7 @@
 </p:sld>
 </file>
 
-<file path=ppt/slides/slide15.xml><?xml version="1.0" encoding="utf-8"?>
+<file path=ppt/slides/slide14.xml><?xml version="1.0" encoding="utf-8"?>
 <p:sld xmlns:a="http://schemas.openxmlformats.org/drawingml/2006/main" xmlns:r="http://schemas.openxmlformats.org/officeDocument/2006/relationships" xmlns:p="http://schemas.openxmlformats.org/presentationml/2006/main">
   <p:cSld>
     <p:spTree>
@@ -8628,7 +8244,7 @@
             <a:fld id="{301E5F09-0F4C-0243-9596-FED7D03FE3DA}" type="slidenum">
               <a:rPr lang="en-US" smtClean="0"/>
               <a:pPr/>
-              <a:t>15</a:t>
+              <a:t>14</a:t>
             </a:fld>
             <a:endParaRPr lang="en-US" dirty="0"/>
           </a:p>
@@ -8688,7 +8304,7 @@
 </p:sld>
 </file>
 
-<file path=ppt/slides/slide16.xml><?xml version="1.0" encoding="utf-8"?>
+<file path=ppt/slides/slide15.xml><?xml version="1.0" encoding="utf-8"?>
 <p:sld xmlns:a="http://schemas.openxmlformats.org/drawingml/2006/main" xmlns:r="http://schemas.openxmlformats.org/officeDocument/2006/relationships" xmlns:p="http://schemas.openxmlformats.org/presentationml/2006/main">
   <p:cSld>
     <p:spTree>
@@ -8852,7 +8468,7 @@
             <a:fld id="{301E5F09-0F4C-0243-9596-FED7D03FE3DA}" type="slidenum">
               <a:rPr lang="en-US" smtClean="0"/>
               <a:pPr/>
-              <a:t>16</a:t>
+              <a:t>15</a:t>
             </a:fld>
             <a:endParaRPr lang="en-US" dirty="0"/>
           </a:p>
@@ -9365,7 +8981,7 @@
 </p:sld>
 </file>
 
-<file path=ppt/slides/slide17.xml><?xml version="1.0" encoding="utf-8"?>
+<file path=ppt/slides/slide16.xml><?xml version="1.0" encoding="utf-8"?>
 <p:sld xmlns:a="http://schemas.openxmlformats.org/drawingml/2006/main" xmlns:r="http://schemas.openxmlformats.org/officeDocument/2006/relationships" xmlns:p="http://schemas.openxmlformats.org/presentationml/2006/main">
   <p:cSld>
     <p:spTree>
@@ -9560,7 +9176,7 @@
             <a:fld id="{301E5F09-0F4C-0243-9596-FED7D03FE3DA}" type="slidenum">
               <a:rPr lang="en-US" smtClean="0"/>
               <a:pPr/>
-              <a:t>17</a:t>
+              <a:t>16</a:t>
             </a:fld>
             <a:endParaRPr lang="en-US" dirty="0"/>
           </a:p>
@@ -9676,6 +9292,367 @@
                                         <p:cTn id="7" dur="500"/>
                                         <p:tgtEl>
                                           <p:spTgt spid="10"/>
+                                        </p:tgtEl>
+                                      </p:cBhvr>
+                                    </p:animEffect>
+                                  </p:childTnLst>
+                                </p:cTn>
+                              </p:par>
+                            </p:childTnLst>
+                          </p:cTn>
+                        </p:par>
+                      </p:childTnLst>
+                    </p:cTn>
+                  </p:par>
+                </p:childTnLst>
+              </p:cTn>
+              <p:prevCondLst>
+                <p:cond evt="onPrev" delay="0">
+                  <p:tgtEl>
+                    <p:sldTgt/>
+                  </p:tgtEl>
+                </p:cond>
+              </p:prevCondLst>
+              <p:nextCondLst>
+                <p:cond evt="onNext" delay="0">
+                  <p:tgtEl>
+                    <p:sldTgt/>
+                  </p:tgtEl>
+                </p:cond>
+              </p:nextCondLst>
+            </p:seq>
+          </p:childTnLst>
+        </p:cTn>
+      </p:par>
+    </p:tnLst>
+  </p:timing>
+</p:sld>
+</file>
+
+<file path=ppt/slides/slide17.xml><?xml version="1.0" encoding="utf-8"?>
+<p:sld xmlns:a="http://schemas.openxmlformats.org/drawingml/2006/main" xmlns:r="http://schemas.openxmlformats.org/officeDocument/2006/relationships" xmlns:p="http://schemas.openxmlformats.org/presentationml/2006/main">
+  <p:cSld>
+    <p:spTree>
+      <p:nvGrpSpPr>
+        <p:cNvPr id="1" name=""/>
+        <p:cNvGrpSpPr/>
+        <p:nvPr/>
+      </p:nvGrpSpPr>
+      <p:grpSpPr>
+        <a:xfrm>
+          <a:off x="0" y="0"/>
+          <a:ext cx="0" cy="0"/>
+          <a:chOff x="0" y="0"/>
+          <a:chExt cx="0" cy="0"/>
+        </a:xfrm>
+      </p:grpSpPr>
+      <p:sp>
+        <p:nvSpPr>
+          <p:cNvPr id="2" name="Content Placeholder 1"/>
+          <p:cNvSpPr>
+            <a:spLocks noGrp="1"/>
+          </p:cNvSpPr>
+          <p:nvPr>
+            <p:ph idx="1"/>
+          </p:nvPr>
+        </p:nvSpPr>
+        <p:spPr>
+          <a:xfrm>
+            <a:off x="541236" y="1508787"/>
+            <a:ext cx="11329259" cy="614197"/>
+          </a:xfrm>
+        </p:spPr>
+        <p:txBody>
+          <a:bodyPr/>
+          <a:lstStyle/>
+          <a:p>
+            <a:r>
+              <a:rPr lang="en-US" altLang="ko-KR" b="1" dirty="0" err="1">
+                <a:solidFill>
+                  <a:schemeClr val="tx1"/>
+                </a:solidFill>
+              </a:rPr>
+              <a:t>Protability</a:t>
+            </a:r>
+            <a:r>
+              <a:rPr lang="en-US" altLang="ko-KR" b="1" dirty="0">
+                <a:solidFill>
+                  <a:schemeClr val="tx1"/>
+                </a:solidFill>
+              </a:rPr>
+              <a:t> (dynamic)</a:t>
+            </a:r>
+            <a:endParaRPr lang="ko-KR" altLang="en-US" b="1" dirty="0">
+              <a:solidFill>
+                <a:schemeClr val="tx1"/>
+              </a:solidFill>
+            </a:endParaRPr>
+          </a:p>
+        </p:txBody>
+      </p:sp>
+      <p:sp>
+        <p:nvSpPr>
+          <p:cNvPr id="3" name="Title 2"/>
+          <p:cNvSpPr>
+            <a:spLocks noGrp="1"/>
+          </p:cNvSpPr>
+          <p:nvPr>
+            <p:ph type="title"/>
+          </p:nvPr>
+        </p:nvSpPr>
+        <p:spPr/>
+        <p:txBody>
+          <a:bodyPr/>
+          <a:lstStyle/>
+          <a:p>
+            <a:r>
+              <a:rPr lang="en-US" altLang="ko-KR" b="1" dirty="0"/>
+              <a:t>4. Architectural</a:t>
+            </a:r>
+            <a:endParaRPr lang="ko-KR" altLang="en-US" b="1" dirty="0"/>
+          </a:p>
+        </p:txBody>
+      </p:sp>
+      <p:sp>
+        <p:nvSpPr>
+          <p:cNvPr id="6" name="Slide Number Placeholder 3">
+            <a:extLst>
+              <a:ext uri="{FF2B5EF4-FFF2-40B4-BE49-F238E27FC236}">
+                <a16:creationId xmlns:a16="http://schemas.microsoft.com/office/drawing/2014/main" id="{FF9DDFD0-EB1F-3C43-95CC-461CBFD9C865}"/>
+              </a:ext>
+            </a:extLst>
+          </p:cNvPr>
+          <p:cNvSpPr txBox="1">
+            <a:spLocks/>
+          </p:cNvSpPr>
+          <p:nvPr/>
+        </p:nvSpPr>
+        <p:spPr>
+          <a:xfrm>
+            <a:off x="11198390" y="6405331"/>
+            <a:ext cx="452437" cy="365125"/>
+          </a:xfrm>
+          <a:prstGeom prst="rect">
+            <a:avLst/>
+          </a:prstGeom>
+        </p:spPr>
+        <p:txBody>
+          <a:bodyPr/>
+          <a:lstStyle>
+            <a:defPPr>
+              <a:defRPr lang="en-US"/>
+            </a:defPPr>
+            <a:lvl1pPr marL="0" algn="l" defTabSz="914400" rtl="0" eaLnBrk="1" latinLnBrk="0" hangingPunct="1">
+              <a:defRPr sz="1800" kern="1200">
+                <a:solidFill>
+                  <a:schemeClr val="tx1"/>
+                </a:solidFill>
+                <a:latin typeface="+mn-lt"/>
+                <a:ea typeface="+mn-ea"/>
+                <a:cs typeface="+mn-cs"/>
+              </a:defRPr>
+            </a:lvl1pPr>
+            <a:lvl2pPr marL="457200" algn="l" defTabSz="914400" rtl="0" eaLnBrk="1" latinLnBrk="0" hangingPunct="1">
+              <a:defRPr sz="1800" kern="1200">
+                <a:solidFill>
+                  <a:schemeClr val="tx1"/>
+                </a:solidFill>
+                <a:latin typeface="+mn-lt"/>
+                <a:ea typeface="+mn-ea"/>
+                <a:cs typeface="+mn-cs"/>
+              </a:defRPr>
+            </a:lvl2pPr>
+            <a:lvl3pPr marL="914400" algn="l" defTabSz="914400" rtl="0" eaLnBrk="1" latinLnBrk="0" hangingPunct="1">
+              <a:defRPr sz="1800" kern="1200">
+                <a:solidFill>
+                  <a:schemeClr val="tx1"/>
+                </a:solidFill>
+                <a:latin typeface="+mn-lt"/>
+                <a:ea typeface="+mn-ea"/>
+                <a:cs typeface="+mn-cs"/>
+              </a:defRPr>
+            </a:lvl3pPr>
+            <a:lvl4pPr marL="1371600" algn="l" defTabSz="914400" rtl="0" eaLnBrk="1" latinLnBrk="0" hangingPunct="1">
+              <a:defRPr sz="1800" kern="1200">
+                <a:solidFill>
+                  <a:schemeClr val="tx1"/>
+                </a:solidFill>
+                <a:latin typeface="+mn-lt"/>
+                <a:ea typeface="+mn-ea"/>
+                <a:cs typeface="+mn-cs"/>
+              </a:defRPr>
+            </a:lvl4pPr>
+            <a:lvl5pPr marL="1828800" algn="l" defTabSz="914400" rtl="0" eaLnBrk="1" latinLnBrk="0" hangingPunct="1">
+              <a:defRPr sz="1800" kern="1200">
+                <a:solidFill>
+                  <a:schemeClr val="tx1"/>
+                </a:solidFill>
+                <a:latin typeface="+mn-lt"/>
+                <a:ea typeface="+mn-ea"/>
+                <a:cs typeface="+mn-cs"/>
+              </a:defRPr>
+            </a:lvl5pPr>
+            <a:lvl6pPr marL="2286000" algn="l" defTabSz="914400" rtl="0" eaLnBrk="1" latinLnBrk="0" hangingPunct="1">
+              <a:defRPr sz="1800" kern="1200">
+                <a:solidFill>
+                  <a:schemeClr val="tx1"/>
+                </a:solidFill>
+                <a:latin typeface="+mn-lt"/>
+                <a:ea typeface="+mn-ea"/>
+                <a:cs typeface="+mn-cs"/>
+              </a:defRPr>
+            </a:lvl6pPr>
+            <a:lvl7pPr marL="2743200" algn="l" defTabSz="914400" rtl="0" eaLnBrk="1" latinLnBrk="0" hangingPunct="1">
+              <a:defRPr sz="1800" kern="1200">
+                <a:solidFill>
+                  <a:schemeClr val="tx1"/>
+                </a:solidFill>
+                <a:latin typeface="+mn-lt"/>
+                <a:ea typeface="+mn-ea"/>
+                <a:cs typeface="+mn-cs"/>
+              </a:defRPr>
+            </a:lvl7pPr>
+            <a:lvl8pPr marL="3200400" algn="l" defTabSz="914400" rtl="0" eaLnBrk="1" latinLnBrk="0" hangingPunct="1">
+              <a:defRPr sz="1800" kern="1200">
+                <a:solidFill>
+                  <a:schemeClr val="tx1"/>
+                </a:solidFill>
+                <a:latin typeface="+mn-lt"/>
+                <a:ea typeface="+mn-ea"/>
+                <a:cs typeface="+mn-cs"/>
+              </a:defRPr>
+            </a:lvl8pPr>
+            <a:lvl9pPr marL="3657600" algn="l" defTabSz="914400" rtl="0" eaLnBrk="1" latinLnBrk="0" hangingPunct="1">
+              <a:defRPr sz="1800" kern="1200">
+                <a:solidFill>
+                  <a:schemeClr val="tx1"/>
+                </a:solidFill>
+                <a:latin typeface="+mn-lt"/>
+                <a:ea typeface="+mn-ea"/>
+                <a:cs typeface="+mn-cs"/>
+              </a:defRPr>
+            </a:lvl9pPr>
+          </a:lstStyle>
+          <a:p>
+            <a:fld id="{301E5F09-0F4C-0243-9596-FED7D03FE3DA}" type="slidenum">
+              <a:rPr lang="en-US" smtClean="0"/>
+              <a:pPr/>
+              <a:t>17</a:t>
+            </a:fld>
+            <a:endParaRPr lang="en-US" dirty="0"/>
+          </a:p>
+        </p:txBody>
+      </p:sp>
+      <p:pic>
+        <p:nvPicPr>
+          <p:cNvPr id="7" name="Hình ảnh 1">
+            <a:extLst>
+              <a:ext uri="{FF2B5EF4-FFF2-40B4-BE49-F238E27FC236}">
+                <a16:creationId xmlns:a16="http://schemas.microsoft.com/office/drawing/2014/main" id="{6BA9B8BA-8907-7C45-A93B-5314CE7F8F21}"/>
+              </a:ext>
+            </a:extLst>
+          </p:cNvPr>
+          <p:cNvPicPr/>
+          <p:nvPr/>
+        </p:nvPicPr>
+        <p:blipFill>
+          <a:blip r:embed="rId3">
+            <a:extLst>
+              <a:ext uri="{28A0092B-C50C-407E-A947-70E740481C1C}">
+                <a14:useLocalDpi xmlns:a14="http://schemas.microsoft.com/office/drawing/2010/main" val="0"/>
+              </a:ext>
+            </a:extLst>
+          </a:blip>
+          <a:srcRect/>
+          <a:stretch>
+            <a:fillRect/>
+          </a:stretch>
+        </p:blipFill>
+        <p:spPr bwMode="auto">
+          <a:xfrm>
+            <a:off x="3128009" y="2122984"/>
+            <a:ext cx="5935980" cy="4282347"/>
+          </a:xfrm>
+          <a:prstGeom prst="rect">
+            <a:avLst/>
+          </a:prstGeom>
+          <a:noFill/>
+          <a:ln>
+            <a:noFill/>
+          </a:ln>
+        </p:spPr>
+      </p:pic>
+    </p:spTree>
+    <p:extLst>
+      <p:ext uri="{BB962C8B-B14F-4D97-AF65-F5344CB8AC3E}">
+        <p14:creationId xmlns:p14="http://schemas.microsoft.com/office/powerpoint/2010/main" val="373714555"/>
+      </p:ext>
+    </p:extLst>
+  </p:cSld>
+  <p:clrMapOvr>
+    <a:masterClrMapping/>
+  </p:clrMapOvr>
+  <mc:AlternateContent xmlns:mc="http://schemas.openxmlformats.org/markup-compatibility/2006" xmlns:p14="http://schemas.microsoft.com/office/powerpoint/2010/main">
+    <mc:Choice Requires="p14">
+      <p:transition spd="med" p14:dur="700">
+        <p:fade/>
+      </p:transition>
+    </mc:Choice>
+    <mc:Fallback xmlns="">
+      <p:transition spd="med">
+        <p:fade/>
+      </p:transition>
+    </mc:Fallback>
+  </mc:AlternateContent>
+  <p:timing>
+    <p:tnLst>
+      <p:par>
+        <p:cTn id="1" dur="indefinite" restart="never" nodeType="tmRoot">
+          <p:childTnLst>
+            <p:seq concurrent="1" nextAc="seek">
+              <p:cTn id="2" dur="indefinite" nodeType="mainSeq">
+                <p:childTnLst>
+                  <p:par>
+                    <p:cTn id="3" fill="hold">
+                      <p:stCondLst>
+                        <p:cond delay="indefinite"/>
+                      </p:stCondLst>
+                      <p:childTnLst>
+                        <p:par>
+                          <p:cTn id="4" fill="hold">
+                            <p:stCondLst>
+                              <p:cond delay="0"/>
+                            </p:stCondLst>
+                            <p:childTnLst>
+                              <p:par>
+                                <p:cTn id="5" presetID="5" presetClass="entr" presetSubtype="10" fill="hold" nodeType="clickEffect">
+                                  <p:stCondLst>
+                                    <p:cond delay="0"/>
+                                  </p:stCondLst>
+                                  <p:childTnLst>
+                                    <p:set>
+                                      <p:cBhvr>
+                                        <p:cTn id="6" dur="1" fill="hold">
+                                          <p:stCondLst>
+                                            <p:cond delay="0"/>
+                                          </p:stCondLst>
+                                        </p:cTn>
+                                        <p:tgtEl>
+                                          <p:spTgt spid="7"/>
+                                        </p:tgtEl>
+                                        <p:attrNameLst>
+                                          <p:attrName>style.visibility</p:attrName>
+                                        </p:attrNameLst>
+                                      </p:cBhvr>
+                                      <p:to>
+                                        <p:strVal val="visible"/>
+                                      </p:to>
+                                    </p:set>
+                                    <p:animEffect transition="in" filter="checkerboard(across)">
+                                      <p:cBhvr>
+                                        <p:cTn id="7" dur="500"/>
+                                        <p:tgtEl>
+                                          <p:spTgt spid="7"/>
                                         </p:tgtEl>
                                       </p:cBhvr>
                                     </p:animEffect>
@@ -10505,7 +10482,7 @@
         </p:nvSpPr>
         <p:spPr>
           <a:xfrm>
-            <a:off x="6992100" y="783243"/>
+            <a:off x="6992100" y="284477"/>
             <a:ext cx="3294837" cy="507831"/>
           </a:xfrm>
           <a:prstGeom prst="rect">
@@ -10553,7 +10530,7 @@
         </p:nvSpPr>
         <p:spPr>
           <a:xfrm>
-            <a:off x="6296027" y="829409"/>
+            <a:off x="6296027" y="330643"/>
             <a:ext cx="518041" cy="461665"/>
           </a:xfrm>
           <a:prstGeom prst="rect">
@@ -10602,7 +10579,7 @@
         </p:nvSpPr>
         <p:spPr>
           <a:xfrm>
-            <a:off x="7045602" y="1583751"/>
+            <a:off x="7045602" y="1084985"/>
             <a:ext cx="3081679" cy="507831"/>
           </a:xfrm>
           <a:prstGeom prst="rect">
@@ -10650,7 +10627,7 @@
         </p:nvSpPr>
         <p:spPr>
           <a:xfrm>
-            <a:off x="7045602" y="3173965"/>
+            <a:off x="7045602" y="2675199"/>
             <a:ext cx="2547621" cy="507831"/>
           </a:xfrm>
           <a:prstGeom prst="rect">
@@ -10740,7 +10717,7 @@
         </p:nvSpPr>
         <p:spPr>
           <a:xfrm>
-            <a:off x="7045602" y="2378858"/>
+            <a:off x="7045602" y="1880092"/>
             <a:ext cx="3850514" cy="507831"/>
           </a:xfrm>
           <a:prstGeom prst="rect">
@@ -10788,7 +10765,7 @@
         </p:nvSpPr>
         <p:spPr>
           <a:xfrm>
-            <a:off x="6296027" y="1603732"/>
+            <a:off x="6296027" y="1104966"/>
             <a:ext cx="518041" cy="461665"/>
           </a:xfrm>
           <a:prstGeom prst="rect">
@@ -10837,7 +10814,7 @@
         </p:nvSpPr>
         <p:spPr>
           <a:xfrm>
-            <a:off x="6296027" y="2401940"/>
+            <a:off x="6296027" y="1903174"/>
             <a:ext cx="518041" cy="461665"/>
           </a:xfrm>
           <a:prstGeom prst="rect">
@@ -10886,7 +10863,7 @@
         </p:nvSpPr>
         <p:spPr>
           <a:xfrm>
-            <a:off x="6296027" y="3201131"/>
+            <a:off x="6296027" y="2702365"/>
             <a:ext cx="518041" cy="461665"/>
           </a:xfrm>
           <a:prstGeom prst="rect">
@@ -10935,7 +10912,7 @@
         </p:nvSpPr>
         <p:spPr>
           <a:xfrm>
-            <a:off x="6296026" y="4005925"/>
+            <a:off x="6296026" y="3507159"/>
             <a:ext cx="518041" cy="461665"/>
           </a:xfrm>
           <a:prstGeom prst="rect">
@@ -10984,7 +10961,7 @@
         </p:nvSpPr>
         <p:spPr>
           <a:xfrm>
-            <a:off x="6992101" y="3964499"/>
+            <a:off x="6992101" y="3465733"/>
             <a:ext cx="3666437" cy="507831"/>
           </a:xfrm>
           <a:prstGeom prst="rect">
@@ -11032,7 +11009,7 @@
         </p:nvSpPr>
         <p:spPr>
           <a:xfrm>
-            <a:off x="6296026" y="4804133"/>
+            <a:off x="6296026" y="4305367"/>
             <a:ext cx="518041" cy="461665"/>
           </a:xfrm>
           <a:prstGeom prst="rect">
@@ -11081,8 +11058,8 @@
         </p:nvSpPr>
         <p:spPr>
           <a:xfrm>
-            <a:off x="7045602" y="4755033"/>
-            <a:ext cx="3081679" cy="507831"/>
+            <a:off x="7045602" y="4256267"/>
+            <a:ext cx="3912262" cy="507831"/>
           </a:xfrm>
           <a:prstGeom prst="rect">
             <a:avLst/>
@@ -11103,7 +11080,7 @@
                 <a:latin typeface="Arial" panose="020B0604020202020204" pitchFamily="34" charset="0"/>
                 <a:cs typeface="Arial" panose="020B0604020202020204" pitchFamily="34" charset="0"/>
               </a:rPr>
-              <a:t>Problem project</a:t>
+              <a:t>Risk management</a:t>
             </a:r>
             <a:endParaRPr lang="ko-KR" altLang="en-US" sz="2700" b="1" dirty="0">
               <a:solidFill>
@@ -11129,7 +11106,7 @@
         </p:nvSpPr>
         <p:spPr>
           <a:xfrm>
-            <a:off x="6296026" y="5602341"/>
+            <a:off x="6296026" y="5103575"/>
             <a:ext cx="518041" cy="461665"/>
           </a:xfrm>
           <a:prstGeom prst="rect">
@@ -11178,7 +11155,7 @@
         </p:nvSpPr>
         <p:spPr>
           <a:xfrm>
-            <a:off x="7045602" y="5556175"/>
+            <a:off x="7045602" y="5057409"/>
             <a:ext cx="4661840" cy="507831"/>
           </a:xfrm>
           <a:prstGeom prst="rect">
@@ -11200,7 +11177,7 @@
                 <a:latin typeface="Arial" panose="020B0604020202020204" pitchFamily="34" charset="0"/>
                 <a:cs typeface="Arial" panose="020B0604020202020204" pitchFamily="34" charset="0"/>
               </a:rPr>
-              <a:t>Lesson learned  &amp; Demo.</a:t>
+              <a:t>Problem project</a:t>
             </a:r>
             <a:endParaRPr lang="ko-KR" altLang="en-US" sz="2700" b="1" dirty="0">
               <a:solidFill>
@@ -11251,6 +11228,103 @@
               </a:rPr>
               <a:t>Agenda </a:t>
             </a:r>
+          </a:p>
+        </p:txBody>
+      </p:sp>
+      <p:sp>
+        <p:nvSpPr>
+          <p:cNvPr id="31" name="TextBox 5">
+            <a:extLst>
+              <a:ext uri="{FF2B5EF4-FFF2-40B4-BE49-F238E27FC236}">
+                <a16:creationId xmlns:a16="http://schemas.microsoft.com/office/drawing/2014/main" id="{E2CC7CA8-C479-9442-87EB-2DFD149702F3}"/>
+              </a:ext>
+            </a:extLst>
+          </p:cNvPr>
+          <p:cNvSpPr txBox="1"/>
+          <p:nvPr/>
+        </p:nvSpPr>
+        <p:spPr>
+          <a:xfrm>
+            <a:off x="6296026" y="5819181"/>
+            <a:ext cx="518041" cy="461665"/>
+          </a:xfrm>
+          <a:prstGeom prst="rect">
+            <a:avLst/>
+          </a:prstGeom>
+          <a:noFill/>
+        </p:spPr>
+        <p:txBody>
+          <a:bodyPr wrap="square" lIns="108000" rIns="108000" rtlCol="0">
+            <a:spAutoFit/>
+          </a:bodyPr>
+          <a:lstStyle/>
+          <a:p>
+            <a:pPr algn="ctr"/>
+            <a:r>
+              <a:rPr lang="en-US" altLang="ko-KR" sz="2400" b="1" i="1" dirty="0">
+                <a:solidFill>
+                  <a:schemeClr val="bg1"/>
+                </a:solidFill>
+                <a:latin typeface="Arial" panose="020B0604020202020204" pitchFamily="34" charset="0"/>
+                <a:cs typeface="Arial" panose="020B0604020202020204" pitchFamily="34" charset="0"/>
+              </a:rPr>
+              <a:t>8.</a:t>
+            </a:r>
+            <a:endParaRPr lang="ko-KR" altLang="en-US" sz="2400" b="1" i="1" dirty="0">
+              <a:solidFill>
+                <a:schemeClr val="bg1"/>
+              </a:solidFill>
+              <a:latin typeface="Arial" panose="020B0604020202020204" pitchFamily="34" charset="0"/>
+              <a:cs typeface="Arial" panose="020B0604020202020204" pitchFamily="34" charset="0"/>
+            </a:endParaRPr>
+          </a:p>
+        </p:txBody>
+      </p:sp>
+      <p:sp>
+        <p:nvSpPr>
+          <p:cNvPr id="32" name="TextBox 12">
+            <a:extLst>
+              <a:ext uri="{FF2B5EF4-FFF2-40B4-BE49-F238E27FC236}">
+                <a16:creationId xmlns:a16="http://schemas.microsoft.com/office/drawing/2014/main" id="{79D4AE00-36D6-D846-9686-F541AC8D4EF2}"/>
+              </a:ext>
+            </a:extLst>
+          </p:cNvPr>
+          <p:cNvSpPr txBox="1"/>
+          <p:nvPr/>
+        </p:nvSpPr>
+        <p:spPr>
+          <a:xfrm>
+            <a:off x="7045602" y="5773015"/>
+            <a:ext cx="4661840" cy="507831"/>
+          </a:xfrm>
+          <a:prstGeom prst="rect">
+            <a:avLst/>
+          </a:prstGeom>
+          <a:noFill/>
+        </p:spPr>
+        <p:txBody>
+          <a:bodyPr wrap="square" lIns="108000" rIns="108000" rtlCol="0">
+            <a:spAutoFit/>
+          </a:bodyPr>
+          <a:lstStyle/>
+          <a:p>
+            <a:r>
+              <a:rPr lang="en-US" altLang="ko-KR" sz="2700" b="1" dirty="0">
+                <a:solidFill>
+                  <a:schemeClr val="bg1"/>
+                </a:solidFill>
+                <a:latin typeface="Arial" panose="020B0604020202020204" pitchFamily="34" charset="0"/>
+                <a:cs typeface="Arial" panose="020B0604020202020204" pitchFamily="34" charset="0"/>
+              </a:rPr>
+              <a:t>Lesson learned  &amp; Demo.</a:t>
+            </a:r>
+            <a:endParaRPr lang="ko-KR" altLang="en-US" sz="2700" b="1" dirty="0">
+              <a:solidFill>
+                <a:schemeClr val="bg1"/>
+              </a:solidFill>
+              <a:latin typeface="Arial" panose="020B0604020202020204" pitchFamily="34" charset="0"/>
+              <a:cs typeface="Arial" panose="020B0604020202020204" pitchFamily="34" charset="0"/>
+            </a:endParaRPr>
           </a:p>
         </p:txBody>
       </p:sp>
@@ -12432,6 +12506,170 @@
                       </p:childTnLst>
                     </p:cTn>
                   </p:par>
+                  <p:par>
+                    <p:cTn id="73" fill="hold">
+                      <p:stCondLst>
+                        <p:cond delay="indefinite"/>
+                      </p:stCondLst>
+                      <p:childTnLst>
+                        <p:par>
+                          <p:cTn id="74" fill="hold">
+                            <p:stCondLst>
+                              <p:cond delay="0"/>
+                            </p:stCondLst>
+                            <p:childTnLst>
+                              <p:par>
+                                <p:cTn id="75" presetID="2" presetClass="entr" presetSubtype="4" fill="hold" grpId="0" nodeType="clickEffect">
+                                  <p:stCondLst>
+                                    <p:cond delay="0"/>
+                                  </p:stCondLst>
+                                  <p:childTnLst>
+                                    <p:set>
+                                      <p:cBhvr>
+                                        <p:cTn id="76" dur="1" fill="hold">
+                                          <p:stCondLst>
+                                            <p:cond delay="0"/>
+                                          </p:stCondLst>
+                                        </p:cTn>
+                                        <p:tgtEl>
+                                          <p:spTgt spid="32"/>
+                                        </p:tgtEl>
+                                        <p:attrNameLst>
+                                          <p:attrName>style.visibility</p:attrName>
+                                        </p:attrNameLst>
+                                      </p:cBhvr>
+                                      <p:to>
+                                        <p:strVal val="visible"/>
+                                      </p:to>
+                                    </p:set>
+                                    <p:anim calcmode="lin" valueType="num">
+                                      <p:cBhvr additive="base">
+                                        <p:cTn id="77" dur="500" fill="hold"/>
+                                        <p:tgtEl>
+                                          <p:spTgt spid="32"/>
+                                        </p:tgtEl>
+                                        <p:attrNameLst>
+                                          <p:attrName>ppt_x</p:attrName>
+                                        </p:attrNameLst>
+                                      </p:cBhvr>
+                                      <p:tavLst>
+                                        <p:tav tm="0">
+                                          <p:val>
+                                            <p:strVal val="#ppt_x"/>
+                                          </p:val>
+                                        </p:tav>
+                                        <p:tav tm="100000">
+                                          <p:val>
+                                            <p:strVal val="#ppt_x"/>
+                                          </p:val>
+                                        </p:tav>
+                                      </p:tavLst>
+                                    </p:anim>
+                                    <p:anim calcmode="lin" valueType="num">
+                                      <p:cBhvr additive="base">
+                                        <p:cTn id="78" dur="500" fill="hold"/>
+                                        <p:tgtEl>
+                                          <p:spTgt spid="32"/>
+                                        </p:tgtEl>
+                                        <p:attrNameLst>
+                                          <p:attrName>ppt_y</p:attrName>
+                                        </p:attrNameLst>
+                                      </p:cBhvr>
+                                      <p:tavLst>
+                                        <p:tav tm="0">
+                                          <p:val>
+                                            <p:strVal val="1+#ppt_h/2"/>
+                                          </p:val>
+                                        </p:tav>
+                                        <p:tav tm="100000">
+                                          <p:val>
+                                            <p:strVal val="#ppt_y"/>
+                                          </p:val>
+                                        </p:tav>
+                                      </p:tavLst>
+                                    </p:anim>
+                                  </p:childTnLst>
+                                </p:cTn>
+                              </p:par>
+                              <p:par>
+                                <p:cTn id="79" presetID="2" presetClass="entr" presetSubtype="4" fill="hold" grpId="0" nodeType="withEffect">
+                                  <p:stCondLst>
+                                    <p:cond delay="0"/>
+                                  </p:stCondLst>
+                                  <p:childTnLst>
+                                    <p:set>
+                                      <p:cBhvr>
+                                        <p:cTn id="80" dur="1" fill="hold">
+                                          <p:stCondLst>
+                                            <p:cond delay="0"/>
+                                          </p:stCondLst>
+                                        </p:cTn>
+                                        <p:tgtEl>
+                                          <p:spTgt spid="31"/>
+                                        </p:tgtEl>
+                                        <p:attrNameLst>
+                                          <p:attrName>style.visibility</p:attrName>
+                                        </p:attrNameLst>
+                                      </p:cBhvr>
+                                      <p:to>
+                                        <p:strVal val="visible"/>
+                                      </p:to>
+                                    </p:set>
+                                    <p:anim calcmode="lin" valueType="num">
+                                      <p:cBhvr additive="base">
+                                        <p:cTn id="81" dur="500" fill="hold"/>
+                                        <p:tgtEl>
+                                          <p:spTgt spid="31"/>
+                                        </p:tgtEl>
+                                        <p:attrNameLst>
+                                          <p:attrName>ppt_x</p:attrName>
+                                        </p:attrNameLst>
+                                      </p:cBhvr>
+                                      <p:tavLst>
+                                        <p:tav tm="0">
+                                          <p:val>
+                                            <p:strVal val="#ppt_x"/>
+                                          </p:val>
+                                        </p:tav>
+                                        <p:tav tm="100000">
+                                          <p:val>
+                                            <p:strVal val="#ppt_x"/>
+                                          </p:val>
+                                        </p:tav>
+                                      </p:tavLst>
+                                    </p:anim>
+                                    <p:anim calcmode="lin" valueType="num">
+                                      <p:cBhvr additive="base">
+                                        <p:cTn id="82" dur="500" fill="hold"/>
+                                        <p:tgtEl>
+                                          <p:spTgt spid="31"/>
+                                        </p:tgtEl>
+                                        <p:attrNameLst>
+                                          <p:attrName>ppt_y</p:attrName>
+                                        </p:attrNameLst>
+                                      </p:cBhvr>
+                                      <p:tavLst>
+                                        <p:tav tm="0">
+                                          <p:val>
+                                            <p:strVal val="1+#ppt_h/2"/>
+                                          </p:val>
+                                        </p:tav>
+                                        <p:tav tm="100000">
+                                          <p:val>
+                                            <p:strVal val="#ppt_y"/>
+                                          </p:val>
+                                        </p:tav>
+                                      </p:tavLst>
+                                    </p:anim>
+                                  </p:childTnLst>
+                                </p:cTn>
+                              </p:par>
+                            </p:childTnLst>
+                          </p:cTn>
+                        </p:par>
+                      </p:childTnLst>
+                    </p:cTn>
+                  </p:par>
                 </p:childTnLst>
               </p:cTn>
               <p:prevCondLst>
@@ -12468,6 +12706,8 @@
       <p:bldP spid="27" grpId="0"/>
       <p:bldP spid="28" grpId="0"/>
       <p:bldP spid="29" grpId="0"/>
+      <p:bldP spid="31" grpId="0"/>
+      <p:bldP spid="32" grpId="0"/>
     </p:bldLst>
   </p:timing>
 </p:sld>
@@ -13543,7 +13783,7 @@
           <p:nvPr>
             <p:extLst>
               <p:ext uri="{D42A27DB-BD31-4B8C-83A1-F6EECF244321}">
-                <p14:modId xmlns:p14="http://schemas.microsoft.com/office/powerpoint/2010/main" val="2370092217"/>
+                <p14:modId xmlns:p14="http://schemas.microsoft.com/office/powerpoint/2010/main" val="4015148286"/>
               </p:ext>
             </p:extLst>
           </p:nvPr>
@@ -14196,10 +14436,6 @@
                         </a:rPr>
                         <a:t>11</a:t>
                       </a:r>
-                      <a:endParaRPr lang="en-US" sz="2000" b="0" i="0" u="none" strike="noStrike" dirty="0">
-                        <a:effectLst/>
-                        <a:latin typeface="Arial" panose="020B0604020202020204" pitchFamily="34" charset="0"/>
-                      </a:endParaRPr>
                     </a:p>
                   </a:txBody>
                   <a:tcPr marL="26194" marR="26194" marT="26194" marB="0" anchor="ctr">
@@ -14308,17 +14544,19 @@
         </p:nvSpPr>
         <p:spPr>
           <a:xfrm>
-            <a:off x="0" y="275089"/>
+            <a:off x="0" y="0"/>
             <a:ext cx="12192000" cy="1179288"/>
           </a:xfrm>
         </p:spPr>
         <p:txBody>
-          <a:bodyPr/>
+          <a:bodyPr>
+            <a:normAutofit/>
+          </a:bodyPr>
           <a:lstStyle/>
           <a:p>
             <a:r>
               <a:rPr lang="en-US" altLang="ko-KR" b="1" dirty="0"/>
-              <a:t>6. Problem project</a:t>
+              <a:t>7. Risk management</a:t>
             </a:r>
             <a:endParaRPr lang="ko-KR" altLang="en-US" b="1" dirty="0"/>
           </a:p>
@@ -14449,6 +14687,2301 @@
               <a:rPr lang="en-US" smtClean="0"/>
               <a:pPr/>
               <a:t>23</a:t>
+            </a:fld>
+            <a:endParaRPr lang="en-US" dirty="0"/>
+          </a:p>
+        </p:txBody>
+      </p:sp>
+      <p:graphicFrame>
+        <p:nvGraphicFramePr>
+          <p:cNvPr id="2" name="Table 1">
+            <a:extLst>
+              <a:ext uri="{FF2B5EF4-FFF2-40B4-BE49-F238E27FC236}">
+                <a16:creationId xmlns:a16="http://schemas.microsoft.com/office/drawing/2014/main" id="{88D40C6E-C2C6-494F-82C6-759BFF60006C}"/>
+              </a:ext>
+            </a:extLst>
+          </p:cNvPr>
+          <p:cNvGraphicFramePr>
+            <a:graphicFrameLocks noGrp="1"/>
+          </p:cNvGraphicFramePr>
+          <p:nvPr>
+            <p:extLst>
+              <p:ext uri="{D42A27DB-BD31-4B8C-83A1-F6EECF244321}">
+                <p14:modId xmlns:p14="http://schemas.microsoft.com/office/powerpoint/2010/main" val="1174549740"/>
+              </p:ext>
+            </p:extLst>
+          </p:nvPr>
+        </p:nvGraphicFramePr>
+        <p:xfrm>
+          <a:off x="361326" y="1517039"/>
+          <a:ext cx="11063282" cy="4888292"/>
+        </p:xfrm>
+        <a:graphic>
+          <a:graphicData uri="http://schemas.openxmlformats.org/drawingml/2006/table">
+            <a:tbl>
+              <a:tblPr firstRow="1" firstCol="1" bandRow="1">
+                <a:tableStyleId>{F5AB1C69-6EDB-4FF4-983F-18BD219EF322}</a:tableStyleId>
+              </a:tblPr>
+              <a:tblGrid>
+                <a:gridCol w="1262958">
+                  <a:extLst>
+                    <a:ext uri="{9D8B030D-6E8A-4147-A177-3AD203B41FA5}">
+                      <a16:colId xmlns:a16="http://schemas.microsoft.com/office/drawing/2014/main" val="4055744435"/>
+                    </a:ext>
+                  </a:extLst>
+                </a:gridCol>
+                <a:gridCol w="2176537">
+                  <a:extLst>
+                    <a:ext uri="{9D8B030D-6E8A-4147-A177-3AD203B41FA5}">
+                      <a16:colId xmlns:a16="http://schemas.microsoft.com/office/drawing/2014/main" val="2789310566"/>
+                    </a:ext>
+                  </a:extLst>
+                </a:gridCol>
+                <a:gridCol w="1514371">
+                  <a:extLst>
+                    <a:ext uri="{9D8B030D-6E8A-4147-A177-3AD203B41FA5}">
+                      <a16:colId xmlns:a16="http://schemas.microsoft.com/office/drawing/2014/main" val="1131221356"/>
+                    </a:ext>
+                  </a:extLst>
+                </a:gridCol>
+                <a:gridCol w="1451811">
+                  <a:extLst>
+                    <a:ext uri="{9D8B030D-6E8A-4147-A177-3AD203B41FA5}">
+                      <a16:colId xmlns:a16="http://schemas.microsoft.com/office/drawing/2014/main" val="384708898"/>
+                    </a:ext>
+                  </a:extLst>
+                </a:gridCol>
+                <a:gridCol w="1458894">
+                  <a:extLst>
+                    <a:ext uri="{9D8B030D-6E8A-4147-A177-3AD203B41FA5}">
+                      <a16:colId xmlns:a16="http://schemas.microsoft.com/office/drawing/2014/main" val="4198789316"/>
+                    </a:ext>
+                  </a:extLst>
+                </a:gridCol>
+                <a:gridCol w="3198711">
+                  <a:extLst>
+                    <a:ext uri="{9D8B030D-6E8A-4147-A177-3AD203B41FA5}">
+                      <a16:colId xmlns:a16="http://schemas.microsoft.com/office/drawing/2014/main" val="736015590"/>
+                    </a:ext>
+                  </a:extLst>
+                </a:gridCol>
+              </a:tblGrid>
+              <a:tr h="432252">
+                <a:tc>
+                  <a:txBody>
+                    <a:bodyPr/>
+                    <a:lstStyle/>
+                    <a:p>
+                      <a:pPr algn="ctr">
+                        <a:spcBef>
+                          <a:spcPts val="50"/>
+                        </a:spcBef>
+                        <a:spcAft>
+                          <a:spcPts val="0"/>
+                        </a:spcAft>
+                      </a:pPr>
+                      <a:r>
+                        <a:rPr lang="vi-VN" sz="1800">
+                          <a:effectLst/>
+                        </a:rPr>
+                        <a:t>Number</a:t>
+                      </a:r>
+                      <a:endParaRPr lang="en-US" sz="1800">
+                        <a:effectLst/>
+                        <a:latin typeface="Verdana" panose="020B0604030504040204" pitchFamily="34" charset="0"/>
+                        <a:ea typeface="Verdana" panose="020B0604030504040204" pitchFamily="34" charset="0"/>
+                        <a:cs typeface="Verdana" panose="020B0604030504040204" pitchFamily="34" charset="0"/>
+                      </a:endParaRPr>
+                    </a:p>
+                  </a:txBody>
+                  <a:tcPr marL="35928" marR="35928" marT="0" marB="0" anchor="ctr"/>
+                </a:tc>
+                <a:tc>
+                  <a:txBody>
+                    <a:bodyPr/>
+                    <a:lstStyle/>
+                    <a:p>
+                      <a:pPr algn="ctr">
+                        <a:spcBef>
+                          <a:spcPts val="50"/>
+                        </a:spcBef>
+                        <a:spcAft>
+                          <a:spcPts val="0"/>
+                        </a:spcAft>
+                      </a:pPr>
+                      <a:r>
+                        <a:rPr lang="vi-VN" sz="1800">
+                          <a:effectLst/>
+                        </a:rPr>
+                        <a:t>Risk name</a:t>
+                      </a:r>
+                      <a:endParaRPr lang="en-US" sz="1800">
+                        <a:effectLst/>
+                        <a:latin typeface="Verdana" panose="020B0604030504040204" pitchFamily="34" charset="0"/>
+                        <a:ea typeface="Verdana" panose="020B0604030504040204" pitchFamily="34" charset="0"/>
+                        <a:cs typeface="Verdana" panose="020B0604030504040204" pitchFamily="34" charset="0"/>
+                      </a:endParaRPr>
+                    </a:p>
+                  </a:txBody>
+                  <a:tcPr marL="35928" marR="35928" marT="0" marB="0" anchor="ctr"/>
+                </a:tc>
+                <a:tc>
+                  <a:txBody>
+                    <a:bodyPr/>
+                    <a:lstStyle/>
+                    <a:p>
+                      <a:pPr algn="ctr">
+                        <a:spcBef>
+                          <a:spcPts val="50"/>
+                        </a:spcBef>
+                        <a:spcAft>
+                          <a:spcPts val="0"/>
+                        </a:spcAft>
+                      </a:pPr>
+                      <a:r>
+                        <a:rPr lang="en-US" sz="1800">
+                          <a:effectLst/>
+                        </a:rPr>
+                        <a:t>Possibility</a:t>
+                      </a:r>
+                      <a:endParaRPr lang="en-US" sz="1800">
+                        <a:effectLst/>
+                        <a:latin typeface="Verdana" panose="020B0604030504040204" pitchFamily="34" charset="0"/>
+                        <a:ea typeface="Verdana" panose="020B0604030504040204" pitchFamily="34" charset="0"/>
+                        <a:cs typeface="Verdana" panose="020B0604030504040204" pitchFamily="34" charset="0"/>
+                      </a:endParaRPr>
+                    </a:p>
+                  </a:txBody>
+                  <a:tcPr marL="35928" marR="35928" marT="0" marB="0" anchor="ctr"/>
+                </a:tc>
+                <a:tc>
+                  <a:txBody>
+                    <a:bodyPr/>
+                    <a:lstStyle/>
+                    <a:p>
+                      <a:pPr algn="ctr">
+                        <a:spcBef>
+                          <a:spcPts val="50"/>
+                        </a:spcBef>
+                        <a:spcAft>
+                          <a:spcPts val="0"/>
+                        </a:spcAft>
+                      </a:pPr>
+                      <a:r>
+                        <a:rPr lang="en-US" sz="1800">
+                          <a:effectLst/>
+                        </a:rPr>
+                        <a:t>Impact</a:t>
+                      </a:r>
+                      <a:endParaRPr lang="en-US" sz="1800">
+                        <a:effectLst/>
+                        <a:latin typeface="Verdana" panose="020B0604030504040204" pitchFamily="34" charset="0"/>
+                        <a:ea typeface="Verdana" panose="020B0604030504040204" pitchFamily="34" charset="0"/>
+                        <a:cs typeface="Verdana" panose="020B0604030504040204" pitchFamily="34" charset="0"/>
+                      </a:endParaRPr>
+                    </a:p>
+                  </a:txBody>
+                  <a:tcPr marL="35928" marR="35928" marT="0" marB="0" anchor="ctr"/>
+                </a:tc>
+                <a:tc>
+                  <a:txBody>
+                    <a:bodyPr/>
+                    <a:lstStyle/>
+                    <a:p>
+                      <a:pPr algn="ctr">
+                        <a:spcBef>
+                          <a:spcPts val="50"/>
+                        </a:spcBef>
+                        <a:spcAft>
+                          <a:spcPts val="0"/>
+                        </a:spcAft>
+                      </a:pPr>
+                      <a:r>
+                        <a:rPr lang="en-US" sz="1800">
+                          <a:effectLst/>
+                        </a:rPr>
+                        <a:t>Priority</a:t>
+                      </a:r>
+                      <a:endParaRPr lang="en-US" sz="1800">
+                        <a:effectLst/>
+                        <a:latin typeface="Verdana" panose="020B0604030504040204" pitchFamily="34" charset="0"/>
+                        <a:ea typeface="Verdana" panose="020B0604030504040204" pitchFamily="34" charset="0"/>
+                        <a:cs typeface="Verdana" panose="020B0604030504040204" pitchFamily="34" charset="0"/>
+                      </a:endParaRPr>
+                    </a:p>
+                  </a:txBody>
+                  <a:tcPr marL="35928" marR="35928" marT="0" marB="0" anchor="ctr"/>
+                </a:tc>
+                <a:tc>
+                  <a:txBody>
+                    <a:bodyPr/>
+                    <a:lstStyle/>
+                    <a:p>
+                      <a:pPr algn="ctr">
+                        <a:spcBef>
+                          <a:spcPts val="50"/>
+                        </a:spcBef>
+                        <a:spcAft>
+                          <a:spcPts val="0"/>
+                        </a:spcAft>
+                      </a:pPr>
+                      <a:r>
+                        <a:rPr lang="en-US" sz="1800" dirty="0">
+                          <a:effectLst/>
+                        </a:rPr>
+                        <a:t>How to prevent or minimize</a:t>
+                      </a:r>
+                      <a:endParaRPr lang="en-US" sz="1800" dirty="0">
+                        <a:effectLst/>
+                        <a:latin typeface="Verdana" panose="020B0604030504040204" pitchFamily="34" charset="0"/>
+                        <a:ea typeface="Verdana" panose="020B0604030504040204" pitchFamily="34" charset="0"/>
+                        <a:cs typeface="Verdana" panose="020B0604030504040204" pitchFamily="34" charset="0"/>
+                      </a:endParaRPr>
+                    </a:p>
+                  </a:txBody>
+                  <a:tcPr marL="35928" marR="35928" marT="0" marB="0" anchor="ctr"/>
+                </a:tc>
+                <a:extLst>
+                  <a:ext uri="{0D108BD9-81ED-4DB2-BD59-A6C34878D82A}">
+                    <a16:rowId xmlns:a16="http://schemas.microsoft.com/office/drawing/2014/main" val="952220674"/>
+                  </a:ext>
+                </a:extLst>
+              </a:tr>
+              <a:tr h="886284">
+                <a:tc>
+                  <a:txBody>
+                    <a:bodyPr/>
+                    <a:lstStyle/>
+                    <a:p>
+                      <a:pPr algn="ctr">
+                        <a:spcBef>
+                          <a:spcPts val="50"/>
+                        </a:spcBef>
+                        <a:spcAft>
+                          <a:spcPts val="0"/>
+                        </a:spcAft>
+                      </a:pPr>
+                      <a:r>
+                        <a:rPr lang="vi-VN" sz="1800">
+                          <a:effectLst/>
+                        </a:rPr>
+                        <a:t>1</a:t>
+                      </a:r>
+                      <a:endParaRPr lang="en-US" sz="1800">
+                        <a:effectLst/>
+                        <a:latin typeface="Verdana" panose="020B0604030504040204" pitchFamily="34" charset="0"/>
+                        <a:ea typeface="Verdana" panose="020B0604030504040204" pitchFamily="34" charset="0"/>
+                        <a:cs typeface="Verdana" panose="020B0604030504040204" pitchFamily="34" charset="0"/>
+                      </a:endParaRPr>
+                    </a:p>
+                  </a:txBody>
+                  <a:tcPr marL="35928" marR="35928" marT="0" marB="0" anchor="ctr"/>
+                </a:tc>
+                <a:tc>
+                  <a:txBody>
+                    <a:bodyPr/>
+                    <a:lstStyle/>
+                    <a:p>
+                      <a:pPr algn="ctr">
+                        <a:spcBef>
+                          <a:spcPts val="50"/>
+                        </a:spcBef>
+                        <a:spcAft>
+                          <a:spcPts val="0"/>
+                        </a:spcAft>
+                      </a:pPr>
+                      <a:r>
+                        <a:rPr lang="en-US" sz="1800" dirty="0">
+                          <a:effectLst/>
+                        </a:rPr>
+                        <a:t>Difficulties with new technologies</a:t>
+                      </a:r>
+                      <a:endParaRPr lang="en-US" sz="1800" dirty="0">
+                        <a:effectLst/>
+                        <a:latin typeface="Verdana" panose="020B0604030504040204" pitchFamily="34" charset="0"/>
+                        <a:ea typeface="Verdana" panose="020B0604030504040204" pitchFamily="34" charset="0"/>
+                        <a:cs typeface="Verdana" panose="020B0604030504040204" pitchFamily="34" charset="0"/>
+                      </a:endParaRPr>
+                    </a:p>
+                  </a:txBody>
+                  <a:tcPr marL="35928" marR="35928" marT="0" marB="0" anchor="ctr"/>
+                </a:tc>
+                <a:tc>
+                  <a:txBody>
+                    <a:bodyPr/>
+                    <a:lstStyle/>
+                    <a:p>
+                      <a:pPr algn="ctr">
+                        <a:spcBef>
+                          <a:spcPts val="50"/>
+                        </a:spcBef>
+                        <a:spcAft>
+                          <a:spcPts val="0"/>
+                        </a:spcAft>
+                      </a:pPr>
+                      <a:r>
+                        <a:rPr lang="vi-VN" sz="1800">
+                          <a:effectLst/>
+                        </a:rPr>
+                        <a:t>Moderate</a:t>
+                      </a:r>
+                      <a:endParaRPr lang="en-US" sz="1800">
+                        <a:effectLst/>
+                        <a:latin typeface="Verdana" panose="020B0604030504040204" pitchFamily="34" charset="0"/>
+                        <a:ea typeface="Verdana" panose="020B0604030504040204" pitchFamily="34" charset="0"/>
+                        <a:cs typeface="Verdana" panose="020B0604030504040204" pitchFamily="34" charset="0"/>
+                      </a:endParaRPr>
+                    </a:p>
+                  </a:txBody>
+                  <a:tcPr marL="35928" marR="35928" marT="0" marB="0" anchor="ctr"/>
+                </a:tc>
+                <a:tc>
+                  <a:txBody>
+                    <a:bodyPr/>
+                    <a:lstStyle/>
+                    <a:p>
+                      <a:pPr algn="ctr">
+                        <a:spcBef>
+                          <a:spcPts val="50"/>
+                        </a:spcBef>
+                        <a:spcAft>
+                          <a:spcPts val="0"/>
+                        </a:spcAft>
+                      </a:pPr>
+                      <a:r>
+                        <a:rPr lang="vi-VN" sz="1800">
+                          <a:effectLst/>
+                        </a:rPr>
+                        <a:t>Moderate</a:t>
+                      </a:r>
+                      <a:endParaRPr lang="en-US" sz="1800">
+                        <a:effectLst/>
+                        <a:latin typeface="Verdana" panose="020B0604030504040204" pitchFamily="34" charset="0"/>
+                        <a:ea typeface="Verdana" panose="020B0604030504040204" pitchFamily="34" charset="0"/>
+                        <a:cs typeface="Verdana" panose="020B0604030504040204" pitchFamily="34" charset="0"/>
+                      </a:endParaRPr>
+                    </a:p>
+                  </a:txBody>
+                  <a:tcPr marL="35928" marR="35928" marT="0" marB="0" anchor="ctr"/>
+                </a:tc>
+                <a:tc>
+                  <a:txBody>
+                    <a:bodyPr/>
+                    <a:lstStyle/>
+                    <a:p>
+                      <a:pPr algn="ctr">
+                        <a:spcBef>
+                          <a:spcPts val="50"/>
+                        </a:spcBef>
+                        <a:spcAft>
+                          <a:spcPts val="0"/>
+                        </a:spcAft>
+                      </a:pPr>
+                      <a:r>
+                        <a:rPr lang="vi-VN" sz="1800">
+                          <a:effectLst/>
+                        </a:rPr>
+                        <a:t>Moderate</a:t>
+                      </a:r>
+                      <a:endParaRPr lang="en-US" sz="1800">
+                        <a:effectLst/>
+                        <a:latin typeface="Verdana" panose="020B0604030504040204" pitchFamily="34" charset="0"/>
+                        <a:ea typeface="Verdana" panose="020B0604030504040204" pitchFamily="34" charset="0"/>
+                        <a:cs typeface="Verdana" panose="020B0604030504040204" pitchFamily="34" charset="0"/>
+                      </a:endParaRPr>
+                    </a:p>
+                  </a:txBody>
+                  <a:tcPr marL="35928" marR="35928" marT="0" marB="0" anchor="ctr"/>
+                </a:tc>
+                <a:tc>
+                  <a:txBody>
+                    <a:bodyPr/>
+                    <a:lstStyle/>
+                    <a:p>
+                      <a:pPr algn="l">
+                        <a:spcBef>
+                          <a:spcPts val="50"/>
+                        </a:spcBef>
+                        <a:spcAft>
+                          <a:spcPts val="0"/>
+                        </a:spcAft>
+                      </a:pPr>
+                      <a:r>
+                        <a:rPr lang="vi-VN" sz="1800">
+                          <a:effectLst/>
+                        </a:rPr>
+                        <a:t>1. </a:t>
+                      </a:r>
+                      <a:r>
+                        <a:rPr lang="en-US" sz="1800">
+                          <a:effectLst/>
+                        </a:rPr>
+                        <a:t>Organize training sessions on new technologies for all members</a:t>
+                      </a:r>
+                      <a:endParaRPr lang="en-US" sz="1800">
+                        <a:effectLst/>
+                        <a:latin typeface="Verdana" panose="020B0604030504040204" pitchFamily="34" charset="0"/>
+                        <a:ea typeface="Verdana" panose="020B0604030504040204" pitchFamily="34" charset="0"/>
+                        <a:cs typeface="Verdana" panose="020B0604030504040204" pitchFamily="34" charset="0"/>
+                      </a:endParaRPr>
+                    </a:p>
+                  </a:txBody>
+                  <a:tcPr marL="35928" marR="35928" marT="0" marB="0" anchor="ctr"/>
+                </a:tc>
+                <a:extLst>
+                  <a:ext uri="{0D108BD9-81ED-4DB2-BD59-A6C34878D82A}">
+                    <a16:rowId xmlns:a16="http://schemas.microsoft.com/office/drawing/2014/main" val="3138559649"/>
+                  </a:ext>
+                </a:extLst>
+              </a:tr>
+              <a:tr h="603166">
+                <a:tc>
+                  <a:txBody>
+                    <a:bodyPr/>
+                    <a:lstStyle/>
+                    <a:p>
+                      <a:pPr algn="ctr">
+                        <a:spcBef>
+                          <a:spcPts val="50"/>
+                        </a:spcBef>
+                        <a:spcAft>
+                          <a:spcPts val="0"/>
+                        </a:spcAft>
+                      </a:pPr>
+                      <a:r>
+                        <a:rPr lang="vi-VN" sz="1800">
+                          <a:effectLst/>
+                        </a:rPr>
+                        <a:t>2</a:t>
+                      </a:r>
+                      <a:endParaRPr lang="en-US" sz="1800">
+                        <a:effectLst/>
+                        <a:latin typeface="Verdana" panose="020B0604030504040204" pitchFamily="34" charset="0"/>
+                        <a:ea typeface="Verdana" panose="020B0604030504040204" pitchFamily="34" charset="0"/>
+                        <a:cs typeface="Verdana" panose="020B0604030504040204" pitchFamily="34" charset="0"/>
+                      </a:endParaRPr>
+                    </a:p>
+                  </a:txBody>
+                  <a:tcPr marL="35928" marR="35928" marT="0" marB="0" anchor="ctr"/>
+                </a:tc>
+                <a:tc>
+                  <a:txBody>
+                    <a:bodyPr/>
+                    <a:lstStyle/>
+                    <a:p>
+                      <a:pPr algn="ctr">
+                        <a:spcBef>
+                          <a:spcPts val="50"/>
+                        </a:spcBef>
+                        <a:spcAft>
+                          <a:spcPts val="0"/>
+                        </a:spcAft>
+                      </a:pPr>
+                      <a:r>
+                        <a:rPr lang="en-US" sz="1800">
+                          <a:effectLst/>
+                        </a:rPr>
+                        <a:t>Lost data</a:t>
+                      </a:r>
+                      <a:endParaRPr lang="en-US" sz="1800">
+                        <a:effectLst/>
+                        <a:latin typeface="Verdana" panose="020B0604030504040204" pitchFamily="34" charset="0"/>
+                        <a:ea typeface="Verdana" panose="020B0604030504040204" pitchFamily="34" charset="0"/>
+                        <a:cs typeface="Verdana" panose="020B0604030504040204" pitchFamily="34" charset="0"/>
+                      </a:endParaRPr>
+                    </a:p>
+                  </a:txBody>
+                  <a:tcPr marL="35928" marR="35928" marT="0" marB="0" anchor="ctr"/>
+                </a:tc>
+                <a:tc>
+                  <a:txBody>
+                    <a:bodyPr/>
+                    <a:lstStyle/>
+                    <a:p>
+                      <a:pPr algn="ctr">
+                        <a:spcBef>
+                          <a:spcPts val="50"/>
+                        </a:spcBef>
+                        <a:spcAft>
+                          <a:spcPts val="0"/>
+                        </a:spcAft>
+                      </a:pPr>
+                      <a:r>
+                        <a:rPr lang="vi-VN" sz="1800">
+                          <a:effectLst/>
+                        </a:rPr>
+                        <a:t>High</a:t>
+                      </a:r>
+                      <a:endParaRPr lang="en-US" sz="1800">
+                        <a:effectLst/>
+                        <a:latin typeface="Verdana" panose="020B0604030504040204" pitchFamily="34" charset="0"/>
+                        <a:ea typeface="Verdana" panose="020B0604030504040204" pitchFamily="34" charset="0"/>
+                        <a:cs typeface="Verdana" panose="020B0604030504040204" pitchFamily="34" charset="0"/>
+                      </a:endParaRPr>
+                    </a:p>
+                  </a:txBody>
+                  <a:tcPr marL="35928" marR="35928" marT="0" marB="0" anchor="ctr"/>
+                </a:tc>
+                <a:tc>
+                  <a:txBody>
+                    <a:bodyPr/>
+                    <a:lstStyle/>
+                    <a:p>
+                      <a:pPr algn="ctr">
+                        <a:spcBef>
+                          <a:spcPts val="50"/>
+                        </a:spcBef>
+                        <a:spcAft>
+                          <a:spcPts val="0"/>
+                        </a:spcAft>
+                      </a:pPr>
+                      <a:r>
+                        <a:rPr lang="vi-VN" sz="1800">
+                          <a:effectLst/>
+                        </a:rPr>
+                        <a:t>High</a:t>
+                      </a:r>
+                      <a:endParaRPr lang="en-US" sz="1800">
+                        <a:effectLst/>
+                        <a:latin typeface="Verdana" panose="020B0604030504040204" pitchFamily="34" charset="0"/>
+                        <a:ea typeface="Verdana" panose="020B0604030504040204" pitchFamily="34" charset="0"/>
+                        <a:cs typeface="Verdana" panose="020B0604030504040204" pitchFamily="34" charset="0"/>
+                      </a:endParaRPr>
+                    </a:p>
+                  </a:txBody>
+                  <a:tcPr marL="35928" marR="35928" marT="0" marB="0" anchor="ctr"/>
+                </a:tc>
+                <a:tc>
+                  <a:txBody>
+                    <a:bodyPr/>
+                    <a:lstStyle/>
+                    <a:p>
+                      <a:pPr algn="ctr">
+                        <a:spcBef>
+                          <a:spcPts val="50"/>
+                        </a:spcBef>
+                        <a:spcAft>
+                          <a:spcPts val="0"/>
+                        </a:spcAft>
+                      </a:pPr>
+                      <a:r>
+                        <a:rPr lang="vi-VN" sz="1800">
+                          <a:effectLst/>
+                        </a:rPr>
+                        <a:t>High</a:t>
+                      </a:r>
+                      <a:endParaRPr lang="en-US" sz="1800">
+                        <a:effectLst/>
+                        <a:latin typeface="Verdana" panose="020B0604030504040204" pitchFamily="34" charset="0"/>
+                        <a:ea typeface="Verdana" panose="020B0604030504040204" pitchFamily="34" charset="0"/>
+                        <a:cs typeface="Verdana" panose="020B0604030504040204" pitchFamily="34" charset="0"/>
+                      </a:endParaRPr>
+                    </a:p>
+                  </a:txBody>
+                  <a:tcPr marL="35928" marR="35928" marT="0" marB="0" anchor="ctr"/>
+                </a:tc>
+                <a:tc>
+                  <a:txBody>
+                    <a:bodyPr/>
+                    <a:lstStyle/>
+                    <a:p>
+                      <a:pPr algn="l">
+                        <a:spcBef>
+                          <a:spcPts val="50"/>
+                        </a:spcBef>
+                        <a:spcAft>
+                          <a:spcPts val="0"/>
+                        </a:spcAft>
+                      </a:pPr>
+                      <a:r>
+                        <a:rPr lang="en-US" sz="1800">
+                          <a:effectLst/>
+                        </a:rPr>
+                        <a:t>1. Online storage</a:t>
+                      </a:r>
+                    </a:p>
+                    <a:p>
+                      <a:pPr algn="l">
+                        <a:spcBef>
+                          <a:spcPts val="50"/>
+                        </a:spcBef>
+                        <a:spcAft>
+                          <a:spcPts val="0"/>
+                        </a:spcAft>
+                      </a:pPr>
+                      <a:r>
+                        <a:rPr lang="en-US" sz="1800">
+                          <a:effectLst/>
+                        </a:rPr>
+                        <a:t>2. Create a backup file</a:t>
+                      </a:r>
+                      <a:endParaRPr lang="en-US" sz="1800">
+                        <a:effectLst/>
+                        <a:latin typeface="Verdana" panose="020B0604030504040204" pitchFamily="34" charset="0"/>
+                        <a:ea typeface="Verdana" panose="020B0604030504040204" pitchFamily="34" charset="0"/>
+                        <a:cs typeface="Verdana" panose="020B0604030504040204" pitchFamily="34" charset="0"/>
+                      </a:endParaRPr>
+                    </a:p>
+                  </a:txBody>
+                  <a:tcPr marL="35928" marR="35928" marT="0" marB="0" anchor="ctr"/>
+                </a:tc>
+                <a:extLst>
+                  <a:ext uri="{0D108BD9-81ED-4DB2-BD59-A6C34878D82A}">
+                    <a16:rowId xmlns:a16="http://schemas.microsoft.com/office/drawing/2014/main" val="2934841758"/>
+                  </a:ext>
+                </a:extLst>
+              </a:tr>
+              <a:tr h="1477140">
+                <a:tc>
+                  <a:txBody>
+                    <a:bodyPr/>
+                    <a:lstStyle/>
+                    <a:p>
+                      <a:pPr algn="ctr">
+                        <a:spcBef>
+                          <a:spcPts val="50"/>
+                        </a:spcBef>
+                        <a:spcAft>
+                          <a:spcPts val="0"/>
+                        </a:spcAft>
+                      </a:pPr>
+                      <a:r>
+                        <a:rPr lang="vi-VN" sz="1800">
+                          <a:effectLst/>
+                        </a:rPr>
+                        <a:t>3</a:t>
+                      </a:r>
+                      <a:endParaRPr lang="en-US" sz="1800">
+                        <a:effectLst/>
+                        <a:latin typeface="Verdana" panose="020B0604030504040204" pitchFamily="34" charset="0"/>
+                        <a:ea typeface="Verdana" panose="020B0604030504040204" pitchFamily="34" charset="0"/>
+                        <a:cs typeface="Verdana" panose="020B0604030504040204" pitchFamily="34" charset="0"/>
+                      </a:endParaRPr>
+                    </a:p>
+                  </a:txBody>
+                  <a:tcPr marL="35928" marR="35928" marT="0" marB="0" anchor="ctr"/>
+                </a:tc>
+                <a:tc>
+                  <a:txBody>
+                    <a:bodyPr/>
+                    <a:lstStyle/>
+                    <a:p>
+                      <a:pPr algn="ctr">
+                        <a:spcBef>
+                          <a:spcPts val="50"/>
+                        </a:spcBef>
+                        <a:spcAft>
+                          <a:spcPts val="0"/>
+                        </a:spcAft>
+                      </a:pPr>
+                      <a:r>
+                        <a:rPr lang="en-US" sz="1800">
+                          <a:effectLst/>
+                        </a:rPr>
+                        <a:t>Machinery and equipment had problems during the project's implementation</a:t>
+                      </a:r>
+                      <a:endParaRPr lang="en-US" sz="1800">
+                        <a:effectLst/>
+                        <a:latin typeface="Verdana" panose="020B0604030504040204" pitchFamily="34" charset="0"/>
+                        <a:ea typeface="Verdana" panose="020B0604030504040204" pitchFamily="34" charset="0"/>
+                        <a:cs typeface="Verdana" panose="020B0604030504040204" pitchFamily="34" charset="0"/>
+                      </a:endParaRPr>
+                    </a:p>
+                  </a:txBody>
+                  <a:tcPr marL="35928" marR="35928" marT="0" marB="0" anchor="ctr"/>
+                </a:tc>
+                <a:tc>
+                  <a:txBody>
+                    <a:bodyPr/>
+                    <a:lstStyle/>
+                    <a:p>
+                      <a:pPr algn="ctr">
+                        <a:spcBef>
+                          <a:spcPts val="50"/>
+                        </a:spcBef>
+                        <a:spcAft>
+                          <a:spcPts val="0"/>
+                        </a:spcAft>
+                      </a:pPr>
+                      <a:r>
+                        <a:rPr lang="vi-VN" sz="1800">
+                          <a:effectLst/>
+                        </a:rPr>
+                        <a:t>Moderate</a:t>
+                      </a:r>
+                      <a:endParaRPr lang="en-US" sz="1800">
+                        <a:effectLst/>
+                        <a:latin typeface="Verdana" panose="020B0604030504040204" pitchFamily="34" charset="0"/>
+                        <a:ea typeface="Verdana" panose="020B0604030504040204" pitchFamily="34" charset="0"/>
+                        <a:cs typeface="Verdana" panose="020B0604030504040204" pitchFamily="34" charset="0"/>
+                      </a:endParaRPr>
+                    </a:p>
+                  </a:txBody>
+                  <a:tcPr marL="35928" marR="35928" marT="0" marB="0" anchor="ctr"/>
+                </a:tc>
+                <a:tc>
+                  <a:txBody>
+                    <a:bodyPr/>
+                    <a:lstStyle/>
+                    <a:p>
+                      <a:pPr algn="ctr">
+                        <a:spcBef>
+                          <a:spcPts val="50"/>
+                        </a:spcBef>
+                        <a:spcAft>
+                          <a:spcPts val="0"/>
+                        </a:spcAft>
+                      </a:pPr>
+                      <a:r>
+                        <a:rPr lang="vi-VN" sz="1800" dirty="0">
+                          <a:effectLst/>
+                        </a:rPr>
+                        <a:t>Moderate</a:t>
+                      </a:r>
+                      <a:endParaRPr lang="en-US" sz="1800" dirty="0">
+                        <a:effectLst/>
+                        <a:latin typeface="Verdana" panose="020B0604030504040204" pitchFamily="34" charset="0"/>
+                        <a:ea typeface="Verdana" panose="020B0604030504040204" pitchFamily="34" charset="0"/>
+                        <a:cs typeface="Verdana" panose="020B0604030504040204" pitchFamily="34" charset="0"/>
+                      </a:endParaRPr>
+                    </a:p>
+                  </a:txBody>
+                  <a:tcPr marL="35928" marR="35928" marT="0" marB="0" anchor="ctr"/>
+                </a:tc>
+                <a:tc>
+                  <a:txBody>
+                    <a:bodyPr/>
+                    <a:lstStyle/>
+                    <a:p>
+                      <a:pPr algn="ctr">
+                        <a:spcBef>
+                          <a:spcPts val="50"/>
+                        </a:spcBef>
+                        <a:spcAft>
+                          <a:spcPts val="0"/>
+                        </a:spcAft>
+                      </a:pPr>
+                      <a:r>
+                        <a:rPr lang="vi-VN" sz="1800">
+                          <a:effectLst/>
+                        </a:rPr>
+                        <a:t>Moderate</a:t>
+                      </a:r>
+                      <a:endParaRPr lang="en-US" sz="1800">
+                        <a:effectLst/>
+                        <a:latin typeface="Verdana" panose="020B0604030504040204" pitchFamily="34" charset="0"/>
+                        <a:ea typeface="Verdana" panose="020B0604030504040204" pitchFamily="34" charset="0"/>
+                        <a:cs typeface="Verdana" panose="020B0604030504040204" pitchFamily="34" charset="0"/>
+                      </a:endParaRPr>
+                    </a:p>
+                  </a:txBody>
+                  <a:tcPr marL="35928" marR="35928" marT="0" marB="0" anchor="ctr"/>
+                </a:tc>
+                <a:tc>
+                  <a:txBody>
+                    <a:bodyPr/>
+                    <a:lstStyle/>
+                    <a:p>
+                      <a:pPr algn="l">
+                        <a:spcBef>
+                          <a:spcPts val="50"/>
+                        </a:spcBef>
+                        <a:spcAft>
+                          <a:spcPts val="0"/>
+                        </a:spcAft>
+                      </a:pPr>
+                      <a:r>
+                        <a:rPr lang="vi-VN" sz="1800">
+                          <a:effectLst/>
+                        </a:rPr>
+                        <a:t>1.</a:t>
+                      </a:r>
+                      <a:r>
+                        <a:rPr lang="en-US" sz="1800">
+                          <a:effectLst/>
+                        </a:rPr>
+                        <a:t>Implementation on many devices</a:t>
+                      </a:r>
+                      <a:endParaRPr lang="en-US" sz="1800">
+                        <a:effectLst/>
+                        <a:latin typeface="Verdana" panose="020B0604030504040204" pitchFamily="34" charset="0"/>
+                        <a:ea typeface="Verdana" panose="020B0604030504040204" pitchFamily="34" charset="0"/>
+                        <a:cs typeface="Verdana" panose="020B0604030504040204" pitchFamily="34" charset="0"/>
+                      </a:endParaRPr>
+                    </a:p>
+                  </a:txBody>
+                  <a:tcPr marL="35928" marR="35928" marT="0" marB="0" anchor="ctr"/>
+                </a:tc>
+                <a:extLst>
+                  <a:ext uri="{0D108BD9-81ED-4DB2-BD59-A6C34878D82A}">
+                    <a16:rowId xmlns:a16="http://schemas.microsoft.com/office/drawing/2014/main" val="509314696"/>
+                  </a:ext>
+                </a:extLst>
+              </a:tr>
+              <a:tr h="1489450">
+                <a:tc>
+                  <a:txBody>
+                    <a:bodyPr/>
+                    <a:lstStyle/>
+                    <a:p>
+                      <a:pPr algn="ctr">
+                        <a:spcBef>
+                          <a:spcPts val="50"/>
+                        </a:spcBef>
+                        <a:spcAft>
+                          <a:spcPts val="0"/>
+                        </a:spcAft>
+                      </a:pPr>
+                      <a:r>
+                        <a:rPr lang="vi-VN" sz="1800">
+                          <a:effectLst/>
+                        </a:rPr>
+                        <a:t>4</a:t>
+                      </a:r>
+                      <a:endParaRPr lang="en-US" sz="1800">
+                        <a:effectLst/>
+                        <a:latin typeface="Verdana" panose="020B0604030504040204" pitchFamily="34" charset="0"/>
+                        <a:ea typeface="Verdana" panose="020B0604030504040204" pitchFamily="34" charset="0"/>
+                        <a:cs typeface="Verdana" panose="020B0604030504040204" pitchFamily="34" charset="0"/>
+                      </a:endParaRPr>
+                    </a:p>
+                  </a:txBody>
+                  <a:tcPr marL="35928" marR="35928" marT="0" marB="0" anchor="ctr"/>
+                </a:tc>
+                <a:tc>
+                  <a:txBody>
+                    <a:bodyPr/>
+                    <a:lstStyle/>
+                    <a:p>
+                      <a:pPr algn="ctr">
+                        <a:spcBef>
+                          <a:spcPts val="50"/>
+                        </a:spcBef>
+                        <a:spcAft>
+                          <a:spcPts val="0"/>
+                        </a:spcAft>
+                      </a:pPr>
+                      <a:r>
+                        <a:rPr lang="en-US" sz="1800">
+                          <a:effectLst/>
+                        </a:rPr>
+                        <a:t>Performance is not guaranteed</a:t>
+                      </a:r>
+                      <a:endParaRPr lang="en-US" sz="1800">
+                        <a:effectLst/>
+                        <a:latin typeface="Verdana" panose="020B0604030504040204" pitchFamily="34" charset="0"/>
+                        <a:ea typeface="Verdana" panose="020B0604030504040204" pitchFamily="34" charset="0"/>
+                        <a:cs typeface="Verdana" panose="020B0604030504040204" pitchFamily="34" charset="0"/>
+                      </a:endParaRPr>
+                    </a:p>
+                  </a:txBody>
+                  <a:tcPr marL="35928" marR="35928" marT="0" marB="0" anchor="ctr"/>
+                </a:tc>
+                <a:tc>
+                  <a:txBody>
+                    <a:bodyPr/>
+                    <a:lstStyle/>
+                    <a:p>
+                      <a:pPr algn="ctr">
+                        <a:spcBef>
+                          <a:spcPts val="50"/>
+                        </a:spcBef>
+                        <a:spcAft>
+                          <a:spcPts val="0"/>
+                        </a:spcAft>
+                      </a:pPr>
+                      <a:r>
+                        <a:rPr lang="vi-VN" sz="1800">
+                          <a:effectLst/>
+                        </a:rPr>
+                        <a:t>High</a:t>
+                      </a:r>
+                      <a:endParaRPr lang="en-US" sz="1800">
+                        <a:effectLst/>
+                        <a:latin typeface="Verdana" panose="020B0604030504040204" pitchFamily="34" charset="0"/>
+                        <a:ea typeface="Verdana" panose="020B0604030504040204" pitchFamily="34" charset="0"/>
+                        <a:cs typeface="Verdana" panose="020B0604030504040204" pitchFamily="34" charset="0"/>
+                      </a:endParaRPr>
+                    </a:p>
+                  </a:txBody>
+                  <a:tcPr marL="35928" marR="35928" marT="0" marB="0" anchor="ctr"/>
+                </a:tc>
+                <a:tc>
+                  <a:txBody>
+                    <a:bodyPr/>
+                    <a:lstStyle/>
+                    <a:p>
+                      <a:pPr algn="ctr">
+                        <a:spcBef>
+                          <a:spcPts val="50"/>
+                        </a:spcBef>
+                        <a:spcAft>
+                          <a:spcPts val="0"/>
+                        </a:spcAft>
+                      </a:pPr>
+                      <a:r>
+                        <a:rPr lang="vi-VN" sz="1800">
+                          <a:effectLst/>
+                        </a:rPr>
+                        <a:t>High</a:t>
+                      </a:r>
+                      <a:endParaRPr lang="en-US" sz="1800">
+                        <a:effectLst/>
+                        <a:latin typeface="Verdana" panose="020B0604030504040204" pitchFamily="34" charset="0"/>
+                        <a:ea typeface="Verdana" panose="020B0604030504040204" pitchFamily="34" charset="0"/>
+                        <a:cs typeface="Verdana" panose="020B0604030504040204" pitchFamily="34" charset="0"/>
+                      </a:endParaRPr>
+                    </a:p>
+                  </a:txBody>
+                  <a:tcPr marL="35928" marR="35928" marT="0" marB="0" anchor="ctr"/>
+                </a:tc>
+                <a:tc>
+                  <a:txBody>
+                    <a:bodyPr/>
+                    <a:lstStyle/>
+                    <a:p>
+                      <a:pPr algn="ctr">
+                        <a:spcBef>
+                          <a:spcPts val="50"/>
+                        </a:spcBef>
+                        <a:spcAft>
+                          <a:spcPts val="0"/>
+                        </a:spcAft>
+                      </a:pPr>
+                      <a:r>
+                        <a:rPr lang="vi-VN" sz="1800">
+                          <a:effectLst/>
+                        </a:rPr>
+                        <a:t>High</a:t>
+                      </a:r>
+                      <a:endParaRPr lang="en-US" sz="1800">
+                        <a:effectLst/>
+                        <a:latin typeface="Verdana" panose="020B0604030504040204" pitchFamily="34" charset="0"/>
+                        <a:ea typeface="Verdana" panose="020B0604030504040204" pitchFamily="34" charset="0"/>
+                        <a:cs typeface="Verdana" panose="020B0604030504040204" pitchFamily="34" charset="0"/>
+                      </a:endParaRPr>
+                    </a:p>
+                  </a:txBody>
+                  <a:tcPr marL="35928" marR="35928" marT="0" marB="0" anchor="ctr"/>
+                </a:tc>
+                <a:tc>
+                  <a:txBody>
+                    <a:bodyPr/>
+                    <a:lstStyle/>
+                    <a:p>
+                      <a:pPr algn="l">
+                        <a:spcBef>
+                          <a:spcPts val="50"/>
+                        </a:spcBef>
+                        <a:spcAft>
+                          <a:spcPts val="0"/>
+                        </a:spcAft>
+                      </a:pPr>
+                      <a:r>
+                        <a:rPr lang="en-US" sz="1800" dirty="0">
+                          <a:effectLst/>
+                        </a:rPr>
+                        <a:t>1. Keep members in the best state</a:t>
+                      </a:r>
+                    </a:p>
+                    <a:p>
+                      <a:pPr algn="l">
+                        <a:spcBef>
+                          <a:spcPts val="50"/>
+                        </a:spcBef>
+                        <a:spcAft>
+                          <a:spcPts val="0"/>
+                        </a:spcAft>
+                      </a:pPr>
+                      <a:r>
+                        <a:rPr lang="en-US" sz="1800" dirty="0">
+                          <a:effectLst/>
+                        </a:rPr>
+                        <a:t>2. Regularly interested and updated the working situation of the members.</a:t>
+                      </a:r>
+                      <a:endParaRPr lang="en-US" sz="1800" dirty="0">
+                        <a:effectLst/>
+                        <a:latin typeface="Verdana" panose="020B0604030504040204" pitchFamily="34" charset="0"/>
+                        <a:ea typeface="Verdana" panose="020B0604030504040204" pitchFamily="34" charset="0"/>
+                        <a:cs typeface="Verdana" panose="020B0604030504040204" pitchFamily="34" charset="0"/>
+                      </a:endParaRPr>
+                    </a:p>
+                  </a:txBody>
+                  <a:tcPr marL="35928" marR="35928" marT="0" marB="0" anchor="ctr"/>
+                </a:tc>
+                <a:extLst>
+                  <a:ext uri="{0D108BD9-81ED-4DB2-BD59-A6C34878D82A}">
+                    <a16:rowId xmlns:a16="http://schemas.microsoft.com/office/drawing/2014/main" val="1433911248"/>
+                  </a:ext>
+                </a:extLst>
+              </a:tr>
+            </a:tbl>
+          </a:graphicData>
+        </a:graphic>
+      </p:graphicFrame>
+    </p:spTree>
+    <p:extLst>
+      <p:ext uri="{BB962C8B-B14F-4D97-AF65-F5344CB8AC3E}">
+        <p14:creationId xmlns:p14="http://schemas.microsoft.com/office/powerpoint/2010/main" val="1459938405"/>
+      </p:ext>
+    </p:extLst>
+  </p:cSld>
+  <p:clrMapOvr>
+    <a:masterClrMapping/>
+  </p:clrMapOvr>
+  <mc:AlternateContent xmlns:mc="http://schemas.openxmlformats.org/markup-compatibility/2006" xmlns:p14="http://schemas.microsoft.com/office/powerpoint/2010/main">
+    <mc:Choice Requires="p14">
+      <p:transition spd="med" p14:dur="700">
+        <p:fade/>
+      </p:transition>
+    </mc:Choice>
+    <mc:Fallback xmlns="">
+      <p:transition spd="med">
+        <p:fade/>
+      </p:transition>
+    </mc:Fallback>
+  </mc:AlternateContent>
+</p:sld>
+</file>
+
+<file path=ppt/slides/slide24.xml><?xml version="1.0" encoding="utf-8"?>
+<p:sld xmlns:a="http://schemas.openxmlformats.org/drawingml/2006/main" xmlns:r="http://schemas.openxmlformats.org/officeDocument/2006/relationships" xmlns:p="http://schemas.openxmlformats.org/presentationml/2006/main">
+  <p:cSld>
+    <p:spTree>
+      <p:nvGrpSpPr>
+        <p:cNvPr id="1" name=""/>
+        <p:cNvGrpSpPr/>
+        <p:nvPr/>
+      </p:nvGrpSpPr>
+      <p:grpSpPr>
+        <a:xfrm>
+          <a:off x="0" y="0"/>
+          <a:ext cx="0" cy="0"/>
+          <a:chOff x="0" y="0"/>
+          <a:chExt cx="0" cy="0"/>
+        </a:xfrm>
+      </p:grpSpPr>
+      <p:sp>
+        <p:nvSpPr>
+          <p:cNvPr id="3" name="Title 2"/>
+          <p:cNvSpPr>
+            <a:spLocks noGrp="1"/>
+          </p:cNvSpPr>
+          <p:nvPr>
+            <p:ph type="title"/>
+          </p:nvPr>
+        </p:nvSpPr>
+        <p:spPr>
+          <a:xfrm>
+            <a:off x="0" y="0"/>
+            <a:ext cx="12192000" cy="1179288"/>
+          </a:xfrm>
+        </p:spPr>
+        <p:txBody>
+          <a:bodyPr>
+            <a:normAutofit/>
+          </a:bodyPr>
+          <a:lstStyle/>
+          <a:p>
+            <a:r>
+              <a:rPr lang="en-US" altLang="ko-KR" b="1" dirty="0"/>
+              <a:t>7. Risk management</a:t>
+            </a:r>
+            <a:endParaRPr lang="ko-KR" altLang="en-US" b="1" dirty="0"/>
+          </a:p>
+        </p:txBody>
+      </p:sp>
+      <p:sp>
+        <p:nvSpPr>
+          <p:cNvPr id="6" name="Slide Number Placeholder 3">
+            <a:extLst>
+              <a:ext uri="{FF2B5EF4-FFF2-40B4-BE49-F238E27FC236}">
+                <a16:creationId xmlns:a16="http://schemas.microsoft.com/office/drawing/2014/main" id="{FF9DDFD0-EB1F-3C43-95CC-461CBFD9C865}"/>
+              </a:ext>
+            </a:extLst>
+          </p:cNvPr>
+          <p:cNvSpPr txBox="1">
+            <a:spLocks/>
+          </p:cNvSpPr>
+          <p:nvPr/>
+        </p:nvSpPr>
+        <p:spPr>
+          <a:xfrm>
+            <a:off x="11198390" y="6405331"/>
+            <a:ext cx="452437" cy="365125"/>
+          </a:xfrm>
+          <a:prstGeom prst="rect">
+            <a:avLst/>
+          </a:prstGeom>
+        </p:spPr>
+        <p:txBody>
+          <a:bodyPr/>
+          <a:lstStyle>
+            <a:defPPr>
+              <a:defRPr lang="en-US"/>
+            </a:defPPr>
+            <a:lvl1pPr marL="0" algn="l" defTabSz="914400" rtl="0" eaLnBrk="1" latinLnBrk="0" hangingPunct="1">
+              <a:defRPr sz="1800" kern="1200">
+                <a:solidFill>
+                  <a:schemeClr val="tx1"/>
+                </a:solidFill>
+                <a:latin typeface="+mn-lt"/>
+                <a:ea typeface="+mn-ea"/>
+                <a:cs typeface="+mn-cs"/>
+              </a:defRPr>
+            </a:lvl1pPr>
+            <a:lvl2pPr marL="457200" algn="l" defTabSz="914400" rtl="0" eaLnBrk="1" latinLnBrk="0" hangingPunct="1">
+              <a:defRPr sz="1800" kern="1200">
+                <a:solidFill>
+                  <a:schemeClr val="tx1"/>
+                </a:solidFill>
+                <a:latin typeface="+mn-lt"/>
+                <a:ea typeface="+mn-ea"/>
+                <a:cs typeface="+mn-cs"/>
+              </a:defRPr>
+            </a:lvl2pPr>
+            <a:lvl3pPr marL="914400" algn="l" defTabSz="914400" rtl="0" eaLnBrk="1" latinLnBrk="0" hangingPunct="1">
+              <a:defRPr sz="1800" kern="1200">
+                <a:solidFill>
+                  <a:schemeClr val="tx1"/>
+                </a:solidFill>
+                <a:latin typeface="+mn-lt"/>
+                <a:ea typeface="+mn-ea"/>
+                <a:cs typeface="+mn-cs"/>
+              </a:defRPr>
+            </a:lvl3pPr>
+            <a:lvl4pPr marL="1371600" algn="l" defTabSz="914400" rtl="0" eaLnBrk="1" latinLnBrk="0" hangingPunct="1">
+              <a:defRPr sz="1800" kern="1200">
+                <a:solidFill>
+                  <a:schemeClr val="tx1"/>
+                </a:solidFill>
+                <a:latin typeface="+mn-lt"/>
+                <a:ea typeface="+mn-ea"/>
+                <a:cs typeface="+mn-cs"/>
+              </a:defRPr>
+            </a:lvl4pPr>
+            <a:lvl5pPr marL="1828800" algn="l" defTabSz="914400" rtl="0" eaLnBrk="1" latinLnBrk="0" hangingPunct="1">
+              <a:defRPr sz="1800" kern="1200">
+                <a:solidFill>
+                  <a:schemeClr val="tx1"/>
+                </a:solidFill>
+                <a:latin typeface="+mn-lt"/>
+                <a:ea typeface="+mn-ea"/>
+                <a:cs typeface="+mn-cs"/>
+              </a:defRPr>
+            </a:lvl5pPr>
+            <a:lvl6pPr marL="2286000" algn="l" defTabSz="914400" rtl="0" eaLnBrk="1" latinLnBrk="0" hangingPunct="1">
+              <a:defRPr sz="1800" kern="1200">
+                <a:solidFill>
+                  <a:schemeClr val="tx1"/>
+                </a:solidFill>
+                <a:latin typeface="+mn-lt"/>
+                <a:ea typeface="+mn-ea"/>
+                <a:cs typeface="+mn-cs"/>
+              </a:defRPr>
+            </a:lvl6pPr>
+            <a:lvl7pPr marL="2743200" algn="l" defTabSz="914400" rtl="0" eaLnBrk="1" latinLnBrk="0" hangingPunct="1">
+              <a:defRPr sz="1800" kern="1200">
+                <a:solidFill>
+                  <a:schemeClr val="tx1"/>
+                </a:solidFill>
+                <a:latin typeface="+mn-lt"/>
+                <a:ea typeface="+mn-ea"/>
+                <a:cs typeface="+mn-cs"/>
+              </a:defRPr>
+            </a:lvl7pPr>
+            <a:lvl8pPr marL="3200400" algn="l" defTabSz="914400" rtl="0" eaLnBrk="1" latinLnBrk="0" hangingPunct="1">
+              <a:defRPr sz="1800" kern="1200">
+                <a:solidFill>
+                  <a:schemeClr val="tx1"/>
+                </a:solidFill>
+                <a:latin typeface="+mn-lt"/>
+                <a:ea typeface="+mn-ea"/>
+                <a:cs typeface="+mn-cs"/>
+              </a:defRPr>
+            </a:lvl8pPr>
+            <a:lvl9pPr marL="3657600" algn="l" defTabSz="914400" rtl="0" eaLnBrk="1" latinLnBrk="0" hangingPunct="1">
+              <a:defRPr sz="1800" kern="1200">
+                <a:solidFill>
+                  <a:schemeClr val="tx1"/>
+                </a:solidFill>
+                <a:latin typeface="+mn-lt"/>
+                <a:ea typeface="+mn-ea"/>
+                <a:cs typeface="+mn-cs"/>
+              </a:defRPr>
+            </a:lvl9pPr>
+          </a:lstStyle>
+          <a:p>
+            <a:fld id="{301E5F09-0F4C-0243-9596-FED7D03FE3DA}" type="slidenum">
+              <a:rPr lang="en-US" smtClean="0"/>
+              <a:pPr/>
+              <a:t>24</a:t>
+            </a:fld>
+            <a:endParaRPr lang="en-US" dirty="0"/>
+          </a:p>
+        </p:txBody>
+      </p:sp>
+      <p:graphicFrame>
+        <p:nvGraphicFramePr>
+          <p:cNvPr id="2" name="Table 1">
+            <a:extLst>
+              <a:ext uri="{FF2B5EF4-FFF2-40B4-BE49-F238E27FC236}">
+                <a16:creationId xmlns:a16="http://schemas.microsoft.com/office/drawing/2014/main" id="{88D40C6E-C2C6-494F-82C6-759BFF60006C}"/>
+              </a:ext>
+            </a:extLst>
+          </p:cNvPr>
+          <p:cNvGraphicFramePr>
+            <a:graphicFrameLocks noGrp="1"/>
+          </p:cNvGraphicFramePr>
+          <p:nvPr>
+            <p:extLst>
+              <p:ext uri="{D42A27DB-BD31-4B8C-83A1-F6EECF244321}">
+                <p14:modId xmlns:p14="http://schemas.microsoft.com/office/powerpoint/2010/main" val="1804541288"/>
+              </p:ext>
+            </p:extLst>
+          </p:nvPr>
+        </p:nvGraphicFramePr>
+        <p:xfrm>
+          <a:off x="361326" y="1517039"/>
+          <a:ext cx="11063282" cy="4907129"/>
+        </p:xfrm>
+        <a:graphic>
+          <a:graphicData uri="http://schemas.openxmlformats.org/drawingml/2006/table">
+            <a:tbl>
+              <a:tblPr firstRow="1" firstCol="1" bandRow="1">
+                <a:tableStyleId>{F5AB1C69-6EDB-4FF4-983F-18BD219EF322}</a:tableStyleId>
+              </a:tblPr>
+              <a:tblGrid>
+                <a:gridCol w="1010274">
+                  <a:extLst>
+                    <a:ext uri="{9D8B030D-6E8A-4147-A177-3AD203B41FA5}">
+                      <a16:colId xmlns:a16="http://schemas.microsoft.com/office/drawing/2014/main" val="4055744435"/>
+                    </a:ext>
+                  </a:extLst>
+                </a:gridCol>
+                <a:gridCol w="2078182">
+                  <a:extLst>
+                    <a:ext uri="{9D8B030D-6E8A-4147-A177-3AD203B41FA5}">
+                      <a16:colId xmlns:a16="http://schemas.microsoft.com/office/drawing/2014/main" val="2789310566"/>
+                    </a:ext>
+                  </a:extLst>
+                </a:gridCol>
+                <a:gridCol w="1316182">
+                  <a:extLst>
+                    <a:ext uri="{9D8B030D-6E8A-4147-A177-3AD203B41FA5}">
+                      <a16:colId xmlns:a16="http://schemas.microsoft.com/office/drawing/2014/main" val="1131221356"/>
+                    </a:ext>
+                  </a:extLst>
+                </a:gridCol>
+                <a:gridCol w="1496291">
+                  <a:extLst>
+                    <a:ext uri="{9D8B030D-6E8A-4147-A177-3AD203B41FA5}">
+                      <a16:colId xmlns:a16="http://schemas.microsoft.com/office/drawing/2014/main" val="384708898"/>
+                    </a:ext>
+                  </a:extLst>
+                </a:gridCol>
+                <a:gridCol w="1274618">
+                  <a:extLst>
+                    <a:ext uri="{9D8B030D-6E8A-4147-A177-3AD203B41FA5}">
+                      <a16:colId xmlns:a16="http://schemas.microsoft.com/office/drawing/2014/main" val="4198789316"/>
+                    </a:ext>
+                  </a:extLst>
+                </a:gridCol>
+                <a:gridCol w="3887735">
+                  <a:extLst>
+                    <a:ext uri="{9D8B030D-6E8A-4147-A177-3AD203B41FA5}">
+                      <a16:colId xmlns:a16="http://schemas.microsoft.com/office/drawing/2014/main" val="736015590"/>
+                    </a:ext>
+                  </a:extLst>
+                </a:gridCol>
+              </a:tblGrid>
+              <a:tr h="446033">
+                <a:tc>
+                  <a:txBody>
+                    <a:bodyPr/>
+                    <a:lstStyle/>
+                    <a:p>
+                      <a:pPr algn="ctr">
+                        <a:spcBef>
+                          <a:spcPts val="50"/>
+                        </a:spcBef>
+                        <a:spcAft>
+                          <a:spcPts val="0"/>
+                        </a:spcAft>
+                      </a:pPr>
+                      <a:r>
+                        <a:rPr lang="vi-VN" sz="1800">
+                          <a:effectLst/>
+                        </a:rPr>
+                        <a:t>Number</a:t>
+                      </a:r>
+                      <a:endParaRPr lang="en-US" sz="1800">
+                        <a:effectLst/>
+                        <a:latin typeface="Verdana" panose="020B0604030504040204" pitchFamily="34" charset="0"/>
+                        <a:ea typeface="Verdana" panose="020B0604030504040204" pitchFamily="34" charset="0"/>
+                        <a:cs typeface="Verdana" panose="020B0604030504040204" pitchFamily="34" charset="0"/>
+                      </a:endParaRPr>
+                    </a:p>
+                  </a:txBody>
+                  <a:tcPr marL="35928" marR="35928" marT="0" marB="0" anchor="ctr"/>
+                </a:tc>
+                <a:tc>
+                  <a:txBody>
+                    <a:bodyPr/>
+                    <a:lstStyle/>
+                    <a:p>
+                      <a:pPr algn="ctr">
+                        <a:spcBef>
+                          <a:spcPts val="50"/>
+                        </a:spcBef>
+                        <a:spcAft>
+                          <a:spcPts val="0"/>
+                        </a:spcAft>
+                      </a:pPr>
+                      <a:r>
+                        <a:rPr lang="vi-VN" sz="1800" dirty="0">
+                          <a:effectLst/>
+                        </a:rPr>
+                        <a:t>Risk name</a:t>
+                      </a:r>
+                      <a:endParaRPr lang="en-US" sz="1800" dirty="0">
+                        <a:effectLst/>
+                        <a:latin typeface="Verdana" panose="020B0604030504040204" pitchFamily="34" charset="0"/>
+                        <a:ea typeface="Verdana" panose="020B0604030504040204" pitchFamily="34" charset="0"/>
+                        <a:cs typeface="Verdana" panose="020B0604030504040204" pitchFamily="34" charset="0"/>
+                      </a:endParaRPr>
+                    </a:p>
+                  </a:txBody>
+                  <a:tcPr marL="35928" marR="35928" marT="0" marB="0" anchor="ctr"/>
+                </a:tc>
+                <a:tc>
+                  <a:txBody>
+                    <a:bodyPr/>
+                    <a:lstStyle/>
+                    <a:p>
+                      <a:pPr algn="ctr">
+                        <a:spcBef>
+                          <a:spcPts val="50"/>
+                        </a:spcBef>
+                        <a:spcAft>
+                          <a:spcPts val="0"/>
+                        </a:spcAft>
+                      </a:pPr>
+                      <a:r>
+                        <a:rPr lang="en-US" sz="1800">
+                          <a:effectLst/>
+                        </a:rPr>
+                        <a:t>Possibility</a:t>
+                      </a:r>
+                      <a:endParaRPr lang="en-US" sz="1800">
+                        <a:effectLst/>
+                        <a:latin typeface="Verdana" panose="020B0604030504040204" pitchFamily="34" charset="0"/>
+                        <a:ea typeface="Verdana" panose="020B0604030504040204" pitchFamily="34" charset="0"/>
+                        <a:cs typeface="Verdana" panose="020B0604030504040204" pitchFamily="34" charset="0"/>
+                      </a:endParaRPr>
+                    </a:p>
+                  </a:txBody>
+                  <a:tcPr marL="35928" marR="35928" marT="0" marB="0" anchor="ctr"/>
+                </a:tc>
+                <a:tc>
+                  <a:txBody>
+                    <a:bodyPr/>
+                    <a:lstStyle/>
+                    <a:p>
+                      <a:pPr algn="ctr">
+                        <a:spcBef>
+                          <a:spcPts val="50"/>
+                        </a:spcBef>
+                        <a:spcAft>
+                          <a:spcPts val="0"/>
+                        </a:spcAft>
+                      </a:pPr>
+                      <a:r>
+                        <a:rPr lang="en-US" sz="1800">
+                          <a:effectLst/>
+                        </a:rPr>
+                        <a:t>Impact</a:t>
+                      </a:r>
+                      <a:endParaRPr lang="en-US" sz="1800">
+                        <a:effectLst/>
+                        <a:latin typeface="Verdana" panose="020B0604030504040204" pitchFamily="34" charset="0"/>
+                        <a:ea typeface="Verdana" panose="020B0604030504040204" pitchFamily="34" charset="0"/>
+                        <a:cs typeface="Verdana" panose="020B0604030504040204" pitchFamily="34" charset="0"/>
+                      </a:endParaRPr>
+                    </a:p>
+                  </a:txBody>
+                  <a:tcPr marL="35928" marR="35928" marT="0" marB="0" anchor="ctr"/>
+                </a:tc>
+                <a:tc>
+                  <a:txBody>
+                    <a:bodyPr/>
+                    <a:lstStyle/>
+                    <a:p>
+                      <a:pPr algn="ctr">
+                        <a:spcBef>
+                          <a:spcPts val="50"/>
+                        </a:spcBef>
+                        <a:spcAft>
+                          <a:spcPts val="0"/>
+                        </a:spcAft>
+                      </a:pPr>
+                      <a:r>
+                        <a:rPr lang="en-US" sz="1800">
+                          <a:effectLst/>
+                        </a:rPr>
+                        <a:t>Priority</a:t>
+                      </a:r>
+                      <a:endParaRPr lang="en-US" sz="1800">
+                        <a:effectLst/>
+                        <a:latin typeface="Verdana" panose="020B0604030504040204" pitchFamily="34" charset="0"/>
+                        <a:ea typeface="Verdana" panose="020B0604030504040204" pitchFamily="34" charset="0"/>
+                        <a:cs typeface="Verdana" panose="020B0604030504040204" pitchFamily="34" charset="0"/>
+                      </a:endParaRPr>
+                    </a:p>
+                  </a:txBody>
+                  <a:tcPr marL="35928" marR="35928" marT="0" marB="0" anchor="ctr"/>
+                </a:tc>
+                <a:tc>
+                  <a:txBody>
+                    <a:bodyPr/>
+                    <a:lstStyle/>
+                    <a:p>
+                      <a:pPr algn="ctr">
+                        <a:spcBef>
+                          <a:spcPts val="50"/>
+                        </a:spcBef>
+                        <a:spcAft>
+                          <a:spcPts val="0"/>
+                        </a:spcAft>
+                      </a:pPr>
+                      <a:r>
+                        <a:rPr lang="en-US" sz="1800" dirty="0">
+                          <a:effectLst/>
+                        </a:rPr>
+                        <a:t>How to prevent or minimize</a:t>
+                      </a:r>
+                      <a:endParaRPr lang="en-US" sz="1800" dirty="0">
+                        <a:effectLst/>
+                        <a:latin typeface="Verdana" panose="020B0604030504040204" pitchFamily="34" charset="0"/>
+                        <a:ea typeface="Verdana" panose="020B0604030504040204" pitchFamily="34" charset="0"/>
+                        <a:cs typeface="Verdana" panose="020B0604030504040204" pitchFamily="34" charset="0"/>
+                      </a:endParaRPr>
+                    </a:p>
+                  </a:txBody>
+                  <a:tcPr marL="35928" marR="35928" marT="0" marB="0" anchor="ctr"/>
+                </a:tc>
+                <a:extLst>
+                  <a:ext uri="{0D108BD9-81ED-4DB2-BD59-A6C34878D82A}">
+                    <a16:rowId xmlns:a16="http://schemas.microsoft.com/office/drawing/2014/main" val="952220674"/>
+                  </a:ext>
+                </a:extLst>
+              </a:tr>
+              <a:tr h="1213063">
+                <a:tc>
+                  <a:txBody>
+                    <a:bodyPr/>
+                    <a:lstStyle/>
+                    <a:p>
+                      <a:pPr algn="ctr">
+                        <a:spcBef>
+                          <a:spcPts val="50"/>
+                        </a:spcBef>
+                        <a:spcAft>
+                          <a:spcPts val="0"/>
+                        </a:spcAft>
+                      </a:pPr>
+                      <a:r>
+                        <a:rPr lang="vi-VN" sz="1600" dirty="0">
+                          <a:effectLst/>
+                        </a:rPr>
+                        <a:t>5</a:t>
+                      </a:r>
+                      <a:endParaRPr lang="en-US" sz="1600" dirty="0">
+                        <a:effectLst/>
+                        <a:latin typeface="Arial" panose="020B0604020202020204" pitchFamily="34" charset="0"/>
+                        <a:ea typeface="Verdana" panose="020B0604030504040204" pitchFamily="34" charset="0"/>
+                        <a:cs typeface="Arial" panose="020B0604020202020204" pitchFamily="34" charset="0"/>
+                      </a:endParaRPr>
+                    </a:p>
+                  </a:txBody>
+                  <a:tcPr marL="68580" marR="68580" marT="0" marB="0" anchor="ctr"/>
+                </a:tc>
+                <a:tc>
+                  <a:txBody>
+                    <a:bodyPr/>
+                    <a:lstStyle/>
+                    <a:p>
+                      <a:pPr algn="ctr">
+                        <a:spcBef>
+                          <a:spcPts val="50"/>
+                        </a:spcBef>
+                        <a:spcAft>
+                          <a:spcPts val="0"/>
+                        </a:spcAft>
+                      </a:pPr>
+                      <a:r>
+                        <a:rPr lang="en-US" sz="1600">
+                          <a:effectLst/>
+                        </a:rPr>
+                        <a:t>Customer change</a:t>
+                      </a:r>
+                      <a:endParaRPr lang="en-US" sz="1600">
+                        <a:effectLst/>
+                        <a:latin typeface="Arial" panose="020B0604020202020204" pitchFamily="34" charset="0"/>
+                        <a:ea typeface="Verdana" panose="020B0604030504040204" pitchFamily="34" charset="0"/>
+                        <a:cs typeface="Arial" panose="020B0604020202020204" pitchFamily="34" charset="0"/>
+                      </a:endParaRPr>
+                    </a:p>
+                  </a:txBody>
+                  <a:tcPr marL="68580" marR="68580" marT="0" marB="0" anchor="ctr"/>
+                </a:tc>
+                <a:tc>
+                  <a:txBody>
+                    <a:bodyPr/>
+                    <a:lstStyle/>
+                    <a:p>
+                      <a:pPr algn="ctr">
+                        <a:spcBef>
+                          <a:spcPts val="50"/>
+                        </a:spcBef>
+                        <a:spcAft>
+                          <a:spcPts val="0"/>
+                        </a:spcAft>
+                      </a:pPr>
+                      <a:r>
+                        <a:rPr lang="vi-VN" sz="1600">
+                          <a:effectLst/>
+                        </a:rPr>
+                        <a:t>High</a:t>
+                      </a:r>
+                      <a:endParaRPr lang="en-US" sz="1600">
+                        <a:effectLst/>
+                        <a:latin typeface="Arial" panose="020B0604020202020204" pitchFamily="34" charset="0"/>
+                        <a:ea typeface="Verdana" panose="020B0604030504040204" pitchFamily="34" charset="0"/>
+                        <a:cs typeface="Arial" panose="020B0604020202020204" pitchFamily="34" charset="0"/>
+                      </a:endParaRPr>
+                    </a:p>
+                  </a:txBody>
+                  <a:tcPr marL="68580" marR="68580" marT="0" marB="0" anchor="ctr"/>
+                </a:tc>
+                <a:tc>
+                  <a:txBody>
+                    <a:bodyPr/>
+                    <a:lstStyle/>
+                    <a:p>
+                      <a:pPr algn="ctr">
+                        <a:spcBef>
+                          <a:spcPts val="50"/>
+                        </a:spcBef>
+                        <a:spcAft>
+                          <a:spcPts val="0"/>
+                        </a:spcAft>
+                      </a:pPr>
+                      <a:r>
+                        <a:rPr lang="vi-VN" sz="1600" dirty="0">
+                          <a:effectLst/>
+                        </a:rPr>
+                        <a:t>Moderate</a:t>
+                      </a:r>
+                      <a:endParaRPr lang="en-US" sz="1600" dirty="0">
+                        <a:effectLst/>
+                        <a:latin typeface="Arial" panose="020B0604020202020204" pitchFamily="34" charset="0"/>
+                        <a:ea typeface="Verdana" panose="020B0604030504040204" pitchFamily="34" charset="0"/>
+                        <a:cs typeface="Arial" panose="020B0604020202020204" pitchFamily="34" charset="0"/>
+                      </a:endParaRPr>
+                    </a:p>
+                  </a:txBody>
+                  <a:tcPr marL="68580" marR="68580" marT="0" marB="0" anchor="ctr"/>
+                </a:tc>
+                <a:tc>
+                  <a:txBody>
+                    <a:bodyPr/>
+                    <a:lstStyle/>
+                    <a:p>
+                      <a:pPr algn="ctr">
+                        <a:spcBef>
+                          <a:spcPts val="50"/>
+                        </a:spcBef>
+                        <a:spcAft>
+                          <a:spcPts val="0"/>
+                        </a:spcAft>
+                      </a:pPr>
+                      <a:r>
+                        <a:rPr lang="vi-VN" sz="1600">
+                          <a:effectLst/>
+                        </a:rPr>
+                        <a:t>Moderate</a:t>
+                      </a:r>
+                      <a:endParaRPr lang="en-US" sz="1600">
+                        <a:effectLst/>
+                        <a:latin typeface="Arial" panose="020B0604020202020204" pitchFamily="34" charset="0"/>
+                        <a:ea typeface="Verdana" panose="020B0604030504040204" pitchFamily="34" charset="0"/>
+                        <a:cs typeface="Arial" panose="020B0604020202020204" pitchFamily="34" charset="0"/>
+                      </a:endParaRPr>
+                    </a:p>
+                  </a:txBody>
+                  <a:tcPr marL="68580" marR="68580" marT="0" marB="0" anchor="ctr"/>
+                </a:tc>
+                <a:tc>
+                  <a:txBody>
+                    <a:bodyPr/>
+                    <a:lstStyle/>
+                    <a:p>
+                      <a:pPr>
+                        <a:spcBef>
+                          <a:spcPts val="50"/>
+                        </a:spcBef>
+                        <a:spcAft>
+                          <a:spcPts val="0"/>
+                        </a:spcAft>
+                      </a:pPr>
+                      <a:r>
+                        <a:rPr lang="en-US" sz="1600">
+                          <a:effectLst/>
+                        </a:rPr>
+                        <a:t>1. Having a contract, a written signature of the customer for specific requirements upon project receipt.</a:t>
+                      </a:r>
+                    </a:p>
+                    <a:p>
+                      <a:pPr>
+                        <a:spcBef>
+                          <a:spcPts val="50"/>
+                        </a:spcBef>
+                        <a:spcAft>
+                          <a:spcPts val="0"/>
+                        </a:spcAft>
+                      </a:pPr>
+                      <a:r>
+                        <a:rPr lang="en-US" sz="1600">
+                          <a:effectLst/>
+                        </a:rPr>
+                        <a:t>2. There is a specific process for customer change</a:t>
+                      </a:r>
+                      <a:endParaRPr lang="en-US" sz="1600">
+                        <a:effectLst/>
+                        <a:latin typeface="Arial" panose="020B0604020202020204" pitchFamily="34" charset="0"/>
+                        <a:ea typeface="Verdana" panose="020B0604030504040204" pitchFamily="34" charset="0"/>
+                        <a:cs typeface="Arial" panose="020B0604020202020204" pitchFamily="34" charset="0"/>
+                      </a:endParaRPr>
+                    </a:p>
+                  </a:txBody>
+                  <a:tcPr marL="68580" marR="68580" marT="0" marB="0" anchor="ctr"/>
+                </a:tc>
+                <a:extLst>
+                  <a:ext uri="{0D108BD9-81ED-4DB2-BD59-A6C34878D82A}">
+                    <a16:rowId xmlns:a16="http://schemas.microsoft.com/office/drawing/2014/main" val="3138559649"/>
+                  </a:ext>
+                </a:extLst>
+              </a:tr>
+              <a:tr h="1704965">
+                <a:tc>
+                  <a:txBody>
+                    <a:bodyPr/>
+                    <a:lstStyle/>
+                    <a:p>
+                      <a:pPr algn="ctr">
+                        <a:spcBef>
+                          <a:spcPts val="50"/>
+                        </a:spcBef>
+                        <a:spcAft>
+                          <a:spcPts val="0"/>
+                        </a:spcAft>
+                      </a:pPr>
+                      <a:r>
+                        <a:rPr lang="vi-VN" sz="1600">
+                          <a:effectLst/>
+                        </a:rPr>
+                        <a:t>6</a:t>
+                      </a:r>
+                      <a:endParaRPr lang="en-US" sz="1600">
+                        <a:effectLst/>
+                        <a:latin typeface="Arial" panose="020B0604020202020204" pitchFamily="34" charset="0"/>
+                        <a:ea typeface="Verdana" panose="020B0604030504040204" pitchFamily="34" charset="0"/>
+                        <a:cs typeface="Arial" panose="020B0604020202020204" pitchFamily="34" charset="0"/>
+                      </a:endParaRPr>
+                    </a:p>
+                  </a:txBody>
+                  <a:tcPr marL="68580" marR="68580" marT="0" marB="0" anchor="ctr"/>
+                </a:tc>
+                <a:tc>
+                  <a:txBody>
+                    <a:bodyPr/>
+                    <a:lstStyle/>
+                    <a:p>
+                      <a:pPr algn="ctr">
+                        <a:spcBef>
+                          <a:spcPts val="50"/>
+                        </a:spcBef>
+                        <a:spcAft>
+                          <a:spcPts val="0"/>
+                        </a:spcAft>
+                      </a:pPr>
+                      <a:r>
+                        <a:rPr lang="en-US" sz="1600">
+                          <a:effectLst/>
+                        </a:rPr>
+                        <a:t>Member left the project</a:t>
+                      </a:r>
+                      <a:endParaRPr lang="en-US" sz="1600">
+                        <a:effectLst/>
+                        <a:latin typeface="Arial" panose="020B0604020202020204" pitchFamily="34" charset="0"/>
+                        <a:ea typeface="Verdana" panose="020B0604030504040204" pitchFamily="34" charset="0"/>
+                        <a:cs typeface="Arial" panose="020B0604020202020204" pitchFamily="34" charset="0"/>
+                      </a:endParaRPr>
+                    </a:p>
+                  </a:txBody>
+                  <a:tcPr marL="68580" marR="68580" marT="0" marB="0" anchor="ctr"/>
+                </a:tc>
+                <a:tc>
+                  <a:txBody>
+                    <a:bodyPr/>
+                    <a:lstStyle/>
+                    <a:p>
+                      <a:pPr algn="ctr">
+                        <a:spcBef>
+                          <a:spcPts val="50"/>
+                        </a:spcBef>
+                        <a:spcAft>
+                          <a:spcPts val="0"/>
+                        </a:spcAft>
+                      </a:pPr>
+                      <a:r>
+                        <a:rPr lang="vi-VN" sz="1600">
+                          <a:effectLst/>
+                        </a:rPr>
+                        <a:t>High</a:t>
+                      </a:r>
+                      <a:endParaRPr lang="en-US" sz="1600">
+                        <a:effectLst/>
+                        <a:latin typeface="Arial" panose="020B0604020202020204" pitchFamily="34" charset="0"/>
+                        <a:ea typeface="Verdana" panose="020B0604030504040204" pitchFamily="34" charset="0"/>
+                        <a:cs typeface="Arial" panose="020B0604020202020204" pitchFamily="34" charset="0"/>
+                      </a:endParaRPr>
+                    </a:p>
+                  </a:txBody>
+                  <a:tcPr marL="68580" marR="68580" marT="0" marB="0" anchor="ctr"/>
+                </a:tc>
+                <a:tc>
+                  <a:txBody>
+                    <a:bodyPr/>
+                    <a:lstStyle/>
+                    <a:p>
+                      <a:pPr algn="ctr">
+                        <a:spcBef>
+                          <a:spcPts val="50"/>
+                        </a:spcBef>
+                        <a:spcAft>
+                          <a:spcPts val="0"/>
+                        </a:spcAft>
+                      </a:pPr>
+                      <a:r>
+                        <a:rPr lang="vi-VN" sz="1600">
+                          <a:effectLst/>
+                        </a:rPr>
+                        <a:t>High</a:t>
+                      </a:r>
+                      <a:endParaRPr lang="en-US" sz="1600">
+                        <a:effectLst/>
+                        <a:latin typeface="Arial" panose="020B0604020202020204" pitchFamily="34" charset="0"/>
+                        <a:ea typeface="Verdana" panose="020B0604030504040204" pitchFamily="34" charset="0"/>
+                        <a:cs typeface="Arial" panose="020B0604020202020204" pitchFamily="34" charset="0"/>
+                      </a:endParaRPr>
+                    </a:p>
+                  </a:txBody>
+                  <a:tcPr marL="68580" marR="68580" marT="0" marB="0" anchor="ctr"/>
+                </a:tc>
+                <a:tc>
+                  <a:txBody>
+                    <a:bodyPr/>
+                    <a:lstStyle/>
+                    <a:p>
+                      <a:pPr algn="ctr">
+                        <a:spcBef>
+                          <a:spcPts val="50"/>
+                        </a:spcBef>
+                        <a:spcAft>
+                          <a:spcPts val="0"/>
+                        </a:spcAft>
+                      </a:pPr>
+                      <a:r>
+                        <a:rPr lang="vi-VN" sz="1600">
+                          <a:effectLst/>
+                        </a:rPr>
+                        <a:t>High</a:t>
+                      </a:r>
+                      <a:endParaRPr lang="en-US" sz="1600">
+                        <a:effectLst/>
+                        <a:latin typeface="Arial" panose="020B0604020202020204" pitchFamily="34" charset="0"/>
+                        <a:ea typeface="Verdana" panose="020B0604030504040204" pitchFamily="34" charset="0"/>
+                        <a:cs typeface="Arial" panose="020B0604020202020204" pitchFamily="34" charset="0"/>
+                      </a:endParaRPr>
+                    </a:p>
+                  </a:txBody>
+                  <a:tcPr marL="68580" marR="68580" marT="0" marB="0" anchor="ctr"/>
+                </a:tc>
+                <a:tc>
+                  <a:txBody>
+                    <a:bodyPr/>
+                    <a:lstStyle/>
+                    <a:p>
+                      <a:pPr>
+                        <a:spcBef>
+                          <a:spcPts val="50"/>
+                        </a:spcBef>
+                        <a:spcAft>
+                          <a:spcPts val="0"/>
+                        </a:spcAft>
+                      </a:pPr>
+                      <a:r>
+                        <a:rPr lang="en-US" sz="1600" dirty="0">
+                          <a:effectLst/>
+                        </a:rPr>
+                        <a:t>1. Ensure all members are fully involved in the work of the project.</a:t>
+                      </a:r>
+                    </a:p>
+                    <a:p>
+                      <a:pPr>
+                        <a:spcBef>
+                          <a:spcPts val="50"/>
+                        </a:spcBef>
+                        <a:spcAft>
+                          <a:spcPts val="0"/>
+                        </a:spcAft>
+                      </a:pPr>
+                      <a:r>
+                        <a:rPr lang="en-US" sz="1600" dirty="0">
+                          <a:effectLst/>
+                        </a:rPr>
+                        <a:t>2. Regular meetings (outside work) to build solidarity</a:t>
+                      </a:r>
+                    </a:p>
+                    <a:p>
+                      <a:pPr>
+                        <a:spcBef>
+                          <a:spcPts val="50"/>
+                        </a:spcBef>
+                        <a:spcAft>
+                          <a:spcPts val="0"/>
+                        </a:spcAft>
+                      </a:pPr>
+                      <a:r>
+                        <a:rPr lang="en-US" sz="1600" dirty="0">
+                          <a:effectLst/>
+                        </a:rPr>
+                        <a:t>3. Having a mechanism to manage and archive work documents of all members.</a:t>
+                      </a:r>
+                      <a:endParaRPr lang="en-US" sz="1600" dirty="0">
+                        <a:effectLst/>
+                        <a:latin typeface="Arial" panose="020B0604020202020204" pitchFamily="34" charset="0"/>
+                        <a:ea typeface="Verdana" panose="020B0604030504040204" pitchFamily="34" charset="0"/>
+                        <a:cs typeface="Arial" panose="020B0604020202020204" pitchFamily="34" charset="0"/>
+                      </a:endParaRPr>
+                    </a:p>
+                  </a:txBody>
+                  <a:tcPr marL="68580" marR="68580" marT="0" marB="0" anchor="ctr"/>
+                </a:tc>
+                <a:extLst>
+                  <a:ext uri="{0D108BD9-81ED-4DB2-BD59-A6C34878D82A}">
+                    <a16:rowId xmlns:a16="http://schemas.microsoft.com/office/drawing/2014/main" val="2934841758"/>
+                  </a:ext>
+                </a:extLst>
+              </a:tr>
+              <a:tr h="1524231">
+                <a:tc>
+                  <a:txBody>
+                    <a:bodyPr/>
+                    <a:lstStyle/>
+                    <a:p>
+                      <a:pPr algn="ctr">
+                        <a:spcBef>
+                          <a:spcPts val="50"/>
+                        </a:spcBef>
+                        <a:spcAft>
+                          <a:spcPts val="0"/>
+                        </a:spcAft>
+                      </a:pPr>
+                      <a:r>
+                        <a:rPr lang="vi-VN" sz="1600">
+                          <a:effectLst/>
+                        </a:rPr>
+                        <a:t>7</a:t>
+                      </a:r>
+                      <a:endParaRPr lang="en-US" sz="1600">
+                        <a:effectLst/>
+                        <a:latin typeface="Arial" panose="020B0604020202020204" pitchFamily="34" charset="0"/>
+                        <a:ea typeface="Verdana" panose="020B0604030504040204" pitchFamily="34" charset="0"/>
+                        <a:cs typeface="Arial" panose="020B0604020202020204" pitchFamily="34" charset="0"/>
+                      </a:endParaRPr>
+                    </a:p>
+                  </a:txBody>
+                  <a:tcPr marL="68580" marR="68580" marT="0" marB="0" anchor="ctr"/>
+                </a:tc>
+                <a:tc>
+                  <a:txBody>
+                    <a:bodyPr/>
+                    <a:lstStyle/>
+                    <a:p>
+                      <a:pPr algn="ctr">
+                        <a:spcBef>
+                          <a:spcPts val="50"/>
+                        </a:spcBef>
+                        <a:spcAft>
+                          <a:spcPts val="0"/>
+                        </a:spcAft>
+                      </a:pPr>
+                      <a:r>
+                        <a:rPr lang="en-US" sz="1600">
+                          <a:effectLst/>
+                        </a:rPr>
+                        <a:t>Members have unequal qualifications</a:t>
+                      </a:r>
+                      <a:endParaRPr lang="en-US" sz="1600">
+                        <a:effectLst/>
+                        <a:latin typeface="Arial" panose="020B0604020202020204" pitchFamily="34" charset="0"/>
+                        <a:ea typeface="Verdana" panose="020B0604030504040204" pitchFamily="34" charset="0"/>
+                        <a:cs typeface="Arial" panose="020B0604020202020204" pitchFamily="34" charset="0"/>
+                      </a:endParaRPr>
+                    </a:p>
+                  </a:txBody>
+                  <a:tcPr marL="68580" marR="68580" marT="0" marB="0" anchor="ctr"/>
+                </a:tc>
+                <a:tc>
+                  <a:txBody>
+                    <a:bodyPr/>
+                    <a:lstStyle/>
+                    <a:p>
+                      <a:pPr algn="ctr">
+                        <a:spcBef>
+                          <a:spcPts val="50"/>
+                        </a:spcBef>
+                        <a:spcAft>
+                          <a:spcPts val="0"/>
+                        </a:spcAft>
+                      </a:pPr>
+                      <a:r>
+                        <a:rPr lang="vi-VN" sz="1600">
+                          <a:effectLst/>
+                        </a:rPr>
+                        <a:t>High</a:t>
+                      </a:r>
+                      <a:endParaRPr lang="en-US" sz="1600">
+                        <a:effectLst/>
+                        <a:latin typeface="Arial" panose="020B0604020202020204" pitchFamily="34" charset="0"/>
+                        <a:ea typeface="Verdana" panose="020B0604030504040204" pitchFamily="34" charset="0"/>
+                        <a:cs typeface="Arial" panose="020B0604020202020204" pitchFamily="34" charset="0"/>
+                      </a:endParaRPr>
+                    </a:p>
+                  </a:txBody>
+                  <a:tcPr marL="68580" marR="68580" marT="0" marB="0" anchor="ctr"/>
+                </a:tc>
+                <a:tc>
+                  <a:txBody>
+                    <a:bodyPr/>
+                    <a:lstStyle/>
+                    <a:p>
+                      <a:pPr algn="ctr">
+                        <a:spcBef>
+                          <a:spcPts val="50"/>
+                        </a:spcBef>
+                        <a:spcAft>
+                          <a:spcPts val="0"/>
+                        </a:spcAft>
+                      </a:pPr>
+                      <a:r>
+                        <a:rPr lang="vi-VN" sz="1600">
+                          <a:effectLst/>
+                        </a:rPr>
+                        <a:t>High</a:t>
+                      </a:r>
+                      <a:endParaRPr lang="en-US" sz="1600">
+                        <a:effectLst/>
+                        <a:latin typeface="Arial" panose="020B0604020202020204" pitchFamily="34" charset="0"/>
+                        <a:ea typeface="Verdana" panose="020B0604030504040204" pitchFamily="34" charset="0"/>
+                        <a:cs typeface="Arial" panose="020B0604020202020204" pitchFamily="34" charset="0"/>
+                      </a:endParaRPr>
+                    </a:p>
+                  </a:txBody>
+                  <a:tcPr marL="68580" marR="68580" marT="0" marB="0" anchor="ctr"/>
+                </a:tc>
+                <a:tc>
+                  <a:txBody>
+                    <a:bodyPr/>
+                    <a:lstStyle/>
+                    <a:p>
+                      <a:pPr algn="ctr">
+                        <a:spcBef>
+                          <a:spcPts val="50"/>
+                        </a:spcBef>
+                        <a:spcAft>
+                          <a:spcPts val="0"/>
+                        </a:spcAft>
+                      </a:pPr>
+                      <a:r>
+                        <a:rPr lang="vi-VN" sz="1600" dirty="0">
+                          <a:effectLst/>
+                        </a:rPr>
+                        <a:t>High</a:t>
+                      </a:r>
+                      <a:endParaRPr lang="en-US" sz="1600" dirty="0">
+                        <a:effectLst/>
+                        <a:latin typeface="Arial" panose="020B0604020202020204" pitchFamily="34" charset="0"/>
+                        <a:ea typeface="Verdana" panose="020B0604030504040204" pitchFamily="34" charset="0"/>
+                        <a:cs typeface="Arial" panose="020B0604020202020204" pitchFamily="34" charset="0"/>
+                      </a:endParaRPr>
+                    </a:p>
+                  </a:txBody>
+                  <a:tcPr marL="68580" marR="68580" marT="0" marB="0" anchor="ctr"/>
+                </a:tc>
+                <a:tc>
+                  <a:txBody>
+                    <a:bodyPr/>
+                    <a:lstStyle/>
+                    <a:p>
+                      <a:pPr>
+                        <a:spcBef>
+                          <a:spcPts val="50"/>
+                        </a:spcBef>
+                        <a:spcAft>
+                          <a:spcPts val="0"/>
+                        </a:spcAft>
+                      </a:pPr>
+                      <a:r>
+                        <a:rPr lang="en-US" sz="1600" dirty="0">
+                          <a:effectLst/>
+                        </a:rPr>
+                        <a:t>1. Training members from the beginning of the project.</a:t>
+                      </a:r>
+                    </a:p>
+                    <a:p>
+                      <a:pPr>
+                        <a:spcBef>
+                          <a:spcPts val="50"/>
+                        </a:spcBef>
+                        <a:spcAft>
+                          <a:spcPts val="0"/>
+                        </a:spcAft>
+                      </a:pPr>
+                      <a:r>
+                        <a:rPr lang="en-US" sz="1600" dirty="0">
+                          <a:effectLst/>
+                        </a:rPr>
+                        <a:t>2. Organize cross-training sessions for members.</a:t>
+                      </a:r>
+                      <a:endParaRPr lang="en-US" sz="1600" dirty="0">
+                        <a:effectLst/>
+                        <a:latin typeface="Arial" panose="020B0604020202020204" pitchFamily="34" charset="0"/>
+                        <a:ea typeface="Verdana" panose="020B0604030504040204" pitchFamily="34" charset="0"/>
+                        <a:cs typeface="Arial" panose="020B0604020202020204" pitchFamily="34" charset="0"/>
+                      </a:endParaRPr>
+                    </a:p>
+                  </a:txBody>
+                  <a:tcPr marL="68580" marR="68580" marT="0" marB="0" anchor="ctr"/>
+                </a:tc>
+                <a:extLst>
+                  <a:ext uri="{0D108BD9-81ED-4DB2-BD59-A6C34878D82A}">
+                    <a16:rowId xmlns:a16="http://schemas.microsoft.com/office/drawing/2014/main" val="509314696"/>
+                  </a:ext>
+                </a:extLst>
+              </a:tr>
+            </a:tbl>
+          </a:graphicData>
+        </a:graphic>
+      </p:graphicFrame>
+    </p:spTree>
+    <p:extLst>
+      <p:ext uri="{BB962C8B-B14F-4D97-AF65-F5344CB8AC3E}">
+        <p14:creationId xmlns:p14="http://schemas.microsoft.com/office/powerpoint/2010/main" val="2092583287"/>
+      </p:ext>
+    </p:extLst>
+  </p:cSld>
+  <p:clrMapOvr>
+    <a:masterClrMapping/>
+  </p:clrMapOvr>
+  <mc:AlternateContent xmlns:mc="http://schemas.openxmlformats.org/markup-compatibility/2006" xmlns:p14="http://schemas.microsoft.com/office/powerpoint/2010/main">
+    <mc:Choice Requires="p14">
+      <p:transition spd="med" p14:dur="700">
+        <p:fade/>
+      </p:transition>
+    </mc:Choice>
+    <mc:Fallback xmlns="">
+      <p:transition spd="med">
+        <p:fade/>
+      </p:transition>
+    </mc:Fallback>
+  </mc:AlternateContent>
+</p:sld>
+</file>
+
+<file path=ppt/slides/slide25.xml><?xml version="1.0" encoding="utf-8"?>
+<p:sld xmlns:a="http://schemas.openxmlformats.org/drawingml/2006/main" xmlns:r="http://schemas.openxmlformats.org/officeDocument/2006/relationships" xmlns:p="http://schemas.openxmlformats.org/presentationml/2006/main">
+  <p:cSld>
+    <p:spTree>
+      <p:nvGrpSpPr>
+        <p:cNvPr id="1" name=""/>
+        <p:cNvGrpSpPr/>
+        <p:nvPr/>
+      </p:nvGrpSpPr>
+      <p:grpSpPr>
+        <a:xfrm>
+          <a:off x="0" y="0"/>
+          <a:ext cx="0" cy="0"/>
+          <a:chOff x="0" y="0"/>
+          <a:chExt cx="0" cy="0"/>
+        </a:xfrm>
+      </p:grpSpPr>
+      <p:sp>
+        <p:nvSpPr>
+          <p:cNvPr id="3" name="Title 2"/>
+          <p:cNvSpPr>
+            <a:spLocks noGrp="1"/>
+          </p:cNvSpPr>
+          <p:nvPr>
+            <p:ph type="title"/>
+          </p:nvPr>
+        </p:nvSpPr>
+        <p:spPr>
+          <a:xfrm>
+            <a:off x="0" y="0"/>
+            <a:ext cx="12192000" cy="1179288"/>
+          </a:xfrm>
+        </p:spPr>
+        <p:txBody>
+          <a:bodyPr/>
+          <a:lstStyle/>
+          <a:p>
+            <a:r>
+              <a:rPr lang="en-US" altLang="ko-KR" b="1" dirty="0"/>
+              <a:t>7. Problem project</a:t>
+            </a:r>
+            <a:endParaRPr lang="ko-KR" altLang="en-US" b="1" dirty="0"/>
+          </a:p>
+        </p:txBody>
+      </p:sp>
+      <p:sp>
+        <p:nvSpPr>
+          <p:cNvPr id="6" name="Slide Number Placeholder 3">
+            <a:extLst>
+              <a:ext uri="{FF2B5EF4-FFF2-40B4-BE49-F238E27FC236}">
+                <a16:creationId xmlns:a16="http://schemas.microsoft.com/office/drawing/2014/main" id="{FF9DDFD0-EB1F-3C43-95CC-461CBFD9C865}"/>
+              </a:ext>
+            </a:extLst>
+          </p:cNvPr>
+          <p:cNvSpPr txBox="1">
+            <a:spLocks/>
+          </p:cNvSpPr>
+          <p:nvPr/>
+        </p:nvSpPr>
+        <p:spPr>
+          <a:xfrm>
+            <a:off x="11198390" y="6405331"/>
+            <a:ext cx="452437" cy="365125"/>
+          </a:xfrm>
+          <a:prstGeom prst="rect">
+            <a:avLst/>
+          </a:prstGeom>
+        </p:spPr>
+        <p:txBody>
+          <a:bodyPr/>
+          <a:lstStyle>
+            <a:defPPr>
+              <a:defRPr lang="en-US"/>
+            </a:defPPr>
+            <a:lvl1pPr marL="0" algn="l" defTabSz="914400" rtl="0" eaLnBrk="1" latinLnBrk="0" hangingPunct="1">
+              <a:defRPr sz="1800" kern="1200">
+                <a:solidFill>
+                  <a:schemeClr val="tx1"/>
+                </a:solidFill>
+                <a:latin typeface="+mn-lt"/>
+                <a:ea typeface="+mn-ea"/>
+                <a:cs typeface="+mn-cs"/>
+              </a:defRPr>
+            </a:lvl1pPr>
+            <a:lvl2pPr marL="457200" algn="l" defTabSz="914400" rtl="0" eaLnBrk="1" latinLnBrk="0" hangingPunct="1">
+              <a:defRPr sz="1800" kern="1200">
+                <a:solidFill>
+                  <a:schemeClr val="tx1"/>
+                </a:solidFill>
+                <a:latin typeface="+mn-lt"/>
+                <a:ea typeface="+mn-ea"/>
+                <a:cs typeface="+mn-cs"/>
+              </a:defRPr>
+            </a:lvl2pPr>
+            <a:lvl3pPr marL="914400" algn="l" defTabSz="914400" rtl="0" eaLnBrk="1" latinLnBrk="0" hangingPunct="1">
+              <a:defRPr sz="1800" kern="1200">
+                <a:solidFill>
+                  <a:schemeClr val="tx1"/>
+                </a:solidFill>
+                <a:latin typeface="+mn-lt"/>
+                <a:ea typeface="+mn-ea"/>
+                <a:cs typeface="+mn-cs"/>
+              </a:defRPr>
+            </a:lvl3pPr>
+            <a:lvl4pPr marL="1371600" algn="l" defTabSz="914400" rtl="0" eaLnBrk="1" latinLnBrk="0" hangingPunct="1">
+              <a:defRPr sz="1800" kern="1200">
+                <a:solidFill>
+                  <a:schemeClr val="tx1"/>
+                </a:solidFill>
+                <a:latin typeface="+mn-lt"/>
+                <a:ea typeface="+mn-ea"/>
+                <a:cs typeface="+mn-cs"/>
+              </a:defRPr>
+            </a:lvl4pPr>
+            <a:lvl5pPr marL="1828800" algn="l" defTabSz="914400" rtl="0" eaLnBrk="1" latinLnBrk="0" hangingPunct="1">
+              <a:defRPr sz="1800" kern="1200">
+                <a:solidFill>
+                  <a:schemeClr val="tx1"/>
+                </a:solidFill>
+                <a:latin typeface="+mn-lt"/>
+                <a:ea typeface="+mn-ea"/>
+                <a:cs typeface="+mn-cs"/>
+              </a:defRPr>
+            </a:lvl5pPr>
+            <a:lvl6pPr marL="2286000" algn="l" defTabSz="914400" rtl="0" eaLnBrk="1" latinLnBrk="0" hangingPunct="1">
+              <a:defRPr sz="1800" kern="1200">
+                <a:solidFill>
+                  <a:schemeClr val="tx1"/>
+                </a:solidFill>
+                <a:latin typeface="+mn-lt"/>
+                <a:ea typeface="+mn-ea"/>
+                <a:cs typeface="+mn-cs"/>
+              </a:defRPr>
+            </a:lvl6pPr>
+            <a:lvl7pPr marL="2743200" algn="l" defTabSz="914400" rtl="0" eaLnBrk="1" latinLnBrk="0" hangingPunct="1">
+              <a:defRPr sz="1800" kern="1200">
+                <a:solidFill>
+                  <a:schemeClr val="tx1"/>
+                </a:solidFill>
+                <a:latin typeface="+mn-lt"/>
+                <a:ea typeface="+mn-ea"/>
+                <a:cs typeface="+mn-cs"/>
+              </a:defRPr>
+            </a:lvl7pPr>
+            <a:lvl8pPr marL="3200400" algn="l" defTabSz="914400" rtl="0" eaLnBrk="1" latinLnBrk="0" hangingPunct="1">
+              <a:defRPr sz="1800" kern="1200">
+                <a:solidFill>
+                  <a:schemeClr val="tx1"/>
+                </a:solidFill>
+                <a:latin typeface="+mn-lt"/>
+                <a:ea typeface="+mn-ea"/>
+                <a:cs typeface="+mn-cs"/>
+              </a:defRPr>
+            </a:lvl8pPr>
+            <a:lvl9pPr marL="3657600" algn="l" defTabSz="914400" rtl="0" eaLnBrk="1" latinLnBrk="0" hangingPunct="1">
+              <a:defRPr sz="1800" kern="1200">
+                <a:solidFill>
+                  <a:schemeClr val="tx1"/>
+                </a:solidFill>
+                <a:latin typeface="+mn-lt"/>
+                <a:ea typeface="+mn-ea"/>
+                <a:cs typeface="+mn-cs"/>
+              </a:defRPr>
+            </a:lvl9pPr>
+          </a:lstStyle>
+          <a:p>
+            <a:fld id="{301E5F09-0F4C-0243-9596-FED7D03FE3DA}" type="slidenum">
+              <a:rPr lang="en-US" smtClean="0"/>
+              <a:pPr/>
+              <a:t>25</a:t>
             </a:fld>
             <a:endParaRPr lang="en-US" dirty="0"/>
           </a:p>
@@ -15629,7 +18162,7 @@
 </p:sld>
 </file>
 
-<file path=ppt/slides/slide24.xml><?xml version="1.0" encoding="utf-8"?>
+<file path=ppt/slides/slide26.xml><?xml version="1.0" encoding="utf-8"?>
 <p:sld xmlns:a="http://schemas.openxmlformats.org/drawingml/2006/main" xmlns:r="http://schemas.openxmlformats.org/officeDocument/2006/relationships" xmlns:p="http://schemas.openxmlformats.org/presentationml/2006/main">
   <p:cSld>
     <p:spTree>
@@ -15819,7 +18352,7 @@
             <a:fld id="{301E5F09-0F4C-0243-9596-FED7D03FE3DA}" type="slidenum">
               <a:rPr lang="en-US" smtClean="0"/>
               <a:pPr/>
-              <a:t>24</a:t>
+              <a:t>26</a:t>
             </a:fld>
             <a:endParaRPr lang="en-US" dirty="0"/>
           </a:p>
@@ -16983,7 +19516,7 @@
 </p:sld>
 </file>
 
-<file path=ppt/slides/slide25.xml><?xml version="1.0" encoding="utf-8"?>
+<file path=ppt/slides/slide27.xml><?xml version="1.0" encoding="utf-8"?>
 <p:sld xmlns:a="http://schemas.openxmlformats.org/drawingml/2006/main" xmlns:r="http://schemas.openxmlformats.org/officeDocument/2006/relationships" xmlns:p="http://schemas.openxmlformats.org/presentationml/2006/main">
   <p:cSld>
     <p:spTree>
@@ -17177,7 +19710,7 @@
             <a:fld id="{301E5F09-0F4C-0243-9596-FED7D03FE3DA}" type="slidenum">
               <a:rPr lang="en-US" smtClean="0"/>
               <a:pPr/>
-              <a:t>25</a:t>
+              <a:t>27</a:t>
             </a:fld>
             <a:endParaRPr lang="en-US" dirty="0"/>
           </a:p>
@@ -17208,7 +19741,7 @@
 </p:sld>
 </file>
 
-<file path=ppt/slides/slide26.xml><?xml version="1.0" encoding="utf-8"?>
+<file path=ppt/slides/slide28.xml><?xml version="1.0" encoding="utf-8"?>
 <p:sld xmlns:a="http://schemas.openxmlformats.org/drawingml/2006/main" xmlns:r="http://schemas.openxmlformats.org/officeDocument/2006/relationships" xmlns:p="http://schemas.openxmlformats.org/presentationml/2006/main">
   <p:cSld>
     <p:spTree>
@@ -20202,7 +22735,7 @@
                             </p:stCondLst>
                             <p:childTnLst>
                               <p:par>
-                                <p:cTn id="5" presetID="3" presetClass="entr" presetSubtype="10" fill="hold" grpId="0" nodeType="clickEffect">
+                                <p:cTn id="5" presetID="9" presetClass="entr" presetSubtype="0" fill="hold" grpId="0" nodeType="clickEffect">
                                   <p:stCondLst>
                                     <p:cond delay="0"/>
                                   </p:stCondLst>
@@ -20215,7 +22748,7 @@
                                           </p:stCondLst>
                                         </p:cTn>
                                         <p:tgtEl>
-                                          <p:spTgt spid="5">
+                                          <p:spTgt spid="2">
                                             <p:txEl>
                                               <p:pRg st="0" end="0"/>
                                             </p:txEl>
@@ -20229,11 +22762,11 @@
                                         <p:strVal val="visible"/>
                                       </p:to>
                                     </p:set>
-                                    <p:animEffect transition="in" filter="blinds(horizontal)">
+                                    <p:animEffect transition="in" filter="dissolve">
                                       <p:cBhvr>
                                         <p:cTn id="7" dur="500"/>
                                         <p:tgtEl>
-                                          <p:spTgt spid="5">
+                                          <p:spTgt spid="2">
                                             <p:txEl>
                                               <p:pRg st="0" end="0"/>
                                             </p:txEl>
@@ -20263,7 +22796,7 @@
                             </p:stCondLst>
                             <p:childTnLst>
                               <p:par>
-                                <p:cTn id="10" presetID="3" presetClass="entr" presetSubtype="10" fill="hold" grpId="0" nodeType="clickEffect">
+                                <p:cTn id="10" presetID="12" presetClass="entr" presetSubtype="4" fill="hold" grpId="0" nodeType="clickEffect">
                                   <p:stCondLst>
                                     <p:cond delay="0"/>
                                   </p:stCondLst>
@@ -20271,6 +22804,94 @@
                                     <p:set>
                                       <p:cBhvr>
                                         <p:cTn id="11" dur="1" fill="hold">
+                                          <p:stCondLst>
+                                            <p:cond delay="0"/>
+                                          </p:stCondLst>
+                                        </p:cTn>
+                                        <p:tgtEl>
+                                          <p:spTgt spid="5">
+                                            <p:txEl>
+                                              <p:pRg st="0" end="0"/>
+                                            </p:txEl>
+                                          </p:spTgt>
+                                        </p:tgtEl>
+                                        <p:attrNameLst>
+                                          <p:attrName>style.visibility</p:attrName>
+                                        </p:attrNameLst>
+                                      </p:cBhvr>
+                                      <p:to>
+                                        <p:strVal val="visible"/>
+                                      </p:to>
+                                    </p:set>
+                                    <p:anim calcmode="lin" valueType="num">
+                                      <p:cBhvr additive="base">
+                                        <p:cTn id="12" dur="500"/>
+                                        <p:tgtEl>
+                                          <p:spTgt spid="5">
+                                            <p:txEl>
+                                              <p:pRg st="0" end="0"/>
+                                            </p:txEl>
+                                          </p:spTgt>
+                                        </p:tgtEl>
+                                        <p:attrNameLst>
+                                          <p:attrName>ppt_y</p:attrName>
+                                        </p:attrNameLst>
+                                      </p:cBhvr>
+                                      <p:tavLst>
+                                        <p:tav tm="0">
+                                          <p:val>
+                                            <p:strVal val="#ppt_y+#ppt_h*1.125000"/>
+                                          </p:val>
+                                        </p:tav>
+                                        <p:tav tm="100000">
+                                          <p:val>
+                                            <p:strVal val="#ppt_y"/>
+                                          </p:val>
+                                        </p:tav>
+                                      </p:tavLst>
+                                    </p:anim>
+                                    <p:animEffect transition="in" filter="wipe(up)">
+                                      <p:cBhvr>
+                                        <p:cTn id="13" dur="500"/>
+                                        <p:tgtEl>
+                                          <p:spTgt spid="5">
+                                            <p:txEl>
+                                              <p:pRg st="0" end="0"/>
+                                            </p:txEl>
+                                          </p:spTgt>
+                                        </p:tgtEl>
+                                      </p:cBhvr>
+                                    </p:animEffect>
+                                  </p:childTnLst>
+                                </p:cTn>
+                              </p:par>
+                            </p:childTnLst>
+                          </p:cTn>
+                        </p:par>
+                      </p:childTnLst>
+                    </p:cTn>
+                  </p:par>
+                  <p:par>
+                    <p:cTn id="14" fill="hold">
+                      <p:stCondLst>
+                        <p:cond delay="indefinite"/>
+                      </p:stCondLst>
+                      <p:childTnLst>
+                        <p:par>
+                          <p:cTn id="15" fill="hold">
+                            <p:stCondLst>
+                              <p:cond delay="0"/>
+                            </p:stCondLst>
+                            <p:childTnLst>
+                              <p:par>
+                                <p:cTn id="16" presetID="12" presetClass="entr" presetSubtype="4" fill="hold" grpId="0" nodeType="clickEffect">
+                                  <p:stCondLst>
+                                    <p:cond delay="0"/>
+                                  </p:stCondLst>
+                                  <p:childTnLst>
+                                    <p:set>
+                                      <p:cBhvr>
+                                        <p:cTn id="17" dur="1" fill="hold">
                                           <p:stCondLst>
                                             <p:cond delay="0"/>
                                           </p:stCondLst>
@@ -20290,13 +22911,128 @@
                                         <p:strVal val="visible"/>
                                       </p:to>
                                     </p:set>
-                                    <p:animEffect transition="in" filter="blinds(horizontal)">
-                                      <p:cBhvr>
-                                        <p:cTn id="12" dur="500"/>
+                                    <p:anim calcmode="lin" valueType="num">
+                                      <p:cBhvr additive="base">
+                                        <p:cTn id="18" dur="500"/>
                                         <p:tgtEl>
                                           <p:spTgt spid="5">
                                             <p:txEl>
                                               <p:pRg st="1" end="1"/>
+                                            </p:txEl>
+                                          </p:spTgt>
+                                        </p:tgtEl>
+                                        <p:attrNameLst>
+                                          <p:attrName>ppt_y</p:attrName>
+                                        </p:attrNameLst>
+                                      </p:cBhvr>
+                                      <p:tavLst>
+                                        <p:tav tm="0">
+                                          <p:val>
+                                            <p:strVal val="#ppt_y+#ppt_h*1.125000"/>
+                                          </p:val>
+                                        </p:tav>
+                                        <p:tav tm="100000">
+                                          <p:val>
+                                            <p:strVal val="#ppt_y"/>
+                                          </p:val>
+                                        </p:tav>
+                                      </p:tavLst>
+                                    </p:anim>
+                                    <p:animEffect transition="in" filter="wipe(up)">
+                                      <p:cBhvr>
+                                        <p:cTn id="19" dur="500"/>
+                                        <p:tgtEl>
+                                          <p:spTgt spid="5">
+                                            <p:txEl>
+                                              <p:pRg st="1" end="1"/>
+                                            </p:txEl>
+                                          </p:spTgt>
+                                        </p:tgtEl>
+                                      </p:cBhvr>
+                                    </p:animEffect>
+                                  </p:childTnLst>
+                                </p:cTn>
+                              </p:par>
+                            </p:childTnLst>
+                          </p:cTn>
+                        </p:par>
+                      </p:childTnLst>
+                    </p:cTn>
+                  </p:par>
+                  <p:par>
+                    <p:cTn id="20" fill="hold">
+                      <p:stCondLst>
+                        <p:cond delay="indefinite"/>
+                      </p:stCondLst>
+                      <p:childTnLst>
+                        <p:par>
+                          <p:cTn id="21" fill="hold">
+                            <p:stCondLst>
+                              <p:cond delay="0"/>
+                            </p:stCondLst>
+                            <p:childTnLst>
+                              <p:par>
+                                <p:cTn id="22" presetID="12" presetClass="entr" presetSubtype="4" fill="hold" grpId="0" nodeType="clickEffect">
+                                  <p:stCondLst>
+                                    <p:cond delay="0"/>
+                                  </p:stCondLst>
+                                  <p:childTnLst>
+                                    <p:set>
+                                      <p:cBhvr>
+                                        <p:cTn id="23" dur="1" fill="hold">
+                                          <p:stCondLst>
+                                            <p:cond delay="0"/>
+                                          </p:stCondLst>
+                                        </p:cTn>
+                                        <p:tgtEl>
+                                          <p:spTgt spid="5">
+                                            <p:txEl>
+                                              <p:pRg st="2" end="2"/>
+                                            </p:txEl>
+                                          </p:spTgt>
+                                        </p:tgtEl>
+                                        <p:attrNameLst>
+                                          <p:attrName>style.visibility</p:attrName>
+                                        </p:attrNameLst>
+                                      </p:cBhvr>
+                                      <p:to>
+                                        <p:strVal val="visible"/>
+                                      </p:to>
+                                    </p:set>
+                                    <p:anim calcmode="lin" valueType="num">
+                                      <p:cBhvr additive="base">
+                                        <p:cTn id="24" dur="500"/>
+                                        <p:tgtEl>
+                                          <p:spTgt spid="5">
+                                            <p:txEl>
+                                              <p:pRg st="2" end="2"/>
+                                            </p:txEl>
+                                          </p:spTgt>
+                                        </p:tgtEl>
+                                        <p:attrNameLst>
+                                          <p:attrName>ppt_y</p:attrName>
+                                        </p:attrNameLst>
+                                      </p:cBhvr>
+                                      <p:tavLst>
+                                        <p:tav tm="0">
+                                          <p:val>
+                                            <p:strVal val="#ppt_y+#ppt_h*1.125000"/>
+                                          </p:val>
+                                        </p:tav>
+                                        <p:tav tm="100000">
+                                          <p:val>
+                                            <p:strVal val="#ppt_y"/>
+                                          </p:val>
+                                        </p:tav>
+                                      </p:tavLst>
+                                    </p:anim>
+                                    <p:animEffect transition="in" filter="wipe(up)">
+                                      <p:cBhvr>
+                                        <p:cTn id="25" dur="500"/>
+                                        <p:tgtEl>
+                                          <p:spTgt spid="5">
+                                            <p:txEl>
+                                              <p:pRg st="2" end="2"/>
                                             </p:txEl>
                                           </p:spTgt>
                                         </p:tgtEl>
@@ -20333,6 +23069,7 @@
       </p:par>
     </p:tnLst>
     <p:bldLst>
+      <p:bldP spid="2" grpId="0" build="p"/>
       <p:bldP spid="5" grpId="0" build="p"/>
     </p:bldLst>
   </p:timing>
@@ -20395,7 +23132,7 @@
             <p:ph idx="10"/>
             <p:extLst>
               <p:ext uri="{D42A27DB-BD31-4B8C-83A1-F6EECF244321}">
-                <p14:modId xmlns:p14="http://schemas.microsoft.com/office/powerpoint/2010/main" val="896553714"/>
+                <p14:modId xmlns:p14="http://schemas.microsoft.com/office/powerpoint/2010/main" val="2036244217"/>
               </p:ext>
             </p:extLst>
           </p:nvPr>
@@ -20435,6 +23172,8 @@
                       <a:r>
                         <a:rPr lang="en-US" sz="2400" dirty="0">
                           <a:effectLst/>
+                          <a:latin typeface="Arial" panose="020B0604020202020204" pitchFamily="34" charset="0"/>
+                          <a:cs typeface="Arial" panose="020B0604020202020204" pitchFamily="34" charset="0"/>
                         </a:rPr>
                         <a:t>Stakeholders</a:t>
                       </a:r>
@@ -20454,6 +23193,8 @@
                       <a:r>
                         <a:rPr lang="en-US" sz="2400" dirty="0">
                           <a:effectLst/>
+                          <a:latin typeface="Arial" panose="020B0604020202020204" pitchFamily="34" charset="0"/>
+                          <a:cs typeface="Arial" panose="020B0604020202020204" pitchFamily="34" charset="0"/>
                         </a:rPr>
                         <a:t>Number of people</a:t>
                       </a:r>
@@ -20480,6 +23221,8 @@
                       <a:r>
                         <a:rPr lang="en-US" sz="2400" dirty="0">
                           <a:effectLst/>
+                          <a:latin typeface="Arial" panose="020B0604020202020204" pitchFamily="34" charset="0"/>
+                          <a:cs typeface="Arial" panose="020B0604020202020204" pitchFamily="34" charset="0"/>
                         </a:rPr>
                         <a:t>Director</a:t>
                       </a:r>
@@ -20499,6 +23242,8 @@
                       <a:r>
                         <a:rPr lang="en-US" sz="2400" dirty="0">
                           <a:effectLst/>
+                          <a:latin typeface="Arial" panose="020B0604020202020204" pitchFamily="34" charset="0"/>
+                          <a:cs typeface="Arial" panose="020B0604020202020204" pitchFamily="34" charset="0"/>
                         </a:rPr>
                         <a:t>1 people</a:t>
                       </a:r>
@@ -20525,6 +23270,8 @@
                       <a:r>
                         <a:rPr lang="en-US" sz="2400" dirty="0">
                           <a:effectLst/>
+                          <a:latin typeface="Arial" panose="020B0604020202020204" pitchFamily="34" charset="0"/>
+                          <a:cs typeface="Arial" panose="020B0604020202020204" pitchFamily="34" charset="0"/>
                         </a:rPr>
                         <a:t>Department Heads</a:t>
                       </a:r>
@@ -20544,6 +23291,8 @@
                       <a:r>
                         <a:rPr lang="en-US" sz="2400" dirty="0">
                           <a:effectLst/>
+                          <a:latin typeface="Arial" panose="020B0604020202020204" pitchFamily="34" charset="0"/>
+                          <a:cs typeface="Arial" panose="020B0604020202020204" pitchFamily="34" charset="0"/>
                         </a:rPr>
                         <a:t>~10 people</a:t>
                       </a:r>
@@ -20570,6 +23319,8 @@
                       <a:r>
                         <a:rPr lang="en-US" sz="2400" dirty="0">
                           <a:effectLst/>
+                          <a:latin typeface="Arial" panose="020B0604020202020204" pitchFamily="34" charset="0"/>
+                          <a:cs typeface="Arial" panose="020B0604020202020204" pitchFamily="34" charset="0"/>
                         </a:rPr>
                         <a:t>Administrator</a:t>
                       </a:r>
@@ -20589,6 +23340,8 @@
                       <a:r>
                         <a:rPr lang="en-US" sz="2400" dirty="0">
                           <a:effectLst/>
+                          <a:latin typeface="Arial" panose="020B0604020202020204" pitchFamily="34" charset="0"/>
+                          <a:cs typeface="Arial" panose="020B0604020202020204" pitchFamily="34" charset="0"/>
                         </a:rPr>
                         <a:t>~1 people</a:t>
                       </a:r>
@@ -20615,6 +23368,8 @@
                       <a:r>
                         <a:rPr lang="en-US" sz="2400" dirty="0">
                           <a:effectLst/>
+                          <a:latin typeface="Arial" panose="020B0604020202020204" pitchFamily="34" charset="0"/>
+                          <a:cs typeface="Arial" panose="020B0604020202020204" pitchFamily="34" charset="0"/>
                         </a:rPr>
                         <a:t>Employees</a:t>
                       </a:r>
@@ -20634,6 +23389,8 @@
                       <a:r>
                         <a:rPr lang="en-US" sz="2400" dirty="0">
                           <a:effectLst/>
+                          <a:latin typeface="Arial" panose="020B0604020202020204" pitchFamily="34" charset="0"/>
+                          <a:cs typeface="Arial" panose="020B0604020202020204" pitchFamily="34" charset="0"/>
                         </a:rPr>
                         <a:t>~150 people</a:t>
                       </a:r>
@@ -20660,6 +23417,8 @@
                       <a:r>
                         <a:rPr lang="en-US" sz="2400" dirty="0">
                           <a:effectLst/>
+                          <a:latin typeface="Arial" panose="020B0604020202020204" pitchFamily="34" charset="0"/>
+                          <a:cs typeface="Arial" panose="020B0604020202020204" pitchFamily="34" charset="0"/>
                         </a:rPr>
                         <a:t>Deputy department</a:t>
                       </a:r>
@@ -20679,6 +23438,8 @@
                       <a:r>
                         <a:rPr lang="en-US" sz="2400" dirty="0">
                           <a:effectLst/>
+                          <a:latin typeface="Arial" panose="020B0604020202020204" pitchFamily="34" charset="0"/>
+                          <a:cs typeface="Arial" panose="020B0604020202020204" pitchFamily="34" charset="0"/>
                         </a:rPr>
                         <a:t>~5 people</a:t>
                       </a:r>
@@ -22426,14 +25187,14 @@
             <p:ph idx="10"/>
             <p:extLst>
               <p:ext uri="{D42A27DB-BD31-4B8C-83A1-F6EECF244321}">
-                <p14:modId xmlns:p14="http://schemas.microsoft.com/office/powerpoint/2010/main" val="436673620"/>
+                <p14:modId xmlns:p14="http://schemas.microsoft.com/office/powerpoint/2010/main" val="613138665"/>
               </p:ext>
             </p:extLst>
           </p:nvPr>
         </p:nvGraphicFramePr>
         <p:xfrm>
           <a:off x="541338" y="2411412"/>
-          <a:ext cx="11328400" cy="3546476"/>
+          <a:ext cx="11328400" cy="2687638"/>
         </p:xfrm>
         <a:graphic>
           <a:graphicData uri="http://schemas.openxmlformats.org/drawingml/2006/table">
@@ -22442,31 +25203,38 @@
                 <a:tableStyleId>{F5AB1C69-6EDB-4FF4-983F-18BD219EF322}</a:tableStyleId>
               </a:tblPr>
               <a:tblGrid>
-                <a:gridCol w="2832100">
+                <a:gridCol w="2265680">
                   <a:extLst>
                     <a:ext uri="{9D8B030D-6E8A-4147-A177-3AD203B41FA5}">
                       <a16:colId xmlns:a16="http://schemas.microsoft.com/office/drawing/2014/main" val="1274283496"/>
                     </a:ext>
                   </a:extLst>
                 </a:gridCol>
-                <a:gridCol w="2832100">
+                <a:gridCol w="2265680">
                   <a:extLst>
                     <a:ext uri="{9D8B030D-6E8A-4147-A177-3AD203B41FA5}">
                       <a16:colId xmlns:a16="http://schemas.microsoft.com/office/drawing/2014/main" val="3439064627"/>
                     </a:ext>
                   </a:extLst>
                 </a:gridCol>
-                <a:gridCol w="2832100">
+                <a:gridCol w="2265680">
                   <a:extLst>
                     <a:ext uri="{9D8B030D-6E8A-4147-A177-3AD203B41FA5}">
                       <a16:colId xmlns:a16="http://schemas.microsoft.com/office/drawing/2014/main" val="1437952448"/>
                     </a:ext>
                   </a:extLst>
                 </a:gridCol>
-                <a:gridCol w="2832100">
+                <a:gridCol w="2265680">
                   <a:extLst>
                     <a:ext uri="{9D8B030D-6E8A-4147-A177-3AD203B41FA5}">
                       <a16:colId xmlns:a16="http://schemas.microsoft.com/office/drawing/2014/main" val="1460829263"/>
+                    </a:ext>
+                  </a:extLst>
+                </a:gridCol>
+                <a:gridCol w="2265680">
+                  <a:extLst>
+                    <a:ext uri="{9D8B030D-6E8A-4147-A177-3AD203B41FA5}">
+                      <a16:colId xmlns:a16="http://schemas.microsoft.com/office/drawing/2014/main" val="832736848"/>
                     </a:ext>
                   </a:extLst>
                 </a:gridCol>
@@ -22477,7 +25245,7 @@
                     <a:bodyPr/>
                     <a:lstStyle/>
                     <a:p>
-                      <a:pPr marL="0" marR="0" lvl="0" indent="0" algn="l" defTabSz="914400" rtl="0" eaLnBrk="1" fontAlgn="auto" latinLnBrk="0" hangingPunct="1">
+                      <a:pPr marL="0" marR="0" lvl="0" indent="0" algn="ctr" defTabSz="914400" rtl="0" eaLnBrk="1" fontAlgn="auto" latinLnBrk="0" hangingPunct="1">
                         <a:lnSpc>
                           <a:spcPct val="100000"/>
                         </a:lnSpc>
@@ -22505,14 +25273,14 @@
                       </a:endParaRPr>
                     </a:p>
                   </a:txBody>
-                  <a:tcPr/>
+                  <a:tcPr anchor="ctr"/>
                 </a:tc>
                 <a:tc>
                   <a:txBody>
                     <a:bodyPr/>
                     <a:lstStyle/>
                     <a:p>
-                      <a:pPr marL="0" marR="0" lvl="0" indent="0" algn="l" defTabSz="914400" rtl="0" eaLnBrk="1" fontAlgn="auto" latinLnBrk="0" hangingPunct="1">
+                      <a:pPr marL="0" marR="0" lvl="0" indent="0" algn="ctr" defTabSz="914400" rtl="0" eaLnBrk="1" fontAlgn="auto" latinLnBrk="0" hangingPunct="1">
                         <a:lnSpc>
                           <a:spcPct val="100000"/>
                         </a:lnSpc>
@@ -22540,14 +25308,14 @@
                       </a:endParaRPr>
                     </a:p>
                   </a:txBody>
-                  <a:tcPr/>
+                  <a:tcPr anchor="ctr"/>
                 </a:tc>
                 <a:tc>
                   <a:txBody>
                     <a:bodyPr/>
                     <a:lstStyle/>
                     <a:p>
-                      <a:pPr marL="0" marR="0" lvl="0" indent="0" algn="l" defTabSz="914400" rtl="0" eaLnBrk="1" fontAlgn="auto" latinLnBrk="0" hangingPunct="1">
+                      <a:pPr marL="0" marR="0" lvl="0" indent="0" algn="ctr" defTabSz="914400" rtl="0" eaLnBrk="1" fontAlgn="auto" latinLnBrk="0" hangingPunct="1">
                         <a:lnSpc>
                           <a:spcPct val="100000"/>
                         </a:lnSpc>
@@ -22575,14 +25343,14 @@
                       </a:endParaRPr>
                     </a:p>
                   </a:txBody>
-                  <a:tcPr/>
+                  <a:tcPr anchor="ctr"/>
                 </a:tc>
                 <a:tc>
                   <a:txBody>
                     <a:bodyPr/>
                     <a:lstStyle/>
                     <a:p>
-                      <a:pPr marL="0" marR="0" lvl="0" indent="0" algn="l" defTabSz="914400" rtl="0" eaLnBrk="1" fontAlgn="auto" latinLnBrk="0" hangingPunct="1">
+                      <a:pPr marL="0" marR="0" lvl="0" indent="0" algn="ctr" defTabSz="914400" rtl="0" eaLnBrk="1" fontAlgn="auto" latinLnBrk="0" hangingPunct="1">
                         <a:lnSpc>
                           <a:spcPct val="100000"/>
                         </a:lnSpc>
@@ -22610,7 +25378,42 @@
                       </a:endParaRPr>
                     </a:p>
                   </a:txBody>
-                  <a:tcPr/>
+                  <a:tcPr anchor="ctr"/>
+                </a:tc>
+                <a:tc>
+                  <a:txBody>
+                    <a:bodyPr/>
+                    <a:lstStyle/>
+                    <a:p>
+                      <a:pPr marL="0" marR="0" lvl="0" indent="0" algn="ctr" defTabSz="914400" rtl="0" eaLnBrk="1" fontAlgn="auto" latinLnBrk="0" hangingPunct="1">
+                        <a:lnSpc>
+                          <a:spcPct val="100000"/>
+                        </a:lnSpc>
+                        <a:spcBef>
+                          <a:spcPts val="0"/>
+                        </a:spcBef>
+                        <a:spcAft>
+                          <a:spcPts val="0"/>
+                        </a:spcAft>
+                        <a:buClrTx/>
+                        <a:buSzTx/>
+                        <a:buFontTx/>
+                        <a:buNone/>
+                        <a:tabLst/>
+                        <a:defRPr/>
+                      </a:pPr>
+                      <a:r>
+                        <a:rPr lang="en-US" sz="2000" dirty="0"/>
+                        <a:t>Communication</a:t>
+                      </a:r>
+                      <a:endParaRPr lang="en-US" sz="2000" dirty="0">
+                        <a:solidFill>
+                          <a:schemeClr val="bg1"/>
+                        </a:solidFill>
+                      </a:endParaRPr>
+                    </a:p>
+                  </a:txBody>
+                  <a:tcPr anchor="ctr"/>
                 </a:tc>
                 <a:extLst>
                   <a:ext uri="{0D108BD9-81ED-4DB2-BD59-A6C34878D82A}">
@@ -22675,7 +25478,7 @@
                     <a:bodyPr/>
                     <a:lstStyle/>
                     <a:p>
-                      <a:pPr marL="0" marR="0" lvl="0" indent="0" algn="l" defTabSz="914400" rtl="0" eaLnBrk="1" fontAlgn="auto" latinLnBrk="0" hangingPunct="1">
+                      <a:pPr marL="0" marR="0" lvl="0" indent="0" algn="ctr" defTabSz="914400" rtl="0" eaLnBrk="1" fontAlgn="auto" latinLnBrk="0" hangingPunct="1">
                         <a:lnSpc>
                           <a:spcPct val="100000"/>
                         </a:lnSpc>
@@ -22707,14 +25510,14 @@
                       </a:endParaRPr>
                     </a:p>
                   </a:txBody>
-                  <a:tcPr/>
+                  <a:tcPr anchor="ctr"/>
                 </a:tc>
                 <a:tc>
                   <a:txBody>
                     <a:bodyPr/>
                     <a:lstStyle/>
                     <a:p>
-                      <a:pPr marL="0" marR="0" lvl="0" indent="0" algn="l" defTabSz="914400" rtl="0" eaLnBrk="1" fontAlgn="auto" latinLnBrk="0" hangingPunct="1">
+                      <a:pPr marL="0" marR="0" lvl="0" indent="0" algn="ctr" defTabSz="914400" rtl="0" eaLnBrk="1" fontAlgn="auto" latinLnBrk="0" hangingPunct="1">
                         <a:lnSpc>
                           <a:spcPct val="100000"/>
                         </a:lnSpc>
@@ -22746,14 +25549,14 @@
                       </a:endParaRPr>
                     </a:p>
                   </a:txBody>
-                  <a:tcPr/>
+                  <a:tcPr anchor="ctr"/>
                 </a:tc>
                 <a:tc>
                   <a:txBody>
                     <a:bodyPr/>
                     <a:lstStyle/>
                     <a:p>
-                      <a:pPr marL="0" marR="0" lvl="0" indent="0" algn="l" defTabSz="914400" rtl="0" eaLnBrk="1" fontAlgn="auto" latinLnBrk="0" hangingPunct="1">
+                      <a:pPr marL="0" marR="0" lvl="0" indent="0" algn="ctr" defTabSz="914400" rtl="0" eaLnBrk="1" fontAlgn="auto" latinLnBrk="0" hangingPunct="1">
                         <a:lnSpc>
                           <a:spcPct val="100000"/>
                         </a:lnSpc>
@@ -22781,7 +25584,50 @@
                       </a:endParaRPr>
                     </a:p>
                   </a:txBody>
-                  <a:tcPr/>
+                  <a:tcPr anchor="ctr"/>
+                </a:tc>
+                <a:tc>
+                  <a:txBody>
+                    <a:bodyPr/>
+                    <a:lstStyle/>
+                    <a:p>
+                      <a:pPr marL="0" marR="0" lvl="0" indent="0" algn="ctr" defTabSz="914400" rtl="0" eaLnBrk="1" fontAlgn="auto" latinLnBrk="0" hangingPunct="1">
+                        <a:lnSpc>
+                          <a:spcPct val="100000"/>
+                        </a:lnSpc>
+                        <a:spcBef>
+                          <a:spcPts val="0"/>
+                        </a:spcBef>
+                        <a:spcAft>
+                          <a:spcPts val="0"/>
+                        </a:spcAft>
+                        <a:buClrTx/>
+                        <a:buSzTx/>
+                        <a:buFontTx/>
+                        <a:buNone/>
+                        <a:tabLst/>
+                        <a:defRPr/>
+                      </a:pPr>
+                      <a:r>
+                        <a:rPr lang="en-US" dirty="0" err="1"/>
+                        <a:t>Zalo</a:t>
+                      </a:r>
+                      <a:r>
+                        <a:rPr lang="en-US" dirty="0"/>
+                        <a:t> and </a:t>
+                      </a:r>
+                      <a:r>
+                        <a:rPr lang="en-US" dirty="0" err="1"/>
+                        <a:t>facebook</a:t>
+                      </a:r>
+                      <a:endParaRPr lang="en-US" dirty="0">
+                        <a:solidFill>
+                          <a:schemeClr val="bg1"/>
+                        </a:solidFill>
+                      </a:endParaRPr>
+                    </a:p>
+                  </a:txBody>
+                  <a:tcPr anchor="ctr"/>
                 </a:tc>
                 <a:extLst>
                   <a:ext uri="{0D108BD9-81ED-4DB2-BD59-A6C34878D82A}">
@@ -22838,7 +25684,7 @@
                     <a:bodyPr/>
                     <a:lstStyle/>
                     <a:p>
-                      <a:pPr marL="0" marR="0" lvl="0" indent="0" algn="l" defTabSz="914400" rtl="0" eaLnBrk="1" fontAlgn="auto" latinLnBrk="0" hangingPunct="1">
+                      <a:pPr marL="0" marR="0" lvl="0" indent="0" algn="ctr" defTabSz="914400" rtl="0" eaLnBrk="1" fontAlgn="auto" latinLnBrk="0" hangingPunct="1">
                         <a:lnSpc>
                           <a:spcPct val="100000"/>
                         </a:lnSpc>
@@ -22866,14 +25712,14 @@
                       </a:endParaRPr>
                     </a:p>
                   </a:txBody>
-                  <a:tcPr/>
+                  <a:tcPr anchor="ctr"/>
                 </a:tc>
                 <a:tc>
                   <a:txBody>
                     <a:bodyPr/>
                     <a:lstStyle/>
                     <a:p>
-                      <a:pPr marL="0" marR="0" lvl="0" indent="0" algn="l" defTabSz="914400" rtl="0" eaLnBrk="1" fontAlgn="auto" latinLnBrk="0" hangingPunct="1">
+                      <a:pPr marL="0" marR="0" lvl="0" indent="0" algn="ctr" defTabSz="914400" rtl="0" eaLnBrk="1" fontAlgn="auto" latinLnBrk="0" hangingPunct="1">
                         <a:lnSpc>
                           <a:spcPct val="100000"/>
                         </a:lnSpc>
@@ -22905,14 +25751,14 @@
                       </a:endParaRPr>
                     </a:p>
                   </a:txBody>
-                  <a:tcPr/>
+                  <a:tcPr anchor="ctr"/>
                 </a:tc>
                 <a:tc>
                   <a:txBody>
                     <a:bodyPr/>
                     <a:lstStyle/>
                     <a:p>
-                      <a:pPr marL="0" marR="0" lvl="0" indent="0" algn="l" defTabSz="914400" rtl="0" eaLnBrk="1" fontAlgn="auto" latinLnBrk="0" hangingPunct="1">
+                      <a:pPr marL="0" marR="0" lvl="0" indent="0" algn="ctr" defTabSz="914400" rtl="0" eaLnBrk="1" fontAlgn="auto" latinLnBrk="0" hangingPunct="1">
                         <a:lnSpc>
                           <a:spcPct val="100000"/>
                         </a:lnSpc>
@@ -22944,51 +25790,14 @@
                       </a:endParaRPr>
                     </a:p>
                   </a:txBody>
-                  <a:tcPr/>
-                </a:tc>
-                <a:extLst>
-                  <a:ext uri="{0D108BD9-81ED-4DB2-BD59-A6C34878D82A}">
-                    <a16:rowId xmlns:a16="http://schemas.microsoft.com/office/drawing/2014/main" val="180472503"/>
-                  </a:ext>
-                </a:extLst>
-              </a:tr>
-              <a:tr h="886619">
-                <a:tc>
-                  <a:txBody>
-                    <a:bodyPr/>
-                    <a:lstStyle/>
-                    <a:p>
-                      <a:endParaRPr lang="en-US" dirty="0"/>
-                    </a:p>
-                  </a:txBody>
-                  <a:tcPr/>
+                  <a:tcPr anchor="ctr"/>
                 </a:tc>
                 <a:tc>
                   <a:txBody>
                     <a:bodyPr/>
                     <a:lstStyle/>
                     <a:p>
-                      <a:endParaRPr lang="en-US"/>
-                    </a:p>
-                  </a:txBody>
-                  <a:tcPr/>
-                </a:tc>
-                <a:tc>
-                  <a:txBody>
-                    <a:bodyPr/>
-                    <a:lstStyle/>
-                    <a:p>
-                      <a:endParaRPr lang="en-US" dirty="0"/>
-                    </a:p>
-                  </a:txBody>
-                  <a:tcPr/>
-                </a:tc>
-                <a:tc>
-                  <a:txBody>
-                    <a:bodyPr/>
-                    <a:lstStyle/>
-                    <a:p>
-                      <a:pPr marL="0" marR="0" lvl="0" indent="0" algn="l" defTabSz="914400" rtl="0" eaLnBrk="1" fontAlgn="auto" latinLnBrk="0" hangingPunct="1">
+                      <a:pPr marL="0" marR="0" lvl="0" indent="0" algn="ctr" defTabSz="914400" rtl="0" eaLnBrk="1" fontAlgn="auto" latinLnBrk="0" hangingPunct="1">
                         <a:lnSpc>
                           <a:spcPct val="100000"/>
                         </a:lnSpc>
@@ -23005,22 +25814,6 @@
                         <a:tabLst/>
                         <a:defRPr/>
                       </a:pPr>
-                      <a:r>
-                        <a:rPr lang="en-US" dirty="0"/>
-                        <a:t>Communication: </a:t>
-                      </a:r>
-                      <a:r>
-                        <a:rPr lang="en-US" dirty="0" err="1"/>
-                        <a:t>zalo</a:t>
-                      </a:r>
-                      <a:r>
-                        <a:rPr lang="en-US" dirty="0"/>
-                        <a:t> and </a:t>
-                      </a:r>
-                      <a:r>
-                        <a:rPr lang="en-US" dirty="0" err="1"/>
-                        <a:t>facebook</a:t>
-                      </a:r>
                       <a:endParaRPr lang="en-US" dirty="0">
                         <a:solidFill>
                           <a:schemeClr val="bg1"/>
@@ -23028,11 +25821,11 @@
                       </a:endParaRPr>
                     </a:p>
                   </a:txBody>
-                  <a:tcPr/>
+                  <a:tcPr anchor="ctr"/>
                 </a:tc>
                 <a:extLst>
                   <a:ext uri="{0D108BD9-81ED-4DB2-BD59-A6C34878D82A}">
-                    <a16:rowId xmlns:a16="http://schemas.microsoft.com/office/drawing/2014/main" val="1120378682"/>
+                    <a16:rowId xmlns:a16="http://schemas.microsoft.com/office/drawing/2014/main" val="180472503"/>
                   </a:ext>
                 </a:extLst>
               </a:tr>
@@ -23293,32 +26086,6 @@
       </p:grpSpPr>
       <p:sp>
         <p:nvSpPr>
-          <p:cNvPr id="2" name="Content Placeholder 1"/>
-          <p:cNvSpPr>
-            <a:spLocks noGrp="1"/>
-          </p:cNvSpPr>
-          <p:nvPr>
-            <p:ph idx="1"/>
-          </p:nvPr>
-        </p:nvSpPr>
-        <p:spPr/>
-        <p:txBody>
-          <a:bodyPr/>
-          <a:lstStyle/>
-          <a:p>
-            <a:r>
-              <a:rPr lang="en-US" b="1" dirty="0">
-                <a:solidFill>
-                  <a:schemeClr val="tx1"/>
-                </a:solidFill>
-              </a:rPr>
-              <a:t>Technical constraints</a:t>
-            </a:r>
-          </a:p>
-        </p:txBody>
-      </p:sp>
-      <p:sp>
-        <p:nvSpPr>
           <p:cNvPr id="3" name="Title 2"/>
           <p:cNvSpPr>
             <a:spLocks noGrp="1"/>
@@ -23333,14 +26100,10 @@
           <a:lstStyle/>
           <a:p>
             <a:r>
-              <a:rPr lang="en-US" dirty="0"/>
-              <a:t> 2. </a:t>
+              <a:rPr lang="en-US" altLang="ko-KR" b="1" dirty="0"/>
+              <a:t>3. Monitoring &amp; control</a:t>
             </a:r>
-            <a:r>
-              <a:rPr lang="en-US" altLang="ko-KR" b="1" dirty="0"/>
-              <a:t>Project overview</a:t>
-            </a:r>
-            <a:endParaRPr lang="en-US" dirty="0"/>
+            <a:endParaRPr lang="ko-KR" altLang="en-US" b="1" dirty="0"/>
           </a:p>
         </p:txBody>
       </p:sp>
@@ -23466,83 +26229,99 @@
           </a:lstStyle>
           <a:p>
             <a:fld id="{301E5F09-0F4C-0243-9596-FED7D03FE3DA}" type="slidenum">
-              <a:rPr lang="en-US" smtClean="0">
-                <a:latin typeface="Arial" panose="020B0604020202020204" pitchFamily="34" charset="0"/>
-                <a:cs typeface="Arial" panose="020B0604020202020204" pitchFamily="34" charset="0"/>
-              </a:rPr>
+              <a:rPr lang="en-US" smtClean="0"/>
               <a:pPr/>
               <a:t>9</a:t>
             </a:fld>
-            <a:endParaRPr lang="en-US" dirty="0">
-              <a:latin typeface="Arial" panose="020B0604020202020204" pitchFamily="34" charset="0"/>
-              <a:cs typeface="Arial" panose="020B0604020202020204" pitchFamily="34" charset="0"/>
-            </a:endParaRPr>
+            <a:endParaRPr lang="en-US" dirty="0"/>
           </a:p>
         </p:txBody>
       </p:sp>
+      <p:pic>
+        <p:nvPicPr>
+          <p:cNvPr id="8" name="Hình ảnh 3">
+            <a:extLst>
+              <a:ext uri="{FF2B5EF4-FFF2-40B4-BE49-F238E27FC236}">
+                <a16:creationId xmlns:a16="http://schemas.microsoft.com/office/drawing/2014/main" id="{94907D5C-B41C-D844-8AE1-EC84177D6EE7}"/>
+              </a:ext>
+            </a:extLst>
+          </p:cNvPr>
+          <p:cNvPicPr>
+            <a:picLocks noGrp="1" noChangeAspect="1"/>
+          </p:cNvPicPr>
+          <p:nvPr>
+            <p:ph idx="10"/>
+          </p:nvPr>
+        </p:nvPicPr>
+        <p:blipFill>
+          <a:blip r:embed="rId3"/>
+          <a:stretch>
+            <a:fillRect/>
+          </a:stretch>
+        </p:blipFill>
+        <p:spPr>
+          <a:xfrm>
+            <a:off x="733423" y="2452482"/>
+            <a:ext cx="5078713" cy="3716235"/>
+          </a:xfrm>
+          <a:prstGeom prst="rect">
+            <a:avLst/>
+          </a:prstGeom>
+        </p:spPr>
+      </p:pic>
       <p:graphicFrame>
         <p:nvGraphicFramePr>
-          <p:cNvPr id="13" name="Content Placeholder 12">
+          <p:cNvPr id="10" name="Content Placeholder 7">
             <a:extLst>
               <a:ext uri="{FF2B5EF4-FFF2-40B4-BE49-F238E27FC236}">
-                <a16:creationId xmlns:a16="http://schemas.microsoft.com/office/drawing/2014/main" id="{D7D22FCF-514F-934A-9539-758445999E22}"/>
+                <a16:creationId xmlns:a16="http://schemas.microsoft.com/office/drawing/2014/main" id="{5211A43B-A6E4-994A-8A4C-B19BA04D61CC}"/>
               </a:ext>
             </a:extLst>
           </p:cNvPr>
           <p:cNvGraphicFramePr>
-            <a:graphicFrameLocks noGrp="1"/>
+            <a:graphicFrameLocks/>
           </p:cNvGraphicFramePr>
           <p:nvPr>
-            <p:ph idx="10"/>
+            <p:extLst>
+              <p:ext uri="{D42A27DB-BD31-4B8C-83A1-F6EECF244321}">
+                <p14:modId xmlns:p14="http://schemas.microsoft.com/office/powerpoint/2010/main" val="2500483671"/>
+              </p:ext>
+            </p:extLst>
           </p:nvPr>
         </p:nvGraphicFramePr>
         <p:xfrm>
-          <a:off x="541338" y="2411412"/>
-          <a:ext cx="11328400" cy="3546476"/>
+          <a:off x="6379863" y="2452482"/>
+          <a:ext cx="5078712" cy="3692628"/>
         </p:xfrm>
         <a:graphic>
           <a:graphicData uri="http://schemas.openxmlformats.org/drawingml/2006/table">
             <a:tbl>
-              <a:tblPr firstRow="1" bandRow="1">
+              <a:tblPr firstCol="1" bandRow="1">
                 <a:tableStyleId>{F5AB1C69-6EDB-4FF4-983F-18BD219EF322}</a:tableStyleId>
               </a:tblPr>
               <a:tblGrid>
-                <a:gridCol w="2832100">
+                <a:gridCol w="4292900">
                   <a:extLst>
                     <a:ext uri="{9D8B030D-6E8A-4147-A177-3AD203B41FA5}">
-                      <a16:colId xmlns:a16="http://schemas.microsoft.com/office/drawing/2014/main" val="1274283496"/>
+                      <a16:colId xmlns:a16="http://schemas.microsoft.com/office/drawing/2014/main" val="4063729469"/>
                     </a:ext>
                   </a:extLst>
                 </a:gridCol>
-                <a:gridCol w="2832100">
+                <a:gridCol w="785812">
                   <a:extLst>
                     <a:ext uri="{9D8B030D-6E8A-4147-A177-3AD203B41FA5}">
-                      <a16:colId xmlns:a16="http://schemas.microsoft.com/office/drawing/2014/main" val="3439064627"/>
-                    </a:ext>
-                  </a:extLst>
-                </a:gridCol>
-                <a:gridCol w="2832100">
-                  <a:extLst>
-                    <a:ext uri="{9D8B030D-6E8A-4147-A177-3AD203B41FA5}">
-                      <a16:colId xmlns:a16="http://schemas.microsoft.com/office/drawing/2014/main" val="1437952448"/>
-                    </a:ext>
-                  </a:extLst>
-                </a:gridCol>
-                <a:gridCol w="2832100">
-                  <a:extLst>
-                    <a:ext uri="{9D8B030D-6E8A-4147-A177-3AD203B41FA5}">
-                      <a16:colId xmlns:a16="http://schemas.microsoft.com/office/drawing/2014/main" val="1460829263"/>
+                      <a16:colId xmlns:a16="http://schemas.microsoft.com/office/drawing/2014/main" val="2222757179"/>
                     </a:ext>
                   </a:extLst>
                 </a:gridCol>
               </a:tblGrid>
-              <a:tr h="886619">
+              <a:tr h="1230876">
                 <a:tc>
                   <a:txBody>
                     <a:bodyPr/>
                     <a:lstStyle/>
                     <a:p>
-                      <a:pPr marL="0" marR="0" lvl="0" indent="0" algn="l" defTabSz="914400" rtl="0" eaLnBrk="1" fontAlgn="auto" latinLnBrk="0" hangingPunct="1">
+                      <a:pPr marL="0" marR="0" lvl="0" indent="0" algn="ctr" defTabSz="914400" rtl="0" eaLnBrk="1" fontAlgn="auto" latinLnBrk="0" hangingPunct="1">
                         <a:lnSpc>
                           <a:spcPct val="100000"/>
                         </a:lnSpc>
@@ -23560,24 +26339,44 @@
                         <a:defRPr/>
                       </a:pPr>
                       <a:r>
-                        <a:rPr lang="en-US" sz="2000" dirty="0"/>
-                        <a:t>System:</a:t>
-                      </a:r>
-                      <a:endParaRPr lang="en-US" sz="2000" dirty="0">
-                        <a:solidFill>
-                          <a:schemeClr val="bg1"/>
-                        </a:solidFill>
+                        <a:rPr lang="en-US" dirty="0"/>
+                        <a:t>Total work for module 1</a:t>
+                      </a:r>
+                      <a:endParaRPr lang="en-US" dirty="0">
+                        <a:latin typeface="Arial" panose="020B0604020202020204" pitchFamily="34" charset="0"/>
+                        <a:cs typeface="Arial" panose="020B0604020202020204" pitchFamily="34" charset="0"/>
                       </a:endParaRPr>
                     </a:p>
                   </a:txBody>
-                  <a:tcPr/>
+                  <a:tcPr anchor="ctr"/>
                 </a:tc>
                 <a:tc>
                   <a:txBody>
                     <a:bodyPr/>
                     <a:lstStyle/>
                     <a:p>
-                      <a:pPr marL="0" marR="0" lvl="0" indent="0" algn="l" defTabSz="914400" rtl="0" eaLnBrk="1" fontAlgn="auto" latinLnBrk="0" hangingPunct="1">
+                      <a:pPr algn="ctr"/>
+                      <a:r>
+                        <a:rPr lang="en-US" dirty="0"/>
+                        <a:t>58</a:t>
+                      </a:r>
+                    </a:p>
+                  </a:txBody>
+                  <a:tcPr anchor="ctr"/>
+                </a:tc>
+                <a:extLst>
+                  <a:ext uri="{0D108BD9-81ED-4DB2-BD59-A6C34878D82A}">
+                    <a16:rowId xmlns:a16="http://schemas.microsoft.com/office/drawing/2014/main" val="2434405490"/>
+                  </a:ext>
+                </a:extLst>
+              </a:tr>
+              <a:tr h="1230876">
+                <a:tc>
+                  <a:txBody>
+                    <a:bodyPr/>
+                    <a:lstStyle/>
+                    <a:p>
+                      <a:pPr marL="0" marR="0" lvl="0" indent="0" algn="ctr" defTabSz="914400" rtl="0" eaLnBrk="1" fontAlgn="auto" latinLnBrk="0" hangingPunct="1">
                         <a:lnSpc>
                           <a:spcPct val="100000"/>
                         </a:lnSpc>
@@ -23595,24 +26394,44 @@
                         <a:defRPr/>
                       </a:pPr>
                       <a:r>
-                        <a:rPr lang="en-US" sz="2000"/>
-                        <a:t>Programming language App:</a:t>
-                      </a:r>
-                      <a:endParaRPr lang="en-US" sz="2000" dirty="0">
-                        <a:solidFill>
-                          <a:schemeClr val="bg1"/>
-                        </a:solidFill>
+                        <a:rPr lang="en-US" dirty="0"/>
+                        <a:t>Total work for module 2</a:t>
+                      </a:r>
+                      <a:endParaRPr lang="en-US" dirty="0">
+                        <a:latin typeface="Arial" panose="020B0604020202020204" pitchFamily="34" charset="0"/>
+                        <a:cs typeface="Arial" panose="020B0604020202020204" pitchFamily="34" charset="0"/>
                       </a:endParaRPr>
                     </a:p>
                   </a:txBody>
-                  <a:tcPr/>
+                  <a:tcPr anchor="ctr"/>
                 </a:tc>
                 <a:tc>
                   <a:txBody>
                     <a:bodyPr/>
                     <a:lstStyle/>
                     <a:p>
-                      <a:pPr marL="0" marR="0" lvl="0" indent="0" algn="l" defTabSz="914400" rtl="0" eaLnBrk="1" fontAlgn="auto" latinLnBrk="0" hangingPunct="1">
+                      <a:pPr algn="ctr"/>
+                      <a:r>
+                        <a:rPr lang="en-US" dirty="0"/>
+                        <a:t>28</a:t>
+                      </a:r>
+                    </a:p>
+                  </a:txBody>
+                  <a:tcPr anchor="ctr"/>
+                </a:tc>
+                <a:extLst>
+                  <a:ext uri="{0D108BD9-81ED-4DB2-BD59-A6C34878D82A}">
+                    <a16:rowId xmlns:a16="http://schemas.microsoft.com/office/drawing/2014/main" val="1417234166"/>
+                  </a:ext>
+                </a:extLst>
+              </a:tr>
+              <a:tr h="1230876">
+                <a:tc>
+                  <a:txBody>
+                    <a:bodyPr/>
+                    <a:lstStyle/>
+                    <a:p>
+                      <a:pPr marL="0" marR="0" lvl="0" indent="0" algn="ctr" defTabSz="914400" rtl="0" eaLnBrk="1" fontAlgn="auto" latinLnBrk="0" hangingPunct="1">
                         <a:lnSpc>
                           <a:spcPct val="100000"/>
                         </a:lnSpc>
@@ -23630,474 +26449,34 @@
                         <a:defRPr/>
                       </a:pPr>
                       <a:r>
-                        <a:rPr lang="en-US" sz="2000"/>
-                        <a:t>Programming language Website:</a:t>
-                      </a:r>
-                      <a:endParaRPr lang="en-US" sz="2000" dirty="0">
-                        <a:solidFill>
-                          <a:schemeClr val="bg1"/>
-                        </a:solidFill>
+                        <a:rPr lang="en-US" dirty="0"/>
+                        <a:t>Total work for module 3</a:t>
+                      </a:r>
+                      <a:endParaRPr lang="en-US" dirty="0">
+                        <a:latin typeface="Arial" panose="020B0604020202020204" pitchFamily="34" charset="0"/>
+                        <a:cs typeface="Arial" panose="020B0604020202020204" pitchFamily="34" charset="0"/>
                       </a:endParaRPr>
                     </a:p>
                   </a:txBody>
-                  <a:tcPr/>
+                  <a:tcPr anchor="ctr"/>
                 </a:tc>
                 <a:tc>
                   <a:txBody>
                     <a:bodyPr/>
                     <a:lstStyle/>
                     <a:p>
-                      <a:pPr marL="0" marR="0" lvl="0" indent="0" algn="l" defTabSz="914400" rtl="0" eaLnBrk="1" fontAlgn="auto" latinLnBrk="0" hangingPunct="1">
-                        <a:lnSpc>
-                          <a:spcPct val="100000"/>
-                        </a:lnSpc>
-                        <a:spcBef>
-                          <a:spcPts val="0"/>
-                        </a:spcBef>
-                        <a:spcAft>
-                          <a:spcPts val="0"/>
-                        </a:spcAft>
-                        <a:buClrTx/>
-                        <a:buSzTx/>
-                        <a:buFontTx/>
-                        <a:buNone/>
-                        <a:tabLst/>
-                        <a:defRPr/>
-                      </a:pPr>
-                      <a:r>
-                        <a:rPr lang="en-US" sz="2000" dirty="0"/>
-                        <a:t>Database:</a:t>
-                      </a:r>
-                      <a:endParaRPr lang="en-US" sz="2000" dirty="0">
-                        <a:solidFill>
-                          <a:schemeClr val="bg1"/>
-                        </a:solidFill>
-                      </a:endParaRPr>
+                      <a:pPr algn="ctr"/>
+                      <a:r>
+                        <a:rPr lang="en-US" dirty="0"/>
+                        <a:t>79</a:t>
+                      </a:r>
                     </a:p>
                   </a:txBody>
-                  <a:tcPr/>
+                  <a:tcPr anchor="ctr"/>
                 </a:tc>
                 <a:extLst>
                   <a:ext uri="{0D108BD9-81ED-4DB2-BD59-A6C34878D82A}">
-                    <a16:rowId xmlns:a16="http://schemas.microsoft.com/office/drawing/2014/main" val="2945325407"/>
-                  </a:ext>
-                </a:extLst>
-              </a:tr>
-              <a:tr h="886619">
-                <a:tc>
-                  <a:txBody>
-                    <a:bodyPr/>
-                    <a:lstStyle/>
-                    <a:p>
-                      <a:pPr marL="0" marR="0" lvl="0" indent="0" algn="l" defTabSz="914400" rtl="0" eaLnBrk="1" fontAlgn="auto" latinLnBrk="0" hangingPunct="1">
-                        <a:lnSpc>
-                          <a:spcPct val="100000"/>
-                        </a:lnSpc>
-                        <a:spcBef>
-                          <a:spcPts val="0"/>
-                        </a:spcBef>
-                        <a:spcAft>
-                          <a:spcPts val="0"/>
-                        </a:spcAft>
-                        <a:buClrTx/>
-                        <a:buSzTx/>
-                        <a:buFontTx/>
-                        <a:buNone/>
-                        <a:tabLst/>
-                        <a:defRPr/>
-                      </a:pPr>
-                      <a:r>
-                        <a:rPr lang="en-US" dirty="0"/>
-                        <a:t>Website (browser: Firefox, Chrome, </a:t>
-                      </a:r>
-                      <a:r>
-                        <a:rPr lang="en-US" dirty="0" err="1"/>
-                        <a:t>Cốc</a:t>
-                      </a:r>
-                      <a:r>
-                        <a:rPr lang="en-US" dirty="0"/>
-                        <a:t> </a:t>
-                      </a:r>
-                      <a:r>
-                        <a:rPr lang="en-US" dirty="0" err="1"/>
-                        <a:t>cốc</a:t>
-                      </a:r>
-                      <a:r>
-                        <a:rPr lang="en-US" dirty="0"/>
-                        <a:t>,..)</a:t>
-                      </a:r>
-                      <a:endParaRPr lang="en-US" dirty="0">
-                        <a:solidFill>
-                          <a:schemeClr val="bg1"/>
-                        </a:solidFill>
-                      </a:endParaRPr>
-                    </a:p>
-                  </a:txBody>
-                  <a:tcPr/>
-                </a:tc>
-                <a:tc>
-                  <a:txBody>
-                    <a:bodyPr/>
-                    <a:lstStyle/>
-                    <a:p>
-                      <a:pPr marL="0" marR="0" lvl="0" indent="0" algn="l" defTabSz="914400" rtl="0" eaLnBrk="1" fontAlgn="auto" latinLnBrk="0" hangingPunct="1">
-                        <a:lnSpc>
-                          <a:spcPct val="100000"/>
-                        </a:lnSpc>
-                        <a:spcBef>
-                          <a:spcPts val="0"/>
-                        </a:spcBef>
-                        <a:spcAft>
-                          <a:spcPts val="0"/>
-                        </a:spcAft>
-                        <a:buClrTx/>
-                        <a:buSzTx/>
-                        <a:buFontTx/>
-                        <a:buNone/>
-                        <a:tabLst/>
-                        <a:defRPr/>
-                      </a:pPr>
-                      <a:r>
-                        <a:rPr lang="en-US" dirty="0"/>
-                        <a:t>Code: </a:t>
-                      </a:r>
-                      <a:r>
-                        <a:rPr lang="en-US" dirty="0" err="1"/>
-                        <a:t>Javascript</a:t>
-                      </a:r>
-                      <a:endParaRPr lang="en-US" dirty="0">
-                        <a:solidFill>
-                          <a:schemeClr val="bg1"/>
-                        </a:solidFill>
-                      </a:endParaRPr>
-                    </a:p>
-                  </a:txBody>
-                  <a:tcPr/>
-                </a:tc>
-                <a:tc>
-                  <a:txBody>
-                    <a:bodyPr/>
-                    <a:lstStyle/>
-                    <a:p>
-                      <a:pPr marL="0" marR="0" lvl="0" indent="0" algn="l" defTabSz="914400" rtl="0" eaLnBrk="1" fontAlgn="auto" latinLnBrk="0" hangingPunct="1">
-                        <a:lnSpc>
-                          <a:spcPct val="100000"/>
-                        </a:lnSpc>
-                        <a:spcBef>
-                          <a:spcPts val="0"/>
-                        </a:spcBef>
-                        <a:spcAft>
-                          <a:spcPts val="0"/>
-                        </a:spcAft>
-                        <a:buClrTx/>
-                        <a:buSzTx/>
-                        <a:buFontTx/>
-                        <a:buNone/>
-                        <a:tabLst/>
-                        <a:defRPr/>
-                      </a:pPr>
-                      <a:r>
-                        <a:rPr lang="en-US" dirty="0"/>
-                        <a:t>Code: </a:t>
-                      </a:r>
-                      <a:r>
-                        <a:rPr lang="en-US" dirty="0" err="1"/>
-                        <a:t>javascript</a:t>
-                      </a:r>
-                      <a:endParaRPr lang="en-US" dirty="0">
-                        <a:solidFill>
-                          <a:schemeClr val="bg1"/>
-                        </a:solidFill>
-                      </a:endParaRPr>
-                    </a:p>
-                  </a:txBody>
-                  <a:tcPr/>
-                </a:tc>
-                <a:tc>
-                  <a:txBody>
-                    <a:bodyPr/>
-                    <a:lstStyle/>
-                    <a:p>
-                      <a:pPr marL="0" marR="0" lvl="0" indent="0" algn="l" defTabSz="914400" rtl="0" eaLnBrk="1" fontAlgn="auto" latinLnBrk="0" hangingPunct="1">
-                        <a:lnSpc>
-                          <a:spcPct val="100000"/>
-                        </a:lnSpc>
-                        <a:spcBef>
-                          <a:spcPts val="0"/>
-                        </a:spcBef>
-                        <a:spcAft>
-                          <a:spcPts val="0"/>
-                        </a:spcAft>
-                        <a:buClrTx/>
-                        <a:buSzTx/>
-                        <a:buFontTx/>
-                        <a:buNone/>
-                        <a:tabLst/>
-                        <a:defRPr/>
-                      </a:pPr>
-                      <a:r>
-                        <a:rPr lang="en-US" dirty="0"/>
-                        <a:t>Database: Firebase</a:t>
-                      </a:r>
-                      <a:endParaRPr lang="en-US" dirty="0">
-                        <a:solidFill>
-                          <a:schemeClr val="bg1"/>
-                        </a:solidFill>
-                      </a:endParaRPr>
-                    </a:p>
-                  </a:txBody>
-                  <a:tcPr/>
-                </a:tc>
-                <a:extLst>
-                  <a:ext uri="{0D108BD9-81ED-4DB2-BD59-A6C34878D82A}">
-                    <a16:rowId xmlns:a16="http://schemas.microsoft.com/office/drawing/2014/main" val="699235466"/>
-                  </a:ext>
-                </a:extLst>
-              </a:tr>
-              <a:tr h="886619">
-                <a:tc>
-                  <a:txBody>
-                    <a:bodyPr/>
-                    <a:lstStyle/>
-                    <a:p>
-                      <a:pPr marL="0" marR="0" lvl="0" indent="0" algn="l" defTabSz="914400" rtl="0" eaLnBrk="1" fontAlgn="auto" latinLnBrk="0" hangingPunct="1">
-                        <a:lnSpc>
-                          <a:spcPct val="100000"/>
-                        </a:lnSpc>
-                        <a:spcBef>
-                          <a:spcPts val="0"/>
-                        </a:spcBef>
-                        <a:spcAft>
-                          <a:spcPts val="0"/>
-                        </a:spcAft>
-                        <a:buClrTx/>
-                        <a:buSzTx/>
-                        <a:buFontTx/>
-                        <a:buNone/>
-                        <a:tabLst/>
-                        <a:defRPr/>
-                      </a:pPr>
-                      <a:r>
-                        <a:rPr lang="en-US" dirty="0"/>
-                        <a:t>App (platform: </a:t>
-                      </a:r>
-                      <a:r>
-                        <a:rPr lang="en-US" dirty="0" err="1"/>
-                        <a:t>Ios</a:t>
-                      </a:r>
-                      <a:r>
-                        <a:rPr lang="en-US" dirty="0"/>
-                        <a:t> &amp; Android).</a:t>
-                      </a:r>
-                      <a:endParaRPr lang="en-US" dirty="0">
-                        <a:solidFill>
-                          <a:schemeClr val="bg1"/>
-                        </a:solidFill>
-                      </a:endParaRPr>
-                    </a:p>
-                  </a:txBody>
-                  <a:tcPr/>
-                </a:tc>
-                <a:tc>
-                  <a:txBody>
-                    <a:bodyPr/>
-                    <a:lstStyle/>
-                    <a:p>
-                      <a:pPr marL="0" marR="0" lvl="0" indent="0" algn="l" defTabSz="914400" rtl="0" eaLnBrk="1" fontAlgn="auto" latinLnBrk="0" hangingPunct="1">
-                        <a:lnSpc>
-                          <a:spcPct val="100000"/>
-                        </a:lnSpc>
-                        <a:spcBef>
-                          <a:spcPts val="0"/>
-                        </a:spcBef>
-                        <a:spcAft>
-                          <a:spcPts val="0"/>
-                        </a:spcAft>
-                        <a:buClrTx/>
-                        <a:buSzTx/>
-                        <a:buFontTx/>
-                        <a:buNone/>
-                        <a:tabLst/>
-                        <a:defRPr/>
-                      </a:pPr>
-                      <a:r>
-                        <a:rPr lang="en-US" dirty="0"/>
-                        <a:t>Framework: React native</a:t>
-                      </a:r>
-                      <a:endParaRPr lang="en-US" dirty="0">
-                        <a:solidFill>
-                          <a:schemeClr val="bg1"/>
-                        </a:solidFill>
-                      </a:endParaRPr>
-                    </a:p>
-                  </a:txBody>
-                  <a:tcPr/>
-                </a:tc>
-                <a:tc>
-                  <a:txBody>
-                    <a:bodyPr/>
-                    <a:lstStyle/>
-                    <a:p>
-                      <a:pPr marL="0" marR="0" lvl="0" indent="0" algn="l" defTabSz="914400" rtl="0" eaLnBrk="1" fontAlgn="auto" latinLnBrk="0" hangingPunct="1">
-                        <a:lnSpc>
-                          <a:spcPct val="100000"/>
-                        </a:lnSpc>
-                        <a:spcBef>
-                          <a:spcPts val="0"/>
-                        </a:spcBef>
-                        <a:spcAft>
-                          <a:spcPts val="0"/>
-                        </a:spcAft>
-                        <a:buClrTx/>
-                        <a:buSzTx/>
-                        <a:buFontTx/>
-                        <a:buNone/>
-                        <a:tabLst/>
-                        <a:defRPr/>
-                      </a:pPr>
-                      <a:r>
-                        <a:rPr lang="en-US" dirty="0"/>
-                        <a:t>Framework: </a:t>
-                      </a:r>
-                      <a:r>
-                        <a:rPr lang="en-US" dirty="0" err="1"/>
-                        <a:t>Vuejs</a:t>
-                      </a:r>
-                      <a:endParaRPr lang="en-US" dirty="0">
-                        <a:solidFill>
-                          <a:schemeClr val="bg1"/>
-                        </a:solidFill>
-                      </a:endParaRPr>
-                    </a:p>
-                  </a:txBody>
-                  <a:tcPr/>
-                </a:tc>
-                <a:tc>
-                  <a:txBody>
-                    <a:bodyPr/>
-                    <a:lstStyle/>
-                    <a:p>
-                      <a:pPr marL="0" marR="0" lvl="0" indent="0" algn="l" defTabSz="914400" rtl="0" eaLnBrk="1" fontAlgn="auto" latinLnBrk="0" hangingPunct="1">
-                        <a:lnSpc>
-                          <a:spcPct val="100000"/>
-                        </a:lnSpc>
-                        <a:spcBef>
-                          <a:spcPts val="0"/>
-                        </a:spcBef>
-                        <a:spcAft>
-                          <a:spcPts val="0"/>
-                        </a:spcAft>
-                        <a:buClrTx/>
-                        <a:buSzTx/>
-                        <a:buFontTx/>
-                        <a:buNone/>
-                        <a:tabLst/>
-                        <a:defRPr/>
-                      </a:pPr>
-                      <a:r>
-                        <a:rPr lang="en-US" dirty="0"/>
-                        <a:t>Document: </a:t>
-                      </a:r>
-                      <a:r>
-                        <a:rPr lang="en-US" dirty="0" err="1"/>
-                        <a:t>github</a:t>
-                      </a:r>
-                      <a:endParaRPr lang="en-US" dirty="0">
-                        <a:solidFill>
-                          <a:schemeClr val="bg1"/>
-                        </a:solidFill>
-                      </a:endParaRPr>
-                    </a:p>
-                  </a:txBody>
-                  <a:tcPr/>
-                </a:tc>
-                <a:extLst>
-                  <a:ext uri="{0D108BD9-81ED-4DB2-BD59-A6C34878D82A}">
-                    <a16:rowId xmlns:a16="http://schemas.microsoft.com/office/drawing/2014/main" val="180472503"/>
-                  </a:ext>
-                </a:extLst>
-              </a:tr>
-              <a:tr h="886619">
-                <a:tc>
-                  <a:txBody>
-                    <a:bodyPr/>
-                    <a:lstStyle/>
-                    <a:p>
-                      <a:endParaRPr lang="en-US" dirty="0"/>
-                    </a:p>
-                  </a:txBody>
-                  <a:tcPr/>
-                </a:tc>
-                <a:tc>
-                  <a:txBody>
-                    <a:bodyPr/>
-                    <a:lstStyle/>
-                    <a:p>
-                      <a:endParaRPr lang="en-US"/>
-                    </a:p>
-                  </a:txBody>
-                  <a:tcPr/>
-                </a:tc>
-                <a:tc>
-                  <a:txBody>
-                    <a:bodyPr/>
-                    <a:lstStyle/>
-                    <a:p>
-                      <a:endParaRPr lang="en-US" dirty="0"/>
-                    </a:p>
-                  </a:txBody>
-                  <a:tcPr/>
-                </a:tc>
-                <a:tc>
-                  <a:txBody>
-                    <a:bodyPr/>
-                    <a:lstStyle/>
-                    <a:p>
-                      <a:pPr marL="0" marR="0" lvl="0" indent="0" algn="l" defTabSz="914400" rtl="0" eaLnBrk="1" fontAlgn="auto" latinLnBrk="0" hangingPunct="1">
-                        <a:lnSpc>
-                          <a:spcPct val="100000"/>
-                        </a:lnSpc>
-                        <a:spcBef>
-                          <a:spcPts val="0"/>
-                        </a:spcBef>
-                        <a:spcAft>
-                          <a:spcPts val="0"/>
-                        </a:spcAft>
-                        <a:buClrTx/>
-                        <a:buSzTx/>
-                        <a:buFontTx/>
-                        <a:buNone/>
-                        <a:tabLst/>
-                        <a:defRPr/>
-                      </a:pPr>
-                      <a:r>
-                        <a:rPr lang="en-US" dirty="0"/>
-                        <a:t>Communication: </a:t>
-                      </a:r>
-                      <a:r>
-                        <a:rPr lang="en-US" dirty="0" err="1"/>
-                        <a:t>zalo</a:t>
-                      </a:r>
-                      <a:r>
-                        <a:rPr lang="en-US" dirty="0"/>
-                        <a:t> and </a:t>
-                      </a:r>
-                      <a:r>
-                        <a:rPr lang="en-US" dirty="0" err="1"/>
-                        <a:t>facebook</a:t>
-                      </a:r>
-                      <a:endParaRPr lang="en-US" dirty="0">
-                        <a:solidFill>
-                          <a:schemeClr val="bg1"/>
-                        </a:solidFill>
-                      </a:endParaRPr>
-                    </a:p>
-                  </a:txBody>
-                  <a:tcPr/>
-                </a:tc>
-                <a:extLst>
-                  <a:ext uri="{0D108BD9-81ED-4DB2-BD59-A6C34878D82A}">
-                    <a16:rowId xmlns:a16="http://schemas.microsoft.com/office/drawing/2014/main" val="1120378682"/>
+                    <a16:rowId xmlns:a16="http://schemas.microsoft.com/office/drawing/2014/main" val="2511634183"/>
                   </a:ext>
                 </a:extLst>
               </a:tr>
@@ -24105,10 +26484,38 @@
           </a:graphicData>
         </a:graphic>
       </p:graphicFrame>
+      <p:sp>
+        <p:nvSpPr>
+          <p:cNvPr id="12" name="Content Placeholder 11">
+            <a:extLst>
+              <a:ext uri="{FF2B5EF4-FFF2-40B4-BE49-F238E27FC236}">
+                <a16:creationId xmlns:a16="http://schemas.microsoft.com/office/drawing/2014/main" id="{4C190A00-12E5-504F-85A7-F14C23F54D3E}"/>
+              </a:ext>
+            </a:extLst>
+          </p:cNvPr>
+          <p:cNvSpPr>
+            <a:spLocks noGrp="1"/>
+          </p:cNvSpPr>
+          <p:nvPr>
+            <p:ph idx="1"/>
+          </p:nvPr>
+        </p:nvSpPr>
+        <p:spPr/>
+        <p:txBody>
+          <a:bodyPr/>
+          <a:lstStyle/>
+          <a:p>
+            <a:r>
+              <a:rPr lang="en-US" b="1" dirty="0"/>
+              <a:t>Job chart</a:t>
+            </a:r>
+          </a:p>
+        </p:txBody>
+      </p:sp>
     </p:spTree>
     <p:extLst>
       <p:ext uri="{BB962C8B-B14F-4D97-AF65-F5344CB8AC3E}">
-        <p14:creationId xmlns:p14="http://schemas.microsoft.com/office/powerpoint/2010/main" val="897801941"/>
+        <p14:creationId xmlns:p14="http://schemas.microsoft.com/office/powerpoint/2010/main" val="1165547"/>
       </p:ext>
     </p:extLst>
   </p:cSld>
@@ -24127,153 +26534,6 @@
       </p:transition>
     </mc:Fallback>
   </mc:AlternateContent>
-  <p:timing>
-    <p:tnLst>
-      <p:par>
-        <p:cTn id="1" dur="indefinite" restart="never" nodeType="tmRoot">
-          <p:childTnLst>
-            <p:seq concurrent="1" nextAc="seek">
-              <p:cTn id="2" dur="indefinite" nodeType="mainSeq">
-                <p:childTnLst>
-                  <p:par>
-                    <p:cTn id="3" fill="hold">
-                      <p:stCondLst>
-                        <p:cond delay="indefinite"/>
-                      </p:stCondLst>
-                      <p:childTnLst>
-                        <p:par>
-                          <p:cTn id="4" fill="hold">
-                            <p:stCondLst>
-                              <p:cond delay="0"/>
-                            </p:stCondLst>
-                            <p:childTnLst>
-                              <p:par>
-                                <p:cTn id="5" presetID="9" presetClass="entr" presetSubtype="0" fill="hold" grpId="0" nodeType="clickEffect">
-                                  <p:stCondLst>
-                                    <p:cond delay="0"/>
-                                  </p:stCondLst>
-                                  <p:childTnLst>
-                                    <p:set>
-                                      <p:cBhvr>
-                                        <p:cTn id="6" dur="1" fill="hold">
-                                          <p:stCondLst>
-                                            <p:cond delay="0"/>
-                                          </p:stCondLst>
-                                        </p:cTn>
-                                        <p:tgtEl>
-                                          <p:spTgt spid="2">
-                                            <p:txEl>
-                                              <p:pRg st="0" end="0"/>
-                                            </p:txEl>
-                                          </p:spTgt>
-                                        </p:tgtEl>
-                                        <p:attrNameLst>
-                                          <p:attrName>style.visibility</p:attrName>
-                                        </p:attrNameLst>
-                                      </p:cBhvr>
-                                      <p:to>
-                                        <p:strVal val="visible"/>
-                                      </p:to>
-                                    </p:set>
-                                    <p:animEffect transition="in" filter="dissolve">
-                                      <p:cBhvr>
-                                        <p:cTn id="7" dur="500"/>
-                                        <p:tgtEl>
-                                          <p:spTgt spid="2">
-                                            <p:txEl>
-                                              <p:pRg st="0" end="0"/>
-                                            </p:txEl>
-                                          </p:spTgt>
-                                        </p:tgtEl>
-                                      </p:cBhvr>
-                                    </p:animEffect>
-                                  </p:childTnLst>
-                                </p:cTn>
-                              </p:par>
-                            </p:childTnLst>
-                          </p:cTn>
-                        </p:par>
-                      </p:childTnLst>
-                    </p:cTn>
-                  </p:par>
-                  <p:par>
-                    <p:cTn id="8" fill="hold">
-                      <p:stCondLst>
-                        <p:cond delay="indefinite"/>
-                      </p:stCondLst>
-                      <p:childTnLst>
-                        <p:par>
-                          <p:cTn id="9" fill="hold">
-                            <p:stCondLst>
-                              <p:cond delay="0"/>
-                            </p:stCondLst>
-                            <p:childTnLst>
-                              <p:par>
-                                <p:cTn id="10" presetID="5" presetClass="entr" presetSubtype="10" fill="hold" nodeType="clickEffect">
-                                  <p:stCondLst>
-                                    <p:cond delay="0"/>
-                                  </p:stCondLst>
-                                  <p:childTnLst>
-                                    <p:set>
-                                      <p:cBhvr>
-                                        <p:cTn id="11" dur="1" fill="hold">
-                                          <p:stCondLst>
-                                            <p:cond delay="0"/>
-                                          </p:stCondLst>
-                                        </p:cTn>
-                                        <p:tgtEl>
-                                          <p:spTgt spid="13"/>
-                                        </p:tgtEl>
-                                        <p:attrNameLst>
-                                          <p:attrName>style.visibility</p:attrName>
-                                        </p:attrNameLst>
-                                      </p:cBhvr>
-                                      <p:to>
-                                        <p:strVal val="visible"/>
-                                      </p:to>
-                                    </p:set>
-                                    <p:animEffect transition="in" filter="checkerboard(across)">
-                                      <p:cBhvr>
-                                        <p:cTn id="12" dur="500"/>
-                                        <p:tgtEl>
-                                          <p:spTgt spid="13"/>
-                                        </p:tgtEl>
-                                      </p:cBhvr>
-                                    </p:animEffect>
-                                  </p:childTnLst>
-                                </p:cTn>
-                              </p:par>
-                            </p:childTnLst>
-                          </p:cTn>
-                        </p:par>
-                      </p:childTnLst>
-                    </p:cTn>
-                  </p:par>
-                </p:childTnLst>
-              </p:cTn>
-              <p:prevCondLst>
-                <p:cond evt="onPrev" delay="0">
-                  <p:tgtEl>
-                    <p:sldTgt/>
-                  </p:tgtEl>
-                </p:cond>
-              </p:prevCondLst>
-              <p:nextCondLst>
-                <p:cond evt="onNext" delay="0">
-                  <p:tgtEl>
-                    <p:sldTgt/>
-                  </p:tgtEl>
-                </p:cond>
-              </p:nextCondLst>
-            </p:seq>
-          </p:childTnLst>
-        </p:cTn>
-      </p:par>
-    </p:tnLst>
-    <p:bldLst>
-      <p:bldP spid="2" grpId="0" build="p"/>
-    </p:bldLst>
-  </p:timing>
 </p:sld>
 </file>
 

--- a/Improgress/PM-3.pptx
+++ b/Improgress/PM-3.pptx
@@ -9545,10 +9545,10 @@
       </p:sp>
       <p:pic>
         <p:nvPicPr>
-          <p:cNvPr id="7" name="Hình ảnh 1">
+          <p:cNvPr id="8" name="Hình ảnh 6">
             <a:extLst>
               <a:ext uri="{FF2B5EF4-FFF2-40B4-BE49-F238E27FC236}">
-                <a16:creationId xmlns:a16="http://schemas.microsoft.com/office/drawing/2014/main" id="{6BA9B8BA-8907-7C45-A93B-5314CE7F8F21}"/>
+                <a16:creationId xmlns:a16="http://schemas.microsoft.com/office/drawing/2014/main" id="{6D929230-7357-EF4F-981E-47BAEC69BF39}"/>
               </a:ext>
             </a:extLst>
           </p:cNvPr>
@@ -9570,8 +9570,8 @@
         </p:blipFill>
         <p:spPr bwMode="auto">
           <a:xfrm>
-            <a:off x="3128009" y="2122984"/>
-            <a:ext cx="5935980" cy="4282347"/>
+            <a:off x="3124200" y="2122984"/>
+            <a:ext cx="5943600" cy="4430216"/>
           </a:xfrm>
           <a:prstGeom prst="rect">
             <a:avLst/>
@@ -9604,89 +9604,6 @@
       </p:transition>
     </mc:Fallback>
   </mc:AlternateContent>
-  <p:timing>
-    <p:tnLst>
-      <p:par>
-        <p:cTn id="1" dur="indefinite" restart="never" nodeType="tmRoot">
-          <p:childTnLst>
-            <p:seq concurrent="1" nextAc="seek">
-              <p:cTn id="2" dur="indefinite" nodeType="mainSeq">
-                <p:childTnLst>
-                  <p:par>
-                    <p:cTn id="3" fill="hold">
-                      <p:stCondLst>
-                        <p:cond delay="indefinite"/>
-                      </p:stCondLst>
-                      <p:childTnLst>
-                        <p:par>
-                          <p:cTn id="4" fill="hold">
-                            <p:stCondLst>
-                              <p:cond delay="0"/>
-                            </p:stCondLst>
-                            <p:childTnLst>
-                              <p:par>
-                                <p:cTn id="5" presetID="5" presetClass="entr" presetSubtype="10" fill="hold" nodeType="clickEffect">
-                                  <p:stCondLst>
-                                    <p:cond delay="0"/>
-                                  </p:stCondLst>
-                                  <p:childTnLst>
-                                    <p:set>
-                                      <p:cBhvr>
-                                        <p:cTn id="6" dur="1" fill="hold">
-                                          <p:stCondLst>
-                                            <p:cond delay="0"/>
-                                          </p:stCondLst>
-                                        </p:cTn>
-                                        <p:tgtEl>
-                                          <p:spTgt spid="7"/>
-                                        </p:tgtEl>
-                                        <p:attrNameLst>
-                                          <p:attrName>style.visibility</p:attrName>
-                                        </p:attrNameLst>
-                                      </p:cBhvr>
-                                      <p:to>
-                                        <p:strVal val="visible"/>
-                                      </p:to>
-                                    </p:set>
-                                    <p:animEffect transition="in" filter="checkerboard(across)">
-                                      <p:cBhvr>
-                                        <p:cTn id="7" dur="500"/>
-                                        <p:tgtEl>
-                                          <p:spTgt spid="7"/>
-                                        </p:tgtEl>
-                                      </p:cBhvr>
-                                    </p:animEffect>
-                                  </p:childTnLst>
-                                </p:cTn>
-                              </p:par>
-                            </p:childTnLst>
-                          </p:cTn>
-                        </p:par>
-                      </p:childTnLst>
-                    </p:cTn>
-                  </p:par>
-                </p:childTnLst>
-              </p:cTn>
-              <p:prevCondLst>
-                <p:cond evt="onPrev" delay="0">
-                  <p:tgtEl>
-                    <p:sldTgt/>
-                  </p:tgtEl>
-                </p:cond>
-              </p:prevCondLst>
-              <p:nextCondLst>
-                <p:cond evt="onNext" delay="0">
-                  <p:tgtEl>
-                    <p:sldTgt/>
-                  </p:tgtEl>
-                </p:cond>
-              </p:nextCondLst>
-            </p:seq>
-          </p:childTnLst>
-        </p:cTn>
-      </p:par>
-    </p:tnLst>
-  </p:timing>
 </p:sld>
 </file>
 
